--- a/documentation/architecture.pptx
+++ b/documentation/architecture.pptx
@@ -1,23 +1,25 @@
 
 <file path=ppt/presentation.xml><?xml version="1.0" encoding="utf-8"?>
-<p:presentation xmlns:a="http://schemas.openxmlformats.org/drawingml/2006/main" xmlns:r="http://schemas.openxmlformats.org/officeDocument/2006/relationships" xmlns:mc="http://schemas.openxmlformats.org/markup-compatibility/2006" xmlns:mv="urn:schemas-microsoft-com:mac:vml" xmlns:p="http://schemas.openxmlformats.org/presentationml/2006/main" xmlns:c="http://schemas.openxmlformats.org/drawingml/2006/chart" xmlns:dgm="http://schemas.openxmlformats.org/drawingml/2006/diagram" xmlns:o="urn:schemas-microsoft-com:office:office" xmlns:v="urn:schemas-microsoft-com:vml" xmlns:pvml="urn:schemas-microsoft-com:office:powerpoint" xmlns:com="http://schemas.openxmlformats.org/drawingml/2006/compatibility" xmlns:p14="http://schemas.microsoft.com/office/powerpoint/2010/main" xmlns:p15="http://schemas.microsoft.com/office/powerpoint/2012/main" autoCompressPictures="0" strictFirstAndLastChars="0" saveSubsetFonts="1">
+<p:presentation xmlns:a="http://schemas.openxmlformats.org/drawingml/2006/main" xmlns:r="http://schemas.openxmlformats.org/officeDocument/2006/relationships" xmlns:p="http://schemas.openxmlformats.org/presentationml/2006/main" strictFirstAndLastChars="0" saveSubsetFonts="1" autoCompressPictures="0">
   <p:sldMasterIdLst>
-    <p:sldMasterId id="2147483659" r:id="rId5"/>
+    <p:sldMasterId id="2147483659" r:id="rId1"/>
   </p:sldMasterIdLst>
   <p:notesMasterIdLst>
-    <p:notesMasterId r:id="rId6"/>
+    <p:notesMasterId r:id="rId9"/>
   </p:notesMasterIdLst>
   <p:sldIdLst>
-    <p:sldId id="256" r:id="rId7"/>
-    <p:sldId id="257" r:id="rId8"/>
-    <p:sldId id="258" r:id="rId9"/>
-    <p:sldId id="259" r:id="rId10"/>
-    <p:sldId id="260" r:id="rId11"/>
+    <p:sldId id="256" r:id="rId2"/>
+    <p:sldId id="257" r:id="rId3"/>
+    <p:sldId id="258" r:id="rId4"/>
+    <p:sldId id="259" r:id="rId5"/>
+    <p:sldId id="261" r:id="rId6"/>
+    <p:sldId id="262" r:id="rId7"/>
+    <p:sldId id="260" r:id="rId8"/>
   </p:sldIdLst>
-  <p:sldSz cy="5143500" cx="9144000"/>
+  <p:sldSz cx="9144000" cy="5143500" type="screen16x9"/>
   <p:notesSz cx="6858000" cy="9144000"/>
   <p:defaultTextStyle>
-    <a:defPPr lvl="0" marR="0" rtl="0" algn="l">
+    <a:defPPr marR="0" lvl="0" algn="l" rtl="0">
       <a:lnSpc>
         <a:spcPct val="100000"/>
       </a:lnSpc>
@@ -28,7 +30,7 @@
         <a:spcPts val="0"/>
       </a:spcAft>
     </a:defPPr>
-    <a:lvl1pPr lvl="0" marR="0" rtl="0" algn="l">
+    <a:lvl1pPr marR="0" lvl="0" algn="l" rtl="0">
       <a:lnSpc>
         <a:spcPct val="100000"/>
       </a:lnSpc>
@@ -42,7 +44,7 @@
         <a:srgbClr val="000000"/>
       </a:buClr>
       <a:buFont typeface="Arial"/>
-      <a:defRPr b="0" i="0" sz="1400" u="none" cap="none" strike="noStrike">
+      <a:defRPr sz="1400" b="0" i="0" u="none" strike="noStrike" cap="none">
         <a:solidFill>
           <a:srgbClr val="000000"/>
         </a:solidFill>
@@ -52,7 +54,7 @@
         <a:sym typeface="Arial"/>
       </a:defRPr>
     </a:lvl1pPr>
-    <a:lvl2pPr lvl="1" marR="0" rtl="0" algn="l">
+    <a:lvl2pPr marR="0" lvl="1" algn="l" rtl="0">
       <a:lnSpc>
         <a:spcPct val="100000"/>
       </a:lnSpc>
@@ -66,7 +68,7 @@
         <a:srgbClr val="000000"/>
       </a:buClr>
       <a:buFont typeface="Arial"/>
-      <a:defRPr b="0" i="0" sz="1400" u="none" cap="none" strike="noStrike">
+      <a:defRPr sz="1400" b="0" i="0" u="none" strike="noStrike" cap="none">
         <a:solidFill>
           <a:srgbClr val="000000"/>
         </a:solidFill>
@@ -76,7 +78,7 @@
         <a:sym typeface="Arial"/>
       </a:defRPr>
     </a:lvl2pPr>
-    <a:lvl3pPr lvl="2" marR="0" rtl="0" algn="l">
+    <a:lvl3pPr marR="0" lvl="2" algn="l" rtl="0">
       <a:lnSpc>
         <a:spcPct val="100000"/>
       </a:lnSpc>
@@ -90,7 +92,7 @@
         <a:srgbClr val="000000"/>
       </a:buClr>
       <a:buFont typeface="Arial"/>
-      <a:defRPr b="0" i="0" sz="1400" u="none" cap="none" strike="noStrike">
+      <a:defRPr sz="1400" b="0" i="0" u="none" strike="noStrike" cap="none">
         <a:solidFill>
           <a:srgbClr val="000000"/>
         </a:solidFill>
@@ -100,7 +102,7 @@
         <a:sym typeface="Arial"/>
       </a:defRPr>
     </a:lvl3pPr>
-    <a:lvl4pPr lvl="3" marR="0" rtl="0" algn="l">
+    <a:lvl4pPr marR="0" lvl="3" algn="l" rtl="0">
       <a:lnSpc>
         <a:spcPct val="100000"/>
       </a:lnSpc>
@@ -114,7 +116,7 @@
         <a:srgbClr val="000000"/>
       </a:buClr>
       <a:buFont typeface="Arial"/>
-      <a:defRPr b="0" i="0" sz="1400" u="none" cap="none" strike="noStrike">
+      <a:defRPr sz="1400" b="0" i="0" u="none" strike="noStrike" cap="none">
         <a:solidFill>
           <a:srgbClr val="000000"/>
         </a:solidFill>
@@ -124,7 +126,7 @@
         <a:sym typeface="Arial"/>
       </a:defRPr>
     </a:lvl4pPr>
-    <a:lvl5pPr lvl="4" marR="0" rtl="0" algn="l">
+    <a:lvl5pPr marR="0" lvl="4" algn="l" rtl="0">
       <a:lnSpc>
         <a:spcPct val="100000"/>
       </a:lnSpc>
@@ -138,7 +140,7 @@
         <a:srgbClr val="000000"/>
       </a:buClr>
       <a:buFont typeface="Arial"/>
-      <a:defRPr b="0" i="0" sz="1400" u="none" cap="none" strike="noStrike">
+      <a:defRPr sz="1400" b="0" i="0" u="none" strike="noStrike" cap="none">
         <a:solidFill>
           <a:srgbClr val="000000"/>
         </a:solidFill>
@@ -148,7 +150,7 @@
         <a:sym typeface="Arial"/>
       </a:defRPr>
     </a:lvl5pPr>
-    <a:lvl6pPr lvl="5" marR="0" rtl="0" algn="l">
+    <a:lvl6pPr marR="0" lvl="5" algn="l" rtl="0">
       <a:lnSpc>
         <a:spcPct val="100000"/>
       </a:lnSpc>
@@ -162,7 +164,7 @@
         <a:srgbClr val="000000"/>
       </a:buClr>
       <a:buFont typeface="Arial"/>
-      <a:defRPr b="0" i="0" sz="1400" u="none" cap="none" strike="noStrike">
+      <a:defRPr sz="1400" b="0" i="0" u="none" strike="noStrike" cap="none">
         <a:solidFill>
           <a:srgbClr val="000000"/>
         </a:solidFill>
@@ -172,7 +174,7 @@
         <a:sym typeface="Arial"/>
       </a:defRPr>
     </a:lvl6pPr>
-    <a:lvl7pPr lvl="6" marR="0" rtl="0" algn="l">
+    <a:lvl7pPr marR="0" lvl="6" algn="l" rtl="0">
       <a:lnSpc>
         <a:spcPct val="100000"/>
       </a:lnSpc>
@@ -186,7 +188,7 @@
         <a:srgbClr val="000000"/>
       </a:buClr>
       <a:buFont typeface="Arial"/>
-      <a:defRPr b="0" i="0" sz="1400" u="none" cap="none" strike="noStrike">
+      <a:defRPr sz="1400" b="0" i="0" u="none" strike="noStrike" cap="none">
         <a:solidFill>
           <a:srgbClr val="000000"/>
         </a:solidFill>
@@ -196,7 +198,7 @@
         <a:sym typeface="Arial"/>
       </a:defRPr>
     </a:lvl7pPr>
-    <a:lvl8pPr lvl="7" marR="0" rtl="0" algn="l">
+    <a:lvl8pPr marR="0" lvl="7" algn="l" rtl="0">
       <a:lnSpc>
         <a:spcPct val="100000"/>
       </a:lnSpc>
@@ -210,7 +212,7 @@
         <a:srgbClr val="000000"/>
       </a:buClr>
       <a:buFont typeface="Arial"/>
-      <a:defRPr b="0" i="0" sz="1400" u="none" cap="none" strike="noStrike">
+      <a:defRPr sz="1400" b="0" i="0" u="none" strike="noStrike" cap="none">
         <a:solidFill>
           <a:srgbClr val="000000"/>
         </a:solidFill>
@@ -220,7 +222,7 @@
         <a:sym typeface="Arial"/>
       </a:defRPr>
     </a:lvl8pPr>
-    <a:lvl9pPr lvl="8" marR="0" rtl="0" algn="l">
+    <a:lvl9pPr marR="0" lvl="8" algn="l" rtl="0">
       <a:lnSpc>
         <a:spcPct val="100000"/>
       </a:lnSpc>
@@ -234,7 +236,7 @@
         <a:srgbClr val="000000"/>
       </a:buClr>
       <a:buFont typeface="Arial"/>
-      <a:defRPr b="0" i="0" sz="1400" u="none" cap="none" strike="noStrike">
+      <a:defRPr sz="1400" b="0" i="0" u="none" strike="noStrike" cap="none">
         <a:solidFill>
           <a:srgbClr val="000000"/>
         </a:solidFill>
@@ -247,7 +249,7 @@
   </p:defaultTextStyle>
   <p:extLst>
     <p:ext uri="{EFAFB233-063F-42B5-8137-9DF3F51BA10A}">
-      <p15:sldGuideLst>
+      <p15:sldGuideLst xmlns:p15="http://schemas.microsoft.com/office/powerpoint/2012/main">
         <p15:guide id="1" orient="horz" pos="1620">
           <p15:clr>
             <a:srgbClr val="A4A3A4"/>
@@ -265,30 +267,29 @@
 </file>
 
 <file path=ppt/commentAuthors.xml><?xml version="1.0" encoding="utf-8"?>
-<p:cmAuthorLst xmlns:a="http://schemas.openxmlformats.org/drawingml/2006/main" xmlns:r="http://schemas.openxmlformats.org/officeDocument/2006/relationships" xmlns:mc="http://schemas.openxmlformats.org/markup-compatibility/2006" xmlns:mv="urn:schemas-microsoft-com:mac:vml" xmlns:p="http://schemas.openxmlformats.org/presentationml/2006/main" xmlns:c="http://schemas.openxmlformats.org/drawingml/2006/chart" xmlns:dgm="http://schemas.openxmlformats.org/drawingml/2006/diagram" xmlns:o="urn:schemas-microsoft-com:office:office" xmlns:v="urn:schemas-microsoft-com:vml" xmlns:pvml="urn:schemas-microsoft-com:office:powerpoint" xmlns:com="http://schemas.openxmlformats.org/drawingml/2006/compatibility" xmlns:p14="http://schemas.microsoft.com/office/powerpoint/2010/main" xmlns:p15="http://schemas.microsoft.com/office/powerpoint/2012/main">
-  <p:cmAuthor clrIdx="0" id="0" initials="" lastIdx="4" name="Daniyal Jahan"/>
-  <p:cmAuthor clrIdx="1" id="1" initials="" lastIdx="1" name="Myron R"/>
-  <p:cmAuthor clrIdx="2" id="2" initials="" lastIdx="2" name="Dong-Ha Kim"/>
+<p:cmAuthorLst xmlns:a="http://schemas.openxmlformats.org/drawingml/2006/main" xmlns:r="http://schemas.openxmlformats.org/officeDocument/2006/relationships" xmlns:p="http://schemas.openxmlformats.org/presentationml/2006/main">
+  <p:cmAuthor id="0" name="Daniyal Jahan" initials="" lastIdx="4" clrIdx="0"/>
+  <p:cmAuthor id="1" name="Myron R" initials="" lastIdx="1" clrIdx="1"/>
+  <p:cmAuthor id="2" name="Dong-Ha Kim" initials="" lastIdx="2" clrIdx="2"/>
 </p:cmAuthorLst>
 </file>
 
 <file path=ppt/comments/comment1.xml><?xml version="1.0" encoding="utf-8"?>
-<p:cmLst xmlns:a="http://schemas.openxmlformats.org/drawingml/2006/main" xmlns:r="http://schemas.openxmlformats.org/officeDocument/2006/relationships" xmlns:mc="http://schemas.openxmlformats.org/markup-compatibility/2006" xmlns:mv="urn:schemas-microsoft-com:mac:vml" xmlns:p="http://schemas.openxmlformats.org/presentationml/2006/main" xmlns:c="http://schemas.openxmlformats.org/drawingml/2006/chart" xmlns:dgm="http://schemas.openxmlformats.org/drawingml/2006/diagram" xmlns:o="urn:schemas-microsoft-com:office:office" xmlns:v="urn:schemas-microsoft-com:vml" xmlns:pvml="urn:schemas-microsoft-com:office:powerpoint" xmlns:com="http://schemas.openxmlformats.org/drawingml/2006/compatibility" xmlns:p14="http://schemas.microsoft.com/office/powerpoint/2010/main" xmlns:p15="http://schemas.microsoft.com/office/powerpoint/2012/main">
-  <p:cm authorId="0" idx="1" dt="2019-04-23T08:55:17.971">
-    <p:pos x="196" y="725"/>
-    <p:text>I would suggest a point-based system for review.
--2,-1,0,+1 or something similar.
-How does it sound to you ?</p:text>
+<p:cmLst xmlns:a="http://schemas.openxmlformats.org/drawingml/2006/main" xmlns:r="http://schemas.openxmlformats.org/officeDocument/2006/relationships" xmlns:p="http://schemas.openxmlformats.org/presentationml/2006/main">
+  <p:cm authorId="0" dt="2019-04-23T07:18:16.699" idx="4">
+    <p:pos x="196" y="825"/>
+    <p:text>+Imperative mood
++Setting Upstream</p:text>
   </p:cm>
-  <p:cm authorId="1" idx="1" dt="2019-04-23T08:25:09.365">
+  <p:cm authorId="1" dt="2019-04-23T08:25:09.365" idx="1">
     <p:pos x="196" y="725"/>
     <p:text>Sounds good, is there any tool to integrate a point-based system?</p:text>
   </p:cm>
-  <p:cm authorId="2" idx="1" dt="2019-04-23T08:35:38.625">
+  <p:cm authorId="2" dt="2019-04-23T08:35:38.625" idx="1">
     <p:pos x="196" y="725"/>
     <p:text>Can you elaborate more on what you mean with point-based system?</p:text>
   </p:cm>
-  <p:cm authorId="0" idx="2" dt="2019-04-23T08:47:20.337">
+  <p:cm authorId="0" dt="2019-04-23T08:47:20.337" idx="2">
     <p:pos x="196" y="725"/>
     <p:text>A rough idea could be as follows:-
 -2 : Do not submit (has serious issues in logic)
@@ -297,28 +298,34 @@
 +1 : Seems good to Reviewer X
 We can set +2 or +3 as acceptable and then merge them.</p:text>
   </p:cm>
-  <p:cm authorId="0" idx="3" dt="2019-04-23T08:49:20.719">
+  <p:cm authorId="0" dt="2019-04-23T08:49:20.719" idx="3">
     <p:pos x="196" y="725"/>
     <p:text>There is Gerrit which follows similar point-based review but it's probably overkill for our project.</p:text>
   </p:cm>
-  <p:cm authorId="2" idx="2" dt="2019-04-23T08:55:17.971">
+  <p:cm authorId="0" dt="2019-04-23T08:55:17.971" idx="1">
+    <p:pos x="196" y="725"/>
+    <p:text>I would suggest a point-based system for review.
+-2,-1,0,+1 or something similar.
+How does it sound to you ?</p:text>
+  </p:cm>
+  <p:cm authorId="2" dt="2019-04-23T08:55:17.971" idx="2">
     <p:pos x="196" y="725"/>
     <p:text>Interesting I like it. But how do give this points? As a review comment on the PR or via an emoji?</p:text>
-  </p:cm>
-  <p:cm authorId="0" idx="4" dt="2019-04-23T07:18:16.699">
-    <p:pos x="196" y="825"/>
-    <p:text>+Imperative mood
-+Setting Upstream</p:text>
   </p:cm>
 </p:cmLst>
 </file>
 
 <file path=ppt/notesMasters/notesMaster1.xml><?xml version="1.0" encoding="utf-8"?>
-<p:notesMaster xmlns:a="http://schemas.openxmlformats.org/drawingml/2006/main" xmlns:r="http://schemas.openxmlformats.org/officeDocument/2006/relationships" xmlns:mc="http://schemas.openxmlformats.org/markup-compatibility/2006" xmlns:mv="urn:schemas-microsoft-com:mac:vml" xmlns:p="http://schemas.openxmlformats.org/presentationml/2006/main" xmlns:c="http://schemas.openxmlformats.org/drawingml/2006/chart" xmlns:dgm="http://schemas.openxmlformats.org/drawingml/2006/diagram" xmlns:o="urn:schemas-microsoft-com:office:office" xmlns:v="urn:schemas-microsoft-com:vml" xmlns:pvml="urn:schemas-microsoft-com:office:powerpoint" xmlns:com="http://schemas.openxmlformats.org/drawingml/2006/compatibility" xmlns:p14="http://schemas.microsoft.com/office/powerpoint/2010/main" xmlns:p15="http://schemas.microsoft.com/office/powerpoint/2012/main">
+<p:notesMaster xmlns:a="http://schemas.openxmlformats.org/drawingml/2006/main" xmlns:r="http://schemas.openxmlformats.org/officeDocument/2006/relationships" xmlns:p="http://schemas.openxmlformats.org/presentationml/2006/main">
   <p:cSld>
+    <p:bg>
+      <p:bgRef idx="1001">
+        <a:schemeClr val="bg1"/>
+      </p:bgRef>
+    </p:bg>
     <p:spTree>
       <p:nvGrpSpPr>
-        <p:cNvPr id="2" name="Shape 2"/>
+        <p:cNvPr id="1" name="Shape 2"/>
         <p:cNvGrpSpPr/>
         <p:nvPr/>
       </p:nvGrpSpPr>
@@ -333,9 +340,11 @@
       <p:sp>
         <p:nvSpPr>
           <p:cNvPr id="3" name="Google Shape;3;n"/>
-          <p:cNvSpPr/>
+          <p:cNvSpPr>
+            <a:spLocks noGrp="1" noRot="1" noChangeAspect="1"/>
+          </p:cNvSpPr>
           <p:nvPr>
-            <p:ph idx="2" type="sldImg"/>
+            <p:ph type="sldImg" idx="2"/>
           </p:nvPr>
         </p:nvSpPr>
         <p:spPr>
@@ -344,9 +353,13 @@
             <a:ext cx="6096075" cy="3429000"/>
           </a:xfrm>
           <a:custGeom>
-            <a:rect b="b" l="l" r="r" t="t"/>
+            <a:avLst/>
+            <a:gdLst/>
+            <a:ahLst/>
+            <a:cxnLst/>
+            <a:rect l="l" t="t" r="r" b="b"/>
             <a:pathLst>
-              <a:path extrusionOk="0" h="120000" w="120000">
+              <a:path w="120000" h="120000" extrusionOk="0">
                 <a:moveTo>
                   <a:pt x="0" y="0"/>
                 </a:moveTo>
@@ -364,23 +377,25 @@
             </a:pathLst>
           </a:custGeom>
           <a:noFill/>
-          <a:ln cap="flat" cmpd="sng" w="9525">
+          <a:ln w="9525" cap="flat" cmpd="sng">
             <a:solidFill>
               <a:srgbClr val="000000"/>
             </a:solidFill>
             <a:prstDash val="solid"/>
             <a:round/>
-            <a:headEnd len="sm" w="sm" type="none"/>
-            <a:tailEnd len="sm" w="sm" type="none"/>
+            <a:headEnd type="none" w="sm" len="sm"/>
+            <a:tailEnd type="none" w="sm" len="sm"/>
           </a:ln>
         </p:spPr>
       </p:sp>
       <p:sp>
         <p:nvSpPr>
           <p:cNvPr id="4" name="Google Shape;4;n"/>
-          <p:cNvSpPr txBox="1"/>
+          <p:cNvSpPr txBox="1">
+            <a:spLocks noGrp="1"/>
+          </p:cNvSpPr>
           <p:nvPr>
-            <p:ph idx="1" type="body"/>
+            <p:ph type="body" idx="1"/>
           </p:nvPr>
         </p:nvSpPr>
         <p:spPr>
@@ -397,9 +412,9 @@
           </a:ln>
         </p:spPr>
         <p:txBody>
-          <a:bodyPr anchorCtr="0" anchor="t" bIns="91425" lIns="91425" spcFirstLastPara="1" rIns="91425" wrap="square" tIns="91425"/>
+          <a:bodyPr spcFirstLastPara="1" wrap="square" lIns="91425" tIns="91425" rIns="91425" bIns="91425" anchor="t" anchorCtr="0"/>
           <a:lstStyle>
-            <a:lvl1pPr indent="-298450" lvl="0" marL="457200">
+            <a:lvl1pPr marL="457200" lvl="0" indent="-298450">
               <a:spcBef>
                 <a:spcPts val="0"/>
               </a:spcBef>
@@ -410,7 +425,7 @@
               <a:buChar char="●"/>
               <a:defRPr sz="1100"/>
             </a:lvl1pPr>
-            <a:lvl2pPr indent="-298450" lvl="1" marL="914400">
+            <a:lvl2pPr marL="914400" lvl="1" indent="-298450">
               <a:spcBef>
                 <a:spcPts val="0"/>
               </a:spcBef>
@@ -421,7 +436,7 @@
               <a:buChar char="○"/>
               <a:defRPr sz="1100"/>
             </a:lvl2pPr>
-            <a:lvl3pPr indent="-298450" lvl="2" marL="1371600">
+            <a:lvl3pPr marL="1371600" lvl="2" indent="-298450">
               <a:spcBef>
                 <a:spcPts val="0"/>
               </a:spcBef>
@@ -432,7 +447,7 @@
               <a:buChar char="■"/>
               <a:defRPr sz="1100"/>
             </a:lvl3pPr>
-            <a:lvl4pPr indent="-298450" lvl="3" marL="1828800">
+            <a:lvl4pPr marL="1828800" lvl="3" indent="-298450">
               <a:spcBef>
                 <a:spcPts val="0"/>
               </a:spcBef>
@@ -443,7 +458,7 @@
               <a:buChar char="●"/>
               <a:defRPr sz="1100"/>
             </a:lvl4pPr>
-            <a:lvl5pPr indent="-298450" lvl="4" marL="2286000">
+            <a:lvl5pPr marL="2286000" lvl="4" indent="-298450">
               <a:spcBef>
                 <a:spcPts val="0"/>
               </a:spcBef>
@@ -454,7 +469,7 @@
               <a:buChar char="○"/>
               <a:defRPr sz="1100"/>
             </a:lvl5pPr>
-            <a:lvl6pPr indent="-298450" lvl="5" marL="2743200">
+            <a:lvl6pPr marL="2743200" lvl="5" indent="-298450">
               <a:spcBef>
                 <a:spcPts val="0"/>
               </a:spcBef>
@@ -465,7 +480,7 @@
               <a:buChar char="■"/>
               <a:defRPr sz="1100"/>
             </a:lvl6pPr>
-            <a:lvl7pPr indent="-298450" lvl="6" marL="3200400">
+            <a:lvl7pPr marL="3200400" lvl="6" indent="-298450">
               <a:spcBef>
                 <a:spcPts val="0"/>
               </a:spcBef>
@@ -476,7 +491,7 @@
               <a:buChar char="●"/>
               <a:defRPr sz="1100"/>
             </a:lvl7pPr>
-            <a:lvl8pPr indent="-298450" lvl="7" marL="3657600">
+            <a:lvl8pPr marL="3657600" lvl="7" indent="-298450">
               <a:spcBef>
                 <a:spcPts val="0"/>
               </a:spcBef>
@@ -487,7 +502,7 @@
               <a:buChar char="○"/>
               <a:defRPr sz="1100"/>
             </a:lvl8pPr>
-            <a:lvl9pPr indent="-298450" lvl="8" marL="4114800">
+            <a:lvl9pPr marL="4114800" lvl="8" indent="-298450">
               <a:spcBef>
                 <a:spcPts val="0"/>
               </a:spcBef>
@@ -499,14 +514,21 @@
               <a:defRPr sz="1100"/>
             </a:lvl9pPr>
           </a:lstStyle>
-          <a:p/>
+          <a:p>
+            <a:endParaRPr/>
+          </a:p>
         </p:txBody>
       </p:sp>
     </p:spTree>
+    <p:extLst>
+      <p:ext uri="{BB962C8B-B14F-4D97-AF65-F5344CB8AC3E}">
+        <p14:creationId xmlns:p14="http://schemas.microsoft.com/office/powerpoint/2010/main" val="971761705"/>
+      </p:ext>
+    </p:extLst>
   </p:cSld>
-  <p:clrMap accent1="accent1" accent2="accent2" accent3="accent3" accent4="accent4" accent5="accent5" accent6="accent6" bg1="lt1" bg2="dk2" tx1="dk1" tx2="lt2" folHlink="folHlink" hlink="hlink"/>
+  <p:clrMap bg1="lt1" tx1="dk1" bg2="dk2" tx2="lt2" accent1="accent1" accent2="accent2" accent3="accent3" accent4="accent4" accent5="accent5" accent6="accent6" hlink="hlink" folHlink="folHlink"/>
   <p:notesStyle>
-    <a:defPPr lvl="0" marR="0" rtl="0" algn="l">
+    <a:defPPr marR="0" lvl="0" algn="l" rtl="0">
       <a:lnSpc>
         <a:spcPct val="100000"/>
       </a:lnSpc>
@@ -517,7 +539,7 @@
         <a:spcPts val="0"/>
       </a:spcAft>
     </a:defPPr>
-    <a:lvl1pPr lvl="0" marR="0" rtl="0" algn="l">
+    <a:lvl1pPr marR="0" lvl="0" algn="l" rtl="0">
       <a:lnSpc>
         <a:spcPct val="100000"/>
       </a:lnSpc>
@@ -531,7 +553,7 @@
         <a:srgbClr val="000000"/>
       </a:buClr>
       <a:buFont typeface="Arial"/>
-      <a:defRPr b="0" i="0" sz="1400" u="none" cap="none" strike="noStrike">
+      <a:defRPr sz="1400" b="0" i="0" u="none" strike="noStrike" cap="none">
         <a:solidFill>
           <a:srgbClr val="000000"/>
         </a:solidFill>
@@ -541,7 +563,7 @@
         <a:sym typeface="Arial"/>
       </a:defRPr>
     </a:lvl1pPr>
-    <a:lvl2pPr lvl="1" marR="0" rtl="0" algn="l">
+    <a:lvl2pPr marR="0" lvl="1" algn="l" rtl="0">
       <a:lnSpc>
         <a:spcPct val="100000"/>
       </a:lnSpc>
@@ -555,7 +577,7 @@
         <a:srgbClr val="000000"/>
       </a:buClr>
       <a:buFont typeface="Arial"/>
-      <a:defRPr b="0" i="0" sz="1400" u="none" cap="none" strike="noStrike">
+      <a:defRPr sz="1400" b="0" i="0" u="none" strike="noStrike" cap="none">
         <a:solidFill>
           <a:srgbClr val="000000"/>
         </a:solidFill>
@@ -565,7 +587,7 @@
         <a:sym typeface="Arial"/>
       </a:defRPr>
     </a:lvl2pPr>
-    <a:lvl3pPr lvl="2" marR="0" rtl="0" algn="l">
+    <a:lvl3pPr marR="0" lvl="2" algn="l" rtl="0">
       <a:lnSpc>
         <a:spcPct val="100000"/>
       </a:lnSpc>
@@ -579,7 +601,7 @@
         <a:srgbClr val="000000"/>
       </a:buClr>
       <a:buFont typeface="Arial"/>
-      <a:defRPr b="0" i="0" sz="1400" u="none" cap="none" strike="noStrike">
+      <a:defRPr sz="1400" b="0" i="0" u="none" strike="noStrike" cap="none">
         <a:solidFill>
           <a:srgbClr val="000000"/>
         </a:solidFill>
@@ -589,7 +611,7 @@
         <a:sym typeface="Arial"/>
       </a:defRPr>
     </a:lvl3pPr>
-    <a:lvl4pPr lvl="3" marR="0" rtl="0" algn="l">
+    <a:lvl4pPr marR="0" lvl="3" algn="l" rtl="0">
       <a:lnSpc>
         <a:spcPct val="100000"/>
       </a:lnSpc>
@@ -603,7 +625,7 @@
         <a:srgbClr val="000000"/>
       </a:buClr>
       <a:buFont typeface="Arial"/>
-      <a:defRPr b="0" i="0" sz="1400" u="none" cap="none" strike="noStrike">
+      <a:defRPr sz="1400" b="0" i="0" u="none" strike="noStrike" cap="none">
         <a:solidFill>
           <a:srgbClr val="000000"/>
         </a:solidFill>
@@ -613,7 +635,7 @@
         <a:sym typeface="Arial"/>
       </a:defRPr>
     </a:lvl4pPr>
-    <a:lvl5pPr lvl="4" marR="0" rtl="0" algn="l">
+    <a:lvl5pPr marR="0" lvl="4" algn="l" rtl="0">
       <a:lnSpc>
         <a:spcPct val="100000"/>
       </a:lnSpc>
@@ -627,7 +649,7 @@
         <a:srgbClr val="000000"/>
       </a:buClr>
       <a:buFont typeface="Arial"/>
-      <a:defRPr b="0" i="0" sz="1400" u="none" cap="none" strike="noStrike">
+      <a:defRPr sz="1400" b="0" i="0" u="none" strike="noStrike" cap="none">
         <a:solidFill>
           <a:srgbClr val="000000"/>
         </a:solidFill>
@@ -637,7 +659,7 @@
         <a:sym typeface="Arial"/>
       </a:defRPr>
     </a:lvl5pPr>
-    <a:lvl6pPr lvl="5" marR="0" rtl="0" algn="l">
+    <a:lvl6pPr marR="0" lvl="5" algn="l" rtl="0">
       <a:lnSpc>
         <a:spcPct val="100000"/>
       </a:lnSpc>
@@ -651,7 +673,7 @@
         <a:srgbClr val="000000"/>
       </a:buClr>
       <a:buFont typeface="Arial"/>
-      <a:defRPr b="0" i="0" sz="1400" u="none" cap="none" strike="noStrike">
+      <a:defRPr sz="1400" b="0" i="0" u="none" strike="noStrike" cap="none">
         <a:solidFill>
           <a:srgbClr val="000000"/>
         </a:solidFill>
@@ -661,7 +683,7 @@
         <a:sym typeface="Arial"/>
       </a:defRPr>
     </a:lvl6pPr>
-    <a:lvl7pPr lvl="6" marR="0" rtl="0" algn="l">
+    <a:lvl7pPr marR="0" lvl="6" algn="l" rtl="0">
       <a:lnSpc>
         <a:spcPct val="100000"/>
       </a:lnSpc>
@@ -675,7 +697,7 @@
         <a:srgbClr val="000000"/>
       </a:buClr>
       <a:buFont typeface="Arial"/>
-      <a:defRPr b="0" i="0" sz="1400" u="none" cap="none" strike="noStrike">
+      <a:defRPr sz="1400" b="0" i="0" u="none" strike="noStrike" cap="none">
         <a:solidFill>
           <a:srgbClr val="000000"/>
         </a:solidFill>
@@ -685,7 +707,7 @@
         <a:sym typeface="Arial"/>
       </a:defRPr>
     </a:lvl7pPr>
-    <a:lvl8pPr lvl="7" marR="0" rtl="0" algn="l">
+    <a:lvl8pPr marR="0" lvl="7" algn="l" rtl="0">
       <a:lnSpc>
         <a:spcPct val="100000"/>
       </a:lnSpc>
@@ -699,7 +721,7 @@
         <a:srgbClr val="000000"/>
       </a:buClr>
       <a:buFont typeface="Arial"/>
-      <a:defRPr b="0" i="0" sz="1400" u="none" cap="none" strike="noStrike">
+      <a:defRPr sz="1400" b="0" i="0" u="none" strike="noStrike" cap="none">
         <a:solidFill>
           <a:srgbClr val="000000"/>
         </a:solidFill>
@@ -709,7 +731,7 @@
         <a:sym typeface="Arial"/>
       </a:defRPr>
     </a:lvl8pPr>
-    <a:lvl9pPr lvl="8" marR="0" rtl="0" algn="l">
+    <a:lvl9pPr marR="0" lvl="8" algn="l" rtl="0">
       <a:lnSpc>
         <a:spcPct val="100000"/>
       </a:lnSpc>
@@ -723,7 +745,7 @@
         <a:srgbClr val="000000"/>
       </a:buClr>
       <a:buFont typeface="Arial"/>
-      <a:defRPr b="0" i="0" sz="1400" u="none" cap="none" strike="noStrike">
+      <a:defRPr sz="1400" b="0" i="0" u="none" strike="noStrike" cap="none">
         <a:solidFill>
           <a:srgbClr val="000000"/>
         </a:solidFill>
@@ -738,11 +760,11 @@
 </file>
 
 <file path=ppt/notesSlides/notesSlide1.xml><?xml version="1.0" encoding="utf-8"?>
-<p:notes xmlns:a="http://schemas.openxmlformats.org/drawingml/2006/main" xmlns:r="http://schemas.openxmlformats.org/officeDocument/2006/relationships" xmlns:mc="http://schemas.openxmlformats.org/markup-compatibility/2006" xmlns:mv="urn:schemas-microsoft-com:mac:vml" xmlns:p="http://schemas.openxmlformats.org/presentationml/2006/main" xmlns:c="http://schemas.openxmlformats.org/drawingml/2006/chart" xmlns:dgm="http://schemas.openxmlformats.org/drawingml/2006/diagram" xmlns:o="urn:schemas-microsoft-com:office:office" xmlns:v="urn:schemas-microsoft-com:vml" xmlns:pvml="urn:schemas-microsoft-com:office:powerpoint" xmlns:com="http://schemas.openxmlformats.org/drawingml/2006/compatibility" xmlns:p14="http://schemas.microsoft.com/office/powerpoint/2010/main" xmlns:p15="http://schemas.microsoft.com/office/powerpoint/2012/main" showMasterPhAnim="0" showMasterSp="0">
+<p:notes xmlns:a="http://schemas.openxmlformats.org/drawingml/2006/main" xmlns:r="http://schemas.openxmlformats.org/officeDocument/2006/relationships" xmlns:p="http://schemas.openxmlformats.org/presentationml/2006/main" showMasterSp="0" showMasterPhAnim="0">
   <p:cSld>
     <p:spTree>
       <p:nvGrpSpPr>
-        <p:cNvPr id="50" name="Shape 50"/>
+        <p:cNvPr id="1" name="Shape 50"/>
         <p:cNvGrpSpPr/>
         <p:nvPr/>
       </p:nvGrpSpPr>
@@ -757,9 +779,11 @@
       <p:sp>
         <p:nvSpPr>
           <p:cNvPr id="51" name="Google Shape;51;p:notes"/>
-          <p:cNvSpPr/>
+          <p:cNvSpPr>
+            <a:spLocks noGrp="1" noRot="1" noChangeAspect="1"/>
+          </p:cNvSpPr>
           <p:nvPr>
-            <p:ph idx="2" type="sldImg"/>
+            <p:ph type="sldImg" idx="2"/>
           </p:nvPr>
         </p:nvSpPr>
         <p:spPr>
@@ -768,9 +792,13 @@
             <a:ext cx="6096075" cy="3429000"/>
           </a:xfrm>
           <a:custGeom>
-            <a:rect b="b" l="l" r="r" t="t"/>
+            <a:avLst/>
+            <a:gdLst/>
+            <a:ahLst/>
+            <a:cxnLst/>
+            <a:rect l="l" t="t" r="r" b="b"/>
             <a:pathLst>
-              <a:path extrusionOk="0" h="120000" w="120000">
+              <a:path w="120000" h="120000" extrusionOk="0">
                 <a:moveTo>
                   <a:pt x="0" y="0"/>
                 </a:moveTo>
@@ -792,9 +820,11 @@
       <p:sp>
         <p:nvSpPr>
           <p:cNvPr id="52" name="Google Shape;52;p:notes"/>
-          <p:cNvSpPr txBox="1"/>
+          <p:cNvSpPr txBox="1">
+            <a:spLocks noGrp="1"/>
+          </p:cNvSpPr>
           <p:nvPr>
-            <p:ph idx="1" type="body"/>
+            <p:ph type="body" idx="1"/>
           </p:nvPr>
         </p:nvSpPr>
         <p:spPr>
@@ -807,12 +837,12 @@
           </a:prstGeom>
         </p:spPr>
         <p:txBody>
-          <a:bodyPr anchorCtr="0" anchor="t" bIns="91425" lIns="91425" spcFirstLastPara="1" rIns="91425" wrap="square" tIns="91425">
+          <a:bodyPr spcFirstLastPara="1" wrap="square" lIns="91425" tIns="91425" rIns="91425" bIns="91425" anchor="t" anchorCtr="0">
             <a:noAutofit/>
           </a:bodyPr>
           <a:lstStyle/>
           <a:p>
-            <a:pPr indent="0" lvl="0" marL="0" rtl="0" algn="l">
+            <a:pPr marL="0" lvl="0" indent="0" algn="l" rtl="0">
               <a:spcBef>
                 <a:spcPts val="0"/>
               </a:spcBef>
@@ -821,14 +851,16 @@
               </a:spcAft>
               <a:buNone/>
             </a:pPr>
-            <a:r>
-              <a:t/>
-            </a:r>
             <a:endParaRPr/>
           </a:p>
         </p:txBody>
       </p:sp>
     </p:spTree>
+    <p:extLst>
+      <p:ext uri="{BB962C8B-B14F-4D97-AF65-F5344CB8AC3E}">
+        <p14:creationId xmlns:p14="http://schemas.microsoft.com/office/powerpoint/2010/main" val="3699714774"/>
+      </p:ext>
+    </p:extLst>
   </p:cSld>
   <p:clrMapOvr>
     <a:masterClrMapping/>
@@ -837,11 +869,11 @@
 </file>
 
 <file path=ppt/notesSlides/notesSlide2.xml><?xml version="1.0" encoding="utf-8"?>
-<p:notes xmlns:a="http://schemas.openxmlformats.org/drawingml/2006/main" xmlns:r="http://schemas.openxmlformats.org/officeDocument/2006/relationships" xmlns:mc="http://schemas.openxmlformats.org/markup-compatibility/2006" xmlns:mv="urn:schemas-microsoft-com:mac:vml" xmlns:p="http://schemas.openxmlformats.org/presentationml/2006/main" xmlns:c="http://schemas.openxmlformats.org/drawingml/2006/chart" xmlns:dgm="http://schemas.openxmlformats.org/drawingml/2006/diagram" xmlns:o="urn:schemas-microsoft-com:office:office" xmlns:v="urn:schemas-microsoft-com:vml" xmlns:pvml="urn:schemas-microsoft-com:office:powerpoint" xmlns:com="http://schemas.openxmlformats.org/drawingml/2006/compatibility" xmlns:p14="http://schemas.microsoft.com/office/powerpoint/2010/main" xmlns:p15="http://schemas.microsoft.com/office/powerpoint/2012/main" showMasterPhAnim="0" showMasterSp="0">
+<p:notes xmlns:a="http://schemas.openxmlformats.org/drawingml/2006/main" xmlns:r="http://schemas.openxmlformats.org/officeDocument/2006/relationships" xmlns:p="http://schemas.openxmlformats.org/presentationml/2006/main" showMasterSp="0" showMasterPhAnim="0">
   <p:cSld>
     <p:spTree>
       <p:nvGrpSpPr>
-        <p:cNvPr id="56" name="Shape 56"/>
+        <p:cNvPr id="1" name="Shape 56"/>
         <p:cNvGrpSpPr/>
         <p:nvPr/>
       </p:nvGrpSpPr>
@@ -856,9 +888,11 @@
       <p:sp>
         <p:nvSpPr>
           <p:cNvPr id="57" name="Google Shape;57;g569465023a_0_45:notes"/>
-          <p:cNvSpPr/>
+          <p:cNvSpPr>
+            <a:spLocks noGrp="1" noRot="1" noChangeAspect="1"/>
+          </p:cNvSpPr>
           <p:nvPr>
-            <p:ph idx="2" type="sldImg"/>
+            <p:ph type="sldImg" idx="2"/>
           </p:nvPr>
         </p:nvSpPr>
         <p:spPr>
@@ -867,9 +901,13 @@
             <a:ext cx="6096000" cy="3429000"/>
           </a:xfrm>
           <a:custGeom>
-            <a:rect b="b" l="l" r="r" t="t"/>
+            <a:avLst/>
+            <a:gdLst/>
+            <a:ahLst/>
+            <a:cxnLst/>
+            <a:rect l="l" t="t" r="r" b="b"/>
             <a:pathLst>
-              <a:path extrusionOk="0" h="120000" w="120000">
+              <a:path w="120000" h="120000" extrusionOk="0">
                 <a:moveTo>
                   <a:pt x="0" y="0"/>
                 </a:moveTo>
@@ -891,9 +929,11 @@
       <p:sp>
         <p:nvSpPr>
           <p:cNvPr id="58" name="Google Shape;58;g569465023a_0_45:notes"/>
-          <p:cNvSpPr txBox="1"/>
+          <p:cNvSpPr txBox="1">
+            <a:spLocks noGrp="1"/>
+          </p:cNvSpPr>
           <p:nvPr>
-            <p:ph idx="1" type="body"/>
+            <p:ph type="body" idx="1"/>
           </p:nvPr>
         </p:nvSpPr>
         <p:spPr>
@@ -906,12 +946,12 @@
           </a:prstGeom>
         </p:spPr>
         <p:txBody>
-          <a:bodyPr anchorCtr="0" anchor="t" bIns="91425" lIns="91425" spcFirstLastPara="1" rIns="91425" wrap="square" tIns="91425">
+          <a:bodyPr spcFirstLastPara="1" wrap="square" lIns="91425" tIns="91425" rIns="91425" bIns="91425" anchor="t" anchorCtr="0">
             <a:noAutofit/>
           </a:bodyPr>
           <a:lstStyle/>
           <a:p>
-            <a:pPr indent="0" lvl="0" marL="0" rtl="0" algn="l">
+            <a:pPr marL="0" lvl="0" indent="0" algn="l" rtl="0">
               <a:spcBef>
                 <a:spcPts val="0"/>
               </a:spcBef>
@@ -920,14 +960,16 @@
               </a:spcAft>
               <a:buNone/>
             </a:pPr>
-            <a:r>
-              <a:t/>
-            </a:r>
             <a:endParaRPr/>
           </a:p>
         </p:txBody>
       </p:sp>
     </p:spTree>
+    <p:extLst>
+      <p:ext uri="{BB962C8B-B14F-4D97-AF65-F5344CB8AC3E}">
+        <p14:creationId xmlns:p14="http://schemas.microsoft.com/office/powerpoint/2010/main" val="2854062227"/>
+      </p:ext>
+    </p:extLst>
   </p:cSld>
   <p:clrMapOvr>
     <a:masterClrMapping/>
@@ -936,11 +978,11 @@
 </file>
 
 <file path=ppt/notesSlides/notesSlide3.xml><?xml version="1.0" encoding="utf-8"?>
-<p:notes xmlns:a="http://schemas.openxmlformats.org/drawingml/2006/main" xmlns:r="http://schemas.openxmlformats.org/officeDocument/2006/relationships" xmlns:mc="http://schemas.openxmlformats.org/markup-compatibility/2006" xmlns:mv="urn:schemas-microsoft-com:mac:vml" xmlns:p="http://schemas.openxmlformats.org/presentationml/2006/main" xmlns:c="http://schemas.openxmlformats.org/drawingml/2006/chart" xmlns:dgm="http://schemas.openxmlformats.org/drawingml/2006/diagram" xmlns:o="urn:schemas-microsoft-com:office:office" xmlns:v="urn:schemas-microsoft-com:vml" xmlns:pvml="urn:schemas-microsoft-com:office:powerpoint" xmlns:com="http://schemas.openxmlformats.org/drawingml/2006/compatibility" xmlns:p14="http://schemas.microsoft.com/office/powerpoint/2010/main" xmlns:p15="http://schemas.microsoft.com/office/powerpoint/2012/main" showMasterPhAnim="0" showMasterSp="0">
+<p:notes xmlns:a="http://schemas.openxmlformats.org/drawingml/2006/main" xmlns:r="http://schemas.openxmlformats.org/officeDocument/2006/relationships" xmlns:p="http://schemas.openxmlformats.org/presentationml/2006/main" showMasterSp="0" showMasterPhAnim="0">
   <p:cSld>
     <p:spTree>
       <p:nvGrpSpPr>
-        <p:cNvPr id="62" name="Shape 62"/>
+        <p:cNvPr id="1" name="Shape 62"/>
         <p:cNvGrpSpPr/>
         <p:nvPr/>
       </p:nvGrpSpPr>
@@ -955,9 +997,11 @@
       <p:sp>
         <p:nvSpPr>
           <p:cNvPr id="63" name="Google Shape;63;g569465023a_0_50:notes"/>
-          <p:cNvSpPr/>
+          <p:cNvSpPr>
+            <a:spLocks noGrp="1" noRot="1" noChangeAspect="1"/>
+          </p:cNvSpPr>
           <p:nvPr>
-            <p:ph idx="2" type="sldImg"/>
+            <p:ph type="sldImg" idx="2"/>
           </p:nvPr>
         </p:nvSpPr>
         <p:spPr>
@@ -966,9 +1010,13 @@
             <a:ext cx="6096000" cy="3429000"/>
           </a:xfrm>
           <a:custGeom>
-            <a:rect b="b" l="l" r="r" t="t"/>
+            <a:avLst/>
+            <a:gdLst/>
+            <a:ahLst/>
+            <a:cxnLst/>
+            <a:rect l="l" t="t" r="r" b="b"/>
             <a:pathLst>
-              <a:path extrusionOk="0" h="120000" w="120000">
+              <a:path w="120000" h="120000" extrusionOk="0">
                 <a:moveTo>
                   <a:pt x="0" y="0"/>
                 </a:moveTo>
@@ -990,9 +1038,11 @@
       <p:sp>
         <p:nvSpPr>
           <p:cNvPr id="64" name="Google Shape;64;g569465023a_0_50:notes"/>
-          <p:cNvSpPr txBox="1"/>
+          <p:cNvSpPr txBox="1">
+            <a:spLocks noGrp="1"/>
+          </p:cNvSpPr>
           <p:nvPr>
-            <p:ph idx="1" type="body"/>
+            <p:ph type="body" idx="1"/>
           </p:nvPr>
         </p:nvSpPr>
         <p:spPr>
@@ -1005,12 +1055,12 @@
           </a:prstGeom>
         </p:spPr>
         <p:txBody>
-          <a:bodyPr anchorCtr="0" anchor="t" bIns="91425" lIns="91425" spcFirstLastPara="1" rIns="91425" wrap="square" tIns="91425">
+          <a:bodyPr spcFirstLastPara="1" wrap="square" lIns="91425" tIns="91425" rIns="91425" bIns="91425" anchor="t" anchorCtr="0">
             <a:noAutofit/>
           </a:bodyPr>
           <a:lstStyle/>
           <a:p>
-            <a:pPr indent="0" lvl="0" marL="0" rtl="0" algn="l">
+            <a:pPr marL="0" lvl="0" indent="0" algn="l" rtl="0">
               <a:spcBef>
                 <a:spcPts val="0"/>
               </a:spcBef>
@@ -1019,14 +1069,16 @@
               </a:spcAft>
               <a:buNone/>
             </a:pPr>
-            <a:r>
-              <a:t/>
-            </a:r>
             <a:endParaRPr/>
           </a:p>
         </p:txBody>
       </p:sp>
     </p:spTree>
+    <p:extLst>
+      <p:ext uri="{BB962C8B-B14F-4D97-AF65-F5344CB8AC3E}">
+        <p14:creationId xmlns:p14="http://schemas.microsoft.com/office/powerpoint/2010/main" val="160949215"/>
+      </p:ext>
+    </p:extLst>
   </p:cSld>
   <p:clrMapOvr>
     <a:masterClrMapping/>
@@ -1035,11 +1087,11 @@
 </file>
 
 <file path=ppt/notesSlides/notesSlide4.xml><?xml version="1.0" encoding="utf-8"?>
-<p:notes xmlns:a="http://schemas.openxmlformats.org/drawingml/2006/main" xmlns:r="http://schemas.openxmlformats.org/officeDocument/2006/relationships" xmlns:mc="http://schemas.openxmlformats.org/markup-compatibility/2006" xmlns:mv="urn:schemas-microsoft-com:mac:vml" xmlns:p="http://schemas.openxmlformats.org/presentationml/2006/main" xmlns:c="http://schemas.openxmlformats.org/drawingml/2006/chart" xmlns:dgm="http://schemas.openxmlformats.org/drawingml/2006/diagram" xmlns:o="urn:schemas-microsoft-com:office:office" xmlns:v="urn:schemas-microsoft-com:vml" xmlns:pvml="urn:schemas-microsoft-com:office:powerpoint" xmlns:com="http://schemas.openxmlformats.org/drawingml/2006/compatibility" xmlns:p14="http://schemas.microsoft.com/office/powerpoint/2010/main" xmlns:p15="http://schemas.microsoft.com/office/powerpoint/2012/main" showMasterPhAnim="0" showMasterSp="0">
+<p:notes xmlns:a="http://schemas.openxmlformats.org/drawingml/2006/main" xmlns:r="http://schemas.openxmlformats.org/officeDocument/2006/relationships" xmlns:p="http://schemas.openxmlformats.org/presentationml/2006/main" showMasterSp="0" showMasterPhAnim="0">
   <p:cSld>
     <p:spTree>
       <p:nvGrpSpPr>
-        <p:cNvPr id="68" name="Shape 68"/>
+        <p:cNvPr id="1" name="Shape 68"/>
         <p:cNvGrpSpPr/>
         <p:nvPr/>
       </p:nvGrpSpPr>
@@ -1054,9 +1106,11 @@
       <p:sp>
         <p:nvSpPr>
           <p:cNvPr id="69" name="Google Shape;69;g569465023a_0_55:notes"/>
-          <p:cNvSpPr/>
+          <p:cNvSpPr>
+            <a:spLocks noGrp="1" noRot="1" noChangeAspect="1"/>
+          </p:cNvSpPr>
           <p:nvPr>
-            <p:ph idx="2" type="sldImg"/>
+            <p:ph type="sldImg" idx="2"/>
           </p:nvPr>
         </p:nvSpPr>
         <p:spPr>
@@ -1065,9 +1119,13 @@
             <a:ext cx="6096000" cy="3429000"/>
           </a:xfrm>
           <a:custGeom>
-            <a:rect b="b" l="l" r="r" t="t"/>
+            <a:avLst/>
+            <a:gdLst/>
+            <a:ahLst/>
+            <a:cxnLst/>
+            <a:rect l="l" t="t" r="r" b="b"/>
             <a:pathLst>
-              <a:path extrusionOk="0" h="120000" w="120000">
+              <a:path w="120000" h="120000" extrusionOk="0">
                 <a:moveTo>
                   <a:pt x="0" y="0"/>
                 </a:moveTo>
@@ -1089,9 +1147,11 @@
       <p:sp>
         <p:nvSpPr>
           <p:cNvPr id="70" name="Google Shape;70;g569465023a_0_55:notes"/>
-          <p:cNvSpPr txBox="1"/>
+          <p:cNvSpPr txBox="1">
+            <a:spLocks noGrp="1"/>
+          </p:cNvSpPr>
           <p:nvPr>
-            <p:ph idx="1" type="body"/>
+            <p:ph type="body" idx="1"/>
           </p:nvPr>
         </p:nvSpPr>
         <p:spPr>
@@ -1104,12 +1164,12 @@
           </a:prstGeom>
         </p:spPr>
         <p:txBody>
-          <a:bodyPr anchorCtr="0" anchor="t" bIns="91425" lIns="91425" spcFirstLastPara="1" rIns="91425" wrap="square" tIns="91425">
+          <a:bodyPr spcFirstLastPara="1" wrap="square" lIns="91425" tIns="91425" rIns="91425" bIns="91425" anchor="t" anchorCtr="0">
             <a:noAutofit/>
           </a:bodyPr>
           <a:lstStyle/>
           <a:p>
-            <a:pPr indent="-298450" lvl="0" marL="457200" rtl="0" algn="l">
+            <a:pPr marL="457200" lvl="0" indent="-298450" algn="l" rtl="0">
               <a:spcBef>
                 <a:spcPts val="0"/>
               </a:spcBef>
@@ -1126,7 +1186,7 @@
             <a:endParaRPr/>
           </a:p>
           <a:p>
-            <a:pPr indent="-298450" lvl="0" marL="457200" rtl="0" algn="l">
+            <a:pPr marL="457200" lvl="0" indent="-298450" algn="l" rtl="0">
               <a:spcBef>
                 <a:spcPts val="0"/>
               </a:spcBef>
@@ -1143,7 +1203,7 @@
             <a:endParaRPr/>
           </a:p>
           <a:p>
-            <a:pPr indent="-298450" lvl="0" marL="457200" rtl="0" algn="l">
+            <a:pPr marL="457200" lvl="0" indent="-298450" algn="l" rtl="0">
               <a:spcBef>
                 <a:spcPts val="0"/>
               </a:spcBef>
@@ -1160,7 +1220,7 @@
             <a:endParaRPr/>
           </a:p>
           <a:p>
-            <a:pPr indent="-298450" lvl="0" marL="457200" rtl="0" algn="l">
+            <a:pPr marL="457200" lvl="0" indent="-298450" algn="l" rtl="0">
               <a:spcBef>
                 <a:spcPts val="0"/>
               </a:spcBef>
@@ -1177,7 +1237,7 @@
             <a:endParaRPr/>
           </a:p>
           <a:p>
-            <a:pPr indent="0" lvl="0" marL="0" rtl="0" algn="l">
+            <a:pPr marL="0" lvl="0" indent="0" algn="l" rtl="0">
               <a:spcBef>
                 <a:spcPts val="0"/>
               </a:spcBef>
@@ -1186,13 +1246,10 @@
               </a:spcAft>
               <a:buNone/>
             </a:pPr>
-            <a:r>
-              <a:t/>
-            </a:r>
             <a:endParaRPr/>
           </a:p>
           <a:p>
-            <a:pPr indent="-298450" lvl="0" marL="457200" rtl="0" algn="l">
+            <a:pPr marL="457200" lvl="0" indent="-298450" algn="l" rtl="0">
               <a:spcBef>
                 <a:spcPts val="0"/>
               </a:spcBef>
@@ -1209,7 +1266,7 @@
             <a:endParaRPr/>
           </a:p>
           <a:p>
-            <a:pPr indent="-298450" lvl="0" marL="457200" rtl="0" algn="l">
+            <a:pPr marL="457200" lvl="0" indent="-298450" algn="l" rtl="0">
               <a:spcBef>
                 <a:spcPts val="0"/>
               </a:spcBef>
@@ -1219,14 +1276,16 @@
               <a:buSzPts val="1100"/>
               <a:buChar char="-"/>
             </a:pPr>
-            <a:r>
-              <a:t/>
-            </a:r>
             <a:endParaRPr/>
           </a:p>
         </p:txBody>
       </p:sp>
     </p:spTree>
+    <p:extLst>
+      <p:ext uri="{BB962C8B-B14F-4D97-AF65-F5344CB8AC3E}">
+        <p14:creationId xmlns:p14="http://schemas.microsoft.com/office/powerpoint/2010/main" val="1790564764"/>
+      </p:ext>
+    </p:extLst>
   </p:cSld>
   <p:clrMapOvr>
     <a:masterClrMapping/>
@@ -1235,11 +1294,1394 @@
 </file>
 
 <file path=ppt/notesSlides/notesSlide5.xml><?xml version="1.0" encoding="utf-8"?>
-<p:notes xmlns:a="http://schemas.openxmlformats.org/drawingml/2006/main" xmlns:r="http://schemas.openxmlformats.org/officeDocument/2006/relationships" xmlns:mc="http://schemas.openxmlformats.org/markup-compatibility/2006" xmlns:mv="urn:schemas-microsoft-com:mac:vml" xmlns:p="http://schemas.openxmlformats.org/presentationml/2006/main" xmlns:c="http://schemas.openxmlformats.org/drawingml/2006/chart" xmlns:dgm="http://schemas.openxmlformats.org/drawingml/2006/diagram" xmlns:o="urn:schemas-microsoft-com:office:office" xmlns:v="urn:schemas-microsoft-com:vml" xmlns:pvml="urn:schemas-microsoft-com:office:powerpoint" xmlns:com="http://schemas.openxmlformats.org/drawingml/2006/compatibility" xmlns:p14="http://schemas.microsoft.com/office/powerpoint/2010/main" xmlns:p15="http://schemas.microsoft.com/office/powerpoint/2012/main" showMasterPhAnim="0" showMasterSp="0">
+<p:notes xmlns:a="http://schemas.openxmlformats.org/drawingml/2006/main" xmlns:r="http://schemas.openxmlformats.org/officeDocument/2006/relationships" xmlns:p="http://schemas.openxmlformats.org/presentationml/2006/main">
   <p:cSld>
     <p:spTree>
       <p:nvGrpSpPr>
-        <p:cNvPr id="102" name="Shape 102"/>
+        <p:cNvPr id="1" name=""/>
+        <p:cNvGrpSpPr/>
+        <p:nvPr/>
+      </p:nvGrpSpPr>
+      <p:grpSpPr>
+        <a:xfrm>
+          <a:off x="0" y="0"/>
+          <a:ext cx="0" cy="0"/>
+          <a:chOff x="0" y="0"/>
+          <a:chExt cx="0" cy="0"/>
+        </a:xfrm>
+      </p:grpSpPr>
+      <p:sp>
+        <p:nvSpPr>
+          <p:cNvPr id="2" name="Folienbildplatzhalter 1"/>
+          <p:cNvSpPr>
+            <a:spLocks noGrp="1" noRot="1" noChangeAspect="1"/>
+          </p:cNvSpPr>
+          <p:nvPr>
+            <p:ph type="sldImg"/>
+          </p:nvPr>
+        </p:nvSpPr>
+        <p:spPr/>
+      </p:sp>
+      <p:sp>
+        <p:nvSpPr>
+          <p:cNvPr id="3" name="Notizenplatzhalter 2"/>
+          <p:cNvSpPr>
+            <a:spLocks noGrp="1"/>
+          </p:cNvSpPr>
+          <p:nvPr>
+            <p:ph type="body" idx="1"/>
+          </p:nvPr>
+        </p:nvSpPr>
+        <p:spPr/>
+        <p:txBody>
+          <a:bodyPr/>
+          <a:lstStyle/>
+          <a:p>
+            <a:pPr marL="457200" indent="-298450">
+              <a:buFont typeface="Symbol" panose="05050102010706020507" pitchFamily="18" charset="2"/>
+              <a:buChar char="-"/>
+            </a:pPr>
+            <a:r>
+              <a:rPr lang="de-DE" dirty="0" err="1" smtClean="0"/>
+              <a:t>Household</a:t>
+            </a:r>
+            <a:r>
+              <a:rPr lang="de-DE" dirty="0" smtClean="0"/>
+              <a:t> Processing Unit </a:t>
+            </a:r>
+            <a:r>
+              <a:rPr lang="de-DE" dirty="0" err="1" smtClean="0"/>
+              <a:t>consisting</a:t>
+            </a:r>
+            <a:r>
+              <a:rPr lang="de-DE" dirty="0" smtClean="0"/>
+              <a:t> </a:t>
+            </a:r>
+            <a:r>
+              <a:rPr lang="de-DE" dirty="0" err="1" smtClean="0"/>
+              <a:t>of</a:t>
+            </a:r>
+            <a:endParaRPr lang="de-DE" dirty="0" smtClean="0"/>
+          </a:p>
+          <a:p>
+            <a:pPr marL="914400" lvl="1" indent="-298450">
+              <a:buFont typeface="Symbol" panose="05050102010706020507" pitchFamily="18" charset="2"/>
+              <a:buChar char="-"/>
+            </a:pPr>
+            <a:r>
+              <a:rPr lang="de-DE" dirty="0" smtClean="0"/>
+              <a:t>a Node.js</a:t>
+            </a:r>
+            <a:r>
+              <a:rPr lang="de-DE" baseline="0" dirty="0" smtClean="0"/>
+              <a:t> </a:t>
+            </a:r>
+            <a:r>
+              <a:rPr lang="de-DE" baseline="0" dirty="0" err="1" smtClean="0"/>
+              <a:t>server</a:t>
+            </a:r>
+            <a:r>
+              <a:rPr lang="de-DE" baseline="0" dirty="0" smtClean="0"/>
+              <a:t> (</a:t>
+            </a:r>
+            <a:r>
+              <a:rPr lang="de-DE" baseline="0" dirty="0" err="1" smtClean="0"/>
+              <a:t>Household</a:t>
+            </a:r>
+            <a:r>
+              <a:rPr lang="de-DE" baseline="0" dirty="0" smtClean="0"/>
+              <a:t> JS-Server; HHS)</a:t>
+            </a:r>
+          </a:p>
+          <a:p>
+            <a:pPr marL="914400" lvl="1" indent="-298450">
+              <a:buFont typeface="Symbol" panose="05050102010706020507" pitchFamily="18" charset="2"/>
+              <a:buChar char="-"/>
+            </a:pPr>
+            <a:r>
+              <a:rPr lang="de-DE" baseline="0" dirty="0" smtClean="0"/>
+              <a:t>The </a:t>
+            </a:r>
+            <a:r>
+              <a:rPr lang="de-DE" baseline="0" dirty="0" err="1" smtClean="0"/>
+              <a:t>Parity</a:t>
+            </a:r>
+            <a:r>
+              <a:rPr lang="de-DE" baseline="0" dirty="0" smtClean="0"/>
+              <a:t> Client/Authority </a:t>
+            </a:r>
+            <a:r>
+              <a:rPr lang="de-DE" baseline="0" dirty="0" err="1" smtClean="0"/>
+              <a:t>Node</a:t>
+            </a:r>
+            <a:r>
+              <a:rPr lang="de-DE" baseline="0" dirty="0" smtClean="0"/>
+              <a:t> </a:t>
+            </a:r>
+            <a:r>
+              <a:rPr lang="de-DE" baseline="0" dirty="0" err="1" smtClean="0"/>
+              <a:t>providing</a:t>
+            </a:r>
+            <a:r>
+              <a:rPr lang="de-DE" baseline="0" dirty="0" smtClean="0"/>
+              <a:t> a private </a:t>
+            </a:r>
+            <a:r>
+              <a:rPr lang="de-DE" baseline="0" dirty="0" err="1" smtClean="0"/>
+              <a:t>key</a:t>
+            </a:r>
+            <a:r>
+              <a:rPr lang="de-DE" baseline="0" dirty="0" smtClean="0"/>
+              <a:t> </a:t>
+            </a:r>
+            <a:r>
+              <a:rPr lang="de-DE" baseline="0" dirty="0" err="1" smtClean="0"/>
+              <a:t>to</a:t>
+            </a:r>
+            <a:r>
+              <a:rPr lang="de-DE" baseline="0" dirty="0" smtClean="0"/>
+              <a:t> </a:t>
+            </a:r>
+            <a:r>
+              <a:rPr lang="de-DE" baseline="0" dirty="0" err="1" smtClean="0"/>
+              <a:t>the</a:t>
+            </a:r>
+            <a:r>
+              <a:rPr lang="de-DE" baseline="0" dirty="0" smtClean="0"/>
+              <a:t> HHS</a:t>
+            </a:r>
+          </a:p>
+          <a:p>
+            <a:pPr marL="914400" lvl="1" indent="-298450">
+              <a:buFont typeface="Symbol" panose="05050102010706020507" pitchFamily="18" charset="2"/>
+              <a:buChar char="-"/>
+            </a:pPr>
+            <a:r>
+              <a:rPr lang="de-DE" baseline="0" dirty="0" smtClean="0"/>
+              <a:t>A </a:t>
+            </a:r>
+            <a:r>
+              <a:rPr lang="de-DE" baseline="0" dirty="0" err="1" smtClean="0"/>
+              <a:t>database</a:t>
+            </a:r>
+            <a:r>
+              <a:rPr lang="de-DE" baseline="0" dirty="0" smtClean="0"/>
+              <a:t> </a:t>
+            </a:r>
+            <a:r>
+              <a:rPr lang="de-DE" baseline="0" dirty="0" err="1" smtClean="0"/>
+              <a:t>containing</a:t>
+            </a:r>
+            <a:r>
+              <a:rPr lang="de-DE" baseline="0" dirty="0" smtClean="0"/>
+              <a:t> all </a:t>
+            </a:r>
+            <a:r>
+              <a:rPr lang="de-DE" baseline="0" dirty="0" err="1" smtClean="0"/>
+              <a:t>logged</a:t>
+            </a:r>
+            <a:r>
+              <a:rPr lang="de-DE" baseline="0" dirty="0" smtClean="0"/>
+              <a:t> </a:t>
+            </a:r>
+            <a:r>
+              <a:rPr lang="de-DE" baseline="0" dirty="0" err="1" smtClean="0"/>
+              <a:t>data</a:t>
+            </a:r>
+            <a:r>
+              <a:rPr lang="de-DE" baseline="0" dirty="0" smtClean="0"/>
+              <a:t> </a:t>
+            </a:r>
+            <a:r>
+              <a:rPr lang="de-DE" baseline="0" dirty="0" err="1" smtClean="0"/>
+              <a:t>ffrom</a:t>
+            </a:r>
+            <a:r>
+              <a:rPr lang="de-DE" baseline="0" dirty="0" smtClean="0"/>
+              <a:t> </a:t>
+            </a:r>
+            <a:r>
+              <a:rPr lang="de-DE" baseline="0" dirty="0" err="1" smtClean="0"/>
+              <a:t>the</a:t>
+            </a:r>
+            <a:r>
+              <a:rPr lang="de-DE" baseline="0" dirty="0" smtClean="0"/>
+              <a:t> HHS</a:t>
+            </a:r>
+          </a:p>
+          <a:p>
+            <a:pPr marL="914400" lvl="1" indent="-298450">
+              <a:buFont typeface="Symbol" panose="05050102010706020507" pitchFamily="18" charset="2"/>
+              <a:buChar char="-"/>
+            </a:pPr>
+            <a:r>
+              <a:rPr lang="de-DE" baseline="0" dirty="0" smtClean="0"/>
+              <a:t>A User </a:t>
+            </a:r>
+            <a:r>
+              <a:rPr lang="de-DE" baseline="0" dirty="0" err="1" smtClean="0"/>
+              <a:t>Interace</a:t>
+            </a:r>
+            <a:r>
+              <a:rPr lang="de-DE" baseline="0" dirty="0" smtClean="0"/>
+              <a:t> </a:t>
+            </a:r>
+            <a:r>
+              <a:rPr lang="de-DE" baseline="0" dirty="0" err="1" smtClean="0"/>
+              <a:t>displaying</a:t>
+            </a:r>
+            <a:r>
+              <a:rPr lang="de-DE" baseline="0" dirty="0" smtClean="0"/>
+              <a:t> (live) </a:t>
+            </a:r>
+            <a:r>
+              <a:rPr lang="de-DE" baseline="0" dirty="0" err="1" smtClean="0"/>
+              <a:t>data</a:t>
+            </a:r>
+            <a:r>
+              <a:rPr lang="de-DE" baseline="0" dirty="0" smtClean="0"/>
+              <a:t> </a:t>
+            </a:r>
+            <a:r>
+              <a:rPr lang="de-DE" baseline="0" dirty="0" err="1" smtClean="0"/>
+              <a:t>from</a:t>
+            </a:r>
+            <a:r>
+              <a:rPr lang="de-DE" baseline="0" dirty="0" smtClean="0"/>
+              <a:t> </a:t>
+            </a:r>
+            <a:r>
+              <a:rPr lang="de-DE" baseline="0" dirty="0" err="1" smtClean="0"/>
+              <a:t>the</a:t>
+            </a:r>
+            <a:r>
+              <a:rPr lang="de-DE" baseline="0" dirty="0" smtClean="0"/>
+              <a:t> HHS</a:t>
+            </a:r>
+            <a:endParaRPr lang="de-DE" dirty="0" smtClean="0"/>
+          </a:p>
+          <a:p>
+            <a:pPr marL="457200" indent="-298450">
+              <a:buFont typeface="Symbol" panose="05050102010706020507" pitchFamily="18" charset="2"/>
+              <a:buChar char="-"/>
+            </a:pPr>
+            <a:r>
+              <a:rPr lang="de-DE" dirty="0" smtClean="0"/>
+              <a:t>Sensors</a:t>
+            </a:r>
+            <a:r>
+              <a:rPr lang="de-DE" baseline="0" dirty="0" smtClean="0"/>
+              <a:t> send </a:t>
+            </a:r>
+            <a:r>
+              <a:rPr lang="de-DE" baseline="0" dirty="0" err="1" smtClean="0"/>
+              <a:t>data</a:t>
+            </a:r>
+            <a:r>
+              <a:rPr lang="de-DE" baseline="0" dirty="0" smtClean="0"/>
+              <a:t> via JSON </a:t>
+            </a:r>
+            <a:r>
+              <a:rPr lang="de-DE" baseline="0" dirty="0" err="1" smtClean="0"/>
+              <a:t>datastream</a:t>
+            </a:r>
+            <a:r>
+              <a:rPr lang="de-DE" baseline="0" dirty="0" smtClean="0"/>
+              <a:t> </a:t>
+            </a:r>
+            <a:r>
+              <a:rPr lang="de-DE" baseline="0" dirty="0" err="1" smtClean="0"/>
+              <a:t>to</a:t>
+            </a:r>
+            <a:r>
+              <a:rPr lang="de-DE" baseline="0" dirty="0" smtClean="0"/>
+              <a:t> </a:t>
+            </a:r>
+            <a:r>
+              <a:rPr lang="de-DE" baseline="0" dirty="0" err="1" smtClean="0"/>
+              <a:t>the</a:t>
+            </a:r>
+            <a:r>
+              <a:rPr lang="de-DE" baseline="0" dirty="0" smtClean="0"/>
+              <a:t> HHS</a:t>
+            </a:r>
+          </a:p>
+          <a:p>
+            <a:pPr marL="457200" indent="-298450">
+              <a:buFont typeface="Symbol" panose="05050102010706020507" pitchFamily="18" charset="2"/>
+              <a:buChar char="-"/>
+            </a:pPr>
+            <a:r>
+              <a:rPr lang="de-DE" baseline="0" dirty="0" smtClean="0"/>
+              <a:t>The HHS </a:t>
+            </a:r>
+            <a:r>
+              <a:rPr lang="de-DE" baseline="0" dirty="0" err="1" smtClean="0"/>
+              <a:t>sends</a:t>
+            </a:r>
+            <a:r>
+              <a:rPr lang="de-DE" baseline="0" dirty="0" smtClean="0"/>
+              <a:t> </a:t>
+            </a:r>
+            <a:r>
+              <a:rPr lang="de-DE" baseline="0" dirty="0" err="1" smtClean="0"/>
+              <a:t>consume</a:t>
+            </a:r>
+            <a:r>
+              <a:rPr lang="de-DE" baseline="0" dirty="0" smtClean="0"/>
+              <a:t> </a:t>
+            </a:r>
+            <a:r>
+              <a:rPr lang="de-DE" baseline="0" dirty="0" err="1" smtClean="0"/>
+              <a:t>and</a:t>
+            </a:r>
+            <a:r>
+              <a:rPr lang="de-DE" baseline="0" dirty="0" smtClean="0"/>
+              <a:t> </a:t>
+            </a:r>
+            <a:r>
+              <a:rPr lang="de-DE" baseline="0" dirty="0" err="1" smtClean="0"/>
+              <a:t>produce</a:t>
+            </a:r>
+            <a:r>
+              <a:rPr lang="de-DE" baseline="0" dirty="0" smtClean="0"/>
+              <a:t> </a:t>
+            </a:r>
+            <a:r>
+              <a:rPr lang="de-DE" baseline="0" dirty="0" err="1" smtClean="0"/>
+              <a:t>transactions</a:t>
+            </a:r>
+            <a:r>
+              <a:rPr lang="de-DE" baseline="0" dirty="0" smtClean="0"/>
+              <a:t> </a:t>
+            </a:r>
+            <a:r>
+              <a:rPr lang="de-DE" baseline="0" dirty="0" err="1" smtClean="0"/>
+              <a:t>directly</a:t>
+            </a:r>
+            <a:r>
+              <a:rPr lang="de-DE" baseline="0" dirty="0" smtClean="0"/>
+              <a:t> </a:t>
+            </a:r>
+            <a:r>
+              <a:rPr lang="de-DE" baseline="0" dirty="0" err="1" smtClean="0"/>
+              <a:t>to</a:t>
+            </a:r>
+            <a:r>
+              <a:rPr lang="de-DE" baseline="0" dirty="0" smtClean="0"/>
+              <a:t> </a:t>
+            </a:r>
+            <a:r>
+              <a:rPr lang="de-DE" baseline="0" dirty="0" err="1" smtClean="0"/>
+              <a:t>the</a:t>
+            </a:r>
+            <a:r>
+              <a:rPr lang="de-DE" baseline="0" dirty="0" smtClean="0"/>
+              <a:t> Utility </a:t>
+            </a:r>
+            <a:r>
+              <a:rPr lang="de-DE" baseline="0" dirty="0" err="1" smtClean="0"/>
+              <a:t>Contract</a:t>
+            </a:r>
+            <a:r>
+              <a:rPr lang="de-DE" baseline="0" dirty="0" smtClean="0"/>
+              <a:t> (Smart </a:t>
+            </a:r>
+            <a:r>
+              <a:rPr lang="de-DE" baseline="0" dirty="0" err="1" smtClean="0"/>
+              <a:t>Contract</a:t>
+            </a:r>
+            <a:r>
+              <a:rPr lang="de-DE" baseline="0" dirty="0" smtClean="0"/>
+              <a:t>, UC)</a:t>
+            </a:r>
+          </a:p>
+          <a:p>
+            <a:pPr marL="457200" indent="-298450">
+              <a:buFont typeface="Symbol" panose="05050102010706020507" pitchFamily="18" charset="2"/>
+              <a:buChar char="-"/>
+            </a:pPr>
+            <a:r>
+              <a:rPr lang="de-DE" baseline="0" dirty="0" smtClean="0"/>
+              <a:t>UC </a:t>
+            </a:r>
+            <a:r>
+              <a:rPr lang="de-DE" baseline="0" dirty="0" err="1" smtClean="0"/>
+              <a:t>is</a:t>
+            </a:r>
+            <a:r>
+              <a:rPr lang="de-DE" baseline="0" dirty="0" smtClean="0"/>
+              <a:t> </a:t>
+            </a:r>
+            <a:r>
+              <a:rPr lang="de-DE" baseline="0" dirty="0" err="1" smtClean="0"/>
+              <a:t>responsible</a:t>
+            </a:r>
+            <a:r>
+              <a:rPr lang="de-DE" baseline="0" dirty="0" smtClean="0"/>
+              <a:t> </a:t>
+            </a:r>
+            <a:r>
+              <a:rPr lang="de-DE" baseline="0" dirty="0" err="1" smtClean="0"/>
+              <a:t>for</a:t>
+            </a:r>
+            <a:r>
+              <a:rPr lang="de-DE" baseline="0" dirty="0" smtClean="0"/>
+              <a:t> </a:t>
+            </a:r>
+            <a:r>
+              <a:rPr lang="de-DE" baseline="0" dirty="0" err="1" smtClean="0"/>
+              <a:t>netting</a:t>
+            </a:r>
+            <a:endParaRPr lang="de-DE" baseline="0" dirty="0" smtClean="0"/>
+          </a:p>
+          <a:p>
+            <a:pPr marL="457200" indent="-298450">
+              <a:buFont typeface="Symbol" panose="05050102010706020507" pitchFamily="18" charset="2"/>
+              <a:buChar char="-"/>
+            </a:pPr>
+            <a:r>
+              <a:rPr lang="de-DE" baseline="0" dirty="0" err="1" smtClean="0"/>
+              <a:t>Validator</a:t>
+            </a:r>
+            <a:r>
+              <a:rPr lang="de-DE" baseline="0" dirty="0" smtClean="0"/>
+              <a:t> Set (Smart </a:t>
+            </a:r>
+            <a:r>
+              <a:rPr lang="de-DE" baseline="0" dirty="0" err="1" smtClean="0"/>
+              <a:t>Contract</a:t>
+            </a:r>
+            <a:r>
+              <a:rPr lang="de-DE" baseline="0" dirty="0" smtClean="0"/>
+              <a:t>; VS) </a:t>
+            </a:r>
+            <a:r>
+              <a:rPr lang="de-DE" baseline="0" dirty="0" err="1" smtClean="0"/>
+              <a:t>triggers</a:t>
+            </a:r>
+            <a:r>
+              <a:rPr lang="de-DE" baseline="0" dirty="0" smtClean="0"/>
+              <a:t> </a:t>
+            </a:r>
+            <a:r>
+              <a:rPr lang="de-DE" baseline="0" dirty="0" err="1" smtClean="0"/>
+              <a:t>netting</a:t>
+            </a:r>
+            <a:r>
+              <a:rPr lang="de-DE" baseline="0" dirty="0" smtClean="0"/>
+              <a:t> </a:t>
+            </a:r>
+            <a:r>
+              <a:rPr lang="de-DE" baseline="0" dirty="0" err="1" smtClean="0"/>
+              <a:t>by</a:t>
+            </a:r>
+            <a:r>
+              <a:rPr lang="de-DE" baseline="0" dirty="0" smtClean="0"/>
+              <a:t> </a:t>
+            </a:r>
+            <a:r>
+              <a:rPr lang="de-DE" baseline="0" dirty="0" err="1" smtClean="0"/>
+              <a:t>sending</a:t>
+            </a:r>
+            <a:r>
+              <a:rPr lang="de-DE" baseline="0" dirty="0" smtClean="0"/>
+              <a:t> a </a:t>
+            </a:r>
+            <a:r>
+              <a:rPr lang="de-DE" baseline="0" dirty="0" err="1" smtClean="0"/>
+              <a:t>netting</a:t>
+            </a:r>
+            <a:r>
+              <a:rPr lang="de-DE" baseline="0" dirty="0" smtClean="0"/>
+              <a:t> </a:t>
+            </a:r>
+            <a:r>
+              <a:rPr lang="de-DE" baseline="0" dirty="0" err="1" smtClean="0"/>
+              <a:t>trnsaction</a:t>
+            </a:r>
+            <a:r>
+              <a:rPr lang="de-DE" baseline="0" dirty="0" smtClean="0"/>
+              <a:t> </a:t>
+            </a:r>
+            <a:r>
+              <a:rPr lang="de-DE" baseline="0" dirty="0" err="1" smtClean="0"/>
+              <a:t>to</a:t>
+            </a:r>
+            <a:r>
+              <a:rPr lang="de-DE" baseline="0" dirty="0" smtClean="0"/>
+              <a:t> </a:t>
+            </a:r>
+            <a:r>
+              <a:rPr lang="de-DE" baseline="0" dirty="0" err="1" smtClean="0"/>
+              <a:t>the</a:t>
+            </a:r>
+            <a:r>
+              <a:rPr lang="de-DE" baseline="0" dirty="0" smtClean="0"/>
+              <a:t> </a:t>
+            </a:r>
+            <a:r>
+              <a:rPr lang="de-DE" baseline="0" dirty="0" err="1" smtClean="0"/>
+              <a:t>Validator</a:t>
+            </a:r>
+            <a:r>
+              <a:rPr lang="de-DE" baseline="0" dirty="0" smtClean="0"/>
+              <a:t> Set</a:t>
+            </a:r>
+          </a:p>
+          <a:p>
+            <a:pPr marL="457200" indent="-298450">
+              <a:buFont typeface="Symbol" panose="05050102010706020507" pitchFamily="18" charset="2"/>
+              <a:buChar char="-"/>
+            </a:pPr>
+            <a:r>
+              <a:rPr lang="de-DE" baseline="0" dirty="0" smtClean="0"/>
+              <a:t>VS </a:t>
+            </a:r>
+            <a:r>
+              <a:rPr lang="de-DE" baseline="0" dirty="0" err="1" smtClean="0"/>
+              <a:t>contains</a:t>
+            </a:r>
+            <a:r>
+              <a:rPr lang="de-DE" baseline="0" dirty="0" smtClean="0"/>
+              <a:t> a </a:t>
+            </a:r>
+            <a:r>
+              <a:rPr lang="de-DE" baseline="0" dirty="0" err="1" smtClean="0"/>
+              <a:t>list</a:t>
+            </a:r>
+            <a:r>
+              <a:rPr lang="de-DE" baseline="0" dirty="0" smtClean="0"/>
+              <a:t> </a:t>
+            </a:r>
+            <a:r>
+              <a:rPr lang="de-DE" baseline="0" dirty="0" err="1" smtClean="0"/>
+              <a:t>including</a:t>
+            </a:r>
+            <a:r>
+              <a:rPr lang="de-DE" baseline="0" dirty="0" smtClean="0"/>
+              <a:t> all </a:t>
+            </a:r>
+            <a:r>
+              <a:rPr lang="de-DE" baseline="0" dirty="0" err="1" smtClean="0"/>
+              <a:t>authority</a:t>
+            </a:r>
+            <a:r>
+              <a:rPr lang="de-DE" baseline="0" dirty="0" smtClean="0"/>
+              <a:t> </a:t>
+            </a:r>
+            <a:r>
+              <a:rPr lang="de-DE" baseline="0" dirty="0" err="1" smtClean="0"/>
+              <a:t>nodes</a:t>
+            </a:r>
+            <a:endParaRPr lang="de-DE" baseline="0" dirty="0" smtClean="0"/>
+          </a:p>
+          <a:p>
+            <a:pPr marL="457200" indent="-298450">
+              <a:buFont typeface="Symbol" panose="05050102010706020507" pitchFamily="18" charset="2"/>
+              <a:buChar char="-"/>
+            </a:pPr>
+            <a:r>
+              <a:rPr lang="de-DE" baseline="0" dirty="0" err="1" smtClean="0"/>
+              <a:t>Parity</a:t>
+            </a:r>
+            <a:r>
+              <a:rPr lang="de-DE" baseline="0" dirty="0" smtClean="0"/>
+              <a:t> </a:t>
+            </a:r>
+            <a:r>
+              <a:rPr lang="de-DE" baseline="0" dirty="0" err="1" smtClean="0"/>
+              <a:t>client</a:t>
+            </a:r>
+            <a:r>
+              <a:rPr lang="de-DE" baseline="0" dirty="0" smtClean="0"/>
+              <a:t> </a:t>
+            </a:r>
+            <a:r>
+              <a:rPr lang="de-DE" baseline="0" dirty="0" err="1" smtClean="0"/>
+              <a:t>updates</a:t>
+            </a:r>
+            <a:r>
+              <a:rPr lang="de-DE" baseline="0" dirty="0" smtClean="0"/>
+              <a:t> </a:t>
+            </a:r>
+            <a:r>
+              <a:rPr lang="de-DE" baseline="0" dirty="0" err="1" smtClean="0"/>
+              <a:t>regulary</a:t>
+            </a:r>
+            <a:r>
+              <a:rPr lang="de-DE" baseline="0" dirty="0" smtClean="0"/>
+              <a:t> </a:t>
+            </a:r>
+            <a:r>
+              <a:rPr lang="de-DE" baseline="0" dirty="0" err="1" smtClean="0"/>
+              <a:t>its</a:t>
+            </a:r>
+            <a:r>
+              <a:rPr lang="de-DE" baseline="0" dirty="0" smtClean="0"/>
+              <a:t> </a:t>
+            </a:r>
+            <a:r>
+              <a:rPr lang="de-DE" baseline="0" dirty="0" err="1" smtClean="0"/>
+              <a:t>local</a:t>
+            </a:r>
+            <a:r>
+              <a:rPr lang="de-DE" baseline="0" dirty="0" smtClean="0"/>
+              <a:t> </a:t>
+            </a:r>
+            <a:r>
+              <a:rPr lang="de-DE" baseline="0" dirty="0" err="1" smtClean="0"/>
+              <a:t>copy</a:t>
+            </a:r>
+            <a:r>
+              <a:rPr lang="de-DE" baseline="0" dirty="0" smtClean="0"/>
+              <a:t> </a:t>
+            </a:r>
+            <a:r>
+              <a:rPr lang="de-DE" baseline="0" dirty="0" err="1" smtClean="0"/>
+              <a:t>of</a:t>
+            </a:r>
+            <a:r>
+              <a:rPr lang="de-DE" baseline="0" dirty="0" smtClean="0"/>
+              <a:t> </a:t>
+            </a:r>
+            <a:r>
+              <a:rPr lang="de-DE" baseline="0" dirty="0" err="1" smtClean="0"/>
+              <a:t>the</a:t>
+            </a:r>
+            <a:r>
+              <a:rPr lang="de-DE" baseline="0" dirty="0" smtClean="0"/>
+              <a:t> </a:t>
+            </a:r>
+            <a:r>
+              <a:rPr lang="de-DE" baseline="0" dirty="0" err="1" smtClean="0"/>
+              <a:t>validator</a:t>
+            </a:r>
+            <a:r>
+              <a:rPr lang="de-DE" baseline="0" dirty="0" smtClean="0"/>
+              <a:t> </a:t>
+            </a:r>
+            <a:r>
+              <a:rPr lang="de-DE" baseline="0" dirty="0" err="1" smtClean="0"/>
+              <a:t>set</a:t>
+            </a:r>
+            <a:endParaRPr lang="de-DE" dirty="0" smtClean="0"/>
+          </a:p>
+        </p:txBody>
+      </p:sp>
+    </p:spTree>
+    <p:extLst>
+      <p:ext uri="{BB962C8B-B14F-4D97-AF65-F5344CB8AC3E}">
+        <p14:creationId xmlns:p14="http://schemas.microsoft.com/office/powerpoint/2010/main" val="1891858256"/>
+      </p:ext>
+    </p:extLst>
+  </p:cSld>
+  <p:clrMapOvr>
+    <a:masterClrMapping/>
+  </p:clrMapOvr>
+</p:notes>
+</file>
+
+<file path=ppt/notesSlides/notesSlide6.xml><?xml version="1.0" encoding="utf-8"?>
+<p:notes xmlns:a="http://schemas.openxmlformats.org/drawingml/2006/main" xmlns:r="http://schemas.openxmlformats.org/officeDocument/2006/relationships" xmlns:p="http://schemas.openxmlformats.org/presentationml/2006/main">
+  <p:cSld>
+    <p:spTree>
+      <p:nvGrpSpPr>
+        <p:cNvPr id="1" name=""/>
+        <p:cNvGrpSpPr/>
+        <p:nvPr/>
+      </p:nvGrpSpPr>
+      <p:grpSpPr>
+        <a:xfrm>
+          <a:off x="0" y="0"/>
+          <a:ext cx="0" cy="0"/>
+          <a:chOff x="0" y="0"/>
+          <a:chExt cx="0" cy="0"/>
+        </a:xfrm>
+      </p:grpSpPr>
+      <p:sp>
+        <p:nvSpPr>
+          <p:cNvPr id="2" name="Folienbildplatzhalter 1"/>
+          <p:cNvSpPr>
+            <a:spLocks noGrp="1" noRot="1" noChangeAspect="1"/>
+          </p:cNvSpPr>
+          <p:nvPr>
+            <p:ph type="sldImg"/>
+          </p:nvPr>
+        </p:nvSpPr>
+        <p:spPr>
+          <a:xfrm>
+            <a:off x="381000" y="685800"/>
+            <a:ext cx="6096000" cy="3429000"/>
+          </a:xfrm>
+        </p:spPr>
+      </p:sp>
+      <p:sp>
+        <p:nvSpPr>
+          <p:cNvPr id="3" name="Notizenplatzhalter 2"/>
+          <p:cNvSpPr>
+            <a:spLocks noGrp="1"/>
+          </p:cNvSpPr>
+          <p:nvPr>
+            <p:ph type="body" idx="1"/>
+          </p:nvPr>
+        </p:nvSpPr>
+        <p:spPr/>
+        <p:txBody>
+          <a:bodyPr/>
+          <a:lstStyle/>
+          <a:p>
+            <a:pPr marL="158750" indent="0">
+              <a:buFont typeface="Symbol" panose="05050102010706020507" pitchFamily="18" charset="2"/>
+              <a:buNone/>
+            </a:pPr>
+            <a:r>
+              <a:rPr lang="de-DE" dirty="0" err="1" smtClean="0"/>
+              <a:t>Changes</a:t>
+            </a:r>
+            <a:r>
+              <a:rPr lang="de-DE" baseline="0" dirty="0" smtClean="0"/>
+              <a:t> (2.0 </a:t>
+            </a:r>
+            <a:r>
+              <a:rPr lang="de-DE" baseline="0" dirty="0" smtClean="0">
+                <a:sym typeface="Wingdings" panose="05000000000000000000" pitchFamily="2" charset="2"/>
+              </a:rPr>
+              <a:t> 3.0)</a:t>
+            </a:r>
+            <a:endParaRPr lang="de-DE" dirty="0" smtClean="0"/>
+          </a:p>
+          <a:p>
+            <a:pPr marL="457200" indent="-298450">
+              <a:buFont typeface="Symbol" panose="05050102010706020507" pitchFamily="18" charset="2"/>
+              <a:buChar char="-"/>
+            </a:pPr>
+            <a:r>
+              <a:rPr lang="de-DE" dirty="0" smtClean="0"/>
+              <a:t>3 </a:t>
+            </a:r>
+            <a:r>
+              <a:rPr lang="de-DE" dirty="0" err="1" smtClean="0"/>
+              <a:t>input</a:t>
+            </a:r>
+            <a:r>
+              <a:rPr lang="de-DE" baseline="0" dirty="0" smtClean="0"/>
+              <a:t> </a:t>
+            </a:r>
+            <a:r>
+              <a:rPr lang="de-DE" baseline="0" dirty="0" err="1" smtClean="0"/>
+              <a:t>sensors</a:t>
+            </a:r>
+            <a:r>
+              <a:rPr lang="de-DE" baseline="0" dirty="0" smtClean="0"/>
+              <a:t> (</a:t>
+            </a:r>
+            <a:r>
+              <a:rPr lang="de-DE" baseline="0" dirty="0" err="1" smtClean="0"/>
+              <a:t>consumed</a:t>
+            </a:r>
+            <a:r>
+              <a:rPr lang="de-DE" baseline="0" dirty="0" smtClean="0"/>
+              <a:t>, </a:t>
+            </a:r>
+            <a:r>
+              <a:rPr lang="de-DE" baseline="0" dirty="0" err="1" smtClean="0"/>
+              <a:t>produced</a:t>
+            </a:r>
+            <a:r>
+              <a:rPr lang="de-DE" baseline="0" dirty="0" smtClean="0"/>
+              <a:t>, </a:t>
+            </a:r>
+            <a:r>
+              <a:rPr lang="de-DE" baseline="0" dirty="0" err="1" smtClean="0"/>
+              <a:t>battery</a:t>
+            </a:r>
+            <a:r>
+              <a:rPr lang="de-DE" baseline="0" dirty="0" smtClean="0"/>
+              <a:t>)</a:t>
+            </a:r>
+          </a:p>
+          <a:p>
+            <a:pPr marL="457200" indent="-298450">
+              <a:buFont typeface="Symbol" panose="05050102010706020507" pitchFamily="18" charset="2"/>
+              <a:buChar char="-"/>
+            </a:pPr>
+            <a:r>
+              <a:rPr lang="de-DE" baseline="0" dirty="0" err="1" smtClean="0"/>
+              <a:t>No</a:t>
+            </a:r>
+            <a:r>
+              <a:rPr lang="de-DE" baseline="0" dirty="0" smtClean="0"/>
+              <a:t> </a:t>
+            </a:r>
+            <a:r>
+              <a:rPr lang="de-DE" baseline="0" dirty="0" err="1" smtClean="0"/>
+              <a:t>shared</a:t>
+            </a:r>
+            <a:r>
+              <a:rPr lang="de-DE" baseline="0" dirty="0" smtClean="0"/>
+              <a:t> private </a:t>
+            </a:r>
+            <a:r>
+              <a:rPr lang="de-DE" baseline="0" dirty="0" err="1" smtClean="0"/>
+              <a:t>key</a:t>
+            </a:r>
+            <a:r>
+              <a:rPr lang="de-DE" baseline="0" dirty="0" smtClean="0"/>
+              <a:t> </a:t>
+            </a:r>
+            <a:r>
+              <a:rPr lang="de-DE" baseline="0" dirty="0" err="1" smtClean="0"/>
+              <a:t>inside</a:t>
+            </a:r>
+            <a:r>
+              <a:rPr lang="de-DE" baseline="0" dirty="0" smtClean="0"/>
+              <a:t> </a:t>
+            </a:r>
+            <a:r>
+              <a:rPr lang="de-DE" baseline="0" dirty="0" err="1" smtClean="0"/>
+              <a:t>the</a:t>
+            </a:r>
+            <a:r>
+              <a:rPr lang="de-DE" baseline="0" dirty="0" smtClean="0"/>
+              <a:t> </a:t>
+            </a:r>
+            <a:r>
+              <a:rPr lang="de-DE" baseline="0" dirty="0" err="1" smtClean="0"/>
+              <a:t>Household</a:t>
+            </a:r>
+            <a:r>
+              <a:rPr lang="de-DE" baseline="0" dirty="0" smtClean="0"/>
+              <a:t> Processing </a:t>
+            </a:r>
+            <a:r>
+              <a:rPr lang="de-DE" baseline="0" dirty="0" err="1" smtClean="0"/>
+              <a:t>unit</a:t>
+            </a:r>
+            <a:r>
+              <a:rPr lang="de-DE" baseline="0" dirty="0" smtClean="0"/>
+              <a:t> </a:t>
+            </a:r>
+            <a:r>
+              <a:rPr lang="de-DE" baseline="0" dirty="0" smtClean="0">
+                <a:sym typeface="Wingdings" panose="05000000000000000000" pitchFamily="2" charset="2"/>
+              </a:rPr>
+              <a:t> HHS </a:t>
+            </a:r>
+            <a:r>
+              <a:rPr lang="de-DE" baseline="0" dirty="0" err="1" smtClean="0">
+                <a:sym typeface="Wingdings" panose="05000000000000000000" pitchFamily="2" charset="2"/>
+              </a:rPr>
+              <a:t>asks</a:t>
+            </a:r>
+            <a:r>
+              <a:rPr lang="de-DE" baseline="0" dirty="0" smtClean="0">
+                <a:sym typeface="Wingdings" panose="05000000000000000000" pitchFamily="2" charset="2"/>
+              </a:rPr>
+              <a:t> </a:t>
+            </a:r>
+            <a:r>
+              <a:rPr lang="de-DE" baseline="0" dirty="0" err="1" smtClean="0">
+                <a:sym typeface="Wingdings" panose="05000000000000000000" pitchFamily="2" charset="2"/>
+              </a:rPr>
+              <a:t>the</a:t>
+            </a:r>
+            <a:r>
+              <a:rPr lang="de-DE" baseline="0" dirty="0" smtClean="0">
+                <a:sym typeface="Wingdings" panose="05000000000000000000" pitchFamily="2" charset="2"/>
+              </a:rPr>
+              <a:t> </a:t>
+            </a:r>
+            <a:r>
+              <a:rPr lang="de-DE" baseline="0" dirty="0" err="1" smtClean="0">
+                <a:sym typeface="Wingdings" panose="05000000000000000000" pitchFamily="2" charset="2"/>
+              </a:rPr>
+              <a:t>parity</a:t>
+            </a:r>
+            <a:r>
+              <a:rPr lang="de-DE" baseline="0" dirty="0" smtClean="0">
+                <a:sym typeface="Wingdings" panose="05000000000000000000" pitchFamily="2" charset="2"/>
+              </a:rPr>
+              <a:t> </a:t>
+            </a:r>
+            <a:r>
+              <a:rPr lang="de-DE" baseline="0" dirty="0" err="1" smtClean="0">
+                <a:sym typeface="Wingdings" panose="05000000000000000000" pitchFamily="2" charset="2"/>
+              </a:rPr>
+              <a:t>client</a:t>
+            </a:r>
+            <a:r>
+              <a:rPr lang="de-DE" baseline="0" dirty="0" smtClean="0">
+                <a:sym typeface="Wingdings" panose="05000000000000000000" pitchFamily="2" charset="2"/>
+              </a:rPr>
+              <a:t> </a:t>
+            </a:r>
+            <a:r>
+              <a:rPr lang="de-DE" baseline="0" dirty="0" err="1" smtClean="0">
+                <a:sym typeface="Wingdings" panose="05000000000000000000" pitchFamily="2" charset="2"/>
+              </a:rPr>
+              <a:t>to</a:t>
+            </a:r>
+            <a:r>
+              <a:rPr lang="de-DE" baseline="0" dirty="0" smtClean="0">
+                <a:sym typeface="Wingdings" panose="05000000000000000000" pitchFamily="2" charset="2"/>
+              </a:rPr>
+              <a:t> lock/ </a:t>
+            </a:r>
+            <a:r>
+              <a:rPr lang="de-DE" baseline="0" dirty="0" err="1" smtClean="0">
+                <a:sym typeface="Wingdings" panose="05000000000000000000" pitchFamily="2" charset="2"/>
+              </a:rPr>
+              <a:t>unlock</a:t>
+            </a:r>
+            <a:r>
+              <a:rPr lang="de-DE" baseline="0" dirty="0" smtClean="0">
+                <a:sym typeface="Wingdings" panose="05000000000000000000" pitchFamily="2" charset="2"/>
+              </a:rPr>
+              <a:t> </a:t>
+            </a:r>
+            <a:r>
+              <a:rPr lang="de-DE" baseline="0" dirty="0" err="1" smtClean="0">
+                <a:sym typeface="Wingdings" panose="05000000000000000000" pitchFamily="2" charset="2"/>
+              </a:rPr>
+              <a:t>the</a:t>
+            </a:r>
+            <a:r>
+              <a:rPr lang="de-DE" baseline="0" dirty="0" smtClean="0">
+                <a:sym typeface="Wingdings" panose="05000000000000000000" pitchFamily="2" charset="2"/>
+              </a:rPr>
+              <a:t> </a:t>
+            </a:r>
+            <a:r>
+              <a:rPr lang="de-DE" baseline="0" dirty="0" err="1" smtClean="0">
+                <a:sym typeface="Wingdings" panose="05000000000000000000" pitchFamily="2" charset="2"/>
+              </a:rPr>
+              <a:t>account</a:t>
+            </a:r>
+            <a:r>
+              <a:rPr lang="de-DE" baseline="0" dirty="0" smtClean="0">
+                <a:sym typeface="Wingdings" panose="05000000000000000000" pitchFamily="2" charset="2"/>
+              </a:rPr>
+              <a:t> </a:t>
+            </a:r>
+            <a:r>
+              <a:rPr lang="de-DE" baseline="0" dirty="0" err="1" smtClean="0">
+                <a:sym typeface="Wingdings" panose="05000000000000000000" pitchFamily="2" charset="2"/>
+              </a:rPr>
+              <a:t>i.o</a:t>
+            </a:r>
+            <a:r>
+              <a:rPr lang="de-DE" baseline="0" dirty="0" smtClean="0">
+                <a:sym typeface="Wingdings" panose="05000000000000000000" pitchFamily="2" charset="2"/>
+              </a:rPr>
+              <a:t>. </a:t>
+            </a:r>
+            <a:r>
+              <a:rPr lang="de-DE" baseline="0" dirty="0" err="1" smtClean="0">
+                <a:sym typeface="Wingdings" panose="05000000000000000000" pitchFamily="2" charset="2"/>
+              </a:rPr>
+              <a:t>to</a:t>
+            </a:r>
+            <a:r>
+              <a:rPr lang="de-DE" baseline="0" dirty="0" smtClean="0">
+                <a:sym typeface="Wingdings" panose="05000000000000000000" pitchFamily="2" charset="2"/>
+              </a:rPr>
+              <a:t> send </a:t>
+            </a:r>
+            <a:r>
+              <a:rPr lang="de-DE" baseline="0" dirty="0" err="1" smtClean="0">
+                <a:sym typeface="Wingdings" panose="05000000000000000000" pitchFamily="2" charset="2"/>
+              </a:rPr>
+              <a:t>transactions</a:t>
+            </a:r>
+            <a:endParaRPr lang="de-DE" baseline="0" dirty="0" smtClean="0">
+              <a:sym typeface="Arial"/>
+            </a:endParaRPr>
+          </a:p>
+          <a:p>
+            <a:pPr marL="457200" indent="-298450">
+              <a:buFont typeface="Symbol" panose="05050102010706020507" pitchFamily="18" charset="2"/>
+              <a:buChar char="-"/>
+            </a:pPr>
+            <a:r>
+              <a:rPr lang="de-DE" baseline="0" dirty="0" smtClean="0">
+                <a:sym typeface="Arial"/>
+              </a:rPr>
+              <a:t>User </a:t>
+            </a:r>
+            <a:r>
+              <a:rPr lang="de-DE" baseline="0" dirty="0" err="1" smtClean="0">
+                <a:sym typeface="Arial"/>
+              </a:rPr>
+              <a:t>interface</a:t>
+            </a:r>
+            <a:r>
+              <a:rPr lang="de-DE" baseline="0" dirty="0" smtClean="0">
+                <a:sym typeface="Arial"/>
+              </a:rPr>
+              <a:t> </a:t>
+            </a:r>
+            <a:r>
+              <a:rPr lang="de-DE" baseline="0" dirty="0" err="1" smtClean="0">
+                <a:sym typeface="Arial"/>
+              </a:rPr>
+              <a:t>comunicates</a:t>
+            </a:r>
+            <a:r>
+              <a:rPr lang="de-DE" baseline="0" dirty="0" smtClean="0">
+                <a:sym typeface="Arial"/>
+              </a:rPr>
+              <a:t> </a:t>
+            </a:r>
+            <a:r>
+              <a:rPr lang="de-DE" baseline="0" dirty="0" err="1" smtClean="0">
+                <a:sym typeface="Arial"/>
+              </a:rPr>
+              <a:t>with</a:t>
+            </a:r>
+            <a:r>
+              <a:rPr lang="de-DE" baseline="0" dirty="0" smtClean="0">
+                <a:sym typeface="Arial"/>
+              </a:rPr>
+              <a:t> </a:t>
+            </a:r>
+            <a:r>
+              <a:rPr lang="de-DE" baseline="0" dirty="0" err="1" smtClean="0">
+                <a:sym typeface="Arial"/>
+              </a:rPr>
+              <a:t>the</a:t>
+            </a:r>
+            <a:r>
+              <a:rPr lang="de-DE" baseline="0" dirty="0" smtClean="0">
+                <a:sym typeface="Arial"/>
+              </a:rPr>
+              <a:t> HHS </a:t>
+            </a:r>
+            <a:r>
+              <a:rPr lang="de-DE" baseline="0" dirty="0" err="1" smtClean="0">
+                <a:sym typeface="Arial"/>
+              </a:rPr>
+              <a:t>and</a:t>
+            </a:r>
+            <a:r>
+              <a:rPr lang="de-DE" baseline="0" dirty="0" smtClean="0">
+                <a:sym typeface="Arial"/>
+              </a:rPr>
+              <a:t> not </a:t>
+            </a:r>
+            <a:r>
+              <a:rPr lang="de-DE" baseline="0" dirty="0" err="1" smtClean="0">
+                <a:sym typeface="Arial"/>
+              </a:rPr>
+              <a:t>the</a:t>
+            </a:r>
+            <a:r>
+              <a:rPr lang="de-DE" baseline="0" dirty="0" smtClean="0">
+                <a:sym typeface="Arial"/>
+              </a:rPr>
+              <a:t> DB </a:t>
+            </a:r>
+            <a:r>
+              <a:rPr lang="de-DE" baseline="0" dirty="0" err="1" smtClean="0">
+                <a:sym typeface="Arial"/>
+              </a:rPr>
+              <a:t>directly</a:t>
+            </a:r>
+            <a:r>
+              <a:rPr lang="de-DE" baseline="0" dirty="0" smtClean="0">
+                <a:sym typeface="Arial"/>
+              </a:rPr>
+              <a:t> </a:t>
+            </a:r>
+            <a:r>
+              <a:rPr lang="de-DE" baseline="0" dirty="0" smtClean="0">
+                <a:sym typeface="Wingdings" panose="05000000000000000000" pitchFamily="2" charset="2"/>
+              </a:rPr>
+              <a:t> HHS </a:t>
+            </a:r>
+            <a:r>
+              <a:rPr lang="de-DE" baseline="0" dirty="0" err="1" smtClean="0">
+                <a:sym typeface="Wingdings" panose="05000000000000000000" pitchFamily="2" charset="2"/>
+              </a:rPr>
+              <a:t>behaves</a:t>
+            </a:r>
+            <a:r>
+              <a:rPr lang="de-DE" baseline="0" dirty="0" smtClean="0">
+                <a:sym typeface="Wingdings" panose="05000000000000000000" pitchFamily="2" charset="2"/>
+              </a:rPr>
+              <a:t> </a:t>
+            </a:r>
+            <a:r>
+              <a:rPr lang="de-DE" baseline="0" dirty="0" err="1" smtClean="0">
+                <a:sym typeface="Wingdings" panose="05000000000000000000" pitchFamily="2" charset="2"/>
+              </a:rPr>
+              <a:t>as</a:t>
+            </a:r>
+            <a:r>
+              <a:rPr lang="de-DE" baseline="0" dirty="0" smtClean="0">
+                <a:sym typeface="Wingdings" panose="05000000000000000000" pitchFamily="2" charset="2"/>
+              </a:rPr>
+              <a:t> </a:t>
+            </a:r>
+            <a:r>
+              <a:rPr lang="de-DE" baseline="0" dirty="0" err="1" smtClean="0">
+                <a:sym typeface="Wingdings" panose="05000000000000000000" pitchFamily="2" charset="2"/>
+              </a:rPr>
+              <a:t>central</a:t>
+            </a:r>
+            <a:r>
+              <a:rPr lang="de-DE" baseline="0" dirty="0" smtClean="0">
+                <a:sym typeface="Wingdings" panose="05000000000000000000" pitchFamily="2" charset="2"/>
+              </a:rPr>
+              <a:t> </a:t>
+            </a:r>
+            <a:r>
+              <a:rPr lang="de-DE" baseline="0" dirty="0" err="1" smtClean="0">
+                <a:sym typeface="Wingdings" panose="05000000000000000000" pitchFamily="2" charset="2"/>
+              </a:rPr>
+              <a:t>middleware</a:t>
+            </a:r>
+            <a:r>
+              <a:rPr lang="de-DE" baseline="0" dirty="0" smtClean="0">
+                <a:sym typeface="Wingdings" panose="05000000000000000000" pitchFamily="2" charset="2"/>
+              </a:rPr>
+              <a:t> </a:t>
+            </a:r>
+            <a:r>
+              <a:rPr lang="de-DE" baseline="0" dirty="0" err="1" smtClean="0">
+                <a:sym typeface="Wingdings" panose="05000000000000000000" pitchFamily="2" charset="2"/>
+              </a:rPr>
+              <a:t>inside</a:t>
+            </a:r>
+            <a:r>
+              <a:rPr lang="de-DE" baseline="0" dirty="0" smtClean="0">
+                <a:sym typeface="Wingdings" panose="05000000000000000000" pitchFamily="2" charset="2"/>
+              </a:rPr>
+              <a:t> </a:t>
+            </a:r>
+            <a:r>
+              <a:rPr lang="de-DE" baseline="0" dirty="0" err="1" smtClean="0">
+                <a:sym typeface="Wingdings" panose="05000000000000000000" pitchFamily="2" charset="2"/>
+              </a:rPr>
+              <a:t>the</a:t>
+            </a:r>
+            <a:r>
+              <a:rPr lang="de-DE" baseline="0" dirty="0" smtClean="0">
+                <a:sym typeface="Wingdings" panose="05000000000000000000" pitchFamily="2" charset="2"/>
+              </a:rPr>
+              <a:t> </a:t>
+            </a:r>
+            <a:r>
+              <a:rPr lang="de-DE" baseline="0" dirty="0" err="1" smtClean="0">
+                <a:sym typeface="Wingdings" panose="05000000000000000000" pitchFamily="2" charset="2"/>
+              </a:rPr>
+              <a:t>Household</a:t>
+            </a:r>
+            <a:r>
+              <a:rPr lang="de-DE" baseline="0" dirty="0" smtClean="0">
+                <a:sym typeface="Wingdings" panose="05000000000000000000" pitchFamily="2" charset="2"/>
+              </a:rPr>
+              <a:t> </a:t>
+            </a:r>
+            <a:r>
+              <a:rPr lang="de-DE" baseline="0" dirty="0" err="1" smtClean="0">
+                <a:sym typeface="Wingdings" panose="05000000000000000000" pitchFamily="2" charset="2"/>
+              </a:rPr>
+              <a:t>processing</a:t>
+            </a:r>
+            <a:r>
+              <a:rPr lang="de-DE" baseline="0" dirty="0" smtClean="0">
+                <a:sym typeface="Wingdings" panose="05000000000000000000" pitchFamily="2" charset="2"/>
+              </a:rPr>
+              <a:t> </a:t>
+            </a:r>
+            <a:r>
+              <a:rPr lang="de-DE" baseline="0" dirty="0" err="1" smtClean="0">
+                <a:sym typeface="Wingdings" panose="05000000000000000000" pitchFamily="2" charset="2"/>
+              </a:rPr>
+              <a:t>unit</a:t>
+            </a:r>
+            <a:endParaRPr lang="de-DE" baseline="0" dirty="0" smtClean="0">
+              <a:sym typeface="Wingdings" panose="05000000000000000000" pitchFamily="2" charset="2"/>
+            </a:endParaRPr>
+          </a:p>
+          <a:p>
+            <a:pPr marL="457200" indent="-298450">
+              <a:buFont typeface="Symbol" panose="05050102010706020507" pitchFamily="18" charset="2"/>
+              <a:buChar char="-"/>
+            </a:pPr>
+            <a:r>
+              <a:rPr lang="de-DE" baseline="0" dirty="0" err="1" smtClean="0">
+                <a:sym typeface="Wingdings" panose="05000000000000000000" pitchFamily="2" charset="2"/>
+              </a:rPr>
+              <a:t>Netting</a:t>
+            </a:r>
+            <a:r>
+              <a:rPr lang="de-DE" baseline="0" dirty="0" smtClean="0">
+                <a:sym typeface="Wingdings" panose="05000000000000000000" pitchFamily="2" charset="2"/>
+              </a:rPr>
+              <a:t> </a:t>
+            </a:r>
+            <a:r>
+              <a:rPr lang="de-DE" baseline="0" dirty="0" err="1" smtClean="0">
+                <a:sym typeface="Wingdings" panose="05000000000000000000" pitchFamily="2" charset="2"/>
+              </a:rPr>
+              <a:t>is</a:t>
+            </a:r>
+            <a:r>
+              <a:rPr lang="de-DE" baseline="0" dirty="0" smtClean="0">
+                <a:sym typeface="Wingdings" panose="05000000000000000000" pitchFamily="2" charset="2"/>
+              </a:rPr>
+              <a:t> </a:t>
+            </a:r>
+            <a:r>
+              <a:rPr lang="de-DE" baseline="0" dirty="0" err="1" smtClean="0">
+                <a:sym typeface="Wingdings" panose="05000000000000000000" pitchFamily="2" charset="2"/>
+              </a:rPr>
+              <a:t>triggered</a:t>
+            </a:r>
+            <a:r>
+              <a:rPr lang="de-DE" baseline="0" dirty="0" smtClean="0">
+                <a:sym typeface="Wingdings" panose="05000000000000000000" pitchFamily="2" charset="2"/>
+              </a:rPr>
+              <a:t> </a:t>
+            </a:r>
+            <a:r>
+              <a:rPr lang="de-DE" baseline="0" dirty="0" err="1" smtClean="0">
+                <a:sym typeface="Wingdings" panose="05000000000000000000" pitchFamily="2" charset="2"/>
+              </a:rPr>
+              <a:t>by</a:t>
+            </a:r>
+            <a:r>
+              <a:rPr lang="de-DE" baseline="0" dirty="0" smtClean="0">
+                <a:sym typeface="Wingdings" panose="05000000000000000000" pitchFamily="2" charset="2"/>
+              </a:rPr>
+              <a:t> </a:t>
+            </a:r>
+            <a:r>
+              <a:rPr lang="de-DE" baseline="0" dirty="0" err="1" smtClean="0">
+                <a:sym typeface="Wingdings" panose="05000000000000000000" pitchFamily="2" charset="2"/>
+              </a:rPr>
+              <a:t>either</a:t>
+            </a:r>
+            <a:r>
+              <a:rPr lang="de-DE" baseline="0" dirty="0" smtClean="0">
+                <a:sym typeface="Wingdings" panose="05000000000000000000" pitchFamily="2" charset="2"/>
+              </a:rPr>
+              <a:t> </a:t>
+            </a:r>
+            <a:r>
+              <a:rPr lang="de-DE" baseline="0" dirty="0" err="1" smtClean="0">
+                <a:sym typeface="Wingdings" panose="05000000000000000000" pitchFamily="2" charset="2"/>
+              </a:rPr>
+              <a:t>one</a:t>
+            </a:r>
+            <a:r>
+              <a:rPr lang="de-DE" baseline="0" dirty="0" smtClean="0">
+                <a:sym typeface="Wingdings" panose="05000000000000000000" pitchFamily="2" charset="2"/>
+              </a:rPr>
+              <a:t> </a:t>
+            </a:r>
+            <a:r>
+              <a:rPr lang="de-DE" baseline="0" dirty="0" err="1" smtClean="0">
+                <a:sym typeface="Wingdings" panose="05000000000000000000" pitchFamily="2" charset="2"/>
+              </a:rPr>
+              <a:t>household</a:t>
+            </a:r>
+            <a:r>
+              <a:rPr lang="de-DE" baseline="0" dirty="0" smtClean="0">
+                <a:sym typeface="Wingdings" panose="05000000000000000000" pitchFamily="2" charset="2"/>
+              </a:rPr>
+              <a:t> </a:t>
+            </a:r>
+            <a:r>
+              <a:rPr lang="de-DE" baseline="0" dirty="0" err="1" smtClean="0">
+                <a:sym typeface="Wingdings" panose="05000000000000000000" pitchFamily="2" charset="2"/>
+              </a:rPr>
+              <a:t>or</a:t>
+            </a:r>
+            <a:r>
+              <a:rPr lang="de-DE" baseline="0" dirty="0" smtClean="0">
+                <a:sym typeface="Wingdings" panose="05000000000000000000" pitchFamily="2" charset="2"/>
+              </a:rPr>
+              <a:t> </a:t>
+            </a:r>
+            <a:r>
+              <a:rPr lang="de-DE" baseline="0" dirty="0" err="1" smtClean="0">
+                <a:sym typeface="Wingdings" panose="05000000000000000000" pitchFamily="2" charset="2"/>
+              </a:rPr>
+              <a:t>every</a:t>
+            </a:r>
+            <a:r>
+              <a:rPr lang="de-DE" baseline="0" dirty="0" smtClean="0">
+                <a:sym typeface="Wingdings" panose="05000000000000000000" pitchFamily="2" charset="2"/>
+              </a:rPr>
+              <a:t> time a block </a:t>
+            </a:r>
+            <a:r>
+              <a:rPr lang="de-DE" baseline="0" dirty="0" err="1" smtClean="0">
+                <a:sym typeface="Wingdings" panose="05000000000000000000" pitchFamily="2" charset="2"/>
+              </a:rPr>
+              <a:t>is</a:t>
+            </a:r>
+            <a:r>
+              <a:rPr lang="de-DE" baseline="0" dirty="0" smtClean="0">
+                <a:sym typeface="Wingdings" panose="05000000000000000000" pitchFamily="2" charset="2"/>
+              </a:rPr>
+              <a:t> </a:t>
+            </a:r>
+            <a:r>
+              <a:rPr lang="de-DE" baseline="0" dirty="0" err="1" smtClean="0">
+                <a:sym typeface="Wingdings" panose="05000000000000000000" pitchFamily="2" charset="2"/>
+              </a:rPr>
+              <a:t>created</a:t>
+            </a:r>
+            <a:r>
+              <a:rPr lang="de-DE" baseline="0" dirty="0" smtClean="0">
+                <a:sym typeface="Wingdings" panose="05000000000000000000" pitchFamily="2" charset="2"/>
+              </a:rPr>
+              <a:t> via </a:t>
+            </a:r>
+            <a:r>
+              <a:rPr lang="de-DE" baseline="0" dirty="0" err="1" smtClean="0">
+                <a:sym typeface="Wingdings" panose="05000000000000000000" pitchFamily="2" charset="2"/>
+              </a:rPr>
+              <a:t>BlockReward</a:t>
+            </a:r>
+            <a:endParaRPr lang="de-DE" baseline="0" dirty="0" smtClean="0">
+              <a:sym typeface="Wingdings" panose="05000000000000000000" pitchFamily="2" charset="2"/>
+            </a:endParaRPr>
+          </a:p>
+          <a:p>
+            <a:pPr marL="457200" indent="-298450">
+              <a:buFont typeface="Symbol" panose="05050102010706020507" pitchFamily="18" charset="2"/>
+              <a:buChar char="-"/>
+            </a:pPr>
+            <a:endParaRPr lang="de-DE" baseline="0" dirty="0" smtClean="0">
+              <a:sym typeface="Wingdings" panose="05000000000000000000" pitchFamily="2" charset="2"/>
+            </a:endParaRPr>
+          </a:p>
+        </p:txBody>
+      </p:sp>
+    </p:spTree>
+    <p:extLst>
+      <p:ext uri="{BB962C8B-B14F-4D97-AF65-F5344CB8AC3E}">
+        <p14:creationId xmlns:p14="http://schemas.microsoft.com/office/powerpoint/2010/main" val="442979678"/>
+      </p:ext>
+    </p:extLst>
+  </p:cSld>
+  <p:clrMapOvr>
+    <a:masterClrMapping/>
+  </p:clrMapOvr>
+</p:notes>
+</file>
+
+<file path=ppt/notesSlides/notesSlide7.xml><?xml version="1.0" encoding="utf-8"?>
+<p:notes xmlns:a="http://schemas.openxmlformats.org/drawingml/2006/main" xmlns:r="http://schemas.openxmlformats.org/officeDocument/2006/relationships" xmlns:p="http://schemas.openxmlformats.org/presentationml/2006/main" showMasterSp="0" showMasterPhAnim="0">
+  <p:cSld>
+    <p:spTree>
+      <p:nvGrpSpPr>
+        <p:cNvPr id="1" name="Shape 102"/>
         <p:cNvGrpSpPr/>
         <p:nvPr/>
       </p:nvGrpSpPr>
@@ -1254,9 +2696,11 @@
       <p:sp>
         <p:nvSpPr>
           <p:cNvPr id="103" name="Google Shape;103;g56a8908bc3_9_0:notes"/>
-          <p:cNvSpPr/>
+          <p:cNvSpPr>
+            <a:spLocks noGrp="1" noRot="1" noChangeAspect="1"/>
+          </p:cNvSpPr>
           <p:nvPr>
-            <p:ph idx="2" type="sldImg"/>
+            <p:ph type="sldImg" idx="2"/>
           </p:nvPr>
         </p:nvSpPr>
         <p:spPr>
@@ -1265,9 +2709,13 @@
             <a:ext cx="6096000" cy="3429000"/>
           </a:xfrm>
           <a:custGeom>
-            <a:rect b="b" l="l" r="r" t="t"/>
+            <a:avLst/>
+            <a:gdLst/>
+            <a:ahLst/>
+            <a:cxnLst/>
+            <a:rect l="l" t="t" r="r" b="b"/>
             <a:pathLst>
-              <a:path extrusionOk="0" h="120000" w="120000">
+              <a:path w="120000" h="120000" extrusionOk="0">
                 <a:moveTo>
                   <a:pt x="0" y="0"/>
                 </a:moveTo>
@@ -1289,9 +2737,11 @@
       <p:sp>
         <p:nvSpPr>
           <p:cNvPr id="104" name="Google Shape;104;g56a8908bc3_9_0:notes"/>
-          <p:cNvSpPr txBox="1"/>
+          <p:cNvSpPr txBox="1">
+            <a:spLocks noGrp="1"/>
+          </p:cNvSpPr>
           <p:nvPr>
-            <p:ph idx="1" type="body"/>
+            <p:ph type="body" idx="1"/>
           </p:nvPr>
         </p:nvSpPr>
         <p:spPr>
@@ -1304,12 +2754,12 @@
           </a:prstGeom>
         </p:spPr>
         <p:txBody>
-          <a:bodyPr anchorCtr="0" anchor="t" bIns="91425" lIns="91425" spcFirstLastPara="1" rIns="91425" wrap="square" tIns="91425">
+          <a:bodyPr spcFirstLastPara="1" wrap="square" lIns="91425" tIns="91425" rIns="91425" bIns="91425" anchor="t" anchorCtr="0">
             <a:noAutofit/>
           </a:bodyPr>
           <a:lstStyle/>
           <a:p>
-            <a:pPr indent="-298450" lvl="0" marL="457200" rtl="0" algn="l">
+            <a:pPr marL="457200" lvl="0" indent="-298450" algn="l" rtl="0">
               <a:spcBef>
                 <a:spcPts val="0"/>
               </a:spcBef>
@@ -1326,7 +2776,7 @@
             <a:endParaRPr/>
           </a:p>
           <a:p>
-            <a:pPr indent="-298450" lvl="0" marL="457200" rtl="0" algn="l">
+            <a:pPr marL="457200" lvl="0" indent="-298450" algn="l" rtl="0">
               <a:spcBef>
                 <a:spcPts val="0"/>
               </a:spcBef>
@@ -1343,7 +2793,7 @@
             <a:endParaRPr/>
           </a:p>
           <a:p>
-            <a:pPr indent="-298450" lvl="0" marL="457200" rtl="0" algn="l">
+            <a:pPr marL="457200" lvl="0" indent="-298450" algn="l" rtl="0">
               <a:spcBef>
                 <a:spcPts val="0"/>
               </a:spcBef>
@@ -1360,7 +2810,7 @@
             <a:endParaRPr/>
           </a:p>
           <a:p>
-            <a:pPr indent="-298450" lvl="0" marL="457200" rtl="0" algn="l">
+            <a:pPr marL="457200" lvl="0" indent="-298450" algn="l" rtl="0">
               <a:spcBef>
                 <a:spcPts val="0"/>
               </a:spcBef>
@@ -1379,6 +2829,11 @@
         </p:txBody>
       </p:sp>
     </p:spTree>
+    <p:extLst>
+      <p:ext uri="{BB962C8B-B14F-4D97-AF65-F5344CB8AC3E}">
+        <p14:creationId xmlns:p14="http://schemas.microsoft.com/office/powerpoint/2010/main" val="1330241130"/>
+      </p:ext>
+    </p:extLst>
   </p:cSld>
   <p:clrMapOvr>
     <a:masterClrMapping/>
@@ -1387,11 +2842,11 @@
 </file>
 
 <file path=ppt/slideLayouts/slideLayout1.xml><?xml version="1.0" encoding="utf-8"?>
-<p:sldLayout xmlns:a="http://schemas.openxmlformats.org/drawingml/2006/main" xmlns:r="http://schemas.openxmlformats.org/officeDocument/2006/relationships" xmlns:mc="http://schemas.openxmlformats.org/markup-compatibility/2006" xmlns:mv="urn:schemas-microsoft-com:mac:vml" xmlns:p="http://schemas.openxmlformats.org/presentationml/2006/main" xmlns:c="http://schemas.openxmlformats.org/drawingml/2006/chart" xmlns:dgm="http://schemas.openxmlformats.org/drawingml/2006/diagram" xmlns:o="urn:schemas-microsoft-com:office:office" xmlns:v="urn:schemas-microsoft-com:vml" xmlns:pvml="urn:schemas-microsoft-com:office:powerpoint" xmlns:com="http://schemas.openxmlformats.org/drawingml/2006/compatibility" xmlns:p14="http://schemas.microsoft.com/office/powerpoint/2010/main" xmlns:p15="http://schemas.microsoft.com/office/powerpoint/2012/main" matchingName="Title slide" type="title">
+<p:sldLayout xmlns:a="http://schemas.openxmlformats.org/drawingml/2006/main" xmlns:r="http://schemas.openxmlformats.org/officeDocument/2006/relationships" xmlns:p="http://schemas.openxmlformats.org/presentationml/2006/main" matchingName="Title slide" type="title">
   <p:cSld name="TITLE">
     <p:spTree>
       <p:nvGrpSpPr>
-        <p:cNvPr id="9" name="Shape 9"/>
+        <p:cNvPr id="1" name="Shape 9"/>
         <p:cNvGrpSpPr/>
         <p:nvPr/>
       </p:nvGrpSpPr>
@@ -1406,7 +2861,9 @@
       <p:sp>
         <p:nvSpPr>
           <p:cNvPr id="10" name="Google Shape;10;p2"/>
-          <p:cNvSpPr txBox="1"/>
+          <p:cNvSpPr txBox="1">
+            <a:spLocks noGrp="1"/>
+          </p:cNvSpPr>
           <p:nvPr>
             <p:ph type="ctrTitle"/>
           </p:nvPr>
@@ -1421,7 +2878,7 @@
           </a:prstGeom>
         </p:spPr>
         <p:txBody>
-          <a:bodyPr anchorCtr="0" anchor="b" bIns="91425" lIns="91425" spcFirstLastPara="1" rIns="91425" wrap="square" tIns="91425"/>
+          <a:bodyPr spcFirstLastPara="1" wrap="square" lIns="91425" tIns="91425" rIns="91425" bIns="91425" anchor="b" anchorCtr="0"/>
           <a:lstStyle>
             <a:lvl1pPr lvl="0" algn="ctr">
               <a:spcBef>
@@ -1523,15 +2980,19 @@
               <a:defRPr sz="5200"/>
             </a:lvl9pPr>
           </a:lstStyle>
-          <a:p/>
+          <a:p>
+            <a:endParaRPr/>
+          </a:p>
         </p:txBody>
       </p:sp>
       <p:sp>
         <p:nvSpPr>
           <p:cNvPr id="11" name="Google Shape;11;p2"/>
-          <p:cNvSpPr txBox="1"/>
+          <p:cNvSpPr txBox="1">
+            <a:spLocks noGrp="1"/>
+          </p:cNvSpPr>
           <p:nvPr>
-            <p:ph idx="1" type="subTitle"/>
+            <p:ph type="subTitle" idx="1"/>
           </p:nvPr>
         </p:nvSpPr>
         <p:spPr>
@@ -1544,7 +3005,7 @@
           </a:prstGeom>
         </p:spPr>
         <p:txBody>
-          <a:bodyPr anchorCtr="0" anchor="t" bIns="91425" lIns="91425" spcFirstLastPara="1" rIns="91425" wrap="square" tIns="91425"/>
+          <a:bodyPr spcFirstLastPara="1" wrap="square" lIns="91425" tIns="91425" rIns="91425" bIns="91425" anchor="t" anchorCtr="0"/>
           <a:lstStyle>
             <a:lvl1pPr lvl="0" algn="ctr">
               <a:lnSpc>
@@ -1673,15 +3134,19 @@
               <a:defRPr sz="2800"/>
             </a:lvl9pPr>
           </a:lstStyle>
-          <a:p/>
+          <a:p>
+            <a:endParaRPr/>
+          </a:p>
         </p:txBody>
       </p:sp>
       <p:sp>
         <p:nvSpPr>
           <p:cNvPr id="12" name="Google Shape;12;p2"/>
-          <p:cNvSpPr txBox="1"/>
+          <p:cNvSpPr txBox="1">
+            <a:spLocks noGrp="1"/>
+          </p:cNvSpPr>
           <p:nvPr>
-            <p:ph idx="12" type="sldNum"/>
+            <p:ph type="sldNum" idx="12"/>
           </p:nvPr>
         </p:nvSpPr>
         <p:spPr>
@@ -1694,7 +3159,7 @@
           </a:prstGeom>
         </p:spPr>
         <p:txBody>
-          <a:bodyPr anchorCtr="0" anchor="ctr" bIns="91425" lIns="91425" spcFirstLastPara="1" rIns="91425" wrap="square" tIns="91425">
+          <a:bodyPr spcFirstLastPara="1" wrap="square" lIns="91425" tIns="91425" rIns="91425" bIns="91425" anchor="ctr" anchorCtr="0">
             <a:noAutofit/>
           </a:bodyPr>
           <a:lstStyle>
@@ -1736,7 +3201,7 @@
             </a:lvl9pPr>
           </a:lstStyle>
           <a:p>
-            <a:pPr indent="0" lvl="0" marL="0" rtl="0" algn="r">
+            <a:pPr marL="0" lvl="0" indent="0" algn="r" rtl="0">
               <a:spcBef>
                 <a:spcPts val="0"/>
               </a:spcBef>
@@ -1747,7 +3212,7 @@
             </a:pPr>
             <a:fld id="{00000000-1234-1234-1234-123412341234}" type="slidenum">
               <a:rPr lang="en"/>
-              <a:t>‹#›</a:t>
+              <a:t>‹Nr.›</a:t>
             </a:fld>
             <a:endParaRPr/>
           </a:p>
@@ -1762,11 +3227,11 @@
 </file>
 
 <file path=ppt/slideLayouts/slideLayout10.xml><?xml version="1.0" encoding="utf-8"?>
-<p:sldLayout xmlns:a="http://schemas.openxmlformats.org/drawingml/2006/main" xmlns:r="http://schemas.openxmlformats.org/officeDocument/2006/relationships" xmlns:mc="http://schemas.openxmlformats.org/markup-compatibility/2006" xmlns:mv="urn:schemas-microsoft-com:mac:vml" xmlns:p="http://schemas.openxmlformats.org/presentationml/2006/main" xmlns:c="http://schemas.openxmlformats.org/drawingml/2006/chart" xmlns:dgm="http://schemas.openxmlformats.org/drawingml/2006/diagram" xmlns:o="urn:schemas-microsoft-com:office:office" xmlns:v="urn:schemas-microsoft-com:vml" xmlns:pvml="urn:schemas-microsoft-com:office:powerpoint" xmlns:com="http://schemas.openxmlformats.org/drawingml/2006/compatibility" xmlns:p14="http://schemas.microsoft.com/office/powerpoint/2010/main" xmlns:p15="http://schemas.microsoft.com/office/powerpoint/2012/main" matchingName="Big number">
+<p:sldLayout xmlns:a="http://schemas.openxmlformats.org/drawingml/2006/main" xmlns:r="http://schemas.openxmlformats.org/officeDocument/2006/relationships" xmlns:p="http://schemas.openxmlformats.org/presentationml/2006/main" matchingName="Big number">
   <p:cSld name="BIG_NUMBER">
     <p:spTree>
       <p:nvGrpSpPr>
-        <p:cNvPr id="44" name="Shape 44"/>
+        <p:cNvPr id="1" name="Shape 44"/>
         <p:cNvGrpSpPr/>
         <p:nvPr/>
       </p:nvGrpSpPr>
@@ -1781,9 +3246,11 @@
       <p:sp>
         <p:nvSpPr>
           <p:cNvPr id="45" name="Google Shape;45;p11"/>
-          <p:cNvSpPr txBox="1"/>
+          <p:cNvSpPr txBox="1">
+            <a:spLocks noGrp="1"/>
+          </p:cNvSpPr>
           <p:nvPr>
-            <p:ph hasCustomPrompt="1" type="title"/>
+            <p:ph type="title" hasCustomPrompt="1"/>
           </p:nvPr>
         </p:nvSpPr>
         <p:spPr>
@@ -1796,7 +3263,7 @@
           </a:prstGeom>
         </p:spPr>
         <p:txBody>
-          <a:bodyPr anchorCtr="0" anchor="b" bIns="91425" lIns="91425" spcFirstLastPara="1" rIns="91425" wrap="square" tIns="91425"/>
+          <a:bodyPr spcFirstLastPara="1" wrap="square" lIns="91425" tIns="91425" rIns="91425" bIns="91425" anchor="b" anchorCtr="0"/>
           <a:lstStyle>
             <a:lvl1pPr lvl="0" algn="ctr">
               <a:spcBef>
@@ -1908,9 +3375,11 @@
       <p:sp>
         <p:nvSpPr>
           <p:cNvPr id="46" name="Google Shape;46;p11"/>
-          <p:cNvSpPr txBox="1"/>
+          <p:cNvSpPr txBox="1">
+            <a:spLocks noGrp="1"/>
+          </p:cNvSpPr>
           <p:nvPr>
-            <p:ph idx="1" type="body"/>
+            <p:ph type="body" idx="1"/>
           </p:nvPr>
         </p:nvSpPr>
         <p:spPr>
@@ -1923,9 +3392,9 @@
           </a:prstGeom>
         </p:spPr>
         <p:txBody>
-          <a:bodyPr anchorCtr="0" anchor="t" bIns="91425" lIns="91425" spcFirstLastPara="1" rIns="91425" wrap="square" tIns="91425"/>
+          <a:bodyPr spcFirstLastPara="1" wrap="square" lIns="91425" tIns="91425" rIns="91425" bIns="91425" anchor="t" anchorCtr="0"/>
           <a:lstStyle>
-            <a:lvl1pPr indent="-342900" lvl="0" marL="457200" algn="ctr">
+            <a:lvl1pPr marL="457200" lvl="0" indent="-342900" algn="ctr">
               <a:spcBef>
                 <a:spcPts val="0"/>
               </a:spcBef>
@@ -1936,7 +3405,7 @@
               <a:buChar char="●"/>
               <a:defRPr/>
             </a:lvl1pPr>
-            <a:lvl2pPr indent="-317500" lvl="1" marL="914400" algn="ctr">
+            <a:lvl2pPr marL="914400" lvl="1" indent="-317500" algn="ctr">
               <a:spcBef>
                 <a:spcPts val="1600"/>
               </a:spcBef>
@@ -1947,7 +3416,7 @@
               <a:buChar char="○"/>
               <a:defRPr/>
             </a:lvl2pPr>
-            <a:lvl3pPr indent="-317500" lvl="2" marL="1371600" algn="ctr">
+            <a:lvl3pPr marL="1371600" lvl="2" indent="-317500" algn="ctr">
               <a:spcBef>
                 <a:spcPts val="1600"/>
               </a:spcBef>
@@ -1958,7 +3427,7 @@
               <a:buChar char="■"/>
               <a:defRPr/>
             </a:lvl3pPr>
-            <a:lvl4pPr indent="-317500" lvl="3" marL="1828800" algn="ctr">
+            <a:lvl4pPr marL="1828800" lvl="3" indent="-317500" algn="ctr">
               <a:spcBef>
                 <a:spcPts val="1600"/>
               </a:spcBef>
@@ -1969,7 +3438,7 @@
               <a:buChar char="●"/>
               <a:defRPr/>
             </a:lvl4pPr>
-            <a:lvl5pPr indent="-317500" lvl="4" marL="2286000" algn="ctr">
+            <a:lvl5pPr marL="2286000" lvl="4" indent="-317500" algn="ctr">
               <a:spcBef>
                 <a:spcPts val="1600"/>
               </a:spcBef>
@@ -1980,7 +3449,7 @@
               <a:buChar char="○"/>
               <a:defRPr/>
             </a:lvl5pPr>
-            <a:lvl6pPr indent="-317500" lvl="5" marL="2743200" algn="ctr">
+            <a:lvl6pPr marL="2743200" lvl="5" indent="-317500" algn="ctr">
               <a:spcBef>
                 <a:spcPts val="1600"/>
               </a:spcBef>
@@ -1991,7 +3460,7 @@
               <a:buChar char="■"/>
               <a:defRPr/>
             </a:lvl6pPr>
-            <a:lvl7pPr indent="-317500" lvl="6" marL="3200400" algn="ctr">
+            <a:lvl7pPr marL="3200400" lvl="6" indent="-317500" algn="ctr">
               <a:spcBef>
                 <a:spcPts val="1600"/>
               </a:spcBef>
@@ -2002,7 +3471,7 @@
               <a:buChar char="●"/>
               <a:defRPr/>
             </a:lvl7pPr>
-            <a:lvl8pPr indent="-317500" lvl="7" marL="3657600" algn="ctr">
+            <a:lvl8pPr marL="3657600" lvl="7" indent="-317500" algn="ctr">
               <a:spcBef>
                 <a:spcPts val="1600"/>
               </a:spcBef>
@@ -2013,7 +3482,7 @@
               <a:buChar char="○"/>
               <a:defRPr/>
             </a:lvl8pPr>
-            <a:lvl9pPr indent="-317500" lvl="8" marL="4114800" algn="ctr">
+            <a:lvl9pPr marL="4114800" lvl="8" indent="-317500" algn="ctr">
               <a:spcBef>
                 <a:spcPts val="1600"/>
               </a:spcBef>
@@ -2025,15 +3494,19 @@
               <a:defRPr/>
             </a:lvl9pPr>
           </a:lstStyle>
-          <a:p/>
+          <a:p>
+            <a:endParaRPr/>
+          </a:p>
         </p:txBody>
       </p:sp>
       <p:sp>
         <p:nvSpPr>
           <p:cNvPr id="47" name="Google Shape;47;p11"/>
-          <p:cNvSpPr txBox="1"/>
+          <p:cNvSpPr txBox="1">
+            <a:spLocks noGrp="1"/>
+          </p:cNvSpPr>
           <p:nvPr>
-            <p:ph idx="12" type="sldNum"/>
+            <p:ph type="sldNum" idx="12"/>
           </p:nvPr>
         </p:nvSpPr>
         <p:spPr>
@@ -2046,7 +3519,7 @@
           </a:prstGeom>
         </p:spPr>
         <p:txBody>
-          <a:bodyPr anchorCtr="0" anchor="ctr" bIns="91425" lIns="91425" spcFirstLastPara="1" rIns="91425" wrap="square" tIns="91425">
+          <a:bodyPr spcFirstLastPara="1" wrap="square" lIns="91425" tIns="91425" rIns="91425" bIns="91425" anchor="ctr" anchorCtr="0">
             <a:noAutofit/>
           </a:bodyPr>
           <a:lstStyle>
@@ -2088,7 +3561,7 @@
             </a:lvl9pPr>
           </a:lstStyle>
           <a:p>
-            <a:pPr indent="0" lvl="0" marL="0" rtl="0" algn="r">
+            <a:pPr marL="0" lvl="0" indent="0" algn="r" rtl="0">
               <a:spcBef>
                 <a:spcPts val="0"/>
               </a:spcBef>
@@ -2099,7 +3572,7 @@
             </a:pPr>
             <a:fld id="{00000000-1234-1234-1234-123412341234}" type="slidenum">
               <a:rPr lang="en"/>
-              <a:t>‹#›</a:t>
+              <a:t>‹Nr.›</a:t>
             </a:fld>
             <a:endParaRPr/>
           </a:p>
@@ -2114,11 +3587,11 @@
 </file>
 
 <file path=ppt/slideLayouts/slideLayout11.xml><?xml version="1.0" encoding="utf-8"?>
-<p:sldLayout xmlns:a="http://schemas.openxmlformats.org/drawingml/2006/main" xmlns:r="http://schemas.openxmlformats.org/officeDocument/2006/relationships" xmlns:mc="http://schemas.openxmlformats.org/markup-compatibility/2006" xmlns:mv="urn:schemas-microsoft-com:mac:vml" xmlns:p="http://schemas.openxmlformats.org/presentationml/2006/main" xmlns:c="http://schemas.openxmlformats.org/drawingml/2006/chart" xmlns:dgm="http://schemas.openxmlformats.org/drawingml/2006/diagram" xmlns:o="urn:schemas-microsoft-com:office:office" xmlns:v="urn:schemas-microsoft-com:vml" xmlns:pvml="urn:schemas-microsoft-com:office:powerpoint" xmlns:com="http://schemas.openxmlformats.org/drawingml/2006/compatibility" xmlns:p14="http://schemas.microsoft.com/office/powerpoint/2010/main" xmlns:p15="http://schemas.microsoft.com/office/powerpoint/2012/main" matchingName="Blank" type="blank">
+<p:sldLayout xmlns:a="http://schemas.openxmlformats.org/drawingml/2006/main" xmlns:r="http://schemas.openxmlformats.org/officeDocument/2006/relationships" xmlns:p="http://schemas.openxmlformats.org/presentationml/2006/main" matchingName="Blank" type="blank">
   <p:cSld name="BLANK">
     <p:spTree>
       <p:nvGrpSpPr>
-        <p:cNvPr id="48" name="Shape 48"/>
+        <p:cNvPr id="1" name="Shape 48"/>
         <p:cNvGrpSpPr/>
         <p:nvPr/>
       </p:nvGrpSpPr>
@@ -2133,9 +3606,11 @@
       <p:sp>
         <p:nvSpPr>
           <p:cNvPr id="49" name="Google Shape;49;p12"/>
-          <p:cNvSpPr txBox="1"/>
+          <p:cNvSpPr txBox="1">
+            <a:spLocks noGrp="1"/>
+          </p:cNvSpPr>
           <p:nvPr>
-            <p:ph idx="12" type="sldNum"/>
+            <p:ph type="sldNum" idx="12"/>
           </p:nvPr>
         </p:nvSpPr>
         <p:spPr>
@@ -2148,7 +3623,7 @@
           </a:prstGeom>
         </p:spPr>
         <p:txBody>
-          <a:bodyPr anchorCtr="0" anchor="ctr" bIns="91425" lIns="91425" spcFirstLastPara="1" rIns="91425" wrap="square" tIns="91425">
+          <a:bodyPr spcFirstLastPara="1" wrap="square" lIns="91425" tIns="91425" rIns="91425" bIns="91425" anchor="ctr" anchorCtr="0">
             <a:noAutofit/>
           </a:bodyPr>
           <a:lstStyle>
@@ -2190,7 +3665,7 @@
             </a:lvl9pPr>
           </a:lstStyle>
           <a:p>
-            <a:pPr indent="0" lvl="0" marL="0" rtl="0" algn="r">
+            <a:pPr marL="0" lvl="0" indent="0" algn="r" rtl="0">
               <a:spcBef>
                 <a:spcPts val="0"/>
               </a:spcBef>
@@ -2201,7 +3676,7 @@
             </a:pPr>
             <a:fld id="{00000000-1234-1234-1234-123412341234}" type="slidenum">
               <a:rPr lang="en"/>
-              <a:t>‹#›</a:t>
+              <a:t>‹Nr.›</a:t>
             </a:fld>
             <a:endParaRPr/>
           </a:p>
@@ -2216,11 +3691,11 @@
 </file>
 
 <file path=ppt/slideLayouts/slideLayout2.xml><?xml version="1.0" encoding="utf-8"?>
-<p:sldLayout xmlns:a="http://schemas.openxmlformats.org/drawingml/2006/main" xmlns:r="http://schemas.openxmlformats.org/officeDocument/2006/relationships" xmlns:mc="http://schemas.openxmlformats.org/markup-compatibility/2006" xmlns:mv="urn:schemas-microsoft-com:mac:vml" xmlns:p="http://schemas.openxmlformats.org/presentationml/2006/main" xmlns:c="http://schemas.openxmlformats.org/drawingml/2006/chart" xmlns:dgm="http://schemas.openxmlformats.org/drawingml/2006/diagram" xmlns:o="urn:schemas-microsoft-com:office:office" xmlns:v="urn:schemas-microsoft-com:vml" xmlns:pvml="urn:schemas-microsoft-com:office:powerpoint" xmlns:com="http://schemas.openxmlformats.org/drawingml/2006/compatibility" xmlns:p14="http://schemas.microsoft.com/office/powerpoint/2010/main" xmlns:p15="http://schemas.microsoft.com/office/powerpoint/2012/main" matchingName="Section header" type="secHead">
+<p:sldLayout xmlns:a="http://schemas.openxmlformats.org/drawingml/2006/main" xmlns:r="http://schemas.openxmlformats.org/officeDocument/2006/relationships" xmlns:p="http://schemas.openxmlformats.org/presentationml/2006/main" matchingName="Section header" type="secHead">
   <p:cSld name="SECTION_HEADER">
     <p:spTree>
       <p:nvGrpSpPr>
-        <p:cNvPr id="13" name="Shape 13"/>
+        <p:cNvPr id="1" name="Shape 13"/>
         <p:cNvGrpSpPr/>
         <p:nvPr/>
       </p:nvGrpSpPr>
@@ -2235,7 +3710,9 @@
       <p:sp>
         <p:nvSpPr>
           <p:cNvPr id="14" name="Google Shape;14;p3"/>
-          <p:cNvSpPr txBox="1"/>
+          <p:cNvSpPr txBox="1">
+            <a:spLocks noGrp="1"/>
+          </p:cNvSpPr>
           <p:nvPr>
             <p:ph type="title"/>
           </p:nvPr>
@@ -2250,7 +3727,7 @@
           </a:prstGeom>
         </p:spPr>
         <p:txBody>
-          <a:bodyPr anchorCtr="0" anchor="ctr" bIns="91425" lIns="91425" spcFirstLastPara="1" rIns="91425" wrap="square" tIns="91425"/>
+          <a:bodyPr spcFirstLastPara="1" wrap="square" lIns="91425" tIns="91425" rIns="91425" bIns="91425" anchor="ctr" anchorCtr="0"/>
           <a:lstStyle>
             <a:lvl1pPr lvl="0" algn="ctr">
               <a:spcBef>
@@ -2352,15 +3829,19 @@
               <a:defRPr sz="3600"/>
             </a:lvl9pPr>
           </a:lstStyle>
-          <a:p/>
+          <a:p>
+            <a:endParaRPr/>
+          </a:p>
         </p:txBody>
       </p:sp>
       <p:sp>
         <p:nvSpPr>
           <p:cNvPr id="15" name="Google Shape;15;p3"/>
-          <p:cNvSpPr txBox="1"/>
+          <p:cNvSpPr txBox="1">
+            <a:spLocks noGrp="1"/>
+          </p:cNvSpPr>
           <p:nvPr>
-            <p:ph idx="12" type="sldNum"/>
+            <p:ph type="sldNum" idx="12"/>
           </p:nvPr>
         </p:nvSpPr>
         <p:spPr>
@@ -2373,7 +3854,7 @@
           </a:prstGeom>
         </p:spPr>
         <p:txBody>
-          <a:bodyPr anchorCtr="0" anchor="ctr" bIns="91425" lIns="91425" spcFirstLastPara="1" rIns="91425" wrap="square" tIns="91425">
+          <a:bodyPr spcFirstLastPara="1" wrap="square" lIns="91425" tIns="91425" rIns="91425" bIns="91425" anchor="ctr" anchorCtr="0">
             <a:noAutofit/>
           </a:bodyPr>
           <a:lstStyle>
@@ -2415,7 +3896,7 @@
             </a:lvl9pPr>
           </a:lstStyle>
           <a:p>
-            <a:pPr indent="0" lvl="0" marL="0" rtl="0" algn="r">
+            <a:pPr marL="0" lvl="0" indent="0" algn="r" rtl="0">
               <a:spcBef>
                 <a:spcPts val="0"/>
               </a:spcBef>
@@ -2426,7 +3907,7 @@
             </a:pPr>
             <a:fld id="{00000000-1234-1234-1234-123412341234}" type="slidenum">
               <a:rPr lang="en"/>
-              <a:t>‹#›</a:t>
+              <a:t>‹Nr.›</a:t>
             </a:fld>
             <a:endParaRPr/>
           </a:p>
@@ -2441,11 +3922,11 @@
 </file>
 
 <file path=ppt/slideLayouts/slideLayout3.xml><?xml version="1.0" encoding="utf-8"?>
-<p:sldLayout xmlns:a="http://schemas.openxmlformats.org/drawingml/2006/main" xmlns:r="http://schemas.openxmlformats.org/officeDocument/2006/relationships" xmlns:mc="http://schemas.openxmlformats.org/markup-compatibility/2006" xmlns:mv="urn:schemas-microsoft-com:mac:vml" xmlns:p="http://schemas.openxmlformats.org/presentationml/2006/main" xmlns:c="http://schemas.openxmlformats.org/drawingml/2006/chart" xmlns:dgm="http://schemas.openxmlformats.org/drawingml/2006/diagram" xmlns:o="urn:schemas-microsoft-com:office:office" xmlns:v="urn:schemas-microsoft-com:vml" xmlns:pvml="urn:schemas-microsoft-com:office:powerpoint" xmlns:com="http://schemas.openxmlformats.org/drawingml/2006/compatibility" xmlns:p14="http://schemas.microsoft.com/office/powerpoint/2010/main" xmlns:p15="http://schemas.microsoft.com/office/powerpoint/2012/main" matchingName="Title and body" type="tx">
+<p:sldLayout xmlns:a="http://schemas.openxmlformats.org/drawingml/2006/main" xmlns:r="http://schemas.openxmlformats.org/officeDocument/2006/relationships" xmlns:p="http://schemas.openxmlformats.org/presentationml/2006/main" matchingName="Title and body" type="tx">
   <p:cSld name="TITLE_AND_BODY">
     <p:spTree>
       <p:nvGrpSpPr>
-        <p:cNvPr id="16" name="Shape 16"/>
+        <p:cNvPr id="1" name="Shape 16"/>
         <p:cNvGrpSpPr/>
         <p:nvPr/>
       </p:nvGrpSpPr>
@@ -2460,7 +3941,9 @@
       <p:sp>
         <p:nvSpPr>
           <p:cNvPr id="17" name="Google Shape;17;p4"/>
-          <p:cNvSpPr txBox="1"/>
+          <p:cNvSpPr txBox="1">
+            <a:spLocks noGrp="1"/>
+          </p:cNvSpPr>
           <p:nvPr>
             <p:ph type="title"/>
           </p:nvPr>
@@ -2475,7 +3958,7 @@
           </a:prstGeom>
         </p:spPr>
         <p:txBody>
-          <a:bodyPr anchorCtr="0" anchor="t" bIns="91425" lIns="91425" spcFirstLastPara="1" rIns="91425" wrap="square" tIns="91425"/>
+          <a:bodyPr spcFirstLastPara="1" wrap="square" lIns="91425" tIns="91425" rIns="91425" bIns="91425" anchor="t" anchorCtr="0"/>
           <a:lstStyle>
             <a:lvl1pPr lvl="0">
               <a:spcBef>
@@ -2577,15 +4060,19 @@
               <a:defRPr/>
             </a:lvl9pPr>
           </a:lstStyle>
-          <a:p/>
+          <a:p>
+            <a:endParaRPr/>
+          </a:p>
         </p:txBody>
       </p:sp>
       <p:sp>
         <p:nvSpPr>
           <p:cNvPr id="18" name="Google Shape;18;p4"/>
-          <p:cNvSpPr txBox="1"/>
+          <p:cNvSpPr txBox="1">
+            <a:spLocks noGrp="1"/>
+          </p:cNvSpPr>
           <p:nvPr>
-            <p:ph idx="1" type="body"/>
+            <p:ph type="body" idx="1"/>
           </p:nvPr>
         </p:nvSpPr>
         <p:spPr>
@@ -2598,9 +4085,9 @@
           </a:prstGeom>
         </p:spPr>
         <p:txBody>
-          <a:bodyPr anchorCtr="0" anchor="t" bIns="91425" lIns="91425" spcFirstLastPara="1" rIns="91425" wrap="square" tIns="91425"/>
+          <a:bodyPr spcFirstLastPara="1" wrap="square" lIns="91425" tIns="91425" rIns="91425" bIns="91425" anchor="t" anchorCtr="0"/>
           <a:lstStyle>
-            <a:lvl1pPr indent="-342900" lvl="0" marL="457200">
+            <a:lvl1pPr marL="457200" lvl="0" indent="-342900">
               <a:spcBef>
                 <a:spcPts val="0"/>
               </a:spcBef>
@@ -2611,7 +4098,7 @@
               <a:buChar char="●"/>
               <a:defRPr/>
             </a:lvl1pPr>
-            <a:lvl2pPr indent="-317500" lvl="1" marL="914400">
+            <a:lvl2pPr marL="914400" lvl="1" indent="-317500">
               <a:spcBef>
                 <a:spcPts val="1600"/>
               </a:spcBef>
@@ -2622,7 +4109,7 @@
               <a:buChar char="○"/>
               <a:defRPr/>
             </a:lvl2pPr>
-            <a:lvl3pPr indent="-317500" lvl="2" marL="1371600">
+            <a:lvl3pPr marL="1371600" lvl="2" indent="-317500">
               <a:spcBef>
                 <a:spcPts val="1600"/>
               </a:spcBef>
@@ -2633,7 +4120,7 @@
               <a:buChar char="■"/>
               <a:defRPr/>
             </a:lvl3pPr>
-            <a:lvl4pPr indent="-317500" lvl="3" marL="1828800">
+            <a:lvl4pPr marL="1828800" lvl="3" indent="-317500">
               <a:spcBef>
                 <a:spcPts val="1600"/>
               </a:spcBef>
@@ -2644,7 +4131,7 @@
               <a:buChar char="●"/>
               <a:defRPr/>
             </a:lvl4pPr>
-            <a:lvl5pPr indent="-317500" lvl="4" marL="2286000">
+            <a:lvl5pPr marL="2286000" lvl="4" indent="-317500">
               <a:spcBef>
                 <a:spcPts val="1600"/>
               </a:spcBef>
@@ -2655,7 +4142,7 @@
               <a:buChar char="○"/>
               <a:defRPr/>
             </a:lvl5pPr>
-            <a:lvl6pPr indent="-317500" lvl="5" marL="2743200">
+            <a:lvl6pPr marL="2743200" lvl="5" indent="-317500">
               <a:spcBef>
                 <a:spcPts val="1600"/>
               </a:spcBef>
@@ -2666,7 +4153,7 @@
               <a:buChar char="■"/>
               <a:defRPr/>
             </a:lvl6pPr>
-            <a:lvl7pPr indent="-317500" lvl="6" marL="3200400">
+            <a:lvl7pPr marL="3200400" lvl="6" indent="-317500">
               <a:spcBef>
                 <a:spcPts val="1600"/>
               </a:spcBef>
@@ -2677,7 +4164,7 @@
               <a:buChar char="●"/>
               <a:defRPr/>
             </a:lvl7pPr>
-            <a:lvl8pPr indent="-317500" lvl="7" marL="3657600">
+            <a:lvl8pPr marL="3657600" lvl="7" indent="-317500">
               <a:spcBef>
                 <a:spcPts val="1600"/>
               </a:spcBef>
@@ -2688,7 +4175,7 @@
               <a:buChar char="○"/>
               <a:defRPr/>
             </a:lvl8pPr>
-            <a:lvl9pPr indent="-317500" lvl="8" marL="4114800">
+            <a:lvl9pPr marL="4114800" lvl="8" indent="-317500">
               <a:spcBef>
                 <a:spcPts val="1600"/>
               </a:spcBef>
@@ -2700,15 +4187,19 @@
               <a:defRPr/>
             </a:lvl9pPr>
           </a:lstStyle>
-          <a:p/>
+          <a:p>
+            <a:endParaRPr/>
+          </a:p>
         </p:txBody>
       </p:sp>
       <p:sp>
         <p:nvSpPr>
           <p:cNvPr id="19" name="Google Shape;19;p4"/>
-          <p:cNvSpPr txBox="1"/>
+          <p:cNvSpPr txBox="1">
+            <a:spLocks noGrp="1"/>
+          </p:cNvSpPr>
           <p:nvPr>
-            <p:ph idx="12" type="sldNum"/>
+            <p:ph type="sldNum" idx="12"/>
           </p:nvPr>
         </p:nvSpPr>
         <p:spPr>
@@ -2721,7 +4212,7 @@
           </a:prstGeom>
         </p:spPr>
         <p:txBody>
-          <a:bodyPr anchorCtr="0" anchor="ctr" bIns="91425" lIns="91425" spcFirstLastPara="1" rIns="91425" wrap="square" tIns="91425">
+          <a:bodyPr spcFirstLastPara="1" wrap="square" lIns="91425" tIns="91425" rIns="91425" bIns="91425" anchor="ctr" anchorCtr="0">
             <a:noAutofit/>
           </a:bodyPr>
           <a:lstStyle>
@@ -2763,7 +4254,7 @@
             </a:lvl9pPr>
           </a:lstStyle>
           <a:p>
-            <a:pPr indent="0" lvl="0" marL="0" rtl="0" algn="r">
+            <a:pPr marL="0" lvl="0" indent="0" algn="r" rtl="0">
               <a:spcBef>
                 <a:spcPts val="0"/>
               </a:spcBef>
@@ -2774,7 +4265,7 @@
             </a:pPr>
             <a:fld id="{00000000-1234-1234-1234-123412341234}" type="slidenum">
               <a:rPr lang="en"/>
-              <a:t>‹#›</a:t>
+              <a:t>‹Nr.›</a:t>
             </a:fld>
             <a:endParaRPr/>
           </a:p>
@@ -2789,11 +4280,11 @@
 </file>
 
 <file path=ppt/slideLayouts/slideLayout4.xml><?xml version="1.0" encoding="utf-8"?>
-<p:sldLayout xmlns:a="http://schemas.openxmlformats.org/drawingml/2006/main" xmlns:r="http://schemas.openxmlformats.org/officeDocument/2006/relationships" xmlns:mc="http://schemas.openxmlformats.org/markup-compatibility/2006" xmlns:mv="urn:schemas-microsoft-com:mac:vml" xmlns:p="http://schemas.openxmlformats.org/presentationml/2006/main" xmlns:c="http://schemas.openxmlformats.org/drawingml/2006/chart" xmlns:dgm="http://schemas.openxmlformats.org/drawingml/2006/diagram" xmlns:o="urn:schemas-microsoft-com:office:office" xmlns:v="urn:schemas-microsoft-com:vml" xmlns:pvml="urn:schemas-microsoft-com:office:powerpoint" xmlns:com="http://schemas.openxmlformats.org/drawingml/2006/compatibility" xmlns:p14="http://schemas.microsoft.com/office/powerpoint/2010/main" xmlns:p15="http://schemas.microsoft.com/office/powerpoint/2012/main" matchingName="Title and two columns" type="twoColTx">
+<p:sldLayout xmlns:a="http://schemas.openxmlformats.org/drawingml/2006/main" xmlns:r="http://schemas.openxmlformats.org/officeDocument/2006/relationships" xmlns:p="http://schemas.openxmlformats.org/presentationml/2006/main" matchingName="Title and two columns" type="twoColTx">
   <p:cSld name="TITLE_AND_TWO_COLUMNS">
     <p:spTree>
       <p:nvGrpSpPr>
-        <p:cNvPr id="20" name="Shape 20"/>
+        <p:cNvPr id="1" name="Shape 20"/>
         <p:cNvGrpSpPr/>
         <p:nvPr/>
       </p:nvGrpSpPr>
@@ -2808,7 +4299,9 @@
       <p:sp>
         <p:nvSpPr>
           <p:cNvPr id="21" name="Google Shape;21;p5"/>
-          <p:cNvSpPr txBox="1"/>
+          <p:cNvSpPr txBox="1">
+            <a:spLocks noGrp="1"/>
+          </p:cNvSpPr>
           <p:nvPr>
             <p:ph type="title"/>
           </p:nvPr>
@@ -2823,7 +4316,7 @@
           </a:prstGeom>
         </p:spPr>
         <p:txBody>
-          <a:bodyPr anchorCtr="0" anchor="t" bIns="91425" lIns="91425" spcFirstLastPara="1" rIns="91425" wrap="square" tIns="91425"/>
+          <a:bodyPr spcFirstLastPara="1" wrap="square" lIns="91425" tIns="91425" rIns="91425" bIns="91425" anchor="t" anchorCtr="0"/>
           <a:lstStyle>
             <a:lvl1pPr lvl="0">
               <a:spcBef>
@@ -2925,15 +4418,19 @@
               <a:defRPr/>
             </a:lvl9pPr>
           </a:lstStyle>
-          <a:p/>
+          <a:p>
+            <a:endParaRPr/>
+          </a:p>
         </p:txBody>
       </p:sp>
       <p:sp>
         <p:nvSpPr>
           <p:cNvPr id="22" name="Google Shape;22;p5"/>
-          <p:cNvSpPr txBox="1"/>
+          <p:cNvSpPr txBox="1">
+            <a:spLocks noGrp="1"/>
+          </p:cNvSpPr>
           <p:nvPr>
-            <p:ph idx="1" type="body"/>
+            <p:ph type="body" idx="1"/>
           </p:nvPr>
         </p:nvSpPr>
         <p:spPr>
@@ -2946,9 +4443,9 @@
           </a:prstGeom>
         </p:spPr>
         <p:txBody>
-          <a:bodyPr anchorCtr="0" anchor="t" bIns="91425" lIns="91425" spcFirstLastPara="1" rIns="91425" wrap="square" tIns="91425"/>
+          <a:bodyPr spcFirstLastPara="1" wrap="square" lIns="91425" tIns="91425" rIns="91425" bIns="91425" anchor="t" anchorCtr="0"/>
           <a:lstStyle>
-            <a:lvl1pPr indent="-317500" lvl="0" marL="457200">
+            <a:lvl1pPr marL="457200" lvl="0" indent="-317500">
               <a:spcBef>
                 <a:spcPts val="0"/>
               </a:spcBef>
@@ -2959,7 +4456,7 @@
               <a:buChar char="●"/>
               <a:defRPr sz="1400"/>
             </a:lvl1pPr>
-            <a:lvl2pPr indent="-304800" lvl="1" marL="914400">
+            <a:lvl2pPr marL="914400" lvl="1" indent="-304800">
               <a:spcBef>
                 <a:spcPts val="1600"/>
               </a:spcBef>
@@ -2970,7 +4467,7 @@
               <a:buChar char="○"/>
               <a:defRPr sz="1200"/>
             </a:lvl2pPr>
-            <a:lvl3pPr indent="-304800" lvl="2" marL="1371600">
+            <a:lvl3pPr marL="1371600" lvl="2" indent="-304800">
               <a:spcBef>
                 <a:spcPts val="1600"/>
               </a:spcBef>
@@ -2981,7 +4478,7 @@
               <a:buChar char="■"/>
               <a:defRPr sz="1200"/>
             </a:lvl3pPr>
-            <a:lvl4pPr indent="-304800" lvl="3" marL="1828800">
+            <a:lvl4pPr marL="1828800" lvl="3" indent="-304800">
               <a:spcBef>
                 <a:spcPts val="1600"/>
               </a:spcBef>
@@ -2992,7 +4489,7 @@
               <a:buChar char="●"/>
               <a:defRPr sz="1200"/>
             </a:lvl4pPr>
-            <a:lvl5pPr indent="-304800" lvl="4" marL="2286000">
+            <a:lvl5pPr marL="2286000" lvl="4" indent="-304800">
               <a:spcBef>
                 <a:spcPts val="1600"/>
               </a:spcBef>
@@ -3003,7 +4500,7 @@
               <a:buChar char="○"/>
               <a:defRPr sz="1200"/>
             </a:lvl5pPr>
-            <a:lvl6pPr indent="-304800" lvl="5" marL="2743200">
+            <a:lvl6pPr marL="2743200" lvl="5" indent="-304800">
               <a:spcBef>
                 <a:spcPts val="1600"/>
               </a:spcBef>
@@ -3014,7 +4511,7 @@
               <a:buChar char="■"/>
               <a:defRPr sz="1200"/>
             </a:lvl6pPr>
-            <a:lvl7pPr indent="-304800" lvl="6" marL="3200400">
+            <a:lvl7pPr marL="3200400" lvl="6" indent="-304800">
               <a:spcBef>
                 <a:spcPts val="1600"/>
               </a:spcBef>
@@ -3025,7 +4522,7 @@
               <a:buChar char="●"/>
               <a:defRPr sz="1200"/>
             </a:lvl7pPr>
-            <a:lvl8pPr indent="-304800" lvl="7" marL="3657600">
+            <a:lvl8pPr marL="3657600" lvl="7" indent="-304800">
               <a:spcBef>
                 <a:spcPts val="1600"/>
               </a:spcBef>
@@ -3036,7 +4533,7 @@
               <a:buChar char="○"/>
               <a:defRPr sz="1200"/>
             </a:lvl8pPr>
-            <a:lvl9pPr indent="-304800" lvl="8" marL="4114800">
+            <a:lvl9pPr marL="4114800" lvl="8" indent="-304800">
               <a:spcBef>
                 <a:spcPts val="1600"/>
               </a:spcBef>
@@ -3048,15 +4545,19 @@
               <a:defRPr sz="1200"/>
             </a:lvl9pPr>
           </a:lstStyle>
-          <a:p/>
+          <a:p>
+            <a:endParaRPr/>
+          </a:p>
         </p:txBody>
       </p:sp>
       <p:sp>
         <p:nvSpPr>
           <p:cNvPr id="23" name="Google Shape;23;p5"/>
-          <p:cNvSpPr txBox="1"/>
+          <p:cNvSpPr txBox="1">
+            <a:spLocks noGrp="1"/>
+          </p:cNvSpPr>
           <p:nvPr>
-            <p:ph idx="2" type="body"/>
+            <p:ph type="body" idx="2"/>
           </p:nvPr>
         </p:nvSpPr>
         <p:spPr>
@@ -3069,9 +4570,9 @@
           </a:prstGeom>
         </p:spPr>
         <p:txBody>
-          <a:bodyPr anchorCtr="0" anchor="t" bIns="91425" lIns="91425" spcFirstLastPara="1" rIns="91425" wrap="square" tIns="91425"/>
+          <a:bodyPr spcFirstLastPara="1" wrap="square" lIns="91425" tIns="91425" rIns="91425" bIns="91425" anchor="t" anchorCtr="0"/>
           <a:lstStyle>
-            <a:lvl1pPr indent="-317500" lvl="0" marL="457200">
+            <a:lvl1pPr marL="457200" lvl="0" indent="-317500">
               <a:spcBef>
                 <a:spcPts val="0"/>
               </a:spcBef>
@@ -3082,7 +4583,7 @@
               <a:buChar char="●"/>
               <a:defRPr sz="1400"/>
             </a:lvl1pPr>
-            <a:lvl2pPr indent="-304800" lvl="1" marL="914400">
+            <a:lvl2pPr marL="914400" lvl="1" indent="-304800">
               <a:spcBef>
                 <a:spcPts val="1600"/>
               </a:spcBef>
@@ -3093,7 +4594,7 @@
               <a:buChar char="○"/>
               <a:defRPr sz="1200"/>
             </a:lvl2pPr>
-            <a:lvl3pPr indent="-304800" lvl="2" marL="1371600">
+            <a:lvl3pPr marL="1371600" lvl="2" indent="-304800">
               <a:spcBef>
                 <a:spcPts val="1600"/>
               </a:spcBef>
@@ -3104,7 +4605,7 @@
               <a:buChar char="■"/>
               <a:defRPr sz="1200"/>
             </a:lvl3pPr>
-            <a:lvl4pPr indent="-304800" lvl="3" marL="1828800">
+            <a:lvl4pPr marL="1828800" lvl="3" indent="-304800">
               <a:spcBef>
                 <a:spcPts val="1600"/>
               </a:spcBef>
@@ -3115,7 +4616,7 @@
               <a:buChar char="●"/>
               <a:defRPr sz="1200"/>
             </a:lvl4pPr>
-            <a:lvl5pPr indent="-304800" lvl="4" marL="2286000">
+            <a:lvl5pPr marL="2286000" lvl="4" indent="-304800">
               <a:spcBef>
                 <a:spcPts val="1600"/>
               </a:spcBef>
@@ -3126,7 +4627,7 @@
               <a:buChar char="○"/>
               <a:defRPr sz="1200"/>
             </a:lvl5pPr>
-            <a:lvl6pPr indent="-304800" lvl="5" marL="2743200">
+            <a:lvl6pPr marL="2743200" lvl="5" indent="-304800">
               <a:spcBef>
                 <a:spcPts val="1600"/>
               </a:spcBef>
@@ -3137,7 +4638,7 @@
               <a:buChar char="■"/>
               <a:defRPr sz="1200"/>
             </a:lvl6pPr>
-            <a:lvl7pPr indent="-304800" lvl="6" marL="3200400">
+            <a:lvl7pPr marL="3200400" lvl="6" indent="-304800">
               <a:spcBef>
                 <a:spcPts val="1600"/>
               </a:spcBef>
@@ -3148,7 +4649,7 @@
               <a:buChar char="●"/>
               <a:defRPr sz="1200"/>
             </a:lvl7pPr>
-            <a:lvl8pPr indent="-304800" lvl="7" marL="3657600">
+            <a:lvl8pPr marL="3657600" lvl="7" indent="-304800">
               <a:spcBef>
                 <a:spcPts val="1600"/>
               </a:spcBef>
@@ -3159,7 +4660,7 @@
               <a:buChar char="○"/>
               <a:defRPr sz="1200"/>
             </a:lvl8pPr>
-            <a:lvl9pPr indent="-304800" lvl="8" marL="4114800">
+            <a:lvl9pPr marL="4114800" lvl="8" indent="-304800">
               <a:spcBef>
                 <a:spcPts val="1600"/>
               </a:spcBef>
@@ -3171,15 +4672,19 @@
               <a:defRPr sz="1200"/>
             </a:lvl9pPr>
           </a:lstStyle>
-          <a:p/>
+          <a:p>
+            <a:endParaRPr/>
+          </a:p>
         </p:txBody>
       </p:sp>
       <p:sp>
         <p:nvSpPr>
           <p:cNvPr id="24" name="Google Shape;24;p5"/>
-          <p:cNvSpPr txBox="1"/>
+          <p:cNvSpPr txBox="1">
+            <a:spLocks noGrp="1"/>
+          </p:cNvSpPr>
           <p:nvPr>
-            <p:ph idx="12" type="sldNum"/>
+            <p:ph type="sldNum" idx="12"/>
           </p:nvPr>
         </p:nvSpPr>
         <p:spPr>
@@ -3192,7 +4697,7 @@
           </a:prstGeom>
         </p:spPr>
         <p:txBody>
-          <a:bodyPr anchorCtr="0" anchor="ctr" bIns="91425" lIns="91425" spcFirstLastPara="1" rIns="91425" wrap="square" tIns="91425">
+          <a:bodyPr spcFirstLastPara="1" wrap="square" lIns="91425" tIns="91425" rIns="91425" bIns="91425" anchor="ctr" anchorCtr="0">
             <a:noAutofit/>
           </a:bodyPr>
           <a:lstStyle>
@@ -3234,7 +4739,7 @@
             </a:lvl9pPr>
           </a:lstStyle>
           <a:p>
-            <a:pPr indent="0" lvl="0" marL="0" rtl="0" algn="r">
+            <a:pPr marL="0" lvl="0" indent="0" algn="r" rtl="0">
               <a:spcBef>
                 <a:spcPts val="0"/>
               </a:spcBef>
@@ -3245,7 +4750,7 @@
             </a:pPr>
             <a:fld id="{00000000-1234-1234-1234-123412341234}" type="slidenum">
               <a:rPr lang="en"/>
-              <a:t>‹#›</a:t>
+              <a:t>‹Nr.›</a:t>
             </a:fld>
             <a:endParaRPr/>
           </a:p>
@@ -3260,11 +4765,11 @@
 </file>
 
 <file path=ppt/slideLayouts/slideLayout5.xml><?xml version="1.0" encoding="utf-8"?>
-<p:sldLayout xmlns:a="http://schemas.openxmlformats.org/drawingml/2006/main" xmlns:r="http://schemas.openxmlformats.org/officeDocument/2006/relationships" xmlns:mc="http://schemas.openxmlformats.org/markup-compatibility/2006" xmlns:mv="urn:schemas-microsoft-com:mac:vml" xmlns:p="http://schemas.openxmlformats.org/presentationml/2006/main" xmlns:c="http://schemas.openxmlformats.org/drawingml/2006/chart" xmlns:dgm="http://schemas.openxmlformats.org/drawingml/2006/diagram" xmlns:o="urn:schemas-microsoft-com:office:office" xmlns:v="urn:schemas-microsoft-com:vml" xmlns:pvml="urn:schemas-microsoft-com:office:powerpoint" xmlns:com="http://schemas.openxmlformats.org/drawingml/2006/compatibility" xmlns:p14="http://schemas.microsoft.com/office/powerpoint/2010/main" xmlns:p15="http://schemas.microsoft.com/office/powerpoint/2012/main" matchingName="Title only" type="titleOnly">
+<p:sldLayout xmlns:a="http://schemas.openxmlformats.org/drawingml/2006/main" xmlns:r="http://schemas.openxmlformats.org/officeDocument/2006/relationships" xmlns:p="http://schemas.openxmlformats.org/presentationml/2006/main" matchingName="Title only" type="titleOnly">
   <p:cSld name="TITLE_ONLY">
     <p:spTree>
       <p:nvGrpSpPr>
-        <p:cNvPr id="25" name="Shape 25"/>
+        <p:cNvPr id="1" name="Shape 25"/>
         <p:cNvGrpSpPr/>
         <p:nvPr/>
       </p:nvGrpSpPr>
@@ -3279,7 +4784,9 @@
       <p:sp>
         <p:nvSpPr>
           <p:cNvPr id="26" name="Google Shape;26;p6"/>
-          <p:cNvSpPr txBox="1"/>
+          <p:cNvSpPr txBox="1">
+            <a:spLocks noGrp="1"/>
+          </p:cNvSpPr>
           <p:nvPr>
             <p:ph type="title"/>
           </p:nvPr>
@@ -3294,7 +4801,7 @@
           </a:prstGeom>
         </p:spPr>
         <p:txBody>
-          <a:bodyPr anchorCtr="0" anchor="t" bIns="91425" lIns="91425" spcFirstLastPara="1" rIns="91425" wrap="square" tIns="91425"/>
+          <a:bodyPr spcFirstLastPara="1" wrap="square" lIns="91425" tIns="91425" rIns="91425" bIns="91425" anchor="t" anchorCtr="0"/>
           <a:lstStyle>
             <a:lvl1pPr lvl="0">
               <a:spcBef>
@@ -3396,15 +4903,19 @@
               <a:defRPr/>
             </a:lvl9pPr>
           </a:lstStyle>
-          <a:p/>
+          <a:p>
+            <a:endParaRPr/>
+          </a:p>
         </p:txBody>
       </p:sp>
       <p:sp>
         <p:nvSpPr>
           <p:cNvPr id="27" name="Google Shape;27;p6"/>
-          <p:cNvSpPr txBox="1"/>
+          <p:cNvSpPr txBox="1">
+            <a:spLocks noGrp="1"/>
+          </p:cNvSpPr>
           <p:nvPr>
-            <p:ph idx="12" type="sldNum"/>
+            <p:ph type="sldNum" idx="12"/>
           </p:nvPr>
         </p:nvSpPr>
         <p:spPr>
@@ -3417,7 +4928,7 @@
           </a:prstGeom>
         </p:spPr>
         <p:txBody>
-          <a:bodyPr anchorCtr="0" anchor="ctr" bIns="91425" lIns="91425" spcFirstLastPara="1" rIns="91425" wrap="square" tIns="91425">
+          <a:bodyPr spcFirstLastPara="1" wrap="square" lIns="91425" tIns="91425" rIns="91425" bIns="91425" anchor="ctr" anchorCtr="0">
             <a:noAutofit/>
           </a:bodyPr>
           <a:lstStyle>
@@ -3459,7 +4970,7 @@
             </a:lvl9pPr>
           </a:lstStyle>
           <a:p>
-            <a:pPr indent="0" lvl="0" marL="0" rtl="0" algn="r">
+            <a:pPr marL="0" lvl="0" indent="0" algn="r" rtl="0">
               <a:spcBef>
                 <a:spcPts val="0"/>
               </a:spcBef>
@@ -3470,7 +4981,7 @@
             </a:pPr>
             <a:fld id="{00000000-1234-1234-1234-123412341234}" type="slidenum">
               <a:rPr lang="en"/>
-              <a:t>‹#›</a:t>
+              <a:t>‹Nr.›</a:t>
             </a:fld>
             <a:endParaRPr/>
           </a:p>
@@ -3485,11 +4996,11 @@
 </file>
 
 <file path=ppt/slideLayouts/slideLayout6.xml><?xml version="1.0" encoding="utf-8"?>
-<p:sldLayout xmlns:a="http://schemas.openxmlformats.org/drawingml/2006/main" xmlns:r="http://schemas.openxmlformats.org/officeDocument/2006/relationships" xmlns:mc="http://schemas.openxmlformats.org/markup-compatibility/2006" xmlns:mv="urn:schemas-microsoft-com:mac:vml" xmlns:p="http://schemas.openxmlformats.org/presentationml/2006/main" xmlns:c="http://schemas.openxmlformats.org/drawingml/2006/chart" xmlns:dgm="http://schemas.openxmlformats.org/drawingml/2006/diagram" xmlns:o="urn:schemas-microsoft-com:office:office" xmlns:v="urn:schemas-microsoft-com:vml" xmlns:pvml="urn:schemas-microsoft-com:office:powerpoint" xmlns:com="http://schemas.openxmlformats.org/drawingml/2006/compatibility" xmlns:p14="http://schemas.microsoft.com/office/powerpoint/2010/main" xmlns:p15="http://schemas.microsoft.com/office/powerpoint/2012/main" matchingName="One column text">
+<p:sldLayout xmlns:a="http://schemas.openxmlformats.org/drawingml/2006/main" xmlns:r="http://schemas.openxmlformats.org/officeDocument/2006/relationships" xmlns:p="http://schemas.openxmlformats.org/presentationml/2006/main" matchingName="One column text">
   <p:cSld name="ONE_COLUMN_TEXT">
     <p:spTree>
       <p:nvGrpSpPr>
-        <p:cNvPr id="28" name="Shape 28"/>
+        <p:cNvPr id="1" name="Shape 28"/>
         <p:cNvGrpSpPr/>
         <p:nvPr/>
       </p:nvGrpSpPr>
@@ -3504,7 +5015,9 @@
       <p:sp>
         <p:nvSpPr>
           <p:cNvPr id="29" name="Google Shape;29;p7"/>
-          <p:cNvSpPr txBox="1"/>
+          <p:cNvSpPr txBox="1">
+            <a:spLocks noGrp="1"/>
+          </p:cNvSpPr>
           <p:nvPr>
             <p:ph type="title"/>
           </p:nvPr>
@@ -3519,7 +5032,7 @@
           </a:prstGeom>
         </p:spPr>
         <p:txBody>
-          <a:bodyPr anchorCtr="0" anchor="b" bIns="91425" lIns="91425" spcFirstLastPara="1" rIns="91425" wrap="square" tIns="91425"/>
+          <a:bodyPr spcFirstLastPara="1" wrap="square" lIns="91425" tIns="91425" rIns="91425" bIns="91425" anchor="b" anchorCtr="0"/>
           <a:lstStyle>
             <a:lvl1pPr lvl="0">
               <a:spcBef>
@@ -3621,15 +5134,19 @@
               <a:defRPr sz="2400"/>
             </a:lvl9pPr>
           </a:lstStyle>
-          <a:p/>
+          <a:p>
+            <a:endParaRPr/>
+          </a:p>
         </p:txBody>
       </p:sp>
       <p:sp>
         <p:nvSpPr>
           <p:cNvPr id="30" name="Google Shape;30;p7"/>
-          <p:cNvSpPr txBox="1"/>
+          <p:cNvSpPr txBox="1">
+            <a:spLocks noGrp="1"/>
+          </p:cNvSpPr>
           <p:nvPr>
-            <p:ph idx="1" type="body"/>
+            <p:ph type="body" idx="1"/>
           </p:nvPr>
         </p:nvSpPr>
         <p:spPr>
@@ -3642,9 +5159,9 @@
           </a:prstGeom>
         </p:spPr>
         <p:txBody>
-          <a:bodyPr anchorCtr="0" anchor="t" bIns="91425" lIns="91425" spcFirstLastPara="1" rIns="91425" wrap="square" tIns="91425"/>
+          <a:bodyPr spcFirstLastPara="1" wrap="square" lIns="91425" tIns="91425" rIns="91425" bIns="91425" anchor="t" anchorCtr="0"/>
           <a:lstStyle>
-            <a:lvl1pPr indent="-304800" lvl="0" marL="457200">
+            <a:lvl1pPr marL="457200" lvl="0" indent="-304800">
               <a:spcBef>
                 <a:spcPts val="0"/>
               </a:spcBef>
@@ -3655,7 +5172,7 @@
               <a:buChar char="●"/>
               <a:defRPr sz="1200"/>
             </a:lvl1pPr>
-            <a:lvl2pPr indent="-304800" lvl="1" marL="914400">
+            <a:lvl2pPr marL="914400" lvl="1" indent="-304800">
               <a:spcBef>
                 <a:spcPts val="1600"/>
               </a:spcBef>
@@ -3666,7 +5183,7 @@
               <a:buChar char="○"/>
               <a:defRPr sz="1200"/>
             </a:lvl2pPr>
-            <a:lvl3pPr indent="-304800" lvl="2" marL="1371600">
+            <a:lvl3pPr marL="1371600" lvl="2" indent="-304800">
               <a:spcBef>
                 <a:spcPts val="1600"/>
               </a:spcBef>
@@ -3677,7 +5194,7 @@
               <a:buChar char="■"/>
               <a:defRPr sz="1200"/>
             </a:lvl3pPr>
-            <a:lvl4pPr indent="-304800" lvl="3" marL="1828800">
+            <a:lvl4pPr marL="1828800" lvl="3" indent="-304800">
               <a:spcBef>
                 <a:spcPts val="1600"/>
               </a:spcBef>
@@ -3688,7 +5205,7 @@
               <a:buChar char="●"/>
               <a:defRPr sz="1200"/>
             </a:lvl4pPr>
-            <a:lvl5pPr indent="-304800" lvl="4" marL="2286000">
+            <a:lvl5pPr marL="2286000" lvl="4" indent="-304800">
               <a:spcBef>
                 <a:spcPts val="1600"/>
               </a:spcBef>
@@ -3699,7 +5216,7 @@
               <a:buChar char="○"/>
               <a:defRPr sz="1200"/>
             </a:lvl5pPr>
-            <a:lvl6pPr indent="-304800" lvl="5" marL="2743200">
+            <a:lvl6pPr marL="2743200" lvl="5" indent="-304800">
               <a:spcBef>
                 <a:spcPts val="1600"/>
               </a:spcBef>
@@ -3710,7 +5227,7 @@
               <a:buChar char="■"/>
               <a:defRPr sz="1200"/>
             </a:lvl6pPr>
-            <a:lvl7pPr indent="-304800" lvl="6" marL="3200400">
+            <a:lvl7pPr marL="3200400" lvl="6" indent="-304800">
               <a:spcBef>
                 <a:spcPts val="1600"/>
               </a:spcBef>
@@ -3721,7 +5238,7 @@
               <a:buChar char="●"/>
               <a:defRPr sz="1200"/>
             </a:lvl7pPr>
-            <a:lvl8pPr indent="-304800" lvl="7" marL="3657600">
+            <a:lvl8pPr marL="3657600" lvl="7" indent="-304800">
               <a:spcBef>
                 <a:spcPts val="1600"/>
               </a:spcBef>
@@ -3732,7 +5249,7 @@
               <a:buChar char="○"/>
               <a:defRPr sz="1200"/>
             </a:lvl8pPr>
-            <a:lvl9pPr indent="-304800" lvl="8" marL="4114800">
+            <a:lvl9pPr marL="4114800" lvl="8" indent="-304800">
               <a:spcBef>
                 <a:spcPts val="1600"/>
               </a:spcBef>
@@ -3744,15 +5261,19 @@
               <a:defRPr sz="1200"/>
             </a:lvl9pPr>
           </a:lstStyle>
-          <a:p/>
+          <a:p>
+            <a:endParaRPr/>
+          </a:p>
         </p:txBody>
       </p:sp>
       <p:sp>
         <p:nvSpPr>
           <p:cNvPr id="31" name="Google Shape;31;p7"/>
-          <p:cNvSpPr txBox="1"/>
+          <p:cNvSpPr txBox="1">
+            <a:spLocks noGrp="1"/>
+          </p:cNvSpPr>
           <p:nvPr>
-            <p:ph idx="12" type="sldNum"/>
+            <p:ph type="sldNum" idx="12"/>
           </p:nvPr>
         </p:nvSpPr>
         <p:spPr>
@@ -3765,7 +5286,7 @@
           </a:prstGeom>
         </p:spPr>
         <p:txBody>
-          <a:bodyPr anchorCtr="0" anchor="ctr" bIns="91425" lIns="91425" spcFirstLastPara="1" rIns="91425" wrap="square" tIns="91425">
+          <a:bodyPr spcFirstLastPara="1" wrap="square" lIns="91425" tIns="91425" rIns="91425" bIns="91425" anchor="ctr" anchorCtr="0">
             <a:noAutofit/>
           </a:bodyPr>
           <a:lstStyle>
@@ -3807,7 +5328,7 @@
             </a:lvl9pPr>
           </a:lstStyle>
           <a:p>
-            <a:pPr indent="0" lvl="0" marL="0" rtl="0" algn="r">
+            <a:pPr marL="0" lvl="0" indent="0" algn="r" rtl="0">
               <a:spcBef>
                 <a:spcPts val="0"/>
               </a:spcBef>
@@ -3818,7 +5339,7 @@
             </a:pPr>
             <a:fld id="{00000000-1234-1234-1234-123412341234}" type="slidenum">
               <a:rPr lang="en"/>
-              <a:t>‹#›</a:t>
+              <a:t>‹Nr.›</a:t>
             </a:fld>
             <a:endParaRPr/>
           </a:p>
@@ -3833,11 +5354,11 @@
 </file>
 
 <file path=ppt/slideLayouts/slideLayout7.xml><?xml version="1.0" encoding="utf-8"?>
-<p:sldLayout xmlns:a="http://schemas.openxmlformats.org/drawingml/2006/main" xmlns:r="http://schemas.openxmlformats.org/officeDocument/2006/relationships" xmlns:mc="http://schemas.openxmlformats.org/markup-compatibility/2006" xmlns:mv="urn:schemas-microsoft-com:mac:vml" xmlns:p="http://schemas.openxmlformats.org/presentationml/2006/main" xmlns:c="http://schemas.openxmlformats.org/drawingml/2006/chart" xmlns:dgm="http://schemas.openxmlformats.org/drawingml/2006/diagram" xmlns:o="urn:schemas-microsoft-com:office:office" xmlns:v="urn:schemas-microsoft-com:vml" xmlns:pvml="urn:schemas-microsoft-com:office:powerpoint" xmlns:com="http://schemas.openxmlformats.org/drawingml/2006/compatibility" xmlns:p14="http://schemas.microsoft.com/office/powerpoint/2010/main" xmlns:p15="http://schemas.microsoft.com/office/powerpoint/2012/main" matchingName="Main point">
+<p:sldLayout xmlns:a="http://schemas.openxmlformats.org/drawingml/2006/main" xmlns:r="http://schemas.openxmlformats.org/officeDocument/2006/relationships" xmlns:p="http://schemas.openxmlformats.org/presentationml/2006/main" matchingName="Main point">
   <p:cSld name="MAIN_POINT">
     <p:spTree>
       <p:nvGrpSpPr>
-        <p:cNvPr id="32" name="Shape 32"/>
+        <p:cNvPr id="1" name="Shape 32"/>
         <p:cNvGrpSpPr/>
         <p:nvPr/>
       </p:nvGrpSpPr>
@@ -3852,7 +5373,9 @@
       <p:sp>
         <p:nvSpPr>
           <p:cNvPr id="33" name="Google Shape;33;p8"/>
-          <p:cNvSpPr txBox="1"/>
+          <p:cNvSpPr txBox="1">
+            <a:spLocks noGrp="1"/>
+          </p:cNvSpPr>
           <p:nvPr>
             <p:ph type="title"/>
           </p:nvPr>
@@ -3867,7 +5390,7 @@
           </a:prstGeom>
         </p:spPr>
         <p:txBody>
-          <a:bodyPr anchorCtr="0" anchor="ctr" bIns="91425" lIns="91425" spcFirstLastPara="1" rIns="91425" wrap="square" tIns="91425"/>
+          <a:bodyPr spcFirstLastPara="1" wrap="square" lIns="91425" tIns="91425" rIns="91425" bIns="91425" anchor="ctr" anchorCtr="0"/>
           <a:lstStyle>
             <a:lvl1pPr lvl="0">
               <a:spcBef>
@@ -3969,15 +5492,19 @@
               <a:defRPr sz="4800"/>
             </a:lvl9pPr>
           </a:lstStyle>
-          <a:p/>
+          <a:p>
+            <a:endParaRPr/>
+          </a:p>
         </p:txBody>
       </p:sp>
       <p:sp>
         <p:nvSpPr>
           <p:cNvPr id="34" name="Google Shape;34;p8"/>
-          <p:cNvSpPr txBox="1"/>
+          <p:cNvSpPr txBox="1">
+            <a:spLocks noGrp="1"/>
+          </p:cNvSpPr>
           <p:nvPr>
-            <p:ph idx="12" type="sldNum"/>
+            <p:ph type="sldNum" idx="12"/>
           </p:nvPr>
         </p:nvSpPr>
         <p:spPr>
@@ -3990,7 +5517,7 @@
           </a:prstGeom>
         </p:spPr>
         <p:txBody>
-          <a:bodyPr anchorCtr="0" anchor="ctr" bIns="91425" lIns="91425" spcFirstLastPara="1" rIns="91425" wrap="square" tIns="91425">
+          <a:bodyPr spcFirstLastPara="1" wrap="square" lIns="91425" tIns="91425" rIns="91425" bIns="91425" anchor="ctr" anchorCtr="0">
             <a:noAutofit/>
           </a:bodyPr>
           <a:lstStyle>
@@ -4032,7 +5559,7 @@
             </a:lvl9pPr>
           </a:lstStyle>
           <a:p>
-            <a:pPr indent="0" lvl="0" marL="0" rtl="0" algn="r">
+            <a:pPr marL="0" lvl="0" indent="0" algn="r" rtl="0">
               <a:spcBef>
                 <a:spcPts val="0"/>
               </a:spcBef>
@@ -4043,7 +5570,7 @@
             </a:pPr>
             <a:fld id="{00000000-1234-1234-1234-123412341234}" type="slidenum">
               <a:rPr lang="en"/>
-              <a:t>‹#›</a:t>
+              <a:t>‹Nr.›</a:t>
             </a:fld>
             <a:endParaRPr/>
           </a:p>
@@ -4058,11 +5585,11 @@
 </file>
 
 <file path=ppt/slideLayouts/slideLayout8.xml><?xml version="1.0" encoding="utf-8"?>
-<p:sldLayout xmlns:a="http://schemas.openxmlformats.org/drawingml/2006/main" xmlns:r="http://schemas.openxmlformats.org/officeDocument/2006/relationships" xmlns:mc="http://schemas.openxmlformats.org/markup-compatibility/2006" xmlns:mv="urn:schemas-microsoft-com:mac:vml" xmlns:p="http://schemas.openxmlformats.org/presentationml/2006/main" xmlns:c="http://schemas.openxmlformats.org/drawingml/2006/chart" xmlns:dgm="http://schemas.openxmlformats.org/drawingml/2006/diagram" xmlns:o="urn:schemas-microsoft-com:office:office" xmlns:v="urn:schemas-microsoft-com:vml" xmlns:pvml="urn:schemas-microsoft-com:office:powerpoint" xmlns:com="http://schemas.openxmlformats.org/drawingml/2006/compatibility" xmlns:p14="http://schemas.microsoft.com/office/powerpoint/2010/main" xmlns:p15="http://schemas.microsoft.com/office/powerpoint/2012/main" matchingName="Section title and description">
+<p:sldLayout xmlns:a="http://schemas.openxmlformats.org/drawingml/2006/main" xmlns:r="http://schemas.openxmlformats.org/officeDocument/2006/relationships" xmlns:p="http://schemas.openxmlformats.org/presentationml/2006/main" matchingName="Section title and description">
   <p:cSld name="SECTION_TITLE_AND_DESCRIPTION">
     <p:spTree>
       <p:nvGrpSpPr>
-        <p:cNvPr id="35" name="Shape 35"/>
+        <p:cNvPr id="1" name="Shape 35"/>
         <p:cNvGrpSpPr/>
         <p:nvPr/>
       </p:nvGrpSpPr>
@@ -4096,12 +5623,12 @@
           </a:ln>
         </p:spPr>
         <p:txBody>
-          <a:bodyPr anchorCtr="0" anchor="ctr" bIns="91425" lIns="91425" spcFirstLastPara="1" rIns="91425" wrap="square" tIns="91425">
+          <a:bodyPr spcFirstLastPara="1" wrap="square" lIns="91425" tIns="91425" rIns="91425" bIns="91425" anchor="ctr" anchorCtr="0">
             <a:noAutofit/>
           </a:bodyPr>
           <a:lstStyle/>
           <a:p>
-            <a:pPr indent="0" lvl="0" marL="0" rtl="0" algn="l">
+            <a:pPr marL="0" lvl="0" indent="0" algn="l" rtl="0">
               <a:spcBef>
                 <a:spcPts val="0"/>
               </a:spcBef>
@@ -4110,9 +5637,6 @@
               </a:spcAft>
               <a:buNone/>
             </a:pPr>
-            <a:r>
-              <a:t/>
-            </a:r>
             <a:endParaRPr/>
           </a:p>
         </p:txBody>
@@ -4120,7 +5644,9 @@
       <p:sp>
         <p:nvSpPr>
           <p:cNvPr id="37" name="Google Shape;37;p9"/>
-          <p:cNvSpPr txBox="1"/>
+          <p:cNvSpPr txBox="1">
+            <a:spLocks noGrp="1"/>
+          </p:cNvSpPr>
           <p:nvPr>
             <p:ph type="title"/>
           </p:nvPr>
@@ -4135,7 +5661,7 @@
           </a:prstGeom>
         </p:spPr>
         <p:txBody>
-          <a:bodyPr anchorCtr="0" anchor="b" bIns="91425" lIns="91425" spcFirstLastPara="1" rIns="91425" wrap="square" tIns="91425"/>
+          <a:bodyPr spcFirstLastPara="1" wrap="square" lIns="91425" tIns="91425" rIns="91425" bIns="91425" anchor="b" anchorCtr="0"/>
           <a:lstStyle>
             <a:lvl1pPr lvl="0" algn="ctr">
               <a:spcBef>
@@ -4237,15 +5763,19 @@
               <a:defRPr sz="4200"/>
             </a:lvl9pPr>
           </a:lstStyle>
-          <a:p/>
+          <a:p>
+            <a:endParaRPr/>
+          </a:p>
         </p:txBody>
       </p:sp>
       <p:sp>
         <p:nvSpPr>
           <p:cNvPr id="38" name="Google Shape;38;p9"/>
-          <p:cNvSpPr txBox="1"/>
+          <p:cNvSpPr txBox="1">
+            <a:spLocks noGrp="1"/>
+          </p:cNvSpPr>
           <p:nvPr>
-            <p:ph idx="1" type="subTitle"/>
+            <p:ph type="subTitle" idx="1"/>
           </p:nvPr>
         </p:nvSpPr>
         <p:spPr>
@@ -4258,7 +5788,7 @@
           </a:prstGeom>
         </p:spPr>
         <p:txBody>
-          <a:bodyPr anchorCtr="0" anchor="t" bIns="91425" lIns="91425" spcFirstLastPara="1" rIns="91425" wrap="square" tIns="91425"/>
+          <a:bodyPr spcFirstLastPara="1" wrap="square" lIns="91425" tIns="91425" rIns="91425" bIns="91425" anchor="t" anchorCtr="0"/>
           <a:lstStyle>
             <a:lvl1pPr lvl="0" algn="ctr">
               <a:lnSpc>
@@ -4387,15 +5917,19 @@
               <a:defRPr sz="2100"/>
             </a:lvl9pPr>
           </a:lstStyle>
-          <a:p/>
+          <a:p>
+            <a:endParaRPr/>
+          </a:p>
         </p:txBody>
       </p:sp>
       <p:sp>
         <p:nvSpPr>
           <p:cNvPr id="39" name="Google Shape;39;p9"/>
-          <p:cNvSpPr txBox="1"/>
+          <p:cNvSpPr txBox="1">
+            <a:spLocks noGrp="1"/>
+          </p:cNvSpPr>
           <p:nvPr>
-            <p:ph idx="2" type="body"/>
+            <p:ph type="body" idx="2"/>
           </p:nvPr>
         </p:nvSpPr>
         <p:spPr>
@@ -4408,9 +5942,9 @@
           </a:prstGeom>
         </p:spPr>
         <p:txBody>
-          <a:bodyPr anchorCtr="0" anchor="ctr" bIns="91425" lIns="91425" spcFirstLastPara="1" rIns="91425" wrap="square" tIns="91425"/>
+          <a:bodyPr spcFirstLastPara="1" wrap="square" lIns="91425" tIns="91425" rIns="91425" bIns="91425" anchor="ctr" anchorCtr="0"/>
           <a:lstStyle>
-            <a:lvl1pPr indent="-342900" lvl="0" marL="457200">
+            <a:lvl1pPr marL="457200" lvl="0" indent="-342900">
               <a:spcBef>
                 <a:spcPts val="0"/>
               </a:spcBef>
@@ -4428,7 +5962,7 @@
                 </a:solidFill>
               </a:defRPr>
             </a:lvl1pPr>
-            <a:lvl2pPr indent="-317500" lvl="1" marL="914400">
+            <a:lvl2pPr marL="914400" lvl="1" indent="-317500">
               <a:spcBef>
                 <a:spcPts val="1600"/>
               </a:spcBef>
@@ -4446,7 +5980,7 @@
                 </a:solidFill>
               </a:defRPr>
             </a:lvl2pPr>
-            <a:lvl3pPr indent="-317500" lvl="2" marL="1371600">
+            <a:lvl3pPr marL="1371600" lvl="2" indent="-317500">
               <a:spcBef>
                 <a:spcPts val="1600"/>
               </a:spcBef>
@@ -4464,7 +5998,7 @@
                 </a:solidFill>
               </a:defRPr>
             </a:lvl3pPr>
-            <a:lvl4pPr indent="-317500" lvl="3" marL="1828800">
+            <a:lvl4pPr marL="1828800" lvl="3" indent="-317500">
               <a:spcBef>
                 <a:spcPts val="1600"/>
               </a:spcBef>
@@ -4482,7 +6016,7 @@
                 </a:solidFill>
               </a:defRPr>
             </a:lvl4pPr>
-            <a:lvl5pPr indent="-317500" lvl="4" marL="2286000">
+            <a:lvl5pPr marL="2286000" lvl="4" indent="-317500">
               <a:spcBef>
                 <a:spcPts val="1600"/>
               </a:spcBef>
@@ -4500,7 +6034,7 @@
                 </a:solidFill>
               </a:defRPr>
             </a:lvl5pPr>
-            <a:lvl6pPr indent="-317500" lvl="5" marL="2743200">
+            <a:lvl6pPr marL="2743200" lvl="5" indent="-317500">
               <a:spcBef>
                 <a:spcPts val="1600"/>
               </a:spcBef>
@@ -4518,7 +6052,7 @@
                 </a:solidFill>
               </a:defRPr>
             </a:lvl6pPr>
-            <a:lvl7pPr indent="-317500" lvl="6" marL="3200400">
+            <a:lvl7pPr marL="3200400" lvl="6" indent="-317500">
               <a:spcBef>
                 <a:spcPts val="1600"/>
               </a:spcBef>
@@ -4536,7 +6070,7 @@
                 </a:solidFill>
               </a:defRPr>
             </a:lvl7pPr>
-            <a:lvl8pPr indent="-317500" lvl="7" marL="3657600">
+            <a:lvl8pPr marL="3657600" lvl="7" indent="-317500">
               <a:spcBef>
                 <a:spcPts val="1600"/>
               </a:spcBef>
@@ -4554,7 +6088,7 @@
                 </a:solidFill>
               </a:defRPr>
             </a:lvl8pPr>
-            <a:lvl9pPr indent="-317500" lvl="8" marL="4114800">
+            <a:lvl9pPr marL="4114800" lvl="8" indent="-317500">
               <a:spcBef>
                 <a:spcPts val="1600"/>
               </a:spcBef>
@@ -4573,15 +6107,19 @@
               </a:defRPr>
             </a:lvl9pPr>
           </a:lstStyle>
-          <a:p/>
+          <a:p>
+            <a:endParaRPr/>
+          </a:p>
         </p:txBody>
       </p:sp>
       <p:sp>
         <p:nvSpPr>
           <p:cNvPr id="40" name="Google Shape;40;p9"/>
-          <p:cNvSpPr txBox="1"/>
+          <p:cNvSpPr txBox="1">
+            <a:spLocks noGrp="1"/>
+          </p:cNvSpPr>
           <p:nvPr>
-            <p:ph idx="12" type="sldNum"/>
+            <p:ph type="sldNum" idx="12"/>
           </p:nvPr>
         </p:nvSpPr>
         <p:spPr>
@@ -4594,7 +6132,7 @@
           </a:prstGeom>
         </p:spPr>
         <p:txBody>
-          <a:bodyPr anchorCtr="0" anchor="ctr" bIns="91425" lIns="91425" spcFirstLastPara="1" rIns="91425" wrap="square" tIns="91425">
+          <a:bodyPr spcFirstLastPara="1" wrap="square" lIns="91425" tIns="91425" rIns="91425" bIns="91425" anchor="ctr" anchorCtr="0">
             <a:noAutofit/>
           </a:bodyPr>
           <a:lstStyle>
@@ -4636,7 +6174,7 @@
             </a:lvl9pPr>
           </a:lstStyle>
           <a:p>
-            <a:pPr indent="0" lvl="0" marL="0" rtl="0" algn="r">
+            <a:pPr marL="0" lvl="0" indent="0" algn="r" rtl="0">
               <a:spcBef>
                 <a:spcPts val="0"/>
               </a:spcBef>
@@ -4647,7 +6185,7 @@
             </a:pPr>
             <a:fld id="{00000000-1234-1234-1234-123412341234}" type="slidenum">
               <a:rPr lang="en"/>
-              <a:t>‹#›</a:t>
+              <a:t>‹Nr.›</a:t>
             </a:fld>
             <a:endParaRPr/>
           </a:p>
@@ -4662,11 +6200,11 @@
 </file>
 
 <file path=ppt/slideLayouts/slideLayout9.xml><?xml version="1.0" encoding="utf-8"?>
-<p:sldLayout xmlns:a="http://schemas.openxmlformats.org/drawingml/2006/main" xmlns:r="http://schemas.openxmlformats.org/officeDocument/2006/relationships" xmlns:mc="http://schemas.openxmlformats.org/markup-compatibility/2006" xmlns:mv="urn:schemas-microsoft-com:mac:vml" xmlns:p="http://schemas.openxmlformats.org/presentationml/2006/main" xmlns:c="http://schemas.openxmlformats.org/drawingml/2006/chart" xmlns:dgm="http://schemas.openxmlformats.org/drawingml/2006/diagram" xmlns:o="urn:schemas-microsoft-com:office:office" xmlns:v="urn:schemas-microsoft-com:vml" xmlns:pvml="urn:schemas-microsoft-com:office:powerpoint" xmlns:com="http://schemas.openxmlformats.org/drawingml/2006/compatibility" xmlns:p14="http://schemas.microsoft.com/office/powerpoint/2010/main" xmlns:p15="http://schemas.microsoft.com/office/powerpoint/2012/main" matchingName="Caption">
+<p:sldLayout xmlns:a="http://schemas.openxmlformats.org/drawingml/2006/main" xmlns:r="http://schemas.openxmlformats.org/officeDocument/2006/relationships" xmlns:p="http://schemas.openxmlformats.org/presentationml/2006/main" matchingName="Caption">
   <p:cSld name="CAPTION_ONLY">
     <p:spTree>
       <p:nvGrpSpPr>
-        <p:cNvPr id="41" name="Shape 41"/>
+        <p:cNvPr id="1" name="Shape 41"/>
         <p:cNvGrpSpPr/>
         <p:nvPr/>
       </p:nvGrpSpPr>
@@ -4681,9 +6219,11 @@
       <p:sp>
         <p:nvSpPr>
           <p:cNvPr id="42" name="Google Shape;42;p10"/>
-          <p:cNvSpPr txBox="1"/>
+          <p:cNvSpPr txBox="1">
+            <a:spLocks noGrp="1"/>
+          </p:cNvSpPr>
           <p:nvPr>
-            <p:ph idx="1" type="body"/>
+            <p:ph type="body" idx="1"/>
           </p:nvPr>
         </p:nvSpPr>
         <p:spPr>
@@ -4696,9 +6236,9 @@
           </a:prstGeom>
         </p:spPr>
         <p:txBody>
-          <a:bodyPr anchorCtr="0" anchor="ctr" bIns="91425" lIns="91425" spcFirstLastPara="1" rIns="91425" wrap="square" tIns="91425"/>
+          <a:bodyPr spcFirstLastPara="1" wrap="square" lIns="91425" tIns="91425" rIns="91425" bIns="91425" anchor="ctr" anchorCtr="0"/>
           <a:lstStyle>
-            <a:lvl1pPr indent="-228600" lvl="0" marL="457200">
+            <a:lvl1pPr marL="457200" lvl="0" indent="-228600">
               <a:lnSpc>
                 <a:spcPct val="100000"/>
               </a:lnSpc>
@@ -4713,15 +6253,19 @@
               <a:defRPr/>
             </a:lvl1pPr>
           </a:lstStyle>
-          <a:p/>
+          <a:p>
+            <a:endParaRPr/>
+          </a:p>
         </p:txBody>
       </p:sp>
       <p:sp>
         <p:nvSpPr>
           <p:cNvPr id="43" name="Google Shape;43;p10"/>
-          <p:cNvSpPr txBox="1"/>
+          <p:cNvSpPr txBox="1">
+            <a:spLocks noGrp="1"/>
+          </p:cNvSpPr>
           <p:nvPr>
-            <p:ph idx="12" type="sldNum"/>
+            <p:ph type="sldNum" idx="12"/>
           </p:nvPr>
         </p:nvSpPr>
         <p:spPr>
@@ -4734,7 +6278,7 @@
           </a:prstGeom>
         </p:spPr>
         <p:txBody>
-          <a:bodyPr anchorCtr="0" anchor="ctr" bIns="91425" lIns="91425" spcFirstLastPara="1" rIns="91425" wrap="square" tIns="91425">
+          <a:bodyPr spcFirstLastPara="1" wrap="square" lIns="91425" tIns="91425" rIns="91425" bIns="91425" anchor="ctr" anchorCtr="0">
             <a:noAutofit/>
           </a:bodyPr>
           <a:lstStyle>
@@ -4776,7 +6320,7 @@
             </a:lvl9pPr>
           </a:lstStyle>
           <a:p>
-            <a:pPr indent="0" lvl="0" marL="0" rtl="0" algn="r">
+            <a:pPr marL="0" lvl="0" indent="0" algn="r" rtl="0">
               <a:spcBef>
                 <a:spcPts val="0"/>
               </a:spcBef>
@@ -4787,7 +6331,7 @@
             </a:pPr>
             <a:fld id="{00000000-1234-1234-1234-123412341234}" type="slidenum">
               <a:rPr lang="en"/>
-              <a:t>‹#›</a:t>
+              <a:t>‹Nr.›</a:t>
             </a:fld>
             <a:endParaRPr/>
           </a:p>
@@ -4802,18 +6346,19 @@
 </file>
 
 <file path=ppt/slideMasters/slideMaster1.xml><?xml version="1.0" encoding="utf-8"?>
-<p:sldMaster xmlns:a="http://schemas.openxmlformats.org/drawingml/2006/main" xmlns:r="http://schemas.openxmlformats.org/officeDocument/2006/relationships" xmlns:mc="http://schemas.openxmlformats.org/markup-compatibility/2006" xmlns:mv="urn:schemas-microsoft-com:mac:vml" xmlns:p="http://schemas.openxmlformats.org/presentationml/2006/main" xmlns:c="http://schemas.openxmlformats.org/drawingml/2006/chart" xmlns:dgm="http://schemas.openxmlformats.org/drawingml/2006/diagram" xmlns:o="urn:schemas-microsoft-com:office:office" xmlns:v="urn:schemas-microsoft-com:vml" xmlns:pvml="urn:schemas-microsoft-com:office:powerpoint" xmlns:com="http://schemas.openxmlformats.org/drawingml/2006/compatibility" xmlns:p14="http://schemas.microsoft.com/office/powerpoint/2010/main" xmlns:p15="http://schemas.microsoft.com/office/powerpoint/2012/main">
+<p:sldMaster xmlns:a="http://schemas.openxmlformats.org/drawingml/2006/main" xmlns:r="http://schemas.openxmlformats.org/officeDocument/2006/relationships" xmlns:p="http://schemas.openxmlformats.org/presentationml/2006/main">
   <p:cSld name="simple-dark-2">
     <p:bg>
       <p:bgPr>
         <a:solidFill>
           <a:schemeClr val="lt1"/>
         </a:solidFill>
+        <a:effectLst/>
       </p:bgPr>
     </p:bg>
     <p:spTree>
       <p:nvGrpSpPr>
-        <p:cNvPr id="5" name="Shape 5"/>
+        <p:cNvPr id="1" name="Shape 5"/>
         <p:cNvGrpSpPr/>
         <p:nvPr/>
       </p:nvGrpSpPr>
@@ -4828,7 +6373,9 @@
       <p:sp>
         <p:nvSpPr>
           <p:cNvPr id="6" name="Google Shape;6;p1"/>
-          <p:cNvSpPr txBox="1"/>
+          <p:cNvSpPr txBox="1">
+            <a:spLocks noGrp="1"/>
+          </p:cNvSpPr>
           <p:nvPr>
             <p:ph type="title"/>
           </p:nvPr>
@@ -4847,7 +6394,7 @@
           </a:ln>
         </p:spPr>
         <p:txBody>
-          <a:bodyPr anchorCtr="0" anchor="t" bIns="91425" lIns="91425" spcFirstLastPara="1" rIns="91425" wrap="square" tIns="91425"/>
+          <a:bodyPr spcFirstLastPara="1" wrap="square" lIns="91425" tIns="91425" rIns="91425" bIns="91425" anchor="t" anchorCtr="0"/>
           <a:lstStyle>
             <a:lvl1pPr lvl="0">
               <a:spcBef>
@@ -5012,15 +6559,19 @@
               </a:defRPr>
             </a:lvl9pPr>
           </a:lstStyle>
-          <a:p/>
+          <a:p>
+            <a:endParaRPr/>
+          </a:p>
         </p:txBody>
       </p:sp>
       <p:sp>
         <p:nvSpPr>
           <p:cNvPr id="7" name="Google Shape;7;p1"/>
-          <p:cNvSpPr txBox="1"/>
+          <p:cNvSpPr txBox="1">
+            <a:spLocks noGrp="1"/>
+          </p:cNvSpPr>
           <p:nvPr>
-            <p:ph idx="1" type="body"/>
+            <p:ph type="body" idx="1"/>
           </p:nvPr>
         </p:nvSpPr>
         <p:spPr>
@@ -5037,9 +6588,9 @@
           </a:ln>
         </p:spPr>
         <p:txBody>
-          <a:bodyPr anchorCtr="0" anchor="t" bIns="91425" lIns="91425" spcFirstLastPara="1" rIns="91425" wrap="square" tIns="91425"/>
+          <a:bodyPr spcFirstLastPara="1" wrap="square" lIns="91425" tIns="91425" rIns="91425" bIns="91425" anchor="t" anchorCtr="0"/>
           <a:lstStyle>
-            <a:lvl1pPr indent="-342900" lvl="0" marL="457200">
+            <a:lvl1pPr marL="457200" lvl="0" indent="-342900">
               <a:lnSpc>
                 <a:spcPct val="115000"/>
               </a:lnSpc>
@@ -5060,7 +6611,7 @@
                 </a:solidFill>
               </a:defRPr>
             </a:lvl1pPr>
-            <a:lvl2pPr indent="-317500" lvl="1" marL="914400">
+            <a:lvl2pPr marL="914400" lvl="1" indent="-317500">
               <a:lnSpc>
                 <a:spcPct val="115000"/>
               </a:lnSpc>
@@ -5081,7 +6632,7 @@
                 </a:solidFill>
               </a:defRPr>
             </a:lvl2pPr>
-            <a:lvl3pPr indent="-317500" lvl="2" marL="1371600">
+            <a:lvl3pPr marL="1371600" lvl="2" indent="-317500">
               <a:lnSpc>
                 <a:spcPct val="115000"/>
               </a:lnSpc>
@@ -5102,7 +6653,7 @@
                 </a:solidFill>
               </a:defRPr>
             </a:lvl3pPr>
-            <a:lvl4pPr indent="-317500" lvl="3" marL="1828800">
+            <a:lvl4pPr marL="1828800" lvl="3" indent="-317500">
               <a:lnSpc>
                 <a:spcPct val="115000"/>
               </a:lnSpc>
@@ -5123,7 +6674,7 @@
                 </a:solidFill>
               </a:defRPr>
             </a:lvl4pPr>
-            <a:lvl5pPr indent="-317500" lvl="4" marL="2286000">
+            <a:lvl5pPr marL="2286000" lvl="4" indent="-317500">
               <a:lnSpc>
                 <a:spcPct val="115000"/>
               </a:lnSpc>
@@ -5144,7 +6695,7 @@
                 </a:solidFill>
               </a:defRPr>
             </a:lvl5pPr>
-            <a:lvl6pPr indent="-317500" lvl="5" marL="2743200">
+            <a:lvl6pPr marL="2743200" lvl="5" indent="-317500">
               <a:lnSpc>
                 <a:spcPct val="115000"/>
               </a:lnSpc>
@@ -5165,7 +6716,7 @@
                 </a:solidFill>
               </a:defRPr>
             </a:lvl6pPr>
-            <a:lvl7pPr indent="-317500" lvl="6" marL="3200400">
+            <a:lvl7pPr marL="3200400" lvl="6" indent="-317500">
               <a:lnSpc>
                 <a:spcPct val="115000"/>
               </a:lnSpc>
@@ -5186,7 +6737,7 @@
                 </a:solidFill>
               </a:defRPr>
             </a:lvl7pPr>
-            <a:lvl8pPr indent="-317500" lvl="7" marL="3657600">
+            <a:lvl8pPr marL="3657600" lvl="7" indent="-317500">
               <a:lnSpc>
                 <a:spcPct val="115000"/>
               </a:lnSpc>
@@ -5207,7 +6758,7 @@
                 </a:solidFill>
               </a:defRPr>
             </a:lvl8pPr>
-            <a:lvl9pPr indent="-317500" lvl="8" marL="4114800">
+            <a:lvl9pPr marL="4114800" lvl="8" indent="-317500">
               <a:lnSpc>
                 <a:spcPct val="115000"/>
               </a:lnSpc>
@@ -5229,15 +6780,19 @@
               </a:defRPr>
             </a:lvl9pPr>
           </a:lstStyle>
-          <a:p/>
+          <a:p>
+            <a:endParaRPr/>
+          </a:p>
         </p:txBody>
       </p:sp>
       <p:sp>
         <p:nvSpPr>
           <p:cNvPr id="8" name="Google Shape;8;p1"/>
-          <p:cNvSpPr txBox="1"/>
+          <p:cNvSpPr txBox="1">
+            <a:spLocks noGrp="1"/>
+          </p:cNvSpPr>
           <p:nvPr>
-            <p:ph idx="12" type="sldNum"/>
+            <p:ph type="sldNum" idx="12"/>
           </p:nvPr>
         </p:nvSpPr>
         <p:spPr>
@@ -5254,7 +6809,7 @@
           </a:ln>
         </p:spPr>
         <p:txBody>
-          <a:bodyPr anchorCtr="0" anchor="ctr" bIns="91425" lIns="91425" spcFirstLastPara="1" rIns="91425" wrap="square" tIns="91425">
+          <a:bodyPr spcFirstLastPara="1" wrap="square" lIns="91425" tIns="91425" rIns="91425" bIns="91425" anchor="ctr" anchorCtr="0">
             <a:noAutofit/>
           </a:bodyPr>
           <a:lstStyle>
@@ -5332,7 +6887,7 @@
             </a:lvl9pPr>
           </a:lstStyle>
           <a:p>
-            <a:pPr indent="0" lvl="0" marL="0" rtl="0" algn="r">
+            <a:pPr marL="0" lvl="0" indent="0" algn="r" rtl="0">
               <a:spcBef>
                 <a:spcPts val="0"/>
               </a:spcBef>
@@ -5343,7 +6898,7 @@
             </a:pPr>
             <a:fld id="{00000000-1234-1234-1234-123412341234}" type="slidenum">
               <a:rPr lang="en"/>
-              <a:t>‹#›</a:t>
+              <a:t>‹Nr.›</a:t>
             </a:fld>
             <a:endParaRPr/>
           </a:p>
@@ -5351,7 +6906,7 @@
       </p:sp>
     </p:spTree>
   </p:cSld>
-  <p:clrMap accent1="accent1" accent2="accent2" accent3="accent3" accent4="accent4" accent5="accent5" accent6="accent6" bg1="lt1" bg2="dk2" tx1="dk1" tx2="lt2" folHlink="folHlink" hlink="hlink"/>
+  <p:clrMap bg1="lt1" tx1="dk1" bg2="dk2" tx2="lt2" accent1="accent1" accent2="accent2" accent3="accent3" accent4="accent4" accent5="accent5" accent6="accent6" hlink="hlink" folHlink="folHlink"/>
   <p:sldLayoutIdLst>
     <p:sldLayoutId id="2147483648" r:id="rId1"/>
     <p:sldLayoutId id="2147483649" r:id="rId2"/>
@@ -5365,10 +6920,10 @@
     <p:sldLayoutId id="2147483657" r:id="rId10"/>
     <p:sldLayoutId id="2147483658" r:id="rId11"/>
   </p:sldLayoutIdLst>
-  <p:hf dt="0" ftr="0" hdr="0" sldNum="0"/>
+  <p:hf sldNum="0" hdr="0" ftr="0" dt="0"/>
   <p:txStyles>
     <p:titleStyle>
-      <a:defPPr lvl="0" marR="0" rtl="0" algn="l">
+      <a:defPPr marR="0" lvl="0" algn="l" rtl="0">
         <a:lnSpc>
           <a:spcPct val="100000"/>
         </a:lnSpc>
@@ -5379,7 +6934,7 @@
           <a:spcPts val="0"/>
         </a:spcAft>
       </a:defPPr>
-      <a:lvl1pPr lvl="0" marR="0" rtl="0" algn="l">
+      <a:lvl1pPr marR="0" lvl="0" algn="l" rtl="0">
         <a:lnSpc>
           <a:spcPct val="100000"/>
         </a:lnSpc>
@@ -5393,7 +6948,7 @@
           <a:srgbClr val="000000"/>
         </a:buClr>
         <a:buFont typeface="Arial"/>
-        <a:defRPr b="0" i="0" sz="1400" u="none" cap="none" strike="noStrike">
+        <a:defRPr sz="1400" b="0" i="0" u="none" strike="noStrike" cap="none">
           <a:solidFill>
             <a:srgbClr val="000000"/>
           </a:solidFill>
@@ -5403,7 +6958,7 @@
           <a:sym typeface="Arial"/>
         </a:defRPr>
       </a:lvl1pPr>
-      <a:lvl2pPr lvl="1" marR="0" rtl="0" algn="l">
+      <a:lvl2pPr marR="0" lvl="1" algn="l" rtl="0">
         <a:lnSpc>
           <a:spcPct val="100000"/>
         </a:lnSpc>
@@ -5417,7 +6972,7 @@
           <a:srgbClr val="000000"/>
         </a:buClr>
         <a:buFont typeface="Arial"/>
-        <a:defRPr b="0" i="0" sz="1400" u="none" cap="none" strike="noStrike">
+        <a:defRPr sz="1400" b="0" i="0" u="none" strike="noStrike" cap="none">
           <a:solidFill>
             <a:srgbClr val="000000"/>
           </a:solidFill>
@@ -5427,7 +6982,7 @@
           <a:sym typeface="Arial"/>
         </a:defRPr>
       </a:lvl2pPr>
-      <a:lvl3pPr lvl="2" marR="0" rtl="0" algn="l">
+      <a:lvl3pPr marR="0" lvl="2" algn="l" rtl="0">
         <a:lnSpc>
           <a:spcPct val="100000"/>
         </a:lnSpc>
@@ -5441,7 +6996,7 @@
           <a:srgbClr val="000000"/>
         </a:buClr>
         <a:buFont typeface="Arial"/>
-        <a:defRPr b="0" i="0" sz="1400" u="none" cap="none" strike="noStrike">
+        <a:defRPr sz="1400" b="0" i="0" u="none" strike="noStrike" cap="none">
           <a:solidFill>
             <a:srgbClr val="000000"/>
           </a:solidFill>
@@ -5451,7 +7006,7 @@
           <a:sym typeface="Arial"/>
         </a:defRPr>
       </a:lvl3pPr>
-      <a:lvl4pPr lvl="3" marR="0" rtl="0" algn="l">
+      <a:lvl4pPr marR="0" lvl="3" algn="l" rtl="0">
         <a:lnSpc>
           <a:spcPct val="100000"/>
         </a:lnSpc>
@@ -5465,7 +7020,7 @@
           <a:srgbClr val="000000"/>
         </a:buClr>
         <a:buFont typeface="Arial"/>
-        <a:defRPr b="0" i="0" sz="1400" u="none" cap="none" strike="noStrike">
+        <a:defRPr sz="1400" b="0" i="0" u="none" strike="noStrike" cap="none">
           <a:solidFill>
             <a:srgbClr val="000000"/>
           </a:solidFill>
@@ -5475,7 +7030,7 @@
           <a:sym typeface="Arial"/>
         </a:defRPr>
       </a:lvl4pPr>
-      <a:lvl5pPr lvl="4" marR="0" rtl="0" algn="l">
+      <a:lvl5pPr marR="0" lvl="4" algn="l" rtl="0">
         <a:lnSpc>
           <a:spcPct val="100000"/>
         </a:lnSpc>
@@ -5489,7 +7044,7 @@
           <a:srgbClr val="000000"/>
         </a:buClr>
         <a:buFont typeface="Arial"/>
-        <a:defRPr b="0" i="0" sz="1400" u="none" cap="none" strike="noStrike">
+        <a:defRPr sz="1400" b="0" i="0" u="none" strike="noStrike" cap="none">
           <a:solidFill>
             <a:srgbClr val="000000"/>
           </a:solidFill>
@@ -5499,7 +7054,7 @@
           <a:sym typeface="Arial"/>
         </a:defRPr>
       </a:lvl5pPr>
-      <a:lvl6pPr lvl="5" marR="0" rtl="0" algn="l">
+      <a:lvl6pPr marR="0" lvl="5" algn="l" rtl="0">
         <a:lnSpc>
           <a:spcPct val="100000"/>
         </a:lnSpc>
@@ -5513,7 +7068,7 @@
           <a:srgbClr val="000000"/>
         </a:buClr>
         <a:buFont typeface="Arial"/>
-        <a:defRPr b="0" i="0" sz="1400" u="none" cap="none" strike="noStrike">
+        <a:defRPr sz="1400" b="0" i="0" u="none" strike="noStrike" cap="none">
           <a:solidFill>
             <a:srgbClr val="000000"/>
           </a:solidFill>
@@ -5523,7 +7078,7 @@
           <a:sym typeface="Arial"/>
         </a:defRPr>
       </a:lvl6pPr>
-      <a:lvl7pPr lvl="6" marR="0" rtl="0" algn="l">
+      <a:lvl7pPr marR="0" lvl="6" algn="l" rtl="0">
         <a:lnSpc>
           <a:spcPct val="100000"/>
         </a:lnSpc>
@@ -5537,7 +7092,7 @@
           <a:srgbClr val="000000"/>
         </a:buClr>
         <a:buFont typeface="Arial"/>
-        <a:defRPr b="0" i="0" sz="1400" u="none" cap="none" strike="noStrike">
+        <a:defRPr sz="1400" b="0" i="0" u="none" strike="noStrike" cap="none">
           <a:solidFill>
             <a:srgbClr val="000000"/>
           </a:solidFill>
@@ -5547,7 +7102,7 @@
           <a:sym typeface="Arial"/>
         </a:defRPr>
       </a:lvl7pPr>
-      <a:lvl8pPr lvl="7" marR="0" rtl="0" algn="l">
+      <a:lvl8pPr marR="0" lvl="7" algn="l" rtl="0">
         <a:lnSpc>
           <a:spcPct val="100000"/>
         </a:lnSpc>
@@ -5561,7 +7116,7 @@
           <a:srgbClr val="000000"/>
         </a:buClr>
         <a:buFont typeface="Arial"/>
-        <a:defRPr b="0" i="0" sz="1400" u="none" cap="none" strike="noStrike">
+        <a:defRPr sz="1400" b="0" i="0" u="none" strike="noStrike" cap="none">
           <a:solidFill>
             <a:srgbClr val="000000"/>
           </a:solidFill>
@@ -5571,7 +7126,7 @@
           <a:sym typeface="Arial"/>
         </a:defRPr>
       </a:lvl8pPr>
-      <a:lvl9pPr lvl="8" marR="0" rtl="0" algn="l">
+      <a:lvl9pPr marR="0" lvl="8" algn="l" rtl="0">
         <a:lnSpc>
           <a:spcPct val="100000"/>
         </a:lnSpc>
@@ -5585,7 +7140,7 @@
           <a:srgbClr val="000000"/>
         </a:buClr>
         <a:buFont typeface="Arial"/>
-        <a:defRPr b="0" i="0" sz="1400" u="none" cap="none" strike="noStrike">
+        <a:defRPr sz="1400" b="0" i="0" u="none" strike="noStrike" cap="none">
           <a:solidFill>
             <a:srgbClr val="000000"/>
           </a:solidFill>
@@ -5597,7 +7152,7 @@
       </a:lvl9pPr>
     </p:titleStyle>
     <p:bodyStyle>
-      <a:defPPr lvl="0" marR="0" rtl="0" algn="l">
+      <a:defPPr marR="0" lvl="0" algn="l" rtl="0">
         <a:lnSpc>
           <a:spcPct val="100000"/>
         </a:lnSpc>
@@ -5608,7 +7163,7 @@
           <a:spcPts val="0"/>
         </a:spcAft>
       </a:defPPr>
-      <a:lvl1pPr lvl="0" marR="0" rtl="0" algn="l">
+      <a:lvl1pPr marR="0" lvl="0" algn="l" rtl="0">
         <a:lnSpc>
           <a:spcPct val="100000"/>
         </a:lnSpc>
@@ -5622,7 +7177,7 @@
           <a:srgbClr val="000000"/>
         </a:buClr>
         <a:buFont typeface="Arial"/>
-        <a:defRPr b="0" i="0" sz="1400" u="none" cap="none" strike="noStrike">
+        <a:defRPr sz="1400" b="0" i="0" u="none" strike="noStrike" cap="none">
           <a:solidFill>
             <a:srgbClr val="000000"/>
           </a:solidFill>
@@ -5632,7 +7187,7 @@
           <a:sym typeface="Arial"/>
         </a:defRPr>
       </a:lvl1pPr>
-      <a:lvl2pPr lvl="1" marR="0" rtl="0" algn="l">
+      <a:lvl2pPr marR="0" lvl="1" algn="l" rtl="0">
         <a:lnSpc>
           <a:spcPct val="100000"/>
         </a:lnSpc>
@@ -5646,7 +7201,7 @@
           <a:srgbClr val="000000"/>
         </a:buClr>
         <a:buFont typeface="Arial"/>
-        <a:defRPr b="0" i="0" sz="1400" u="none" cap="none" strike="noStrike">
+        <a:defRPr sz="1400" b="0" i="0" u="none" strike="noStrike" cap="none">
           <a:solidFill>
             <a:srgbClr val="000000"/>
           </a:solidFill>
@@ -5656,7 +7211,7 @@
           <a:sym typeface="Arial"/>
         </a:defRPr>
       </a:lvl2pPr>
-      <a:lvl3pPr lvl="2" marR="0" rtl="0" algn="l">
+      <a:lvl3pPr marR="0" lvl="2" algn="l" rtl="0">
         <a:lnSpc>
           <a:spcPct val="100000"/>
         </a:lnSpc>
@@ -5670,7 +7225,7 @@
           <a:srgbClr val="000000"/>
         </a:buClr>
         <a:buFont typeface="Arial"/>
-        <a:defRPr b="0" i="0" sz="1400" u="none" cap="none" strike="noStrike">
+        <a:defRPr sz="1400" b="0" i="0" u="none" strike="noStrike" cap="none">
           <a:solidFill>
             <a:srgbClr val="000000"/>
           </a:solidFill>
@@ -5680,7 +7235,7 @@
           <a:sym typeface="Arial"/>
         </a:defRPr>
       </a:lvl3pPr>
-      <a:lvl4pPr lvl="3" marR="0" rtl="0" algn="l">
+      <a:lvl4pPr marR="0" lvl="3" algn="l" rtl="0">
         <a:lnSpc>
           <a:spcPct val="100000"/>
         </a:lnSpc>
@@ -5694,7 +7249,7 @@
           <a:srgbClr val="000000"/>
         </a:buClr>
         <a:buFont typeface="Arial"/>
-        <a:defRPr b="0" i="0" sz="1400" u="none" cap="none" strike="noStrike">
+        <a:defRPr sz="1400" b="0" i="0" u="none" strike="noStrike" cap="none">
           <a:solidFill>
             <a:srgbClr val="000000"/>
           </a:solidFill>
@@ -5704,7 +7259,7 @@
           <a:sym typeface="Arial"/>
         </a:defRPr>
       </a:lvl4pPr>
-      <a:lvl5pPr lvl="4" marR="0" rtl="0" algn="l">
+      <a:lvl5pPr marR="0" lvl="4" algn="l" rtl="0">
         <a:lnSpc>
           <a:spcPct val="100000"/>
         </a:lnSpc>
@@ -5718,7 +7273,7 @@
           <a:srgbClr val="000000"/>
         </a:buClr>
         <a:buFont typeface="Arial"/>
-        <a:defRPr b="0" i="0" sz="1400" u="none" cap="none" strike="noStrike">
+        <a:defRPr sz="1400" b="0" i="0" u="none" strike="noStrike" cap="none">
           <a:solidFill>
             <a:srgbClr val="000000"/>
           </a:solidFill>
@@ -5728,7 +7283,7 @@
           <a:sym typeface="Arial"/>
         </a:defRPr>
       </a:lvl5pPr>
-      <a:lvl6pPr lvl="5" marR="0" rtl="0" algn="l">
+      <a:lvl6pPr marR="0" lvl="5" algn="l" rtl="0">
         <a:lnSpc>
           <a:spcPct val="100000"/>
         </a:lnSpc>
@@ -5742,7 +7297,7 @@
           <a:srgbClr val="000000"/>
         </a:buClr>
         <a:buFont typeface="Arial"/>
-        <a:defRPr b="0" i="0" sz="1400" u="none" cap="none" strike="noStrike">
+        <a:defRPr sz="1400" b="0" i="0" u="none" strike="noStrike" cap="none">
           <a:solidFill>
             <a:srgbClr val="000000"/>
           </a:solidFill>
@@ -5752,7 +7307,7 @@
           <a:sym typeface="Arial"/>
         </a:defRPr>
       </a:lvl6pPr>
-      <a:lvl7pPr lvl="6" marR="0" rtl="0" algn="l">
+      <a:lvl7pPr marR="0" lvl="6" algn="l" rtl="0">
         <a:lnSpc>
           <a:spcPct val="100000"/>
         </a:lnSpc>
@@ -5766,7 +7321,7 @@
           <a:srgbClr val="000000"/>
         </a:buClr>
         <a:buFont typeface="Arial"/>
-        <a:defRPr b="0" i="0" sz="1400" u="none" cap="none" strike="noStrike">
+        <a:defRPr sz="1400" b="0" i="0" u="none" strike="noStrike" cap="none">
           <a:solidFill>
             <a:srgbClr val="000000"/>
           </a:solidFill>
@@ -5776,7 +7331,7 @@
           <a:sym typeface="Arial"/>
         </a:defRPr>
       </a:lvl7pPr>
-      <a:lvl8pPr lvl="7" marR="0" rtl="0" algn="l">
+      <a:lvl8pPr marR="0" lvl="7" algn="l" rtl="0">
         <a:lnSpc>
           <a:spcPct val="100000"/>
         </a:lnSpc>
@@ -5790,7 +7345,7 @@
           <a:srgbClr val="000000"/>
         </a:buClr>
         <a:buFont typeface="Arial"/>
-        <a:defRPr b="0" i="0" sz="1400" u="none" cap="none" strike="noStrike">
+        <a:defRPr sz="1400" b="0" i="0" u="none" strike="noStrike" cap="none">
           <a:solidFill>
             <a:srgbClr val="000000"/>
           </a:solidFill>
@@ -5800,7 +7355,7 @@
           <a:sym typeface="Arial"/>
         </a:defRPr>
       </a:lvl8pPr>
-      <a:lvl9pPr lvl="8" marR="0" rtl="0" algn="l">
+      <a:lvl9pPr marR="0" lvl="8" algn="l" rtl="0">
         <a:lnSpc>
           <a:spcPct val="100000"/>
         </a:lnSpc>
@@ -5814,7 +7369,7 @@
           <a:srgbClr val="000000"/>
         </a:buClr>
         <a:buFont typeface="Arial"/>
-        <a:defRPr b="0" i="0" sz="1400" u="none" cap="none" strike="noStrike">
+        <a:defRPr sz="1400" b="0" i="0" u="none" strike="noStrike" cap="none">
           <a:solidFill>
             <a:srgbClr val="000000"/>
           </a:solidFill>
@@ -5826,7 +7381,7 @@
       </a:lvl9pPr>
     </p:bodyStyle>
     <p:otherStyle>
-      <a:defPPr lvl="0" marR="0" rtl="0" algn="l">
+      <a:defPPr marR="0" lvl="0" algn="l" rtl="0">
         <a:lnSpc>
           <a:spcPct val="100000"/>
         </a:lnSpc>
@@ -5837,7 +7392,7 @@
           <a:spcPts val="0"/>
         </a:spcAft>
       </a:defPPr>
-      <a:lvl1pPr lvl="0" marR="0" rtl="0" algn="l">
+      <a:lvl1pPr marR="0" lvl="0" algn="l" rtl="0">
         <a:lnSpc>
           <a:spcPct val="100000"/>
         </a:lnSpc>
@@ -5851,7 +7406,7 @@
           <a:srgbClr val="000000"/>
         </a:buClr>
         <a:buFont typeface="Arial"/>
-        <a:defRPr b="0" i="0" sz="1400" u="none" cap="none" strike="noStrike">
+        <a:defRPr sz="1400" b="0" i="0" u="none" strike="noStrike" cap="none">
           <a:solidFill>
             <a:srgbClr val="000000"/>
           </a:solidFill>
@@ -5861,7 +7416,7 @@
           <a:sym typeface="Arial"/>
         </a:defRPr>
       </a:lvl1pPr>
-      <a:lvl2pPr lvl="1" marR="0" rtl="0" algn="l">
+      <a:lvl2pPr marR="0" lvl="1" algn="l" rtl="0">
         <a:lnSpc>
           <a:spcPct val="100000"/>
         </a:lnSpc>
@@ -5875,7 +7430,7 @@
           <a:srgbClr val="000000"/>
         </a:buClr>
         <a:buFont typeface="Arial"/>
-        <a:defRPr b="0" i="0" sz="1400" u="none" cap="none" strike="noStrike">
+        <a:defRPr sz="1400" b="0" i="0" u="none" strike="noStrike" cap="none">
           <a:solidFill>
             <a:srgbClr val="000000"/>
           </a:solidFill>
@@ -5885,7 +7440,7 @@
           <a:sym typeface="Arial"/>
         </a:defRPr>
       </a:lvl2pPr>
-      <a:lvl3pPr lvl="2" marR="0" rtl="0" algn="l">
+      <a:lvl3pPr marR="0" lvl="2" algn="l" rtl="0">
         <a:lnSpc>
           <a:spcPct val="100000"/>
         </a:lnSpc>
@@ -5899,7 +7454,7 @@
           <a:srgbClr val="000000"/>
         </a:buClr>
         <a:buFont typeface="Arial"/>
-        <a:defRPr b="0" i="0" sz="1400" u="none" cap="none" strike="noStrike">
+        <a:defRPr sz="1400" b="0" i="0" u="none" strike="noStrike" cap="none">
           <a:solidFill>
             <a:srgbClr val="000000"/>
           </a:solidFill>
@@ -5909,7 +7464,7 @@
           <a:sym typeface="Arial"/>
         </a:defRPr>
       </a:lvl3pPr>
-      <a:lvl4pPr lvl="3" marR="0" rtl="0" algn="l">
+      <a:lvl4pPr marR="0" lvl="3" algn="l" rtl="0">
         <a:lnSpc>
           <a:spcPct val="100000"/>
         </a:lnSpc>
@@ -5923,7 +7478,7 @@
           <a:srgbClr val="000000"/>
         </a:buClr>
         <a:buFont typeface="Arial"/>
-        <a:defRPr b="0" i="0" sz="1400" u="none" cap="none" strike="noStrike">
+        <a:defRPr sz="1400" b="0" i="0" u="none" strike="noStrike" cap="none">
           <a:solidFill>
             <a:srgbClr val="000000"/>
           </a:solidFill>
@@ -5933,7 +7488,7 @@
           <a:sym typeface="Arial"/>
         </a:defRPr>
       </a:lvl4pPr>
-      <a:lvl5pPr lvl="4" marR="0" rtl="0" algn="l">
+      <a:lvl5pPr marR="0" lvl="4" algn="l" rtl="0">
         <a:lnSpc>
           <a:spcPct val="100000"/>
         </a:lnSpc>
@@ -5947,7 +7502,7 @@
           <a:srgbClr val="000000"/>
         </a:buClr>
         <a:buFont typeface="Arial"/>
-        <a:defRPr b="0" i="0" sz="1400" u="none" cap="none" strike="noStrike">
+        <a:defRPr sz="1400" b="0" i="0" u="none" strike="noStrike" cap="none">
           <a:solidFill>
             <a:srgbClr val="000000"/>
           </a:solidFill>
@@ -5957,7 +7512,7 @@
           <a:sym typeface="Arial"/>
         </a:defRPr>
       </a:lvl5pPr>
-      <a:lvl6pPr lvl="5" marR="0" rtl="0" algn="l">
+      <a:lvl6pPr marR="0" lvl="5" algn="l" rtl="0">
         <a:lnSpc>
           <a:spcPct val="100000"/>
         </a:lnSpc>
@@ -5971,7 +7526,7 @@
           <a:srgbClr val="000000"/>
         </a:buClr>
         <a:buFont typeface="Arial"/>
-        <a:defRPr b="0" i="0" sz="1400" u="none" cap="none" strike="noStrike">
+        <a:defRPr sz="1400" b="0" i="0" u="none" strike="noStrike" cap="none">
           <a:solidFill>
             <a:srgbClr val="000000"/>
           </a:solidFill>
@@ -5981,7 +7536,7 @@
           <a:sym typeface="Arial"/>
         </a:defRPr>
       </a:lvl6pPr>
-      <a:lvl7pPr lvl="6" marR="0" rtl="0" algn="l">
+      <a:lvl7pPr marR="0" lvl="6" algn="l" rtl="0">
         <a:lnSpc>
           <a:spcPct val="100000"/>
         </a:lnSpc>
@@ -5995,7 +7550,7 @@
           <a:srgbClr val="000000"/>
         </a:buClr>
         <a:buFont typeface="Arial"/>
-        <a:defRPr b="0" i="0" sz="1400" u="none" cap="none" strike="noStrike">
+        <a:defRPr sz="1400" b="0" i="0" u="none" strike="noStrike" cap="none">
           <a:solidFill>
             <a:srgbClr val="000000"/>
           </a:solidFill>
@@ -6005,7 +7560,7 @@
           <a:sym typeface="Arial"/>
         </a:defRPr>
       </a:lvl7pPr>
-      <a:lvl8pPr lvl="7" marR="0" rtl="0" algn="l">
+      <a:lvl8pPr marR="0" lvl="7" algn="l" rtl="0">
         <a:lnSpc>
           <a:spcPct val="100000"/>
         </a:lnSpc>
@@ -6019,7 +7574,7 @@
           <a:srgbClr val="000000"/>
         </a:buClr>
         <a:buFont typeface="Arial"/>
-        <a:defRPr b="0" i="0" sz="1400" u="none" cap="none" strike="noStrike">
+        <a:defRPr sz="1400" b="0" i="0" u="none" strike="noStrike" cap="none">
           <a:solidFill>
             <a:srgbClr val="000000"/>
           </a:solidFill>
@@ -6029,7 +7584,7 @@
           <a:sym typeface="Arial"/>
         </a:defRPr>
       </a:lvl8pPr>
-      <a:lvl9pPr lvl="8" marR="0" rtl="0" algn="l">
+      <a:lvl9pPr marR="0" lvl="8" algn="l" rtl="0">
         <a:lnSpc>
           <a:spcPct val="100000"/>
         </a:lnSpc>
@@ -6043,7 +7598,7 @@
           <a:srgbClr val="000000"/>
         </a:buClr>
         <a:buFont typeface="Arial"/>
-        <a:defRPr b="0" i="0" sz="1400" u="none" cap="none" strike="noStrike">
+        <a:defRPr sz="1400" b="0" i="0" u="none" strike="noStrike" cap="none">
           <a:solidFill>
             <a:srgbClr val="000000"/>
           </a:solidFill>
@@ -6059,11 +7614,11 @@
 </file>
 
 <file path=ppt/slides/slide1.xml><?xml version="1.0" encoding="utf-8"?>
-<p:sld xmlns:a="http://schemas.openxmlformats.org/drawingml/2006/main" xmlns:r="http://schemas.openxmlformats.org/officeDocument/2006/relationships" xmlns:mc="http://schemas.openxmlformats.org/markup-compatibility/2006" xmlns:mv="urn:schemas-microsoft-com:mac:vml" xmlns:p="http://schemas.openxmlformats.org/presentationml/2006/main" xmlns:c="http://schemas.openxmlformats.org/drawingml/2006/chart" xmlns:dgm="http://schemas.openxmlformats.org/drawingml/2006/diagram" xmlns:o="urn:schemas-microsoft-com:office:office" xmlns:v="urn:schemas-microsoft-com:vml" xmlns:pvml="urn:schemas-microsoft-com:office:powerpoint" xmlns:com="http://schemas.openxmlformats.org/drawingml/2006/compatibility" xmlns:p14="http://schemas.microsoft.com/office/powerpoint/2010/main" xmlns:p15="http://schemas.microsoft.com/office/powerpoint/2012/main">
+<p:sld xmlns:a="http://schemas.openxmlformats.org/drawingml/2006/main" xmlns:r="http://schemas.openxmlformats.org/officeDocument/2006/relationships" xmlns:p="http://schemas.openxmlformats.org/presentationml/2006/main">
   <p:cSld>
     <p:spTree>
       <p:nvGrpSpPr>
-        <p:cNvPr id="53" name="Shape 53"/>
+        <p:cNvPr id="1" name="Shape 53"/>
         <p:cNvGrpSpPr/>
         <p:nvPr/>
       </p:nvGrpSpPr>
@@ -6078,7 +7633,9 @@
       <p:sp>
         <p:nvSpPr>
           <p:cNvPr id="54" name="Google Shape;54;p13"/>
-          <p:cNvSpPr txBox="1"/>
+          <p:cNvSpPr txBox="1">
+            <a:spLocks noGrp="1"/>
+          </p:cNvSpPr>
           <p:nvPr>
             <p:ph type="ctrTitle"/>
           </p:nvPr>
@@ -6093,12 +7650,12 @@
           </a:prstGeom>
         </p:spPr>
         <p:txBody>
-          <a:bodyPr anchorCtr="0" anchor="b" bIns="91425" lIns="91425" spcFirstLastPara="1" rIns="91425" wrap="square" tIns="91425">
+          <a:bodyPr spcFirstLastPara="1" wrap="square" lIns="91425" tIns="91425" rIns="91425" bIns="91425" anchor="b" anchorCtr="0">
             <a:noAutofit/>
           </a:bodyPr>
           <a:lstStyle/>
           <a:p>
-            <a:pPr indent="0" lvl="0" marL="0" rtl="0" algn="ctr">
+            <a:pPr marL="0" lvl="0" indent="0" algn="ctr" rtl="0">
               <a:spcBef>
                 <a:spcPts val="0"/>
               </a:spcBef>
@@ -6118,9 +7675,11 @@
       <p:sp>
         <p:nvSpPr>
           <p:cNvPr id="55" name="Google Shape;55;p13"/>
-          <p:cNvSpPr txBox="1"/>
+          <p:cNvSpPr txBox="1">
+            <a:spLocks noGrp="1"/>
+          </p:cNvSpPr>
           <p:nvPr>
-            <p:ph idx="1" type="subTitle"/>
+            <p:ph type="subTitle" idx="1"/>
           </p:nvPr>
         </p:nvSpPr>
         <p:spPr>
@@ -6133,12 +7692,12 @@
           </a:prstGeom>
         </p:spPr>
         <p:txBody>
-          <a:bodyPr anchorCtr="0" anchor="t" bIns="91425" lIns="91425" spcFirstLastPara="1" rIns="91425" wrap="square" tIns="91425">
+          <a:bodyPr spcFirstLastPara="1" wrap="square" lIns="91425" tIns="91425" rIns="91425" bIns="91425" anchor="t" anchorCtr="0">
             <a:noAutofit/>
           </a:bodyPr>
           <a:lstStyle/>
           <a:p>
-            <a:pPr indent="0" lvl="0" marL="0" rtl="0" algn="ctr">
+            <a:pPr marL="0" lvl="0" indent="0" algn="ctr" rtl="0">
               <a:spcBef>
                 <a:spcPts val="0"/>
               </a:spcBef>
@@ -6164,11 +7723,11 @@
 </file>
 
 <file path=ppt/slides/slide2.xml><?xml version="1.0" encoding="utf-8"?>
-<p:sld xmlns:a="http://schemas.openxmlformats.org/drawingml/2006/main" xmlns:r="http://schemas.openxmlformats.org/officeDocument/2006/relationships" xmlns:mc="http://schemas.openxmlformats.org/markup-compatibility/2006" xmlns:mv="urn:schemas-microsoft-com:mac:vml" xmlns:p="http://schemas.openxmlformats.org/presentationml/2006/main" xmlns:c="http://schemas.openxmlformats.org/drawingml/2006/chart" xmlns:dgm="http://schemas.openxmlformats.org/drawingml/2006/diagram" xmlns:o="urn:schemas-microsoft-com:office:office" xmlns:v="urn:schemas-microsoft-com:vml" xmlns:pvml="urn:schemas-microsoft-com:office:powerpoint" xmlns:com="http://schemas.openxmlformats.org/drawingml/2006/compatibility" xmlns:p14="http://schemas.microsoft.com/office/powerpoint/2010/main" xmlns:p15="http://schemas.microsoft.com/office/powerpoint/2012/main">
+<p:sld xmlns:a="http://schemas.openxmlformats.org/drawingml/2006/main" xmlns:r="http://schemas.openxmlformats.org/officeDocument/2006/relationships" xmlns:p="http://schemas.openxmlformats.org/presentationml/2006/main">
   <p:cSld>
     <p:spTree>
       <p:nvGrpSpPr>
-        <p:cNvPr id="59" name="Shape 59"/>
+        <p:cNvPr id="1" name="Shape 59"/>
         <p:cNvGrpSpPr/>
         <p:nvPr/>
       </p:nvGrpSpPr>
@@ -6183,7 +7742,9 @@
       <p:sp>
         <p:nvSpPr>
           <p:cNvPr id="60" name="Google Shape;60;p14"/>
-          <p:cNvSpPr txBox="1"/>
+          <p:cNvSpPr txBox="1">
+            <a:spLocks noGrp="1"/>
+          </p:cNvSpPr>
           <p:nvPr>
             <p:ph type="title"/>
           </p:nvPr>
@@ -6198,12 +7759,12 @@
           </a:prstGeom>
         </p:spPr>
         <p:txBody>
-          <a:bodyPr anchorCtr="0" anchor="t" bIns="91425" lIns="91425" spcFirstLastPara="1" rIns="91425" wrap="square" tIns="91425">
+          <a:bodyPr spcFirstLastPara="1" wrap="square" lIns="91425" tIns="91425" rIns="91425" bIns="91425" anchor="t" anchorCtr="0">
             <a:noAutofit/>
           </a:bodyPr>
           <a:lstStyle/>
           <a:p>
-            <a:pPr indent="0" lvl="0" marL="0" rtl="0" algn="l">
+            <a:pPr marL="0" lvl="0" indent="0" algn="l" rtl="0">
               <a:spcBef>
                 <a:spcPts val="0"/>
               </a:spcBef>
@@ -6223,9 +7784,11 @@
       <p:sp>
         <p:nvSpPr>
           <p:cNvPr id="61" name="Google Shape;61;p14"/>
-          <p:cNvSpPr txBox="1"/>
+          <p:cNvSpPr txBox="1">
+            <a:spLocks noGrp="1"/>
+          </p:cNvSpPr>
           <p:nvPr>
-            <p:ph idx="1" type="body"/>
+            <p:ph type="body" idx="1"/>
           </p:nvPr>
         </p:nvSpPr>
         <p:spPr>
@@ -6238,12 +7801,12 @@
           </a:prstGeom>
         </p:spPr>
         <p:txBody>
-          <a:bodyPr anchorCtr="0" anchor="t" bIns="91425" lIns="91425" spcFirstLastPara="1" rIns="91425" wrap="square" tIns="91425">
+          <a:bodyPr spcFirstLastPara="1" wrap="square" lIns="91425" tIns="91425" rIns="91425" bIns="91425" anchor="t" anchorCtr="0">
             <a:noAutofit/>
           </a:bodyPr>
           <a:lstStyle/>
           <a:p>
-            <a:pPr indent="-342900" lvl="0" marL="457200" rtl="0" algn="l">
+            <a:pPr marL="457200" lvl="0" indent="-342900" algn="l" rtl="0">
               <a:spcBef>
                 <a:spcPts val="0"/>
               </a:spcBef>
@@ -6260,7 +7823,7 @@
             <a:endParaRPr/>
           </a:p>
           <a:p>
-            <a:pPr indent="-342900" lvl="0" marL="457200" rtl="0" algn="l">
+            <a:pPr marL="457200" lvl="0" indent="-342900" algn="l" rtl="0">
               <a:spcBef>
                 <a:spcPts val="0"/>
               </a:spcBef>
@@ -6272,16 +7835,12 @@
             </a:pPr>
             <a:r>
               <a:rPr lang="en"/>
-              <a:t>Github projects as</a:t>
-            </a:r>
-            <a:r>
-              <a:rPr lang="en"/>
-              <a:t> project mgmt tool</a:t>
+              <a:t>Github projects as project mgmt tool</a:t>
             </a:r>
             <a:endParaRPr/>
           </a:p>
           <a:p>
-            <a:pPr indent="-342900" lvl="0" marL="457200" rtl="0" algn="l">
+            <a:pPr marL="457200" lvl="0" indent="-342900" algn="l" rtl="0">
               <a:spcBef>
                 <a:spcPts val="0"/>
               </a:spcBef>
@@ -6298,7 +7857,7 @@
             <a:endParaRPr/>
           </a:p>
           <a:p>
-            <a:pPr indent="-342900" lvl="0" marL="457200" rtl="0" algn="l">
+            <a:pPr marL="457200" lvl="0" indent="-342900" algn="l" rtl="0">
               <a:spcBef>
                 <a:spcPts val="0"/>
               </a:spcBef>
@@ -6315,7 +7874,7 @@
             <a:endParaRPr/>
           </a:p>
           <a:p>
-            <a:pPr indent="-342900" lvl="0" marL="457200" rtl="0" algn="l">
+            <a:pPr marL="457200" lvl="0" indent="-342900" algn="l" rtl="0">
               <a:spcBef>
                 <a:spcPts val="0"/>
               </a:spcBef>
@@ -6332,7 +7891,7 @@
             <a:endParaRPr/>
           </a:p>
           <a:p>
-            <a:pPr indent="-342900" lvl="0" marL="457200" rtl="0" algn="l">
+            <a:pPr marL="457200" lvl="0" indent="-342900" algn="l" rtl="0">
               <a:spcBef>
                 <a:spcPts val="0"/>
               </a:spcBef>
@@ -6349,7 +7908,7 @@
             <a:endParaRPr/>
           </a:p>
           <a:p>
-            <a:pPr indent="-342900" lvl="0" marL="457200" rtl="0" algn="l">
+            <a:pPr marL="457200" lvl="0" indent="-342900" algn="l" rtl="0">
               <a:spcBef>
                 <a:spcPts val="0"/>
               </a:spcBef>
@@ -6376,11 +7935,11 @@
 </file>
 
 <file path=ppt/slides/slide3.xml><?xml version="1.0" encoding="utf-8"?>
-<p:sld xmlns:a="http://schemas.openxmlformats.org/drawingml/2006/main" xmlns:r="http://schemas.openxmlformats.org/officeDocument/2006/relationships" xmlns:mc="http://schemas.openxmlformats.org/markup-compatibility/2006" xmlns:mv="urn:schemas-microsoft-com:mac:vml" xmlns:p="http://schemas.openxmlformats.org/presentationml/2006/main" xmlns:c="http://schemas.openxmlformats.org/drawingml/2006/chart" xmlns:dgm="http://schemas.openxmlformats.org/drawingml/2006/diagram" xmlns:o="urn:schemas-microsoft-com:office:office" xmlns:v="urn:schemas-microsoft-com:vml" xmlns:pvml="urn:schemas-microsoft-com:office:powerpoint" xmlns:com="http://schemas.openxmlformats.org/drawingml/2006/compatibility" xmlns:p14="http://schemas.microsoft.com/office/powerpoint/2010/main" xmlns:p15="http://schemas.microsoft.com/office/powerpoint/2012/main">
+<p:sld xmlns:a="http://schemas.openxmlformats.org/drawingml/2006/main" xmlns:r="http://schemas.openxmlformats.org/officeDocument/2006/relationships" xmlns:p="http://schemas.openxmlformats.org/presentationml/2006/main">
   <p:cSld>
     <p:spTree>
       <p:nvGrpSpPr>
-        <p:cNvPr id="65" name="Shape 65"/>
+        <p:cNvPr id="1" name="Shape 65"/>
         <p:cNvGrpSpPr/>
         <p:nvPr/>
       </p:nvGrpSpPr>
@@ -6395,7 +7954,9 @@
       <p:sp>
         <p:nvSpPr>
           <p:cNvPr id="66" name="Google Shape;66;p15"/>
-          <p:cNvSpPr txBox="1"/>
+          <p:cNvSpPr txBox="1">
+            <a:spLocks noGrp="1"/>
+          </p:cNvSpPr>
           <p:nvPr>
             <p:ph type="title"/>
           </p:nvPr>
@@ -6410,12 +7971,12 @@
           </a:prstGeom>
         </p:spPr>
         <p:txBody>
-          <a:bodyPr anchorCtr="0" anchor="t" bIns="91425" lIns="91425" spcFirstLastPara="1" rIns="91425" wrap="square" tIns="91425">
+          <a:bodyPr spcFirstLastPara="1" wrap="square" lIns="91425" tIns="91425" rIns="91425" bIns="91425" anchor="t" anchorCtr="0">
             <a:noAutofit/>
           </a:bodyPr>
           <a:lstStyle/>
           <a:p>
-            <a:pPr indent="0" lvl="0" marL="0" rtl="0" algn="l">
+            <a:pPr marL="0" lvl="0" indent="0" algn="l" rtl="0">
               <a:spcBef>
                 <a:spcPts val="0"/>
               </a:spcBef>
@@ -6435,9 +7996,11 @@
       <p:sp>
         <p:nvSpPr>
           <p:cNvPr id="67" name="Google Shape;67;p15"/>
-          <p:cNvSpPr txBox="1"/>
+          <p:cNvSpPr txBox="1">
+            <a:spLocks noGrp="1"/>
+          </p:cNvSpPr>
           <p:nvPr>
-            <p:ph idx="1" type="body"/>
+            <p:ph type="body" idx="1"/>
           </p:nvPr>
         </p:nvSpPr>
         <p:spPr>
@@ -6450,12 +8013,12 @@
           </a:prstGeom>
         </p:spPr>
         <p:txBody>
-          <a:bodyPr anchorCtr="0" anchor="t" bIns="91425" lIns="91425" spcFirstLastPara="1" rIns="91425" wrap="square" tIns="91425">
+          <a:bodyPr spcFirstLastPara="1" wrap="square" lIns="91425" tIns="91425" rIns="91425" bIns="91425" anchor="t" anchorCtr="0">
             <a:noAutofit/>
           </a:bodyPr>
           <a:lstStyle/>
           <a:p>
-            <a:pPr indent="-342900" lvl="0" marL="457200" rtl="0" algn="l">
+            <a:pPr marL="457200" lvl="0" indent="-342900" algn="l" rtl="0">
               <a:spcBef>
                 <a:spcPts val="0"/>
               </a:spcBef>
@@ -6472,7 +8035,7 @@
             <a:endParaRPr/>
           </a:p>
           <a:p>
-            <a:pPr indent="-317500" lvl="1" marL="914400" rtl="0" algn="l">
+            <a:pPr marL="914400" lvl="1" indent="-317500" algn="l" rtl="0">
               <a:spcBef>
                 <a:spcPts val="0"/>
               </a:spcBef>
@@ -6489,7 +8052,7 @@
             <a:endParaRPr/>
           </a:p>
           <a:p>
-            <a:pPr indent="-317500" lvl="1" marL="914400" rtl="0" algn="l">
+            <a:pPr marL="914400" lvl="1" indent="-317500" algn="l" rtl="0">
               <a:spcBef>
                 <a:spcPts val="0"/>
               </a:spcBef>
@@ -6506,7 +8069,7 @@
             <a:endParaRPr/>
           </a:p>
           <a:p>
-            <a:pPr indent="-342900" lvl="0" marL="457200" rtl="0" algn="l">
+            <a:pPr marL="457200" lvl="0" indent="-342900" algn="l" rtl="0">
               <a:spcBef>
                 <a:spcPts val="0"/>
               </a:spcBef>
@@ -6523,7 +8086,7 @@
             <a:endParaRPr/>
           </a:p>
           <a:p>
-            <a:pPr indent="-317500" lvl="1" marL="914400" rtl="0" algn="l">
+            <a:pPr marL="914400" lvl="1" indent="-317500" algn="l" rtl="0">
               <a:spcBef>
                 <a:spcPts val="0"/>
               </a:spcBef>
@@ -6540,7 +8103,7 @@
             <a:endParaRPr/>
           </a:p>
           <a:p>
-            <a:pPr indent="-317500" lvl="1" marL="914400" rtl="0" algn="l">
+            <a:pPr marL="914400" lvl="1" indent="-317500" algn="l" rtl="0">
               <a:spcBef>
                 <a:spcPts val="0"/>
               </a:spcBef>
@@ -6557,7 +8120,7 @@
             <a:endParaRPr/>
           </a:p>
           <a:p>
-            <a:pPr indent="-317500" lvl="1" marL="914400" rtl="0" algn="l">
+            <a:pPr marL="914400" lvl="1" indent="-317500" algn="l" rtl="0">
               <a:spcBef>
                 <a:spcPts val="0"/>
               </a:spcBef>
@@ -6574,7 +8137,7 @@
             <a:endParaRPr/>
           </a:p>
           <a:p>
-            <a:pPr indent="-342900" lvl="0" marL="457200" rtl="0" algn="l">
+            <a:pPr marL="457200" lvl="0" indent="-342900" algn="l" rtl="0">
               <a:spcBef>
                 <a:spcPts val="0"/>
               </a:spcBef>
@@ -6591,7 +8154,7 @@
             <a:endParaRPr/>
           </a:p>
           <a:p>
-            <a:pPr indent="-342900" lvl="0" marL="457200" rtl="0" algn="l">
+            <a:pPr marL="457200" lvl="0" indent="-342900" algn="l" rtl="0">
               <a:spcBef>
                 <a:spcPts val="0"/>
               </a:spcBef>
@@ -6618,11 +8181,11 @@
 </file>
 
 <file path=ppt/slides/slide4.xml><?xml version="1.0" encoding="utf-8"?>
-<p:sld xmlns:a="http://schemas.openxmlformats.org/drawingml/2006/main" xmlns:r="http://schemas.openxmlformats.org/officeDocument/2006/relationships" xmlns:mc="http://schemas.openxmlformats.org/markup-compatibility/2006" xmlns:mv="urn:schemas-microsoft-com:mac:vml" xmlns:p="http://schemas.openxmlformats.org/presentationml/2006/main" xmlns:c="http://schemas.openxmlformats.org/drawingml/2006/chart" xmlns:dgm="http://schemas.openxmlformats.org/drawingml/2006/diagram" xmlns:o="urn:schemas-microsoft-com:office:office" xmlns:v="urn:schemas-microsoft-com:vml" xmlns:pvml="urn:schemas-microsoft-com:office:powerpoint" xmlns:com="http://schemas.openxmlformats.org/drawingml/2006/compatibility" xmlns:p14="http://schemas.microsoft.com/office/powerpoint/2010/main" xmlns:p15="http://schemas.microsoft.com/office/powerpoint/2012/main">
+<p:sld xmlns:a="http://schemas.openxmlformats.org/drawingml/2006/main" xmlns:r="http://schemas.openxmlformats.org/officeDocument/2006/relationships" xmlns:p="http://schemas.openxmlformats.org/presentationml/2006/main">
   <p:cSld>
     <p:spTree>
       <p:nvGrpSpPr>
-        <p:cNvPr id="71" name="Shape 71"/>
+        <p:cNvPr id="1" name="Shape 71"/>
         <p:cNvGrpSpPr/>
         <p:nvPr/>
       </p:nvGrpSpPr>
@@ -6637,7 +8200,9 @@
       <p:sp>
         <p:nvSpPr>
           <p:cNvPr id="72" name="Google Shape;72;p16"/>
-          <p:cNvSpPr txBox="1"/>
+          <p:cNvSpPr txBox="1">
+            <a:spLocks noGrp="1"/>
+          </p:cNvSpPr>
           <p:nvPr>
             <p:ph type="title"/>
           </p:nvPr>
@@ -6652,12 +8217,12 @@
           </a:prstGeom>
         </p:spPr>
         <p:txBody>
-          <a:bodyPr anchorCtr="0" anchor="t" bIns="91425" lIns="91425" spcFirstLastPara="1" rIns="91425" wrap="square" tIns="91425">
+          <a:bodyPr spcFirstLastPara="1" wrap="square" lIns="91425" tIns="91425" rIns="91425" bIns="91425" anchor="t" anchorCtr="0">
             <a:noAutofit/>
           </a:bodyPr>
           <a:lstStyle/>
           <a:p>
-            <a:pPr indent="0" lvl="0" marL="0" rtl="0" algn="l">
+            <a:pPr marL="0" lvl="0" indent="0" algn="l" rtl="0">
               <a:spcBef>
                 <a:spcPts val="0"/>
               </a:spcBef>
@@ -6687,29 +8252,29 @@
           </a:xfrm>
           <a:prstGeom prst="smileyFace">
             <a:avLst>
-              <a:gd fmla="val 4653" name="adj"/>
+              <a:gd name="adj" fmla="val 4653"/>
             </a:avLst>
           </a:prstGeom>
           <a:solidFill>
             <a:schemeClr val="lt2"/>
           </a:solidFill>
-          <a:ln cap="flat" cmpd="sng" w="9525">
+          <a:ln w="9525" cap="flat" cmpd="sng">
             <a:solidFill>
               <a:schemeClr val="dk2"/>
             </a:solidFill>
             <a:prstDash val="solid"/>
             <a:round/>
-            <a:headEnd len="sm" w="sm" type="none"/>
-            <a:tailEnd len="sm" w="sm" type="none"/>
+            <a:headEnd type="none" w="sm" len="sm"/>
+            <a:tailEnd type="none" w="sm" len="sm"/>
           </a:ln>
         </p:spPr>
         <p:txBody>
-          <a:bodyPr anchorCtr="0" anchor="ctr" bIns="91425" lIns="91425" spcFirstLastPara="1" rIns="91425" wrap="square" tIns="91425">
+          <a:bodyPr spcFirstLastPara="1" wrap="square" lIns="91425" tIns="91425" rIns="91425" bIns="91425" anchor="ctr" anchorCtr="0">
             <a:noAutofit/>
           </a:bodyPr>
           <a:lstStyle/>
           <a:p>
-            <a:pPr indent="0" lvl="0" marL="0" rtl="0" algn="l">
+            <a:pPr marL="0" lvl="0" indent="0" algn="l" rtl="0">
               <a:spcBef>
                 <a:spcPts val="0"/>
               </a:spcBef>
@@ -6718,9 +8283,6 @@
               </a:spcAft>
               <a:buNone/>
             </a:pPr>
-            <a:r>
-              <a:t/>
-            </a:r>
             <a:endParaRPr/>
           </a:p>
         </p:txBody>
@@ -6742,23 +8304,23 @@
           <a:solidFill>
             <a:schemeClr val="lt2"/>
           </a:solidFill>
-          <a:ln cap="flat" cmpd="sng" w="9525">
+          <a:ln w="9525" cap="flat" cmpd="sng">
             <a:solidFill>
               <a:schemeClr val="dk2"/>
             </a:solidFill>
             <a:prstDash val="solid"/>
             <a:round/>
-            <a:headEnd len="sm" w="sm" type="none"/>
-            <a:tailEnd len="sm" w="sm" type="none"/>
+            <a:headEnd type="none" w="sm" len="sm"/>
+            <a:tailEnd type="none" w="sm" len="sm"/>
           </a:ln>
         </p:spPr>
         <p:txBody>
-          <a:bodyPr anchorCtr="0" anchor="ctr" bIns="91425" lIns="91425" spcFirstLastPara="1" rIns="91425" wrap="square" tIns="91425">
+          <a:bodyPr spcFirstLastPara="1" wrap="square" lIns="91425" tIns="91425" rIns="91425" bIns="91425" anchor="ctr" anchorCtr="0">
             <a:noAutofit/>
           </a:bodyPr>
           <a:lstStyle/>
           <a:p>
-            <a:pPr indent="0" lvl="0" marL="0" rtl="0" algn="ctr">
+            <a:pPr marL="0" lvl="0" indent="0" algn="ctr" rtl="0">
               <a:spcBef>
                 <a:spcPts val="0"/>
               </a:spcBef>
@@ -6774,7 +8336,7 @@
             <a:endParaRPr/>
           </a:p>
           <a:p>
-            <a:pPr indent="0" lvl="0" marL="0" rtl="0" algn="ctr">
+            <a:pPr marL="0" lvl="0" indent="0" algn="ctr" rtl="0">
               <a:spcBef>
                 <a:spcPts val="0"/>
               </a:spcBef>
@@ -6808,23 +8370,23 @@
           <a:solidFill>
             <a:schemeClr val="lt2"/>
           </a:solidFill>
-          <a:ln cap="flat" cmpd="sng" w="9525">
+          <a:ln w="9525" cap="flat" cmpd="sng">
             <a:solidFill>
               <a:schemeClr val="dk2"/>
             </a:solidFill>
             <a:prstDash val="solid"/>
             <a:round/>
-            <a:headEnd len="sm" w="sm" type="none"/>
-            <a:tailEnd len="sm" w="sm" type="none"/>
+            <a:headEnd type="none" w="sm" len="sm"/>
+            <a:tailEnd type="none" w="sm" len="sm"/>
           </a:ln>
         </p:spPr>
         <p:txBody>
-          <a:bodyPr anchorCtr="0" anchor="ctr" bIns="91425" lIns="91425" spcFirstLastPara="1" rIns="91425" wrap="square" tIns="91425">
+          <a:bodyPr spcFirstLastPara="1" wrap="square" lIns="91425" tIns="91425" rIns="91425" bIns="91425" anchor="ctr" anchorCtr="0">
             <a:noAutofit/>
           </a:bodyPr>
           <a:lstStyle/>
           <a:p>
-            <a:pPr indent="0" lvl="0" marL="0" rtl="0" algn="ctr">
+            <a:pPr marL="0" lvl="0" indent="0" algn="ctr" rtl="0">
               <a:spcBef>
                 <a:spcPts val="0"/>
               </a:spcBef>
@@ -6840,7 +8402,7 @@
             <a:endParaRPr/>
           </a:p>
           <a:p>
-            <a:pPr indent="0" lvl="0" marL="0" rtl="0" algn="ctr">
+            <a:pPr marL="0" lvl="0" indent="0" algn="ctr" rtl="0">
               <a:spcBef>
                 <a:spcPts val="0"/>
               </a:spcBef>
@@ -6874,23 +8436,23 @@
           <a:solidFill>
             <a:schemeClr val="lt2"/>
           </a:solidFill>
-          <a:ln cap="flat" cmpd="sng" w="9525">
+          <a:ln w="9525" cap="flat" cmpd="sng">
             <a:solidFill>
               <a:schemeClr val="dk2"/>
             </a:solidFill>
             <a:prstDash val="solid"/>
             <a:round/>
-            <a:headEnd len="sm" w="sm" type="none"/>
-            <a:tailEnd len="sm" w="sm" type="none"/>
+            <a:headEnd type="none" w="sm" len="sm"/>
+            <a:tailEnd type="none" w="sm" len="sm"/>
           </a:ln>
         </p:spPr>
         <p:txBody>
-          <a:bodyPr anchorCtr="0" anchor="ctr" bIns="91425" lIns="91425" spcFirstLastPara="1" rIns="91425" wrap="square" tIns="91425">
+          <a:bodyPr spcFirstLastPara="1" wrap="square" lIns="91425" tIns="91425" rIns="91425" bIns="91425" anchor="ctr" anchorCtr="0">
             <a:noAutofit/>
           </a:bodyPr>
           <a:lstStyle/>
           <a:p>
-            <a:pPr indent="0" lvl="0" marL="0" rtl="0" algn="ctr">
+            <a:pPr marL="0" lvl="0" indent="0" algn="ctr" rtl="0">
               <a:spcBef>
                 <a:spcPts val="0"/>
               </a:spcBef>
@@ -6906,7 +8468,7 @@
             <a:endParaRPr/>
           </a:p>
           <a:p>
-            <a:pPr indent="0" lvl="0" marL="0" rtl="0" algn="ctr">
+            <a:pPr marL="0" lvl="0" indent="0" algn="ctr" rtl="0">
               <a:spcBef>
                 <a:spcPts val="0"/>
               </a:spcBef>
@@ -6941,14 +8503,14 @@
             <a:avLst/>
           </a:prstGeom>
           <a:noFill/>
-          <a:ln cap="flat" cmpd="sng" w="9525">
+          <a:ln w="9525" cap="flat" cmpd="sng">
             <a:solidFill>
               <a:srgbClr val="FFFFFF"/>
             </a:solidFill>
             <a:prstDash val="solid"/>
             <a:round/>
-            <a:headEnd len="med" w="med" type="none"/>
-            <a:tailEnd len="med" w="med" type="triangle"/>
+            <a:headEnd type="none" w="med" len="med"/>
+            <a:tailEnd type="triangle" w="med" len="med"/>
           </a:ln>
         </p:spPr>
       </p:cxnSp>
@@ -6993,28 +8555,28 @@
           </a:xfrm>
           <a:prstGeom prst="rightBrace">
             <a:avLst>
-              <a:gd fmla="val 8333" name="adj1"/>
-              <a:gd fmla="val 50000" name="adj2"/>
+              <a:gd name="adj1" fmla="val 8333"/>
+              <a:gd name="adj2" fmla="val 50000"/>
             </a:avLst>
           </a:prstGeom>
           <a:noFill/>
-          <a:ln cap="flat" cmpd="sng" w="9525">
+          <a:ln w="9525" cap="flat" cmpd="sng">
             <a:solidFill>
               <a:srgbClr val="FFFFFF"/>
             </a:solidFill>
             <a:prstDash val="solid"/>
             <a:round/>
-            <a:headEnd len="sm" w="sm" type="none"/>
-            <a:tailEnd len="sm" w="sm" type="none"/>
+            <a:headEnd type="none" w="sm" len="sm"/>
+            <a:tailEnd type="none" w="sm" len="sm"/>
           </a:ln>
         </p:spPr>
         <p:txBody>
-          <a:bodyPr anchorCtr="0" anchor="ctr" bIns="91425" lIns="91425" spcFirstLastPara="1" rIns="91425" wrap="square" tIns="91425">
+          <a:bodyPr spcFirstLastPara="1" wrap="square" lIns="91425" tIns="91425" rIns="91425" bIns="91425" anchor="ctr" anchorCtr="0">
             <a:noAutofit/>
           </a:bodyPr>
           <a:lstStyle/>
           <a:p>
-            <a:pPr indent="0" lvl="0" marL="0" rtl="0" algn="l">
+            <a:pPr marL="0" lvl="0" indent="0" algn="l" rtl="0">
               <a:spcBef>
                 <a:spcPts val="0"/>
               </a:spcBef>
@@ -7023,9 +8585,6 @@
               </a:spcAft>
               <a:buNone/>
             </a:pPr>
-            <a:r>
-              <a:t/>
-            </a:r>
             <a:endParaRPr/>
           </a:p>
         </p:txBody>
@@ -7043,29 +8602,29 @@
           </a:xfrm>
           <a:prstGeom prst="foldedCorner">
             <a:avLst>
-              <a:gd fmla="val 16667" name="adj"/>
+              <a:gd name="adj" fmla="val 16667"/>
             </a:avLst>
           </a:prstGeom>
           <a:solidFill>
             <a:schemeClr val="lt2"/>
           </a:solidFill>
-          <a:ln cap="flat" cmpd="sng" w="9525">
+          <a:ln w="9525" cap="flat" cmpd="sng">
             <a:solidFill>
               <a:schemeClr val="dk2"/>
             </a:solidFill>
             <a:prstDash val="solid"/>
             <a:round/>
-            <a:headEnd len="sm" w="sm" type="none"/>
-            <a:tailEnd len="sm" w="sm" type="none"/>
+            <a:headEnd type="none" w="sm" len="sm"/>
+            <a:tailEnd type="none" w="sm" len="sm"/>
           </a:ln>
         </p:spPr>
         <p:txBody>
-          <a:bodyPr anchorCtr="0" anchor="ctr" bIns="91425" lIns="91425" spcFirstLastPara="1" rIns="91425" wrap="square" tIns="91425">
+          <a:bodyPr spcFirstLastPara="1" wrap="square" lIns="91425" tIns="91425" rIns="91425" bIns="91425" anchor="ctr" anchorCtr="0">
             <a:noAutofit/>
           </a:bodyPr>
           <a:lstStyle/>
           <a:p>
-            <a:pPr indent="0" lvl="0" marL="0" rtl="0" algn="ctr">
+            <a:pPr marL="0" lvl="0" indent="0" algn="ctr" rtl="0">
               <a:spcBef>
                 <a:spcPts val="0"/>
               </a:spcBef>
@@ -7095,29 +8654,29 @@
           </a:xfrm>
           <a:prstGeom prst="foldedCorner">
             <a:avLst>
-              <a:gd fmla="val 16667" name="adj"/>
+              <a:gd name="adj" fmla="val 16667"/>
             </a:avLst>
           </a:prstGeom>
           <a:solidFill>
             <a:schemeClr val="lt2"/>
           </a:solidFill>
-          <a:ln cap="flat" cmpd="sng" w="9525">
+          <a:ln w="9525" cap="flat" cmpd="sng">
             <a:solidFill>
               <a:schemeClr val="dk2"/>
             </a:solidFill>
             <a:prstDash val="solid"/>
             <a:round/>
-            <a:headEnd len="sm" w="sm" type="none"/>
-            <a:tailEnd len="sm" w="sm" type="none"/>
+            <a:headEnd type="none" w="sm" len="sm"/>
+            <a:tailEnd type="none" w="sm" len="sm"/>
           </a:ln>
         </p:spPr>
         <p:txBody>
-          <a:bodyPr anchorCtr="0" anchor="ctr" bIns="91425" lIns="91425" spcFirstLastPara="1" rIns="91425" wrap="square" tIns="91425">
+          <a:bodyPr spcFirstLastPara="1" wrap="square" lIns="91425" tIns="91425" rIns="91425" bIns="91425" anchor="ctr" anchorCtr="0">
             <a:noAutofit/>
           </a:bodyPr>
           <a:lstStyle/>
           <a:p>
-            <a:pPr indent="0" lvl="0" marL="0" rtl="0" algn="ctr">
+            <a:pPr marL="0" lvl="0" indent="0" algn="ctr" rtl="0">
               <a:spcBef>
                 <a:spcPts val="0"/>
               </a:spcBef>
@@ -7133,7 +8692,7 @@
             <a:endParaRPr/>
           </a:p>
           <a:p>
-            <a:pPr indent="0" lvl="0" marL="0" rtl="0" algn="ctr">
+            <a:pPr marL="0" lvl="0" indent="0" algn="ctr" rtl="0">
               <a:spcBef>
                 <a:spcPts val="0"/>
               </a:spcBef>
@@ -7168,14 +8727,14 @@
             <a:avLst/>
           </a:prstGeom>
           <a:noFill/>
-          <a:ln cap="flat" cmpd="sng" w="9525">
+          <a:ln w="9525" cap="flat" cmpd="sng">
             <a:solidFill>
               <a:srgbClr val="FFFFFF"/>
             </a:solidFill>
             <a:prstDash val="solid"/>
             <a:round/>
-            <a:headEnd len="med" w="med" type="none"/>
-            <a:tailEnd len="med" w="med" type="triangle"/>
+            <a:headEnd type="none" w="med" len="med"/>
+            <a:tailEnd type="triangle" w="med" len="med"/>
           </a:ln>
         </p:spPr>
       </p:cxnSp>
@@ -7194,18 +8753,18 @@
           </a:xfrm>
           <a:prstGeom prst="bentConnector3">
             <a:avLst>
-              <a:gd fmla="val -200" name="adj1"/>
+              <a:gd name="adj1" fmla="val -200"/>
             </a:avLst>
           </a:prstGeom>
           <a:noFill/>
-          <a:ln cap="flat" cmpd="sng" w="9525">
+          <a:ln w="9525" cap="flat" cmpd="sng">
             <a:solidFill>
               <a:srgbClr val="FFFFFF"/>
             </a:solidFill>
             <a:prstDash val="solid"/>
             <a:round/>
-            <a:headEnd len="med" w="med" type="none"/>
-            <a:tailEnd len="med" w="med" type="triangle"/>
+            <a:headEnd type="none" w="med" len="med"/>
+            <a:tailEnd type="triangle" w="med" len="med"/>
           </a:ln>
         </p:spPr>
       </p:cxnSp>
@@ -7219,24 +8778,24 @@
           <p:nvPr/>
         </p:nvCxnSpPr>
         <p:spPr>
-          <a:xfrm flipH="1" rot="-5400000">
+          <a:xfrm rot="-5400000" flipH="1">
             <a:off x="5375875" y="2896838"/>
             <a:ext cx="1132500" cy="600"/>
           </a:xfrm>
           <a:prstGeom prst="bentConnector3">
             <a:avLst>
-              <a:gd fmla="val 50004" name="adj1"/>
+              <a:gd name="adj1" fmla="val 50004"/>
             </a:avLst>
           </a:prstGeom>
           <a:noFill/>
-          <a:ln cap="flat" cmpd="sng" w="9525">
+          <a:ln w="9525" cap="flat" cmpd="sng">
             <a:solidFill>
               <a:srgbClr val="FFFFFF"/>
             </a:solidFill>
             <a:prstDash val="solid"/>
             <a:round/>
-            <a:headEnd len="med" w="med" type="none"/>
-            <a:tailEnd len="med" w="med" type="triangle"/>
+            <a:headEnd type="none" w="med" len="med"/>
+            <a:tailEnd type="triangle" w="med" len="med"/>
           </a:ln>
         </p:spPr>
       </p:cxnSp>
@@ -7260,12 +8819,12 @@
           </a:ln>
         </p:spPr>
         <p:txBody>
-          <a:bodyPr anchorCtr="0" anchor="t" bIns="91425" lIns="91425" spcFirstLastPara="1" rIns="91425" wrap="square" tIns="91425">
+          <a:bodyPr spcFirstLastPara="1" wrap="square" lIns="91425" tIns="91425" rIns="91425" bIns="91425" anchor="t" anchorCtr="0">
             <a:noAutofit/>
           </a:bodyPr>
           <a:lstStyle/>
           <a:p>
-            <a:pPr indent="0" lvl="0" marL="0" rtl="0" algn="ctr">
+            <a:pPr marL="0" lvl="0" indent="0" algn="ctr" rtl="0">
               <a:spcBef>
                 <a:spcPts val="0"/>
               </a:spcBef>
@@ -7310,12 +8869,12 @@
           </a:ln>
         </p:spPr>
         <p:txBody>
-          <a:bodyPr anchorCtr="0" anchor="t" bIns="91425" lIns="91425" spcFirstLastPara="1" rIns="91425" wrap="square" tIns="91425">
+          <a:bodyPr spcFirstLastPara="1" wrap="square" lIns="91425" tIns="91425" rIns="91425" bIns="91425" anchor="t" anchorCtr="0">
             <a:noAutofit/>
           </a:bodyPr>
           <a:lstStyle/>
           <a:p>
-            <a:pPr indent="0" lvl="0" marL="0" rtl="0" algn="ctr">
+            <a:pPr marL="0" lvl="0" indent="0" algn="ctr" rtl="0">
               <a:spcBef>
                 <a:spcPts val="0"/>
               </a:spcBef>
@@ -7339,7 +8898,7 @@
             </a:endParaRPr>
           </a:p>
           <a:p>
-            <a:pPr indent="0" lvl="0" marL="0" rtl="0" algn="ctr">
+            <a:pPr marL="0" lvl="0" indent="0" algn="ctr" rtl="0">
               <a:spcBef>
                 <a:spcPts val="0"/>
               </a:spcBef>
@@ -7395,23 +8954,23 @@
             <a:solidFill>
               <a:schemeClr val="lt2"/>
             </a:solidFill>
-            <a:ln cap="flat" cmpd="sng" w="9525">
+            <a:ln w="9525" cap="flat" cmpd="sng">
               <a:solidFill>
                 <a:schemeClr val="dk2"/>
               </a:solidFill>
               <a:prstDash val="solid"/>
               <a:round/>
-              <a:headEnd len="sm" w="sm" type="none"/>
-              <a:tailEnd len="sm" w="sm" type="none"/>
+              <a:headEnd type="none" w="sm" len="sm"/>
+              <a:tailEnd type="none" w="sm" len="sm"/>
             </a:ln>
           </p:spPr>
           <p:txBody>
-            <a:bodyPr anchorCtr="0" anchor="ctr" bIns="91425" lIns="91425" spcFirstLastPara="1" rIns="91425" wrap="square" tIns="91425">
+            <a:bodyPr spcFirstLastPara="1" wrap="square" lIns="91425" tIns="91425" rIns="91425" bIns="91425" anchor="ctr" anchorCtr="0">
               <a:noAutofit/>
             </a:bodyPr>
             <a:lstStyle/>
             <a:p>
-              <a:pPr indent="0" lvl="0" marL="0" rtl="0" algn="l">
+              <a:pPr marL="0" lvl="0" indent="0" algn="l" rtl="0">
                 <a:spcBef>
                   <a:spcPts val="0"/>
                 </a:spcBef>
@@ -7420,9 +8979,6 @@
                 </a:spcAft>
                 <a:buNone/>
               </a:pPr>
-              <a:r>
-                <a:t/>
-              </a:r>
               <a:endParaRPr/>
             </a:p>
           </p:txBody>
@@ -7440,29 +8996,29 @@
             </a:xfrm>
             <a:prstGeom prst="triangle">
               <a:avLst>
-                <a:gd fmla="val 50000" name="adj"/>
+                <a:gd name="adj" fmla="val 50000"/>
               </a:avLst>
             </a:prstGeom>
             <a:solidFill>
               <a:schemeClr val="lt2"/>
             </a:solidFill>
-            <a:ln cap="flat" cmpd="sng" w="9525">
+            <a:ln w="9525" cap="flat" cmpd="sng">
               <a:solidFill>
                 <a:schemeClr val="dk2"/>
               </a:solidFill>
               <a:prstDash val="solid"/>
               <a:round/>
-              <a:headEnd len="sm" w="sm" type="none"/>
-              <a:tailEnd len="sm" w="sm" type="none"/>
+              <a:headEnd type="none" w="sm" len="sm"/>
+              <a:tailEnd type="none" w="sm" len="sm"/>
             </a:ln>
           </p:spPr>
           <p:txBody>
-            <a:bodyPr anchorCtr="0" anchor="ctr" bIns="91425" lIns="91425" spcFirstLastPara="1" rIns="91425" wrap="square" tIns="91425">
+            <a:bodyPr spcFirstLastPara="1" wrap="square" lIns="91425" tIns="91425" rIns="91425" bIns="91425" anchor="ctr" anchorCtr="0">
               <a:noAutofit/>
             </a:bodyPr>
             <a:lstStyle/>
             <a:p>
-              <a:pPr indent="0" lvl="0" marL="0" rtl="0" algn="l">
+              <a:pPr marL="0" lvl="0" indent="0" algn="l" rtl="0">
                 <a:spcBef>
                   <a:spcPts val="0"/>
                 </a:spcBef>
@@ -7471,9 +9027,6 @@
                 </a:spcAft>
                 <a:buNone/>
               </a:pPr>
-              <a:r>
-                <a:t/>
-              </a:r>
               <a:endParaRPr/>
             </a:p>
           </p:txBody>
@@ -7499,12 +9052,12 @@
           </a:ln>
         </p:spPr>
         <p:txBody>
-          <a:bodyPr anchorCtr="0" anchor="t" bIns="91425" lIns="91425" spcFirstLastPara="1" rIns="91425" wrap="square" tIns="91425">
+          <a:bodyPr spcFirstLastPara="1" wrap="square" lIns="91425" tIns="91425" rIns="91425" bIns="91425" anchor="t" anchorCtr="0">
             <a:noAutofit/>
           </a:bodyPr>
           <a:lstStyle/>
           <a:p>
-            <a:pPr indent="0" lvl="0" marL="0" rtl="0" algn="ctr">
+            <a:pPr marL="0" lvl="0" indent="0" algn="ctr" rtl="0">
               <a:spcBef>
                 <a:spcPts val="0"/>
               </a:spcBef>
@@ -7528,7 +9081,7 @@
             </a:endParaRPr>
           </a:p>
           <a:p>
-            <a:pPr indent="0" lvl="0" marL="0" rtl="0" algn="ctr">
+            <a:pPr marL="0" lvl="0" indent="0" algn="ctr" rtl="0">
               <a:spcBef>
                 <a:spcPts val="0"/>
               </a:spcBef>
@@ -7566,29 +9119,29 @@
           </a:xfrm>
           <a:prstGeom prst="smileyFace">
             <a:avLst>
-              <a:gd fmla="val 4653" name="adj"/>
+              <a:gd name="adj" fmla="val 4653"/>
             </a:avLst>
           </a:prstGeom>
           <a:solidFill>
             <a:schemeClr val="lt2"/>
           </a:solidFill>
-          <a:ln cap="flat" cmpd="sng" w="9525">
+          <a:ln w="9525" cap="flat" cmpd="sng">
             <a:solidFill>
               <a:schemeClr val="dk2"/>
             </a:solidFill>
             <a:prstDash val="solid"/>
             <a:round/>
-            <a:headEnd len="sm" w="sm" type="none"/>
-            <a:tailEnd len="sm" w="sm" type="none"/>
+            <a:headEnd type="none" w="sm" len="sm"/>
+            <a:tailEnd type="none" w="sm" len="sm"/>
           </a:ln>
         </p:spPr>
         <p:txBody>
-          <a:bodyPr anchorCtr="0" anchor="ctr" bIns="91425" lIns="91425" spcFirstLastPara="1" rIns="91425" wrap="square" tIns="91425">
+          <a:bodyPr spcFirstLastPara="1" wrap="square" lIns="91425" tIns="91425" rIns="91425" bIns="91425" anchor="ctr" anchorCtr="0">
             <a:noAutofit/>
           </a:bodyPr>
           <a:lstStyle/>
           <a:p>
-            <a:pPr indent="0" lvl="0" marL="0" rtl="0" algn="l">
+            <a:pPr marL="0" lvl="0" indent="0" algn="l" rtl="0">
               <a:spcBef>
                 <a:spcPts val="0"/>
               </a:spcBef>
@@ -7597,9 +9150,6 @@
               </a:spcAft>
               <a:buNone/>
             </a:pPr>
-            <a:r>
-              <a:t/>
-            </a:r>
             <a:endParaRPr/>
           </a:p>
         </p:txBody>
@@ -7622,14 +9172,14 @@
             <a:avLst/>
           </a:prstGeom>
           <a:noFill/>
-          <a:ln cap="flat" cmpd="sng" w="9525">
+          <a:ln w="9525" cap="flat" cmpd="sng">
             <a:solidFill>
               <a:srgbClr val="FFFFFF"/>
             </a:solidFill>
             <a:prstDash val="solid"/>
             <a:round/>
-            <a:headEnd len="med" w="med" type="none"/>
-            <a:tailEnd len="med" w="med" type="triangle"/>
+            <a:headEnd type="none" w="med" len="med"/>
+            <a:tailEnd type="triangle" w="med" len="med"/>
           </a:ln>
         </p:spPr>
       </p:cxnSp>
@@ -7653,12 +9203,12 @@
           </a:ln>
         </p:spPr>
         <p:txBody>
-          <a:bodyPr anchorCtr="0" anchor="t" bIns="91425" lIns="91425" spcFirstLastPara="1" rIns="91425" wrap="square" tIns="91425">
+          <a:bodyPr spcFirstLastPara="1" wrap="square" lIns="91425" tIns="91425" rIns="91425" bIns="91425" anchor="t" anchorCtr="0">
             <a:noAutofit/>
           </a:bodyPr>
           <a:lstStyle/>
           <a:p>
-            <a:pPr indent="0" lvl="0" marL="0" rtl="0" algn="ctr">
+            <a:pPr marL="0" lvl="0" indent="0" algn="ctr" rtl="0">
               <a:spcBef>
                 <a:spcPts val="0"/>
               </a:spcBef>
@@ -7692,25 +9242,25 @@
           <p:nvPr/>
         </p:nvCxnSpPr>
         <p:spPr>
-          <a:xfrm flipH="1" rot="-5400000">
+          <a:xfrm rot="-5400000" flipH="1">
             <a:off x="5923525" y="1348388"/>
             <a:ext cx="500400" cy="463800"/>
           </a:xfrm>
           <a:prstGeom prst="curvedConnector4">
             <a:avLst>
-              <a:gd fmla="val -88287" name="adj1"/>
-              <a:gd fmla="val 174472" name="adj2"/>
+              <a:gd name="adj1" fmla="val -88287"/>
+              <a:gd name="adj2" fmla="val 174472"/>
             </a:avLst>
           </a:prstGeom>
           <a:noFill/>
-          <a:ln cap="flat" cmpd="sng" w="9525">
+          <a:ln w="9525" cap="flat" cmpd="sng">
             <a:solidFill>
               <a:srgbClr val="FFFFFF"/>
             </a:solidFill>
             <a:prstDash val="solid"/>
             <a:round/>
-            <a:headEnd len="med" w="med" type="none"/>
-            <a:tailEnd len="med" w="med" type="triangle"/>
+            <a:headEnd type="none" w="med" len="med"/>
+            <a:tailEnd type="triangle" w="med" len="med"/>
           </a:ln>
         </p:spPr>
       </p:cxnSp>
@@ -7734,12 +9284,12 @@
           </a:ln>
         </p:spPr>
         <p:txBody>
-          <a:bodyPr anchorCtr="0" anchor="t" bIns="91425" lIns="91425" spcFirstLastPara="1" rIns="91425" wrap="square" tIns="91425">
+          <a:bodyPr spcFirstLastPara="1" wrap="square" lIns="91425" tIns="91425" rIns="91425" bIns="91425" anchor="t" anchorCtr="0">
             <a:noAutofit/>
           </a:bodyPr>
           <a:lstStyle/>
           <a:p>
-            <a:pPr indent="0" lvl="0" marL="0" rtl="0" algn="ctr">
+            <a:pPr marL="0" lvl="0" indent="0" algn="ctr" rtl="0">
               <a:spcBef>
                 <a:spcPts val="0"/>
               </a:spcBef>
@@ -7784,12 +9334,12 @@
           </a:ln>
         </p:spPr>
         <p:txBody>
-          <a:bodyPr anchorCtr="0" anchor="t" bIns="91425" lIns="91425" spcFirstLastPara="1" rIns="91425" wrap="square" tIns="91425">
+          <a:bodyPr spcFirstLastPara="1" wrap="square" lIns="91425" tIns="91425" rIns="91425" bIns="91425" anchor="t" anchorCtr="0">
             <a:noAutofit/>
           </a:bodyPr>
           <a:lstStyle/>
           <a:p>
-            <a:pPr indent="0" lvl="0" marL="0" rtl="0" algn="ctr">
+            <a:pPr marL="0" lvl="0" indent="0" algn="ctr" rtl="0">
               <a:spcBef>
                 <a:spcPts val="0"/>
               </a:spcBef>
@@ -7829,14 +9379,14 @@
             <a:avLst/>
           </a:prstGeom>
           <a:noFill/>
-          <a:ln cap="flat" cmpd="sng" w="9525">
+          <a:ln w="9525" cap="flat" cmpd="sng">
             <a:solidFill>
               <a:srgbClr val="FFFFFF"/>
             </a:solidFill>
             <a:prstDash val="solid"/>
             <a:round/>
-            <a:headEnd len="med" w="med" type="none"/>
-            <a:tailEnd len="med" w="med" type="none"/>
+            <a:headEnd type="none" w="med" len="med"/>
+            <a:tailEnd type="none" w="med" len="med"/>
           </a:ln>
         </p:spPr>
       </p:cxnSp>
@@ -7857,14 +9407,14 @@
             <a:avLst/>
           </a:prstGeom>
           <a:noFill/>
-          <a:ln cap="flat" cmpd="sng" w="9525">
+          <a:ln w="9525" cap="flat" cmpd="sng">
             <a:solidFill>
               <a:srgbClr val="FFFFFF"/>
             </a:solidFill>
             <a:prstDash val="solid"/>
             <a:round/>
-            <a:headEnd len="med" w="med" type="none"/>
-            <a:tailEnd len="med" w="med" type="none"/>
+            <a:headEnd type="none" w="med" len="med"/>
+            <a:tailEnd type="none" w="med" len="med"/>
           </a:ln>
         </p:spPr>
       </p:cxnSp>
@@ -7885,23 +9435,23 @@
           <a:solidFill>
             <a:schemeClr val="lt2"/>
           </a:solidFill>
-          <a:ln cap="flat" cmpd="sng" w="9525">
+          <a:ln w="9525" cap="flat" cmpd="sng">
             <a:solidFill>
               <a:schemeClr val="dk2"/>
             </a:solidFill>
             <a:prstDash val="solid"/>
             <a:round/>
-            <a:headEnd len="sm" w="sm" type="none"/>
-            <a:tailEnd len="sm" w="sm" type="none"/>
+            <a:headEnd type="none" w="sm" len="sm"/>
+            <a:tailEnd type="none" w="sm" len="sm"/>
           </a:ln>
         </p:spPr>
         <p:txBody>
-          <a:bodyPr anchorCtr="0" anchor="ctr" bIns="91425" lIns="91425" spcFirstLastPara="1" rIns="91425" wrap="square" tIns="91425">
+          <a:bodyPr spcFirstLastPara="1" wrap="square" lIns="91425" tIns="91425" rIns="91425" bIns="91425" anchor="ctr" anchorCtr="0">
             <a:noAutofit/>
           </a:bodyPr>
           <a:lstStyle/>
           <a:p>
-            <a:pPr indent="0" lvl="0" marL="0" rtl="0" algn="ctr">
+            <a:pPr marL="0" lvl="0" indent="0" algn="ctr" rtl="0">
               <a:spcBef>
                 <a:spcPts val="0"/>
               </a:spcBef>
@@ -7917,7 +9467,7 @@
             <a:endParaRPr/>
           </a:p>
           <a:p>
-            <a:pPr indent="0" lvl="0" marL="0" rtl="0" algn="ctr">
+            <a:pPr marL="0" lvl="0" indent="0" algn="ctr" rtl="0">
               <a:spcBef>
                 <a:spcPts val="0"/>
               </a:spcBef>
@@ -7943,7 +9493,7 @@
           <p:nvPr/>
         </p:nvCxnSpPr>
         <p:spPr>
-          <a:xfrm flipH="1" rot="10800000">
+          <a:xfrm rot="10800000" flipH="1">
             <a:off x="1366425" y="2967125"/>
             <a:ext cx="365400" cy="1506900"/>
           </a:xfrm>
@@ -7951,14 +9501,14 @@
             <a:avLst/>
           </a:prstGeom>
           <a:noFill/>
-          <a:ln cap="flat" cmpd="sng" w="9525">
+          <a:ln w="9525" cap="flat" cmpd="sng">
             <a:solidFill>
               <a:srgbClr val="FFFFFF"/>
             </a:solidFill>
             <a:prstDash val="solid"/>
             <a:round/>
-            <a:headEnd len="med" w="med" type="none"/>
-            <a:tailEnd len="med" w="med" type="none"/>
+            <a:headEnd type="none" w="med" len="med"/>
+            <a:tailEnd type="none" w="med" len="med"/>
           </a:ln>
         </p:spPr>
       </p:cxnSp>
@@ -7971,7 +9521,7 @@
           <p:nvPr/>
         </p:nvCxnSpPr>
         <p:spPr>
-          <a:xfrm flipH="1" rot="10800000">
+          <a:xfrm rot="10800000" flipH="1">
             <a:off x="1740075" y="2635475"/>
             <a:ext cx="865500" cy="340200"/>
           </a:xfrm>
@@ -7979,14 +9529,14 @@
             <a:avLst/>
           </a:prstGeom>
           <a:noFill/>
-          <a:ln cap="flat" cmpd="sng" w="9525">
+          <a:ln w="9525" cap="flat" cmpd="sng">
             <a:solidFill>
               <a:srgbClr val="FFFFFF"/>
             </a:solidFill>
             <a:prstDash val="solid"/>
             <a:round/>
-            <a:headEnd len="med" w="med" type="none"/>
-            <a:tailEnd len="med" w="med" type="none"/>
+            <a:headEnd type="none" w="med" len="med"/>
+            <a:tailEnd type="none" w="med" len="med"/>
           </a:ln>
         </p:spPr>
       </p:cxnSp>
@@ -7999,11 +9549,195 @@
 </file>
 
 <file path=ppt/slides/slide5.xml><?xml version="1.0" encoding="utf-8"?>
-<p:sld xmlns:a="http://schemas.openxmlformats.org/drawingml/2006/main" xmlns:r="http://schemas.openxmlformats.org/officeDocument/2006/relationships" xmlns:mc="http://schemas.openxmlformats.org/markup-compatibility/2006" xmlns:mv="urn:schemas-microsoft-com:mac:vml" xmlns:p="http://schemas.openxmlformats.org/presentationml/2006/main" xmlns:c="http://schemas.openxmlformats.org/drawingml/2006/chart" xmlns:dgm="http://schemas.openxmlformats.org/drawingml/2006/diagram" xmlns:o="urn:schemas-microsoft-com:office:office" xmlns:v="urn:schemas-microsoft-com:vml" xmlns:pvml="urn:schemas-microsoft-com:office:powerpoint" xmlns:com="http://schemas.openxmlformats.org/drawingml/2006/compatibility" xmlns:p14="http://schemas.microsoft.com/office/powerpoint/2010/main" xmlns:p15="http://schemas.microsoft.com/office/powerpoint/2012/main">
+<p:sld xmlns:a="http://schemas.openxmlformats.org/drawingml/2006/main" xmlns:r="http://schemas.openxmlformats.org/officeDocument/2006/relationships" xmlns:p="http://schemas.openxmlformats.org/presentationml/2006/main">
   <p:cSld>
     <p:spTree>
       <p:nvGrpSpPr>
-        <p:cNvPr id="105" name="Shape 105"/>
+        <p:cNvPr id="1" name=""/>
+        <p:cNvGrpSpPr/>
+        <p:nvPr/>
+      </p:nvGrpSpPr>
+      <p:grpSpPr>
+        <a:xfrm>
+          <a:off x="0" y="0"/>
+          <a:ext cx="0" cy="0"/>
+          <a:chOff x="0" y="0"/>
+          <a:chExt cx="0" cy="0"/>
+        </a:xfrm>
+      </p:grpSpPr>
+      <p:sp>
+        <p:nvSpPr>
+          <p:cNvPr id="2" name="Titel 1"/>
+          <p:cNvSpPr>
+            <a:spLocks noGrp="1"/>
+          </p:cNvSpPr>
+          <p:nvPr>
+            <p:ph type="title"/>
+          </p:nvPr>
+        </p:nvSpPr>
+        <p:spPr/>
+        <p:txBody>
+          <a:bodyPr/>
+          <a:lstStyle/>
+          <a:p>
+            <a:r>
+              <a:rPr lang="de-DE" dirty="0" err="1" smtClean="0"/>
+              <a:t>Architecture</a:t>
+            </a:r>
+            <a:r>
+              <a:rPr lang="de-DE" dirty="0" smtClean="0"/>
+              <a:t> 2.0</a:t>
+            </a:r>
+            <a:endParaRPr lang="de-DE" dirty="0"/>
+          </a:p>
+        </p:txBody>
+      </p:sp>
+      <p:pic>
+        <p:nvPicPr>
+          <p:cNvPr id="5" name="Grafik 4"/>
+          <p:cNvPicPr>
+            <a:picLocks noChangeAspect="1"/>
+          </p:cNvPicPr>
+          <p:nvPr/>
+        </p:nvPicPr>
+        <p:blipFill>
+          <a:blip r:embed="rId3">
+            <a:extLst>
+              <a:ext uri="{28A0092B-C50C-407E-A947-70E740481C1C}">
+                <a14:useLocalDpi xmlns:a14="http://schemas.microsoft.com/office/drawing/2010/main" val="0"/>
+              </a:ext>
+            </a:extLst>
+          </a:blip>
+          <a:stretch>
+            <a:fillRect/>
+          </a:stretch>
+        </p:blipFill>
+        <p:spPr>
+          <a:xfrm>
+            <a:off x="709612" y="1104811"/>
+            <a:ext cx="7724775" cy="3819525"/>
+          </a:xfrm>
+          <a:prstGeom prst="rect">
+            <a:avLst/>
+          </a:prstGeom>
+          <a:ln w="28575">
+            <a:solidFill>
+              <a:schemeClr val="tx1"/>
+            </a:solidFill>
+          </a:ln>
+        </p:spPr>
+      </p:pic>
+    </p:spTree>
+    <p:extLst>
+      <p:ext uri="{BB962C8B-B14F-4D97-AF65-F5344CB8AC3E}">
+        <p14:creationId xmlns:p14="http://schemas.microsoft.com/office/powerpoint/2010/main" val="4250652764"/>
+      </p:ext>
+    </p:extLst>
+  </p:cSld>
+  <p:clrMapOvr>
+    <a:masterClrMapping/>
+  </p:clrMapOvr>
+</p:sld>
+</file>
+
+<file path=ppt/slides/slide6.xml><?xml version="1.0" encoding="utf-8"?>
+<p:sld xmlns:a="http://schemas.openxmlformats.org/drawingml/2006/main" xmlns:r="http://schemas.openxmlformats.org/officeDocument/2006/relationships" xmlns:p="http://schemas.openxmlformats.org/presentationml/2006/main">
+  <p:cSld>
+    <p:spTree>
+      <p:nvGrpSpPr>
+        <p:cNvPr id="1" name=""/>
+        <p:cNvGrpSpPr/>
+        <p:nvPr/>
+      </p:nvGrpSpPr>
+      <p:grpSpPr>
+        <a:xfrm>
+          <a:off x="0" y="0"/>
+          <a:ext cx="0" cy="0"/>
+          <a:chOff x="0" y="0"/>
+          <a:chExt cx="0" cy="0"/>
+        </a:xfrm>
+      </p:grpSpPr>
+      <p:sp>
+        <p:nvSpPr>
+          <p:cNvPr id="2" name="Titel 1"/>
+          <p:cNvSpPr>
+            <a:spLocks noGrp="1"/>
+          </p:cNvSpPr>
+          <p:nvPr>
+            <p:ph type="title"/>
+          </p:nvPr>
+        </p:nvSpPr>
+        <p:spPr/>
+        <p:txBody>
+          <a:bodyPr/>
+          <a:lstStyle/>
+          <a:p>
+            <a:r>
+              <a:rPr lang="de-DE" dirty="0" err="1" smtClean="0"/>
+              <a:t>Architecture</a:t>
+            </a:r>
+            <a:r>
+              <a:rPr lang="de-DE" dirty="0" smtClean="0"/>
+              <a:t> 3.0</a:t>
+            </a:r>
+            <a:endParaRPr lang="de-DE" dirty="0"/>
+          </a:p>
+        </p:txBody>
+      </p:sp>
+      <p:pic>
+        <p:nvPicPr>
+          <p:cNvPr id="5" name="Grafik 4"/>
+          <p:cNvPicPr>
+            <a:picLocks noChangeAspect="1"/>
+          </p:cNvPicPr>
+          <p:nvPr/>
+        </p:nvPicPr>
+        <p:blipFill>
+          <a:blip r:embed="rId3">
+            <a:extLst>
+              <a:ext uri="{28A0092B-C50C-407E-A947-70E740481C1C}">
+                <a14:useLocalDpi xmlns:a14="http://schemas.microsoft.com/office/drawing/2010/main" val="0"/>
+              </a:ext>
+            </a:extLst>
+          </a:blip>
+          <a:stretch>
+            <a:fillRect/>
+          </a:stretch>
+        </p:blipFill>
+        <p:spPr>
+          <a:xfrm>
+            <a:off x="709612" y="1263621"/>
+            <a:ext cx="7724775" cy="3248025"/>
+          </a:xfrm>
+          <a:prstGeom prst="rect">
+            <a:avLst/>
+          </a:prstGeom>
+          <a:ln w="28575">
+            <a:solidFill>
+              <a:schemeClr val="tx1"/>
+            </a:solidFill>
+          </a:ln>
+        </p:spPr>
+      </p:pic>
+    </p:spTree>
+    <p:extLst>
+      <p:ext uri="{BB962C8B-B14F-4D97-AF65-F5344CB8AC3E}">
+        <p14:creationId xmlns:p14="http://schemas.microsoft.com/office/powerpoint/2010/main" val="2437034868"/>
+      </p:ext>
+    </p:extLst>
+  </p:cSld>
+  <p:clrMapOvr>
+    <a:masterClrMapping/>
+  </p:clrMapOvr>
+</p:sld>
+</file>
+
+<file path=ppt/slides/slide7.xml><?xml version="1.0" encoding="utf-8"?>
+<p:sld xmlns:a="http://schemas.openxmlformats.org/drawingml/2006/main" xmlns:r="http://schemas.openxmlformats.org/officeDocument/2006/relationships" xmlns:p="http://schemas.openxmlformats.org/presentationml/2006/main">
+  <p:cSld>
+    <p:spTree>
+      <p:nvGrpSpPr>
+        <p:cNvPr id="1" name="Shape 105"/>
         <p:cNvGrpSpPr/>
         <p:nvPr/>
       </p:nvGrpSpPr>
@@ -8018,7 +9752,9 @@
       <p:sp>
         <p:nvSpPr>
           <p:cNvPr id="106" name="Google Shape;106;p17"/>
-          <p:cNvSpPr txBox="1"/>
+          <p:cNvSpPr txBox="1">
+            <a:spLocks noGrp="1"/>
+          </p:cNvSpPr>
           <p:nvPr>
             <p:ph type="title"/>
           </p:nvPr>
@@ -8033,12 +9769,12 @@
           </a:prstGeom>
         </p:spPr>
         <p:txBody>
-          <a:bodyPr anchorCtr="0" anchor="t" bIns="91425" lIns="91425" spcFirstLastPara="1" rIns="91425" wrap="square" tIns="91425">
+          <a:bodyPr spcFirstLastPara="1" wrap="square" lIns="91425" tIns="91425" rIns="91425" bIns="91425" anchor="t" anchorCtr="0">
             <a:noAutofit/>
           </a:bodyPr>
           <a:lstStyle/>
           <a:p>
-            <a:pPr indent="0" lvl="0" marL="0" rtl="0" algn="l">
+            <a:pPr marL="0" lvl="0" indent="0" algn="l" rtl="0">
               <a:spcBef>
                 <a:spcPts val="0"/>
               </a:spcBef>
@@ -8058,9 +9794,11 @@
       <p:sp>
         <p:nvSpPr>
           <p:cNvPr id="107" name="Google Shape;107;p17"/>
-          <p:cNvSpPr txBox="1"/>
+          <p:cNvSpPr txBox="1">
+            <a:spLocks noGrp="1"/>
+          </p:cNvSpPr>
           <p:nvPr>
-            <p:ph idx="1" type="body"/>
+            <p:ph type="body" idx="1"/>
           </p:nvPr>
         </p:nvSpPr>
         <p:spPr>
@@ -8073,12 +9811,12 @@
           </a:prstGeom>
         </p:spPr>
         <p:txBody>
-          <a:bodyPr anchorCtr="0" anchor="t" bIns="91425" lIns="91425" spcFirstLastPara="1" rIns="91425" wrap="square" tIns="91425">
+          <a:bodyPr spcFirstLastPara="1" wrap="square" lIns="91425" tIns="91425" rIns="91425" bIns="91425" anchor="t" anchorCtr="0">
             <a:noAutofit/>
           </a:bodyPr>
           <a:lstStyle/>
           <a:p>
-            <a:pPr indent="-342900" lvl="0" marL="457200" rtl="0" algn="l">
+            <a:pPr marL="457200" lvl="0" indent="-342900" algn="l" rtl="0">
               <a:spcBef>
                 <a:spcPts val="0"/>
               </a:spcBef>
@@ -8095,7 +9833,7 @@
             <a:endParaRPr/>
           </a:p>
           <a:p>
-            <a:pPr indent="-342900" lvl="0" marL="457200" rtl="0" algn="l">
+            <a:pPr marL="457200" lvl="0" indent="-342900" algn="l" rtl="0">
               <a:spcBef>
                 <a:spcPts val="0"/>
               </a:spcBef>
@@ -8107,16 +9845,12 @@
             </a:pPr>
             <a:r>
               <a:rPr lang="en"/>
-              <a:t>Prosumer - Node.js, web3.js / ethers.js, </a:t>
-            </a:r>
-            <a:r>
-              <a:rPr lang="en"/>
-              <a:t>REST API (Koa / Express)</a:t>
+              <a:t>Prosumer - Node.js, web3.js / ethers.js, REST API (Koa / Express)</a:t>
             </a:r>
             <a:endParaRPr/>
           </a:p>
           <a:p>
-            <a:pPr indent="-342900" lvl="0" marL="457200" rtl="0" algn="l">
+            <a:pPr marL="457200" lvl="0" indent="-342900" algn="l" rtl="0">
               <a:spcBef>
                 <a:spcPts val="0"/>
               </a:spcBef>
@@ -8133,7 +9867,7 @@
             <a:endParaRPr/>
           </a:p>
           <a:p>
-            <a:pPr indent="-342900" lvl="0" marL="457200" rtl="0" algn="l">
+            <a:pPr marL="457200" lvl="0" indent="-342900" algn="l" rtl="0">
               <a:spcBef>
                 <a:spcPts val="0"/>
               </a:spcBef>
@@ -8150,7 +9884,7 @@
             <a:endParaRPr/>
           </a:p>
           <a:p>
-            <a:pPr indent="-342900" lvl="0" marL="457200" rtl="0" algn="l">
+            <a:pPr marL="457200" lvl="0" indent="-342900" algn="l" rtl="0">
               <a:spcBef>
                 <a:spcPts val="0"/>
               </a:spcBef>
@@ -8167,7 +9901,7 @@
             <a:endParaRPr/>
           </a:p>
           <a:p>
-            <a:pPr indent="0" lvl="0" marL="0" rtl="0" algn="l">
+            <a:pPr marL="0" lvl="0" indent="0" algn="l" rtl="0">
               <a:spcBef>
                 <a:spcPts val="1600"/>
               </a:spcBef>
@@ -8176,13 +9910,10 @@
               </a:spcAft>
               <a:buNone/>
             </a:pPr>
-            <a:r>
-              <a:t/>
-            </a:r>
             <a:endParaRPr/>
           </a:p>
           <a:p>
-            <a:pPr indent="-342900" lvl="0" marL="457200" rtl="0" algn="l">
+            <a:pPr marL="457200" lvl="0" indent="-342900" algn="l" rtl="0">
               <a:spcBef>
                 <a:spcPts val="1600"/>
               </a:spcBef>
@@ -8209,7 +9940,288 @@
 </file>
 
 <file path=ppt/theme/theme1.xml><?xml version="1.0" encoding="utf-8"?>
-<a:theme xmlns:a="http://schemas.openxmlformats.org/drawingml/2006/main" xmlns:r="http://schemas.openxmlformats.org/officeDocument/2006/relationships">
+<a:theme xmlns:a="http://schemas.openxmlformats.org/drawingml/2006/main" name="Simple Dark">
+  <a:themeElements>
+    <a:clrScheme name="Simple Dark">
+      <a:dk1>
+        <a:srgbClr val="FFFFFF"/>
+      </a:dk1>
+      <a:lt1>
+        <a:srgbClr val="212121"/>
+      </a:lt1>
+      <a:dk2>
+        <a:srgbClr val="303030"/>
+      </a:dk2>
+      <a:lt2>
+        <a:srgbClr val="ADADAD"/>
+      </a:lt2>
+      <a:accent1>
+        <a:srgbClr val="009688"/>
+      </a:accent1>
+      <a:accent2>
+        <a:srgbClr val="EEEEEE"/>
+      </a:accent2>
+      <a:accent3>
+        <a:srgbClr val="78909C"/>
+      </a:accent3>
+      <a:accent4>
+        <a:srgbClr val="FFAB40"/>
+      </a:accent4>
+      <a:accent5>
+        <a:srgbClr val="4DD0E1"/>
+      </a:accent5>
+      <a:accent6>
+        <a:srgbClr val="EEFF41"/>
+      </a:accent6>
+      <a:hlink>
+        <a:srgbClr val="4DD0E1"/>
+      </a:hlink>
+      <a:folHlink>
+        <a:srgbClr val="4DD0E1"/>
+      </a:folHlink>
+    </a:clrScheme>
+    <a:fontScheme name="Office">
+      <a:majorFont>
+        <a:latin typeface="Arial"/>
+        <a:ea typeface=""/>
+        <a:cs typeface=""/>
+        <a:font script="Jpan" typeface="ＭＳ Ｐゴシック"/>
+        <a:font script="Hang" typeface="맑은 고딕"/>
+        <a:font script="Hans" typeface="宋体"/>
+        <a:font script="Hant" typeface="新細明體"/>
+        <a:font script="Arab" typeface="Times New Roman"/>
+        <a:font script="Hebr" typeface="Times New Roman"/>
+        <a:font script="Thai" typeface="Angsana New"/>
+        <a:font script="Ethi" typeface="Nyala"/>
+        <a:font script="Beng" typeface="Vrinda"/>
+        <a:font script="Gujr" typeface="Shruti"/>
+        <a:font script="Khmr" typeface="MoolBoran"/>
+        <a:font script="Knda" typeface="Tunga"/>
+        <a:font script="Guru" typeface="Raavi"/>
+        <a:font script="Cans" typeface="Euphemia"/>
+        <a:font script="Cher" typeface="Plantagenet Cherokee"/>
+        <a:font script="Yiii" typeface="Microsoft Yi Baiti"/>
+        <a:font script="Tibt" typeface="Microsoft Himalaya"/>
+        <a:font script="Thaa" typeface="MV Boli"/>
+        <a:font script="Deva" typeface="Mangal"/>
+        <a:font script="Telu" typeface="Gautami"/>
+        <a:font script="Taml" typeface="Latha"/>
+        <a:font script="Syrc" typeface="Estrangelo Edessa"/>
+        <a:font script="Orya" typeface="Kalinga"/>
+        <a:font script="Mlym" typeface="Kartika"/>
+        <a:font script="Laoo" typeface="DokChampa"/>
+        <a:font script="Sinh" typeface="Iskoola Pota"/>
+        <a:font script="Mong" typeface="Mongolian Baiti"/>
+        <a:font script="Viet" typeface="Times New Roman"/>
+        <a:font script="Uigh" typeface="Microsoft Uighur"/>
+        <a:font script="Geor" typeface="Sylfaen"/>
+      </a:majorFont>
+      <a:minorFont>
+        <a:latin typeface="Arial"/>
+        <a:ea typeface=""/>
+        <a:cs typeface=""/>
+        <a:font script="Jpan" typeface="ＭＳ Ｐゴシック"/>
+        <a:font script="Hang" typeface="맑은 고딕"/>
+        <a:font script="Hans" typeface="宋体"/>
+        <a:font script="Hant" typeface="新細明體"/>
+        <a:font script="Arab" typeface="Arial"/>
+        <a:font script="Hebr" typeface="Arial"/>
+        <a:font script="Thai" typeface="Cordia New"/>
+        <a:font script="Ethi" typeface="Nyala"/>
+        <a:font script="Beng" typeface="Vrinda"/>
+        <a:font script="Gujr" typeface="Shruti"/>
+        <a:font script="Khmr" typeface="DaunPenh"/>
+        <a:font script="Knda" typeface="Tunga"/>
+        <a:font script="Guru" typeface="Raavi"/>
+        <a:font script="Cans" typeface="Euphemia"/>
+        <a:font script="Cher" typeface="Plantagenet Cherokee"/>
+        <a:font script="Yiii" typeface="Microsoft Yi Baiti"/>
+        <a:font script="Tibt" typeface="Microsoft Himalaya"/>
+        <a:font script="Thaa" typeface="MV Boli"/>
+        <a:font script="Deva" typeface="Mangal"/>
+        <a:font script="Telu" typeface="Gautami"/>
+        <a:font script="Taml" typeface="Latha"/>
+        <a:font script="Syrc" typeface="Estrangelo Edessa"/>
+        <a:font script="Orya" typeface="Kalinga"/>
+        <a:font script="Mlym" typeface="Kartika"/>
+        <a:font script="Laoo" typeface="DokChampa"/>
+        <a:font script="Sinh" typeface="Iskoola Pota"/>
+        <a:font script="Mong" typeface="Mongolian Baiti"/>
+        <a:font script="Viet" typeface="Arial"/>
+        <a:font script="Uigh" typeface="Microsoft Uighur"/>
+        <a:font script="Geor" typeface="Sylfaen"/>
+      </a:minorFont>
+    </a:fontScheme>
+    <a:fmtScheme name="Office">
+      <a:fillStyleLst>
+        <a:solidFill>
+          <a:schemeClr val="phClr"/>
+        </a:solidFill>
+        <a:gradFill rotWithShape="1">
+          <a:gsLst>
+            <a:gs pos="0">
+              <a:schemeClr val="phClr">
+                <a:tint val="50000"/>
+                <a:satMod val="300000"/>
+              </a:schemeClr>
+            </a:gs>
+            <a:gs pos="35000">
+              <a:schemeClr val="phClr">
+                <a:tint val="37000"/>
+                <a:satMod val="300000"/>
+              </a:schemeClr>
+            </a:gs>
+            <a:gs pos="100000">
+              <a:schemeClr val="phClr">
+                <a:tint val="15000"/>
+                <a:satMod val="350000"/>
+              </a:schemeClr>
+            </a:gs>
+          </a:gsLst>
+          <a:lin ang="16200000" scaled="1"/>
+        </a:gradFill>
+        <a:gradFill rotWithShape="1">
+          <a:gsLst>
+            <a:gs pos="0">
+              <a:schemeClr val="phClr">
+                <a:tint val="100000"/>
+                <a:shade val="100000"/>
+                <a:satMod val="130000"/>
+              </a:schemeClr>
+            </a:gs>
+            <a:gs pos="100000">
+              <a:schemeClr val="phClr">
+                <a:tint val="50000"/>
+                <a:shade val="100000"/>
+                <a:satMod val="350000"/>
+              </a:schemeClr>
+            </a:gs>
+          </a:gsLst>
+          <a:lin ang="16200000" scaled="0"/>
+        </a:gradFill>
+      </a:fillStyleLst>
+      <a:lnStyleLst>
+        <a:ln w="9525" cap="flat" cmpd="sng" algn="ctr">
+          <a:solidFill>
+            <a:schemeClr val="phClr">
+              <a:shade val="95000"/>
+              <a:satMod val="105000"/>
+            </a:schemeClr>
+          </a:solidFill>
+          <a:prstDash val="solid"/>
+        </a:ln>
+        <a:ln w="25400" cap="flat" cmpd="sng" algn="ctr">
+          <a:solidFill>
+            <a:schemeClr val="phClr"/>
+          </a:solidFill>
+          <a:prstDash val="solid"/>
+        </a:ln>
+        <a:ln w="38100" cap="flat" cmpd="sng" algn="ctr">
+          <a:solidFill>
+            <a:schemeClr val="phClr"/>
+          </a:solidFill>
+          <a:prstDash val="solid"/>
+        </a:ln>
+      </a:lnStyleLst>
+      <a:effectStyleLst>
+        <a:effectStyle>
+          <a:effectLst>
+            <a:outerShdw blurRad="40000" dist="20000" dir="5400000" rotWithShape="0">
+              <a:srgbClr val="000000">
+                <a:alpha val="38000"/>
+              </a:srgbClr>
+            </a:outerShdw>
+          </a:effectLst>
+        </a:effectStyle>
+        <a:effectStyle>
+          <a:effectLst>
+            <a:outerShdw blurRad="40000" dist="23000" dir="5400000" rotWithShape="0">
+              <a:srgbClr val="000000">
+                <a:alpha val="35000"/>
+              </a:srgbClr>
+            </a:outerShdw>
+          </a:effectLst>
+        </a:effectStyle>
+        <a:effectStyle>
+          <a:effectLst>
+            <a:outerShdw blurRad="40000" dist="23000" dir="5400000" rotWithShape="0">
+              <a:srgbClr val="000000">
+                <a:alpha val="35000"/>
+              </a:srgbClr>
+            </a:outerShdw>
+          </a:effectLst>
+          <a:scene3d>
+            <a:camera prst="orthographicFront">
+              <a:rot lat="0" lon="0" rev="0"/>
+            </a:camera>
+            <a:lightRig rig="threePt" dir="t">
+              <a:rot lat="0" lon="0" rev="1200000"/>
+            </a:lightRig>
+          </a:scene3d>
+          <a:sp3d>
+            <a:bevelT w="63500" h="25400"/>
+          </a:sp3d>
+        </a:effectStyle>
+      </a:effectStyleLst>
+      <a:bgFillStyleLst>
+        <a:solidFill>
+          <a:schemeClr val="phClr"/>
+        </a:solidFill>
+        <a:gradFill rotWithShape="1">
+          <a:gsLst>
+            <a:gs pos="0">
+              <a:schemeClr val="phClr">
+                <a:tint val="40000"/>
+                <a:satMod val="350000"/>
+              </a:schemeClr>
+            </a:gs>
+            <a:gs pos="40000">
+              <a:schemeClr val="phClr">
+                <a:tint val="45000"/>
+                <a:shade val="99000"/>
+                <a:satMod val="350000"/>
+              </a:schemeClr>
+            </a:gs>
+            <a:gs pos="100000">
+              <a:schemeClr val="phClr">
+                <a:shade val="20000"/>
+                <a:satMod val="255000"/>
+              </a:schemeClr>
+            </a:gs>
+          </a:gsLst>
+          <a:path path="circle">
+            <a:fillToRect l="50000" t="-80000" r="50000" b="180000"/>
+          </a:path>
+        </a:gradFill>
+        <a:gradFill rotWithShape="1">
+          <a:gsLst>
+            <a:gs pos="0">
+              <a:schemeClr val="phClr">
+                <a:tint val="80000"/>
+                <a:satMod val="300000"/>
+              </a:schemeClr>
+            </a:gs>
+            <a:gs pos="100000">
+              <a:schemeClr val="phClr">
+                <a:shade val="30000"/>
+                <a:satMod val="200000"/>
+              </a:schemeClr>
+            </a:gs>
+          </a:gsLst>
+          <a:path path="circle">
+            <a:fillToRect l="50000" t="50000" r="50000" b="50000"/>
+          </a:path>
+        </a:gradFill>
+      </a:bgFillStyleLst>
+    </a:fmtScheme>
+  </a:themeElements>
+  <a:objectDefaults/>
+  <a:extraClrSchemeLst/>
+</a:theme>
+</file>
+
+<file path=ppt/theme/theme2.xml><?xml version="1.0" encoding="utf-8"?>
+<a:theme xmlns:a="http://schemas.openxmlformats.org/drawingml/2006/main">
   <a:themeElements>
     <a:clrScheme name="Default">
       <a:dk1>
@@ -8484,284 +10496,7 @@
       </a:bgFillStyleLst>
     </a:fmtScheme>
   </a:themeElements>
-</a:theme>
-</file>
-
-<file path=ppt/theme/theme2.xml><?xml version="1.0" encoding="utf-8"?>
-<a:theme xmlns:a="http://schemas.openxmlformats.org/drawingml/2006/main" xmlns:r="http://schemas.openxmlformats.org/officeDocument/2006/relationships" name="Simple Dark">
-  <a:themeElements>
-    <a:clrScheme name="Simple Dark">
-      <a:dk1>
-        <a:srgbClr val="FFFFFF"/>
-      </a:dk1>
-      <a:lt1>
-        <a:srgbClr val="212121"/>
-      </a:lt1>
-      <a:dk2>
-        <a:srgbClr val="303030"/>
-      </a:dk2>
-      <a:lt2>
-        <a:srgbClr val="ADADAD"/>
-      </a:lt2>
-      <a:accent1>
-        <a:srgbClr val="009688"/>
-      </a:accent1>
-      <a:accent2>
-        <a:srgbClr val="EEEEEE"/>
-      </a:accent2>
-      <a:accent3>
-        <a:srgbClr val="78909C"/>
-      </a:accent3>
-      <a:accent4>
-        <a:srgbClr val="FFAB40"/>
-      </a:accent4>
-      <a:accent5>
-        <a:srgbClr val="4DD0E1"/>
-      </a:accent5>
-      <a:accent6>
-        <a:srgbClr val="EEFF41"/>
-      </a:accent6>
-      <a:hlink>
-        <a:srgbClr val="4DD0E1"/>
-      </a:hlink>
-      <a:folHlink>
-        <a:srgbClr val="4DD0E1"/>
-      </a:folHlink>
-    </a:clrScheme>
-    <a:fontScheme name="Office">
-      <a:majorFont>
-        <a:latin typeface="Arial"/>
-        <a:ea typeface=""/>
-        <a:cs typeface=""/>
-        <a:font script="Jpan" typeface="ＭＳ Ｐゴシック"/>
-        <a:font script="Hang" typeface="맑은 고딕"/>
-        <a:font script="Hans" typeface="宋体"/>
-        <a:font script="Hant" typeface="新細明體"/>
-        <a:font script="Arab" typeface="Times New Roman"/>
-        <a:font script="Hebr" typeface="Times New Roman"/>
-        <a:font script="Thai" typeface="Angsana New"/>
-        <a:font script="Ethi" typeface="Nyala"/>
-        <a:font script="Beng" typeface="Vrinda"/>
-        <a:font script="Gujr" typeface="Shruti"/>
-        <a:font script="Khmr" typeface="MoolBoran"/>
-        <a:font script="Knda" typeface="Tunga"/>
-        <a:font script="Guru" typeface="Raavi"/>
-        <a:font script="Cans" typeface="Euphemia"/>
-        <a:font script="Cher" typeface="Plantagenet Cherokee"/>
-        <a:font script="Yiii" typeface="Microsoft Yi Baiti"/>
-        <a:font script="Tibt" typeface="Microsoft Himalaya"/>
-        <a:font script="Thaa" typeface="MV Boli"/>
-        <a:font script="Deva" typeface="Mangal"/>
-        <a:font script="Telu" typeface="Gautami"/>
-        <a:font script="Taml" typeface="Latha"/>
-        <a:font script="Syrc" typeface="Estrangelo Edessa"/>
-        <a:font script="Orya" typeface="Kalinga"/>
-        <a:font script="Mlym" typeface="Kartika"/>
-        <a:font script="Laoo" typeface="DokChampa"/>
-        <a:font script="Sinh" typeface="Iskoola Pota"/>
-        <a:font script="Mong" typeface="Mongolian Baiti"/>
-        <a:font script="Viet" typeface="Times New Roman"/>
-        <a:font script="Uigh" typeface="Microsoft Uighur"/>
-        <a:font script="Geor" typeface="Sylfaen"/>
-      </a:majorFont>
-      <a:minorFont>
-        <a:latin typeface="Arial"/>
-        <a:ea typeface=""/>
-        <a:cs typeface=""/>
-        <a:font script="Jpan" typeface="ＭＳ Ｐゴシック"/>
-        <a:font script="Hang" typeface="맑은 고딕"/>
-        <a:font script="Hans" typeface="宋体"/>
-        <a:font script="Hant" typeface="新細明體"/>
-        <a:font script="Arab" typeface="Arial"/>
-        <a:font script="Hebr" typeface="Arial"/>
-        <a:font script="Thai" typeface="Cordia New"/>
-        <a:font script="Ethi" typeface="Nyala"/>
-        <a:font script="Beng" typeface="Vrinda"/>
-        <a:font script="Gujr" typeface="Shruti"/>
-        <a:font script="Khmr" typeface="DaunPenh"/>
-        <a:font script="Knda" typeface="Tunga"/>
-        <a:font script="Guru" typeface="Raavi"/>
-        <a:font script="Cans" typeface="Euphemia"/>
-        <a:font script="Cher" typeface="Plantagenet Cherokee"/>
-        <a:font script="Yiii" typeface="Microsoft Yi Baiti"/>
-        <a:font script="Tibt" typeface="Microsoft Himalaya"/>
-        <a:font script="Thaa" typeface="MV Boli"/>
-        <a:font script="Deva" typeface="Mangal"/>
-        <a:font script="Telu" typeface="Gautami"/>
-        <a:font script="Taml" typeface="Latha"/>
-        <a:font script="Syrc" typeface="Estrangelo Edessa"/>
-        <a:font script="Orya" typeface="Kalinga"/>
-        <a:font script="Mlym" typeface="Kartika"/>
-        <a:font script="Laoo" typeface="DokChampa"/>
-        <a:font script="Sinh" typeface="Iskoola Pota"/>
-        <a:font script="Mong" typeface="Mongolian Baiti"/>
-        <a:font script="Viet" typeface="Arial"/>
-        <a:font script="Uigh" typeface="Microsoft Uighur"/>
-        <a:font script="Geor" typeface="Sylfaen"/>
-      </a:minorFont>
-    </a:fontScheme>
-    <a:fmtScheme name="Office">
-      <a:fillStyleLst>
-        <a:solidFill>
-          <a:schemeClr val="phClr"/>
-        </a:solidFill>
-        <a:gradFill rotWithShape="1">
-          <a:gsLst>
-            <a:gs pos="0">
-              <a:schemeClr val="phClr">
-                <a:tint val="50000"/>
-                <a:satMod val="300000"/>
-              </a:schemeClr>
-            </a:gs>
-            <a:gs pos="35000">
-              <a:schemeClr val="phClr">
-                <a:tint val="37000"/>
-                <a:satMod val="300000"/>
-              </a:schemeClr>
-            </a:gs>
-            <a:gs pos="100000">
-              <a:schemeClr val="phClr">
-                <a:tint val="15000"/>
-                <a:satMod val="350000"/>
-              </a:schemeClr>
-            </a:gs>
-          </a:gsLst>
-          <a:lin ang="16200000" scaled="1"/>
-        </a:gradFill>
-        <a:gradFill rotWithShape="1">
-          <a:gsLst>
-            <a:gs pos="0">
-              <a:schemeClr val="phClr">
-                <a:tint val="100000"/>
-                <a:shade val="100000"/>
-                <a:satMod val="130000"/>
-              </a:schemeClr>
-            </a:gs>
-            <a:gs pos="100000">
-              <a:schemeClr val="phClr">
-                <a:tint val="50000"/>
-                <a:shade val="100000"/>
-                <a:satMod val="350000"/>
-              </a:schemeClr>
-            </a:gs>
-          </a:gsLst>
-          <a:lin ang="16200000" scaled="0"/>
-        </a:gradFill>
-      </a:fillStyleLst>
-      <a:lnStyleLst>
-        <a:ln w="9525" cap="flat" cmpd="sng" algn="ctr">
-          <a:solidFill>
-            <a:schemeClr val="phClr">
-              <a:shade val="95000"/>
-              <a:satMod val="105000"/>
-            </a:schemeClr>
-          </a:solidFill>
-          <a:prstDash val="solid"/>
-        </a:ln>
-        <a:ln w="25400" cap="flat" cmpd="sng" algn="ctr">
-          <a:solidFill>
-            <a:schemeClr val="phClr"/>
-          </a:solidFill>
-          <a:prstDash val="solid"/>
-        </a:ln>
-        <a:ln w="38100" cap="flat" cmpd="sng" algn="ctr">
-          <a:solidFill>
-            <a:schemeClr val="phClr"/>
-          </a:solidFill>
-          <a:prstDash val="solid"/>
-        </a:ln>
-      </a:lnStyleLst>
-      <a:effectStyleLst>
-        <a:effectStyle>
-          <a:effectLst>
-            <a:outerShdw blurRad="40000" dist="20000" dir="5400000" rotWithShape="0">
-              <a:srgbClr val="000000">
-                <a:alpha val="38000"/>
-              </a:srgbClr>
-            </a:outerShdw>
-          </a:effectLst>
-        </a:effectStyle>
-        <a:effectStyle>
-          <a:effectLst>
-            <a:outerShdw blurRad="40000" dist="23000" dir="5400000" rotWithShape="0">
-              <a:srgbClr val="000000">
-                <a:alpha val="35000"/>
-              </a:srgbClr>
-            </a:outerShdw>
-          </a:effectLst>
-        </a:effectStyle>
-        <a:effectStyle>
-          <a:effectLst>
-            <a:outerShdw blurRad="40000" dist="23000" dir="5400000" rotWithShape="0">
-              <a:srgbClr val="000000">
-                <a:alpha val="35000"/>
-              </a:srgbClr>
-            </a:outerShdw>
-          </a:effectLst>
-          <a:scene3d>
-            <a:camera prst="orthographicFront">
-              <a:rot lat="0" lon="0" rev="0"/>
-            </a:camera>
-            <a:lightRig rig="threePt" dir="t">
-              <a:rot lat="0" lon="0" rev="1200000"/>
-            </a:lightRig>
-          </a:scene3d>
-          <a:sp3d>
-            <a:bevelT w="63500" h="25400"/>
-          </a:sp3d>
-        </a:effectStyle>
-      </a:effectStyleLst>
-      <a:bgFillStyleLst>
-        <a:solidFill>
-          <a:schemeClr val="phClr"/>
-        </a:solidFill>
-        <a:gradFill rotWithShape="1">
-          <a:gsLst>
-            <a:gs pos="0">
-              <a:schemeClr val="phClr">
-                <a:tint val="40000"/>
-                <a:satMod val="350000"/>
-              </a:schemeClr>
-            </a:gs>
-            <a:gs pos="40000">
-              <a:schemeClr val="phClr">
-                <a:tint val="45000"/>
-                <a:shade val="99000"/>
-                <a:satMod val="350000"/>
-              </a:schemeClr>
-            </a:gs>
-            <a:gs pos="100000">
-              <a:schemeClr val="phClr">
-                <a:shade val="20000"/>
-                <a:satMod val="255000"/>
-              </a:schemeClr>
-            </a:gs>
-          </a:gsLst>
-          <a:path path="circle">
-            <a:fillToRect l="50000" t="-80000" r="50000" b="180000"/>
-          </a:path>
-        </a:gradFill>
-        <a:gradFill rotWithShape="1">
-          <a:gsLst>
-            <a:gs pos="0">
-              <a:schemeClr val="phClr">
-                <a:tint val="80000"/>
-                <a:satMod val="300000"/>
-              </a:schemeClr>
-            </a:gs>
-            <a:gs pos="100000">
-              <a:schemeClr val="phClr">
-                <a:shade val="30000"/>
-                <a:satMod val="200000"/>
-              </a:schemeClr>
-            </a:gs>
-          </a:gsLst>
-          <a:path path="circle">
-            <a:fillToRect l="50000" t="50000" r="50000" b="50000"/>
-          </a:path>
-        </a:gradFill>
-      </a:bgFillStyleLst>
-    </a:fmtScheme>
-  </a:themeElements>
+  <a:objectDefaults/>
+  <a:extraClrSchemeLst/>
 </a:theme>
 </file>
--- a/documentation/architecture.pptx
+++ b/documentation/architecture.pptx
@@ -2562,7 +2562,7 @@
               <a:rPr lang="de-DE" baseline="0" dirty="0" err="1" smtClean="0">
                 <a:sym typeface="Wingdings" panose="05000000000000000000" pitchFamily="2" charset="2"/>
               </a:rPr>
-              <a:t>either</a:t>
+              <a:t>the</a:t>
             </a:r>
             <a:r>
               <a:rPr lang="de-DE" baseline="0" dirty="0" smtClean="0">
@@ -2574,7 +2574,31 @@
               <a:rPr lang="de-DE" baseline="0" dirty="0" err="1" smtClean="0">
                 <a:sym typeface="Wingdings" panose="05000000000000000000" pitchFamily="2" charset="2"/>
               </a:rPr>
-              <a:t>one</a:t>
+              <a:t>Validator</a:t>
+            </a:r>
+            <a:r>
+              <a:rPr lang="de-DE" baseline="0" dirty="0" smtClean="0">
+                <a:sym typeface="Wingdings" panose="05000000000000000000" pitchFamily="2" charset="2"/>
+              </a:rPr>
+              <a:t> Set</a:t>
+            </a:r>
+          </a:p>
+          <a:p>
+            <a:pPr marL="914400" lvl="1" indent="-298450">
+              <a:buFont typeface="Symbol" panose="05050102010706020507" pitchFamily="18" charset="2"/>
+              <a:buChar char="-"/>
+            </a:pPr>
+            <a:r>
+              <a:rPr lang="de-DE" baseline="0" dirty="0" smtClean="0">
+                <a:sym typeface="Wingdings" panose="05000000000000000000" pitchFamily="2" charset="2"/>
+              </a:rPr>
+              <a:t>In </a:t>
+            </a:r>
+            <a:r>
+              <a:rPr lang="de-DE" baseline="0" dirty="0" err="1" smtClean="0">
+                <a:sym typeface="Wingdings" panose="05000000000000000000" pitchFamily="2" charset="2"/>
+              </a:rPr>
+              <a:t>the</a:t>
             </a:r>
             <a:r>
               <a:rPr lang="de-DE" baseline="0" dirty="0" smtClean="0">
@@ -2586,7 +2610,19 @@
               <a:rPr lang="de-DE" baseline="0" dirty="0" err="1" smtClean="0">
                 <a:sym typeface="Wingdings" panose="05000000000000000000" pitchFamily="2" charset="2"/>
               </a:rPr>
-              <a:t>household</a:t>
+              <a:t>future</a:t>
+            </a:r>
+            <a:r>
+              <a:rPr lang="de-DE" baseline="0" dirty="0" smtClean="0">
+                <a:sym typeface="Wingdings" panose="05000000000000000000" pitchFamily="2" charset="2"/>
+              </a:rPr>
+              <a:t>: </a:t>
+            </a:r>
+            <a:r>
+              <a:rPr lang="de-DE" baseline="0" dirty="0" err="1" smtClean="0">
+                <a:sym typeface="Wingdings" panose="05000000000000000000" pitchFamily="2" charset="2"/>
+              </a:rPr>
+              <a:t>either</a:t>
             </a:r>
             <a:r>
               <a:rPr lang="de-DE" baseline="0" dirty="0" smtClean="0">
@@ -2598,7 +2634,7 @@
               <a:rPr lang="de-DE" baseline="0" dirty="0" err="1" smtClean="0">
                 <a:sym typeface="Wingdings" panose="05000000000000000000" pitchFamily="2" charset="2"/>
               </a:rPr>
-              <a:t>or</a:t>
+              <a:t>one</a:t>
             </a:r>
             <a:r>
               <a:rPr lang="de-DE" baseline="0" dirty="0" smtClean="0">
@@ -2610,6 +2646,30 @@
               <a:rPr lang="de-DE" baseline="0" dirty="0" err="1" smtClean="0">
                 <a:sym typeface="Wingdings" panose="05000000000000000000" pitchFamily="2" charset="2"/>
               </a:rPr>
+              <a:t>household</a:t>
+            </a:r>
+            <a:r>
+              <a:rPr lang="de-DE" baseline="0" dirty="0" smtClean="0">
+                <a:sym typeface="Wingdings" panose="05000000000000000000" pitchFamily="2" charset="2"/>
+              </a:rPr>
+              <a:t> </a:t>
+            </a:r>
+            <a:r>
+              <a:rPr lang="de-DE" baseline="0" dirty="0" err="1" smtClean="0">
+                <a:sym typeface="Wingdings" panose="05000000000000000000" pitchFamily="2" charset="2"/>
+              </a:rPr>
+              <a:t>or</a:t>
+            </a:r>
+            <a:r>
+              <a:rPr lang="de-DE" baseline="0" dirty="0" smtClean="0">
+                <a:sym typeface="Wingdings" panose="05000000000000000000" pitchFamily="2" charset="2"/>
+              </a:rPr>
+              <a:t> </a:t>
+            </a:r>
+            <a:r>
+              <a:rPr lang="de-DE" baseline="0" dirty="0" err="1" smtClean="0">
+                <a:sym typeface="Wingdings" panose="05000000000000000000" pitchFamily="2" charset="2"/>
+              </a:rPr>
               <a:t>every</a:t>
             </a:r>
             <a:r>
@@ -2647,6 +2707,12 @@
                 <a:sym typeface="Wingdings" panose="05000000000000000000" pitchFamily="2" charset="2"/>
               </a:rPr>
               <a:t>BlockReward</a:t>
+            </a:r>
+            <a:r>
+              <a:rPr lang="de-DE" baseline="0" smtClean="0">
+                <a:sym typeface="Wingdings" panose="05000000000000000000" pitchFamily="2" charset="2"/>
+              </a:rPr>
+              <a:t> (?)</a:t>
             </a:r>
             <a:endParaRPr lang="de-DE" baseline="0" dirty="0" smtClean="0">
               <a:sym typeface="Wingdings" panose="05000000000000000000" pitchFamily="2" charset="2"/>
@@ -7719,6 +7785,13 @@
   <p:clrMapOvr>
     <a:masterClrMapping/>
   </p:clrMapOvr>
+  <p:timing>
+    <p:tnLst>
+      <p:par>
+        <p:cTn id="1" dur="indefinite" restart="never" nodeType="tmRoot"/>
+      </p:par>
+    </p:tnLst>
+  </p:timing>
 </p:sld>
 </file>
 
@@ -9686,7 +9759,7 @@
       </p:sp>
       <p:pic>
         <p:nvPicPr>
-          <p:cNvPr id="5" name="Grafik 4"/>
+          <p:cNvPr id="3" name="Grafik 2"/>
           <p:cNvPicPr>
             <a:picLocks noChangeAspect="1"/>
           </p:cNvPicPr>
@@ -9706,7 +9779,7 @@
         </p:blipFill>
         <p:spPr>
           <a:xfrm>
-            <a:off x="709612" y="1263621"/>
+            <a:off x="709612" y="1313497"/>
             <a:ext cx="7724775" cy="3248025"/>
           </a:xfrm>
           <a:prstGeom prst="rect">
@@ -9729,6 +9802,13 @@
   <p:clrMapOvr>
     <a:masterClrMapping/>
   </p:clrMapOvr>
+  <p:timing>
+    <p:tnLst>
+      <p:par>
+        <p:cTn id="1" dur="indefinite" restart="never" nodeType="tmRoot"/>
+      </p:par>
+    </p:tnLst>
+  </p:timing>
 </p:sld>
 </file>
 

--- a/documentation/architecture.pptx
+++ b/documentation/architecture.pptx
@@ -5,7 +5,7 @@
     <p:sldMasterId id="2147483659" r:id="rId1"/>
   </p:sldMasterIdLst>
   <p:notesMasterIdLst>
-    <p:notesMasterId r:id="rId9"/>
+    <p:notesMasterId r:id="rId10"/>
   </p:notesMasterIdLst>
   <p:sldIdLst>
     <p:sldId id="256" r:id="rId2"/>
@@ -14,7 +14,8 @@
     <p:sldId id="259" r:id="rId5"/>
     <p:sldId id="261" r:id="rId6"/>
     <p:sldId id="262" r:id="rId7"/>
-    <p:sldId id="260" r:id="rId8"/>
+    <p:sldId id="263" r:id="rId8"/>
+    <p:sldId id="260" r:id="rId9"/>
   </p:sldIdLst>
   <p:sldSz cx="9144000" cy="5143500" type="screen16x9"/>
   <p:notesSz cx="6858000" cy="9144000"/>
@@ -2743,6 +2744,298 @@
 </file>
 
 <file path=ppt/notesSlides/notesSlide7.xml><?xml version="1.0" encoding="utf-8"?>
+<p:notes xmlns:a="http://schemas.openxmlformats.org/drawingml/2006/main" xmlns:r="http://schemas.openxmlformats.org/officeDocument/2006/relationships" xmlns:p="http://schemas.openxmlformats.org/presentationml/2006/main">
+  <p:cSld>
+    <p:spTree>
+      <p:nvGrpSpPr>
+        <p:cNvPr id="1" name=""/>
+        <p:cNvGrpSpPr/>
+        <p:nvPr/>
+      </p:nvGrpSpPr>
+      <p:grpSpPr>
+        <a:xfrm>
+          <a:off x="0" y="0"/>
+          <a:ext cx="0" cy="0"/>
+          <a:chOff x="0" y="0"/>
+          <a:chExt cx="0" cy="0"/>
+        </a:xfrm>
+      </p:grpSpPr>
+      <p:sp>
+        <p:nvSpPr>
+          <p:cNvPr id="2" name="Folienbildplatzhalter 1"/>
+          <p:cNvSpPr>
+            <a:spLocks noGrp="1" noRot="1" noChangeAspect="1"/>
+          </p:cNvSpPr>
+          <p:nvPr>
+            <p:ph type="sldImg"/>
+          </p:nvPr>
+        </p:nvSpPr>
+        <p:spPr>
+          <a:xfrm>
+            <a:off x="381000" y="685800"/>
+            <a:ext cx="6096000" cy="3429000"/>
+          </a:xfrm>
+        </p:spPr>
+      </p:sp>
+      <p:sp>
+        <p:nvSpPr>
+          <p:cNvPr id="3" name="Notizenplatzhalter 2"/>
+          <p:cNvSpPr>
+            <a:spLocks noGrp="1"/>
+          </p:cNvSpPr>
+          <p:nvPr>
+            <p:ph type="body" idx="1"/>
+          </p:nvPr>
+        </p:nvSpPr>
+        <p:spPr/>
+        <p:txBody>
+          <a:bodyPr/>
+          <a:lstStyle/>
+          <a:p>
+            <a:pPr marL="158750" indent="0">
+              <a:buNone/>
+            </a:pPr>
+            <a:r>
+              <a:rPr lang="de-DE" dirty="0" err="1" smtClean="0"/>
+              <a:t>Changes</a:t>
+            </a:r>
+            <a:r>
+              <a:rPr lang="de-DE" baseline="0" dirty="0" smtClean="0"/>
+              <a:t> (3.0 </a:t>
+            </a:r>
+            <a:r>
+              <a:rPr lang="de-DE" baseline="0" dirty="0" smtClean="0">
+                <a:sym typeface="Wingdings" panose="05000000000000000000" pitchFamily="2" charset="2"/>
+              </a:rPr>
+              <a:t> 4.0)</a:t>
+            </a:r>
+          </a:p>
+          <a:p>
+            <a:pPr marL="457200" indent="-298450">
+              <a:buFont typeface="Symbol" panose="05050102010706020507" pitchFamily="18" charset="2"/>
+              <a:buChar char="-"/>
+            </a:pPr>
+            <a:r>
+              <a:rPr lang="de-DE" dirty="0" smtClean="0"/>
+              <a:t>Smart Meter </a:t>
+            </a:r>
+            <a:r>
+              <a:rPr lang="de-DE" dirty="0" err="1" smtClean="0"/>
+              <a:t>contains</a:t>
+            </a:r>
+            <a:r>
+              <a:rPr lang="de-DE" baseline="0" dirty="0" smtClean="0"/>
+              <a:t> </a:t>
+            </a:r>
+            <a:r>
+              <a:rPr lang="de-DE" baseline="0" dirty="0" err="1" smtClean="0"/>
+              <a:t>only</a:t>
+            </a:r>
+            <a:r>
+              <a:rPr lang="de-DE" baseline="0" dirty="0" smtClean="0"/>
+              <a:t> </a:t>
+            </a:r>
+            <a:r>
+              <a:rPr lang="de-DE" baseline="0" dirty="0" err="1" smtClean="0"/>
+              <a:t>the</a:t>
+            </a:r>
+            <a:r>
+              <a:rPr lang="de-DE" baseline="0" dirty="0" smtClean="0"/>
+              <a:t> </a:t>
+            </a:r>
+            <a:r>
+              <a:rPr lang="de-DE" baseline="0" dirty="0" err="1" smtClean="0"/>
+              <a:t>sensors</a:t>
+            </a:r>
+            <a:r>
+              <a:rPr lang="de-DE" baseline="0" dirty="0" smtClean="0"/>
+              <a:t>, </a:t>
+            </a:r>
+            <a:r>
+              <a:rPr lang="de-DE" baseline="0" dirty="0" err="1" smtClean="0"/>
+              <a:t>household</a:t>
+            </a:r>
+            <a:r>
+              <a:rPr lang="de-DE" baseline="0" dirty="0" smtClean="0"/>
+              <a:t> </a:t>
+            </a:r>
+            <a:r>
+              <a:rPr lang="de-DE" baseline="0" dirty="0" err="1" smtClean="0"/>
+              <a:t>processing</a:t>
+            </a:r>
+            <a:r>
+              <a:rPr lang="de-DE" baseline="0" dirty="0" smtClean="0"/>
+              <a:t> </a:t>
+            </a:r>
+            <a:r>
+              <a:rPr lang="de-DE" baseline="0" dirty="0" err="1" smtClean="0"/>
+              <a:t>unit</a:t>
+            </a:r>
+            <a:r>
+              <a:rPr lang="de-DE" baseline="0" dirty="0" smtClean="0"/>
+              <a:t> </a:t>
+            </a:r>
+            <a:r>
+              <a:rPr lang="de-DE" baseline="0" dirty="0" err="1" smtClean="0"/>
+              <a:t>is</a:t>
+            </a:r>
+            <a:r>
+              <a:rPr lang="de-DE" baseline="0" dirty="0" smtClean="0"/>
+              <a:t> an </a:t>
+            </a:r>
+            <a:r>
+              <a:rPr lang="de-DE" baseline="0" dirty="0" err="1" smtClean="0"/>
+              <a:t>independent</a:t>
+            </a:r>
+            <a:r>
+              <a:rPr lang="de-DE" baseline="0" dirty="0" smtClean="0"/>
+              <a:t> </a:t>
+            </a:r>
+            <a:r>
+              <a:rPr lang="de-DE" baseline="0" dirty="0" err="1" smtClean="0"/>
+              <a:t>component</a:t>
+            </a:r>
+            <a:endParaRPr lang="de-DE" baseline="0" dirty="0" smtClean="0"/>
+          </a:p>
+          <a:p>
+            <a:pPr marL="457200" indent="-298450">
+              <a:buFont typeface="Symbol" panose="05050102010706020507" pitchFamily="18" charset="2"/>
+              <a:buChar char="-"/>
+            </a:pPr>
+            <a:r>
+              <a:rPr lang="de-DE" baseline="0" dirty="0" err="1" smtClean="0"/>
+              <a:t>Household</a:t>
+            </a:r>
+            <a:r>
+              <a:rPr lang="de-DE" baseline="0" dirty="0" smtClean="0"/>
+              <a:t> </a:t>
+            </a:r>
+            <a:r>
+              <a:rPr lang="de-DE" baseline="0" dirty="0" err="1" smtClean="0"/>
+              <a:t>now</a:t>
+            </a:r>
+            <a:r>
+              <a:rPr lang="de-DE" baseline="0" dirty="0" smtClean="0"/>
+              <a:t> </a:t>
+            </a:r>
+            <a:r>
+              <a:rPr lang="de-DE" baseline="0" dirty="0" err="1" smtClean="0"/>
+              <a:t>collects</a:t>
+            </a:r>
+            <a:r>
+              <a:rPr lang="de-DE" baseline="0" dirty="0" smtClean="0"/>
+              <a:t> </a:t>
+            </a:r>
+            <a:r>
+              <a:rPr lang="de-DE" baseline="0" dirty="0" err="1" smtClean="0"/>
+              <a:t>its</a:t>
+            </a:r>
+            <a:r>
+              <a:rPr lang="de-DE" baseline="0" dirty="0" smtClean="0"/>
+              <a:t> </a:t>
+            </a:r>
+            <a:r>
+              <a:rPr lang="de-DE" baseline="0" dirty="0" err="1" smtClean="0"/>
+              <a:t>deeds</a:t>
+            </a:r>
+            <a:r>
+              <a:rPr lang="de-DE" baseline="0" dirty="0" smtClean="0"/>
+              <a:t> </a:t>
+            </a:r>
+            <a:r>
+              <a:rPr lang="de-DE" baseline="0" dirty="0" err="1" smtClean="0"/>
+              <a:t>from</a:t>
+            </a:r>
+            <a:r>
+              <a:rPr lang="de-DE" baseline="0" dirty="0" smtClean="0"/>
+              <a:t> </a:t>
+            </a:r>
+            <a:r>
+              <a:rPr lang="de-DE" baseline="0" dirty="0" err="1" smtClean="0"/>
+              <a:t>the</a:t>
+            </a:r>
+            <a:r>
+              <a:rPr lang="de-DE" baseline="0" dirty="0" smtClean="0"/>
+              <a:t> UC</a:t>
+            </a:r>
+          </a:p>
+          <a:p>
+            <a:pPr marL="457200" indent="-298450">
+              <a:buFont typeface="Symbol" panose="05050102010706020507" pitchFamily="18" charset="2"/>
+              <a:buChar char="-"/>
+            </a:pPr>
+            <a:r>
+              <a:rPr lang="de-DE" baseline="0" dirty="0" err="1" smtClean="0"/>
+              <a:t>Consume</a:t>
+            </a:r>
+            <a:r>
+              <a:rPr lang="de-DE" baseline="0" dirty="0" smtClean="0"/>
+              <a:t>/ </a:t>
+            </a:r>
+            <a:r>
+              <a:rPr lang="de-DE" baseline="0" dirty="0" err="1" smtClean="0"/>
+              <a:t>Produce</a:t>
+            </a:r>
+            <a:r>
+              <a:rPr lang="de-DE" baseline="0" dirty="0" smtClean="0"/>
+              <a:t> </a:t>
+            </a:r>
+            <a:r>
+              <a:rPr lang="de-DE" baseline="0" dirty="0" err="1" smtClean="0"/>
+              <a:t>transactions</a:t>
+            </a:r>
+            <a:r>
+              <a:rPr lang="de-DE" baseline="0" dirty="0" smtClean="0"/>
+              <a:t> </a:t>
+            </a:r>
+            <a:r>
+              <a:rPr lang="de-DE" baseline="0" dirty="0" err="1" smtClean="0"/>
+              <a:t>are</a:t>
+            </a:r>
+            <a:r>
+              <a:rPr lang="de-DE" baseline="0" dirty="0" smtClean="0"/>
+              <a:t> </a:t>
+            </a:r>
+            <a:r>
+              <a:rPr lang="de-DE" baseline="0" dirty="0" err="1" smtClean="0"/>
+              <a:t>sent</a:t>
+            </a:r>
+            <a:r>
+              <a:rPr lang="de-DE" baseline="0" dirty="0" smtClean="0"/>
+              <a:t> via </a:t>
+            </a:r>
+            <a:r>
+              <a:rPr lang="de-DE" baseline="0" dirty="0" err="1" smtClean="0"/>
+              <a:t>Parity</a:t>
+            </a:r>
+            <a:r>
+              <a:rPr lang="de-DE" baseline="0" dirty="0" smtClean="0"/>
+              <a:t> Client</a:t>
+            </a:r>
+          </a:p>
+          <a:p>
+            <a:pPr marL="457200" indent="-298450">
+              <a:buFont typeface="Symbol" panose="05050102010706020507" pitchFamily="18" charset="2"/>
+              <a:buChar char="-"/>
+            </a:pPr>
+            <a:endParaRPr lang="de-DE" baseline="0" dirty="0" smtClean="0"/>
+          </a:p>
+        </p:txBody>
+      </p:sp>
+    </p:spTree>
+    <p:extLst>
+      <p:ext uri="{BB962C8B-B14F-4D97-AF65-F5344CB8AC3E}">
+        <p14:creationId xmlns:p14="http://schemas.microsoft.com/office/powerpoint/2010/main" val="2984270675"/>
+      </p:ext>
+    </p:extLst>
+  </p:cSld>
+  <p:clrMapOvr>
+    <a:masterClrMapping/>
+  </p:clrMapOvr>
+</p:notes>
+</file>
+
+<file path=ppt/notesSlides/notesSlide8.xml><?xml version="1.0" encoding="utf-8"?>
 <p:notes xmlns:a="http://schemas.openxmlformats.org/drawingml/2006/main" xmlns:r="http://schemas.openxmlformats.org/officeDocument/2006/relationships" xmlns:p="http://schemas.openxmlformats.org/presentationml/2006/main" showMasterSp="0" showMasterPhAnim="0">
   <p:cSld>
     <p:spTree>
@@ -9817,6 +10110,105 @@
   <p:cSld>
     <p:spTree>
       <p:nvGrpSpPr>
+        <p:cNvPr id="1" name=""/>
+        <p:cNvGrpSpPr/>
+        <p:nvPr/>
+      </p:nvGrpSpPr>
+      <p:grpSpPr>
+        <a:xfrm>
+          <a:off x="0" y="0"/>
+          <a:ext cx="0" cy="0"/>
+          <a:chOff x="0" y="0"/>
+          <a:chExt cx="0" cy="0"/>
+        </a:xfrm>
+      </p:grpSpPr>
+      <p:sp>
+        <p:nvSpPr>
+          <p:cNvPr id="2" name="Titel 1"/>
+          <p:cNvSpPr>
+            <a:spLocks noGrp="1"/>
+          </p:cNvSpPr>
+          <p:nvPr>
+            <p:ph type="title"/>
+          </p:nvPr>
+        </p:nvSpPr>
+        <p:spPr/>
+        <p:txBody>
+          <a:bodyPr/>
+          <a:lstStyle/>
+          <a:p>
+            <a:r>
+              <a:rPr lang="de-DE" dirty="0" err="1" smtClean="0"/>
+              <a:t>Architecture</a:t>
+            </a:r>
+            <a:r>
+              <a:rPr lang="de-DE" dirty="0" smtClean="0"/>
+              <a:t> 4.0</a:t>
+            </a:r>
+            <a:endParaRPr lang="de-DE" dirty="0"/>
+          </a:p>
+        </p:txBody>
+      </p:sp>
+      <p:pic>
+        <p:nvPicPr>
+          <p:cNvPr id="5" name="Grafik 4"/>
+          <p:cNvPicPr>
+            <a:picLocks noChangeAspect="1"/>
+          </p:cNvPicPr>
+          <p:nvPr/>
+        </p:nvPicPr>
+        <p:blipFill>
+          <a:blip r:embed="rId3">
+            <a:extLst>
+              <a:ext uri="{28A0092B-C50C-407E-A947-70E740481C1C}">
+                <a14:useLocalDpi xmlns:a14="http://schemas.microsoft.com/office/drawing/2010/main" val="0"/>
+              </a:ext>
+            </a:extLst>
+          </a:blip>
+          <a:stretch>
+            <a:fillRect/>
+          </a:stretch>
+        </p:blipFill>
+        <p:spPr>
+          <a:xfrm>
+            <a:off x="493480" y="1134104"/>
+            <a:ext cx="8464101" cy="3454522"/>
+          </a:xfrm>
+          <a:prstGeom prst="rect">
+            <a:avLst/>
+          </a:prstGeom>
+          <a:ln w="28575">
+            <a:solidFill>
+              <a:schemeClr val="tx1"/>
+            </a:solidFill>
+          </a:ln>
+        </p:spPr>
+      </p:pic>
+    </p:spTree>
+    <p:extLst>
+      <p:ext uri="{BB962C8B-B14F-4D97-AF65-F5344CB8AC3E}">
+        <p14:creationId xmlns:p14="http://schemas.microsoft.com/office/powerpoint/2010/main" val="2994576321"/>
+      </p:ext>
+    </p:extLst>
+  </p:cSld>
+  <p:clrMapOvr>
+    <a:masterClrMapping/>
+  </p:clrMapOvr>
+  <p:timing>
+    <p:tnLst>
+      <p:par>
+        <p:cTn id="1" dur="indefinite" restart="never" nodeType="tmRoot"/>
+      </p:par>
+    </p:tnLst>
+  </p:timing>
+</p:sld>
+</file>
+
+<file path=ppt/slides/slide8.xml><?xml version="1.0" encoding="utf-8"?>
+<p:sld xmlns:a="http://schemas.openxmlformats.org/drawingml/2006/main" xmlns:r="http://schemas.openxmlformats.org/officeDocument/2006/relationships" xmlns:p="http://schemas.openxmlformats.org/presentationml/2006/main">
+  <p:cSld>
+    <p:spTree>
+      <p:nvGrpSpPr>
         <p:cNvPr id="1" name="Shape 105"/>
         <p:cNvGrpSpPr/>
         <p:nvPr/>
@@ -10016,6 +10408,13 @@
   <p:clrMapOvr>
     <a:masterClrMapping/>
   </p:clrMapOvr>
+  <p:timing>
+    <p:tnLst>
+      <p:par>
+        <p:cTn id="1" dur="indefinite" restart="never" nodeType="tmRoot"/>
+      </p:par>
+    </p:tnLst>
+  </p:timing>
 </p:sld>
 </file>
 

--- a/documentation/architecture.pptx
+++ b/documentation/architecture.pptx
@@ -5,7 +5,7 @@
     <p:sldMasterId id="2147483659" r:id="rId1"/>
   </p:sldMasterIdLst>
   <p:notesMasterIdLst>
-    <p:notesMasterId r:id="rId10"/>
+    <p:notesMasterId r:id="rId11"/>
   </p:notesMasterIdLst>
   <p:sldIdLst>
     <p:sldId id="256" r:id="rId2"/>
@@ -15,7 +15,8 @@
     <p:sldId id="261" r:id="rId6"/>
     <p:sldId id="262" r:id="rId7"/>
     <p:sldId id="263" r:id="rId8"/>
-    <p:sldId id="260" r:id="rId9"/>
+    <p:sldId id="264" r:id="rId9"/>
+    <p:sldId id="260" r:id="rId10"/>
   </p:sldIdLst>
   <p:sldSz cx="9144000" cy="5143500" type="screen16x9"/>
   <p:notesSz cx="6858000" cy="9144000"/>
@@ -3036,6 +3037,499 @@
 </file>
 
 <file path=ppt/notesSlides/notesSlide8.xml><?xml version="1.0" encoding="utf-8"?>
+<p:notes xmlns:a="http://schemas.openxmlformats.org/drawingml/2006/main" xmlns:r="http://schemas.openxmlformats.org/officeDocument/2006/relationships" xmlns:p="http://schemas.openxmlformats.org/presentationml/2006/main">
+  <p:cSld>
+    <p:spTree>
+      <p:nvGrpSpPr>
+        <p:cNvPr id="1" name=""/>
+        <p:cNvGrpSpPr/>
+        <p:nvPr/>
+      </p:nvGrpSpPr>
+      <p:grpSpPr>
+        <a:xfrm>
+          <a:off x="0" y="0"/>
+          <a:ext cx="0" cy="0"/>
+          <a:chOff x="0" y="0"/>
+          <a:chExt cx="0" cy="0"/>
+        </a:xfrm>
+      </p:grpSpPr>
+      <p:sp>
+        <p:nvSpPr>
+          <p:cNvPr id="2" name="Folienbildplatzhalter 1"/>
+          <p:cNvSpPr>
+            <a:spLocks noGrp="1" noRot="1" noChangeAspect="1"/>
+          </p:cNvSpPr>
+          <p:nvPr>
+            <p:ph type="sldImg"/>
+          </p:nvPr>
+        </p:nvSpPr>
+        <p:spPr>
+          <a:xfrm>
+            <a:off x="381000" y="685800"/>
+            <a:ext cx="6096000" cy="3429000"/>
+          </a:xfrm>
+        </p:spPr>
+      </p:sp>
+      <p:sp>
+        <p:nvSpPr>
+          <p:cNvPr id="3" name="Notizenplatzhalter 2"/>
+          <p:cNvSpPr>
+            <a:spLocks noGrp="1"/>
+          </p:cNvSpPr>
+          <p:nvPr>
+            <p:ph type="body" idx="1"/>
+          </p:nvPr>
+        </p:nvSpPr>
+        <p:spPr/>
+        <p:txBody>
+          <a:bodyPr/>
+          <a:lstStyle/>
+          <a:p>
+            <a:pPr marL="158750" indent="0">
+              <a:buNone/>
+            </a:pPr>
+            <a:r>
+              <a:rPr lang="de-DE" dirty="0" err="1" smtClean="0"/>
+              <a:t>Changes</a:t>
+            </a:r>
+            <a:r>
+              <a:rPr lang="de-DE" baseline="0" dirty="0" smtClean="0"/>
+              <a:t> </a:t>
+            </a:r>
+            <a:r>
+              <a:rPr lang="de-DE" baseline="0" dirty="0" smtClean="0"/>
+              <a:t>(4.0 </a:t>
+            </a:r>
+            <a:r>
+              <a:rPr lang="de-DE" baseline="0" dirty="0" smtClean="0">
+                <a:sym typeface="Wingdings" panose="05000000000000000000" pitchFamily="2" charset="2"/>
+              </a:rPr>
+              <a:t> </a:t>
+            </a:r>
+            <a:r>
+              <a:rPr lang="de-DE" baseline="0" dirty="0" smtClean="0">
+                <a:sym typeface="Wingdings" panose="05000000000000000000" pitchFamily="2" charset="2"/>
+              </a:rPr>
+              <a:t>5.0</a:t>
+            </a:r>
+            <a:r>
+              <a:rPr lang="de-DE" baseline="0" dirty="0" smtClean="0">
+                <a:sym typeface="Wingdings" panose="05000000000000000000" pitchFamily="2" charset="2"/>
+              </a:rPr>
+              <a:t>)</a:t>
+            </a:r>
+          </a:p>
+          <a:p>
+            <a:pPr marL="457200" indent="-298450">
+              <a:buFont typeface="Symbol" panose="05050102010706020507" pitchFamily="18" charset="2"/>
+              <a:buChar char="-"/>
+            </a:pPr>
+            <a:r>
+              <a:rPr lang="de-DE" dirty="0" smtClean="0"/>
+              <a:t>New </a:t>
+            </a:r>
+            <a:r>
+              <a:rPr lang="de-DE" dirty="0" err="1" smtClean="0"/>
+              <a:t>component</a:t>
+            </a:r>
+            <a:r>
+              <a:rPr lang="de-DE" baseline="0" dirty="0" smtClean="0"/>
+              <a:t> </a:t>
+            </a:r>
+            <a:r>
+              <a:rPr lang="de-DE" baseline="0" dirty="0" err="1" smtClean="0"/>
+              <a:t>signing</a:t>
+            </a:r>
+            <a:r>
+              <a:rPr lang="de-DE" baseline="0" dirty="0" smtClean="0"/>
+              <a:t> </a:t>
+            </a:r>
+            <a:r>
+              <a:rPr lang="de-DE" baseline="0" dirty="0" err="1" smtClean="0"/>
+              <a:t>the</a:t>
+            </a:r>
+            <a:r>
+              <a:rPr lang="de-DE" baseline="0" dirty="0" smtClean="0"/>
+              <a:t> </a:t>
+            </a:r>
+            <a:r>
+              <a:rPr lang="de-DE" baseline="0" dirty="0" err="1" smtClean="0"/>
+              <a:t>sensor</a:t>
+            </a:r>
+            <a:r>
+              <a:rPr lang="de-DE" baseline="0" dirty="0" smtClean="0"/>
+              <a:t> </a:t>
+            </a:r>
+            <a:r>
+              <a:rPr lang="de-DE" baseline="0" dirty="0" err="1" smtClean="0"/>
+              <a:t>data</a:t>
+            </a:r>
+            <a:r>
+              <a:rPr lang="de-DE" baseline="0" dirty="0" smtClean="0"/>
+              <a:t> </a:t>
+            </a:r>
+            <a:r>
+              <a:rPr lang="de-DE" baseline="0" dirty="0" err="1" smtClean="0"/>
+              <a:t>within</a:t>
+            </a:r>
+            <a:r>
+              <a:rPr lang="de-DE" baseline="0" dirty="0" smtClean="0"/>
+              <a:t> </a:t>
+            </a:r>
+            <a:r>
+              <a:rPr lang="de-DE" baseline="0" dirty="0" err="1" smtClean="0"/>
+              <a:t>the</a:t>
+            </a:r>
+            <a:r>
+              <a:rPr lang="de-DE" baseline="0" dirty="0" smtClean="0"/>
+              <a:t> smart </a:t>
+            </a:r>
+            <a:r>
+              <a:rPr lang="de-DE" baseline="0" dirty="0" err="1" smtClean="0"/>
+              <a:t>meter</a:t>
+            </a:r>
+            <a:endParaRPr lang="de-DE" baseline="0" dirty="0" smtClean="0"/>
+          </a:p>
+          <a:p>
+            <a:pPr marL="457200" indent="-298450">
+              <a:buFont typeface="Symbol" panose="05050102010706020507" pitchFamily="18" charset="2"/>
+              <a:buChar char="-"/>
+            </a:pPr>
+            <a:r>
+              <a:rPr lang="de-DE" baseline="0" dirty="0" err="1" smtClean="0"/>
+              <a:t>Rename</a:t>
+            </a:r>
+            <a:r>
+              <a:rPr lang="de-DE" baseline="0" dirty="0" smtClean="0"/>
+              <a:t> </a:t>
+            </a:r>
+            <a:r>
+              <a:rPr lang="de-DE" baseline="0" dirty="0" err="1" smtClean="0"/>
+              <a:t>Deeds</a:t>
+            </a:r>
+            <a:r>
+              <a:rPr lang="de-DE" baseline="0" dirty="0" smtClean="0"/>
+              <a:t> </a:t>
+            </a:r>
+            <a:r>
+              <a:rPr lang="de-DE" baseline="0" dirty="0" smtClean="0">
+                <a:sym typeface="Wingdings" panose="05000000000000000000" pitchFamily="2" charset="2"/>
+              </a:rPr>
+              <a:t> </a:t>
+            </a:r>
+            <a:r>
+              <a:rPr lang="de-DE" baseline="0" dirty="0" err="1" smtClean="0">
+                <a:sym typeface="Wingdings" panose="05000000000000000000" pitchFamily="2" charset="2"/>
+              </a:rPr>
+              <a:t>Energy</a:t>
+            </a:r>
+            <a:r>
+              <a:rPr lang="de-DE" baseline="0" dirty="0" smtClean="0">
+                <a:sym typeface="Wingdings" panose="05000000000000000000" pitchFamily="2" charset="2"/>
+              </a:rPr>
+              <a:t> Transfer </a:t>
+            </a:r>
+            <a:r>
+              <a:rPr lang="de-DE" baseline="0" dirty="0" err="1" smtClean="0">
+                <a:sym typeface="Wingdings" panose="05000000000000000000" pitchFamily="2" charset="2"/>
+              </a:rPr>
+              <a:t>Receipt</a:t>
+            </a:r>
+            <a:endParaRPr lang="de-DE" baseline="0" dirty="0" smtClean="0">
+              <a:sym typeface="Wingdings" panose="05000000000000000000" pitchFamily="2" charset="2"/>
+            </a:endParaRPr>
+          </a:p>
+          <a:p>
+            <a:pPr marL="457200" indent="-298450">
+              <a:buFont typeface="Symbol" panose="05050102010706020507" pitchFamily="18" charset="2"/>
+              <a:buChar char="-"/>
+            </a:pPr>
+            <a:r>
+              <a:rPr lang="de-DE" baseline="0" dirty="0" err="1" smtClean="0">
+                <a:sym typeface="Wingdings" panose="05000000000000000000" pitchFamily="2" charset="2"/>
+              </a:rPr>
+              <a:t>dUtility</a:t>
+            </a:r>
+            <a:r>
+              <a:rPr lang="de-DE" baseline="0" dirty="0" smtClean="0">
+                <a:sym typeface="Wingdings" panose="05000000000000000000" pitchFamily="2" charset="2"/>
+              </a:rPr>
+              <a:t> </a:t>
+            </a:r>
+            <a:r>
+              <a:rPr lang="de-DE" baseline="0" dirty="0" err="1" smtClean="0">
+                <a:sym typeface="Wingdings" panose="05000000000000000000" pitchFamily="2" charset="2"/>
+              </a:rPr>
+              <a:t>is</a:t>
+            </a:r>
+            <a:r>
+              <a:rPr lang="de-DE" baseline="0" dirty="0" smtClean="0">
+                <a:sym typeface="Wingdings" panose="05000000000000000000" pitchFamily="2" charset="2"/>
+              </a:rPr>
+              <a:t> </a:t>
+            </a:r>
+            <a:r>
+              <a:rPr lang="de-DE" baseline="0" dirty="0" err="1" smtClean="0">
+                <a:sym typeface="Wingdings" panose="05000000000000000000" pitchFamily="2" charset="2"/>
+              </a:rPr>
+              <a:t>only</a:t>
+            </a:r>
+            <a:r>
+              <a:rPr lang="de-DE" baseline="0" dirty="0" smtClean="0">
+                <a:sym typeface="Wingdings" panose="05000000000000000000" pitchFamily="2" charset="2"/>
+              </a:rPr>
+              <a:t> </a:t>
+            </a:r>
+            <a:r>
+              <a:rPr lang="de-DE" baseline="0" dirty="0" err="1" smtClean="0">
+                <a:sym typeface="Wingdings" panose="05000000000000000000" pitchFamily="2" charset="2"/>
+              </a:rPr>
+              <a:t>one</a:t>
+            </a:r>
+            <a:r>
+              <a:rPr lang="de-DE" baseline="0" dirty="0" smtClean="0">
+                <a:sym typeface="Wingdings" panose="05000000000000000000" pitchFamily="2" charset="2"/>
+              </a:rPr>
+              <a:t> </a:t>
+            </a:r>
+            <a:r>
+              <a:rPr lang="de-DE" baseline="0" dirty="0" err="1" smtClean="0">
+                <a:sym typeface="Wingdings" panose="05000000000000000000" pitchFamily="2" charset="2"/>
+              </a:rPr>
+              <a:t>Contract</a:t>
+            </a:r>
+            <a:r>
+              <a:rPr lang="de-DE" baseline="0" dirty="0" smtClean="0">
+                <a:sym typeface="Wingdings" panose="05000000000000000000" pitchFamily="2" charset="2"/>
+              </a:rPr>
+              <a:t> </a:t>
+            </a:r>
+            <a:r>
+              <a:rPr lang="de-DE" baseline="0" dirty="0" err="1" smtClean="0">
+                <a:sym typeface="Wingdings" panose="05000000000000000000" pitchFamily="2" charset="2"/>
+              </a:rPr>
+              <a:t>while</a:t>
+            </a:r>
+            <a:r>
+              <a:rPr lang="de-DE" baseline="0" dirty="0" smtClean="0">
+                <a:sym typeface="Wingdings" panose="05000000000000000000" pitchFamily="2" charset="2"/>
+              </a:rPr>
+              <a:t> </a:t>
+            </a:r>
+            <a:r>
+              <a:rPr lang="de-DE" baseline="0" dirty="0" err="1" smtClean="0">
+                <a:sym typeface="Wingdings" panose="05000000000000000000" pitchFamily="2" charset="2"/>
+              </a:rPr>
+              <a:t>the</a:t>
+            </a:r>
+            <a:r>
+              <a:rPr lang="de-DE" baseline="0" dirty="0" smtClean="0">
+                <a:sym typeface="Wingdings" panose="05000000000000000000" pitchFamily="2" charset="2"/>
+              </a:rPr>
+              <a:t> </a:t>
+            </a:r>
+            <a:r>
+              <a:rPr lang="de-DE" baseline="0" dirty="0" err="1" smtClean="0">
+                <a:sym typeface="Wingdings" panose="05000000000000000000" pitchFamily="2" charset="2"/>
+              </a:rPr>
+              <a:t>Validator</a:t>
+            </a:r>
+            <a:r>
+              <a:rPr lang="de-DE" baseline="0" dirty="0" smtClean="0">
+                <a:sym typeface="Wingdings" panose="05000000000000000000" pitchFamily="2" charset="2"/>
+              </a:rPr>
+              <a:t> Set </a:t>
+            </a:r>
+            <a:r>
+              <a:rPr lang="de-DE" baseline="0" dirty="0" err="1" smtClean="0">
+                <a:sym typeface="Wingdings" panose="05000000000000000000" pitchFamily="2" charset="2"/>
+              </a:rPr>
+              <a:t>consists</a:t>
+            </a:r>
+            <a:r>
+              <a:rPr lang="de-DE" baseline="0" dirty="0" smtClean="0">
+                <a:sym typeface="Wingdings" panose="05000000000000000000" pitchFamily="2" charset="2"/>
+              </a:rPr>
+              <a:t> </a:t>
+            </a:r>
+            <a:r>
+              <a:rPr lang="de-DE" baseline="0" dirty="0" err="1" smtClean="0">
+                <a:sym typeface="Wingdings" panose="05000000000000000000" pitchFamily="2" charset="2"/>
+              </a:rPr>
+              <a:t>of</a:t>
+            </a:r>
+            <a:r>
+              <a:rPr lang="de-DE" baseline="0" dirty="0" smtClean="0">
+                <a:sym typeface="Wingdings" panose="05000000000000000000" pitchFamily="2" charset="2"/>
+              </a:rPr>
+              <a:t> </a:t>
+            </a:r>
+            <a:r>
+              <a:rPr lang="de-DE" baseline="0" dirty="0" err="1" smtClean="0">
+                <a:sym typeface="Wingdings" panose="05000000000000000000" pitchFamily="2" charset="2"/>
+              </a:rPr>
+              <a:t>several</a:t>
+            </a:r>
+            <a:r>
+              <a:rPr lang="de-DE" baseline="0" dirty="0" smtClean="0">
+                <a:sym typeface="Wingdings" panose="05000000000000000000" pitchFamily="2" charset="2"/>
+              </a:rPr>
+              <a:t> </a:t>
+            </a:r>
+            <a:r>
+              <a:rPr lang="de-DE" baseline="0" dirty="0" err="1" smtClean="0">
+                <a:sym typeface="Wingdings" panose="05000000000000000000" pitchFamily="2" charset="2"/>
+              </a:rPr>
+              <a:t>contracts</a:t>
+            </a:r>
+            <a:r>
+              <a:rPr lang="de-DE" baseline="0" dirty="0" smtClean="0">
+                <a:sym typeface="Wingdings" panose="05000000000000000000" pitchFamily="2" charset="2"/>
+              </a:rPr>
+              <a:t> </a:t>
+            </a:r>
+          </a:p>
+          <a:p>
+            <a:pPr marL="914400" lvl="1" indent="-298450">
+              <a:buFont typeface="Symbol" panose="05050102010706020507" pitchFamily="18" charset="2"/>
+              <a:buChar char="-"/>
+            </a:pPr>
+            <a:r>
+              <a:rPr lang="de-DE" baseline="0" dirty="0" err="1" smtClean="0">
+                <a:sym typeface="Wingdings" panose="05000000000000000000" pitchFamily="2" charset="2"/>
+              </a:rPr>
+              <a:t>dUtility</a:t>
+            </a:r>
+            <a:r>
+              <a:rPr lang="de-DE" baseline="0" dirty="0" smtClean="0">
+                <a:sym typeface="Wingdings" panose="05000000000000000000" pitchFamily="2" charset="2"/>
+              </a:rPr>
+              <a:t> = </a:t>
+            </a:r>
+            <a:r>
+              <a:rPr lang="de-DE" baseline="0" dirty="0" err="1" smtClean="0">
+                <a:sym typeface="Wingdings" panose="05000000000000000000" pitchFamily="2" charset="2"/>
+              </a:rPr>
+              <a:t>only</a:t>
+            </a:r>
+            <a:r>
+              <a:rPr lang="de-DE" baseline="0" dirty="0" smtClean="0">
+                <a:sym typeface="Wingdings" panose="05000000000000000000" pitchFamily="2" charset="2"/>
+              </a:rPr>
+              <a:t> </a:t>
+            </a:r>
+            <a:r>
+              <a:rPr lang="de-DE" baseline="0" dirty="0" err="1" smtClean="0">
+                <a:sym typeface="Wingdings" panose="05000000000000000000" pitchFamily="2" charset="2"/>
+              </a:rPr>
+              <a:t>one</a:t>
+            </a:r>
+            <a:r>
+              <a:rPr lang="de-DE" baseline="0" dirty="0" smtClean="0">
+                <a:sym typeface="Wingdings" panose="05000000000000000000" pitchFamily="2" charset="2"/>
+              </a:rPr>
+              <a:t> </a:t>
+            </a:r>
+            <a:r>
+              <a:rPr lang="de-DE" baseline="0" dirty="0" err="1" smtClean="0">
+                <a:sym typeface="Wingdings" panose="05000000000000000000" pitchFamily="2" charset="2"/>
+              </a:rPr>
+              <a:t>address</a:t>
+            </a:r>
+            <a:endParaRPr lang="de-DE" baseline="0" dirty="0" smtClean="0">
+              <a:sym typeface="Wingdings" panose="05000000000000000000" pitchFamily="2" charset="2"/>
+            </a:endParaRPr>
+          </a:p>
+          <a:p>
+            <a:pPr marL="914400" lvl="1" indent="-298450">
+              <a:buFont typeface="Symbol" panose="05050102010706020507" pitchFamily="18" charset="2"/>
+              <a:buChar char="-"/>
+            </a:pPr>
+            <a:r>
+              <a:rPr lang="de-DE" baseline="0" dirty="0" smtClean="0">
+                <a:sym typeface="Wingdings" panose="05000000000000000000" pitchFamily="2" charset="2"/>
+              </a:rPr>
+              <a:t>VS </a:t>
+            </a:r>
+            <a:r>
+              <a:rPr lang="de-DE" baseline="0" dirty="0" err="1" smtClean="0">
+                <a:sym typeface="Wingdings" panose="05000000000000000000" pitchFamily="2" charset="2"/>
+              </a:rPr>
+              <a:t>includes</a:t>
+            </a:r>
+            <a:r>
+              <a:rPr lang="de-DE" baseline="0" dirty="0" smtClean="0">
+                <a:sym typeface="Wingdings" panose="05000000000000000000" pitchFamily="2" charset="2"/>
+              </a:rPr>
+              <a:t> </a:t>
+            </a:r>
+            <a:r>
+              <a:rPr lang="de-DE" baseline="0" dirty="0" err="1" smtClean="0">
+                <a:sym typeface="Wingdings" panose="05000000000000000000" pitchFamily="2" charset="2"/>
+              </a:rPr>
+              <a:t>for</a:t>
+            </a:r>
+            <a:r>
+              <a:rPr lang="de-DE" baseline="0" dirty="0" smtClean="0">
+                <a:sym typeface="Wingdings" panose="05000000000000000000" pitchFamily="2" charset="2"/>
+              </a:rPr>
+              <a:t> </a:t>
+            </a:r>
+            <a:r>
+              <a:rPr lang="de-DE" baseline="0" dirty="0" err="1" smtClean="0">
+                <a:sym typeface="Wingdings" panose="05000000000000000000" pitchFamily="2" charset="2"/>
+              </a:rPr>
+              <a:t>example</a:t>
+            </a:r>
+            <a:r>
+              <a:rPr lang="de-DE" baseline="0" dirty="0" smtClean="0">
+                <a:sym typeface="Wingdings" panose="05000000000000000000" pitchFamily="2" charset="2"/>
+              </a:rPr>
+              <a:t> </a:t>
+            </a:r>
+            <a:r>
+              <a:rPr lang="de-DE" baseline="0" smtClean="0">
+                <a:sym typeface="Wingdings" panose="05000000000000000000" pitchFamily="2" charset="2"/>
+              </a:rPr>
+              <a:t>the </a:t>
+            </a:r>
+            <a:r>
+              <a:rPr lang="de-DE" baseline="0" dirty="0" smtClean="0">
+                <a:sym typeface="Wingdings" panose="05000000000000000000" pitchFamily="2" charset="2"/>
+              </a:rPr>
+              <a:t>Block </a:t>
+            </a:r>
+            <a:r>
+              <a:rPr lang="de-DE" baseline="0" dirty="0" err="1" smtClean="0">
+                <a:sym typeface="Wingdings" panose="05000000000000000000" pitchFamily="2" charset="2"/>
+              </a:rPr>
+              <a:t>Reward</a:t>
+            </a:r>
+            <a:endParaRPr lang="de-DE" baseline="0" dirty="0" smtClean="0"/>
+          </a:p>
+          <a:p>
+            <a:pPr marL="457200" indent="-298450">
+              <a:buFont typeface="Symbol" panose="05050102010706020507" pitchFamily="18" charset="2"/>
+              <a:buChar char="-"/>
+            </a:pPr>
+            <a:endParaRPr lang="de-DE" baseline="0" dirty="0" smtClean="0"/>
+          </a:p>
+        </p:txBody>
+      </p:sp>
+    </p:spTree>
+    <p:extLst>
+      <p:ext uri="{BB962C8B-B14F-4D97-AF65-F5344CB8AC3E}">
+        <p14:creationId xmlns:p14="http://schemas.microsoft.com/office/powerpoint/2010/main" val="2289461108"/>
+      </p:ext>
+    </p:extLst>
+  </p:cSld>
+  <p:clrMapOvr>
+    <a:masterClrMapping/>
+  </p:clrMapOvr>
+</p:notes>
+</file>
+
+<file path=ppt/notesSlides/notesSlide9.xml><?xml version="1.0" encoding="utf-8"?>
 <p:notes xmlns:a="http://schemas.openxmlformats.org/drawingml/2006/main" xmlns:r="http://schemas.openxmlformats.org/officeDocument/2006/relationships" xmlns:p="http://schemas.openxmlformats.org/presentationml/2006/main" showMasterSp="0" showMasterPhAnim="0">
   <p:cSld>
     <p:spTree>
@@ -10209,6 +10703,105 @@
   <p:cSld>
     <p:spTree>
       <p:nvGrpSpPr>
+        <p:cNvPr id="1" name=""/>
+        <p:cNvGrpSpPr/>
+        <p:nvPr/>
+      </p:nvGrpSpPr>
+      <p:grpSpPr>
+        <a:xfrm>
+          <a:off x="0" y="0"/>
+          <a:ext cx="0" cy="0"/>
+          <a:chOff x="0" y="0"/>
+          <a:chExt cx="0" cy="0"/>
+        </a:xfrm>
+      </p:grpSpPr>
+      <p:sp>
+        <p:nvSpPr>
+          <p:cNvPr id="2" name="Titel 1"/>
+          <p:cNvSpPr>
+            <a:spLocks noGrp="1"/>
+          </p:cNvSpPr>
+          <p:nvPr>
+            <p:ph type="title"/>
+          </p:nvPr>
+        </p:nvSpPr>
+        <p:spPr/>
+        <p:txBody>
+          <a:bodyPr/>
+          <a:lstStyle/>
+          <a:p>
+            <a:r>
+              <a:rPr lang="de-DE" dirty="0" err="1" smtClean="0"/>
+              <a:t>Architecture</a:t>
+            </a:r>
+            <a:r>
+              <a:rPr lang="de-DE" dirty="0" smtClean="0"/>
+              <a:t> 5.0</a:t>
+            </a:r>
+            <a:endParaRPr lang="de-DE" dirty="0"/>
+          </a:p>
+        </p:txBody>
+      </p:sp>
+      <p:pic>
+        <p:nvPicPr>
+          <p:cNvPr id="3" name="Grafik 2"/>
+          <p:cNvPicPr>
+            <a:picLocks noChangeAspect="1"/>
+          </p:cNvPicPr>
+          <p:nvPr/>
+        </p:nvPicPr>
+        <p:blipFill>
+          <a:blip r:embed="rId3">
+            <a:extLst>
+              <a:ext uri="{28A0092B-C50C-407E-A947-70E740481C1C}">
+                <a14:useLocalDpi xmlns:a14="http://schemas.microsoft.com/office/drawing/2010/main" val="0"/>
+              </a:ext>
+            </a:extLst>
+          </a:blip>
+          <a:stretch>
+            <a:fillRect/>
+          </a:stretch>
+        </p:blipFill>
+        <p:spPr>
+          <a:xfrm>
+            <a:off x="588398" y="1211493"/>
+            <a:ext cx="8243902" cy="3360507"/>
+          </a:xfrm>
+          <a:prstGeom prst="rect">
+            <a:avLst/>
+          </a:prstGeom>
+          <a:ln w="28575">
+            <a:solidFill>
+              <a:schemeClr val="tx1"/>
+            </a:solidFill>
+          </a:ln>
+        </p:spPr>
+      </p:pic>
+    </p:spTree>
+    <p:extLst>
+      <p:ext uri="{BB962C8B-B14F-4D97-AF65-F5344CB8AC3E}">
+        <p14:creationId xmlns:p14="http://schemas.microsoft.com/office/powerpoint/2010/main" val="1915620092"/>
+      </p:ext>
+    </p:extLst>
+  </p:cSld>
+  <p:clrMapOvr>
+    <a:masterClrMapping/>
+  </p:clrMapOvr>
+  <p:timing>
+    <p:tnLst>
+      <p:par>
+        <p:cTn id="1" dur="indefinite" restart="never" nodeType="tmRoot"/>
+      </p:par>
+    </p:tnLst>
+  </p:timing>
+</p:sld>
+</file>
+
+<file path=ppt/slides/slide9.xml><?xml version="1.0" encoding="utf-8"?>
+<p:sld xmlns:a="http://schemas.openxmlformats.org/drawingml/2006/main" xmlns:r="http://schemas.openxmlformats.org/officeDocument/2006/relationships" xmlns:p="http://schemas.openxmlformats.org/presentationml/2006/main">
+  <p:cSld>
+    <p:spTree>
+      <p:nvGrpSpPr>
         <p:cNvPr id="1" name="Shape 105"/>
         <p:cNvGrpSpPr/>
         <p:nvPr/>

--- a/documentation/architecture.pptx
+++ b/documentation/architecture.pptx
@@ -5,7 +5,7 @@
     <p:sldMasterId id="2147483659" r:id="rId1"/>
   </p:sldMasterIdLst>
   <p:notesMasterIdLst>
-    <p:notesMasterId r:id="rId11"/>
+    <p:notesMasterId r:id="rId13"/>
   </p:notesMasterIdLst>
   <p:sldIdLst>
     <p:sldId id="256" r:id="rId2"/>
@@ -16,7 +16,9 @@
     <p:sldId id="262" r:id="rId7"/>
     <p:sldId id="263" r:id="rId8"/>
     <p:sldId id="264" r:id="rId9"/>
-    <p:sldId id="260" r:id="rId10"/>
+    <p:sldId id="265" r:id="rId10"/>
+    <p:sldId id="266" r:id="rId11"/>
+    <p:sldId id="260" r:id="rId12"/>
   </p:sldIdLst>
   <p:sldSz cx="9144000" cy="5143500" type="screen16x9"/>
   <p:notesSz cx="6858000" cy="9144000"/>
@@ -870,6 +872,474 @@
 </p:notes>
 </file>
 
+<file path=ppt/notesSlides/notesSlide10.xml><?xml version="1.0" encoding="utf-8"?>
+<p:notes xmlns:a="http://schemas.openxmlformats.org/drawingml/2006/main" xmlns:r="http://schemas.openxmlformats.org/officeDocument/2006/relationships" xmlns:p="http://schemas.openxmlformats.org/presentationml/2006/main">
+  <p:cSld>
+    <p:spTree>
+      <p:nvGrpSpPr>
+        <p:cNvPr id="1" name=""/>
+        <p:cNvGrpSpPr/>
+        <p:nvPr/>
+      </p:nvGrpSpPr>
+      <p:grpSpPr>
+        <a:xfrm>
+          <a:off x="0" y="0"/>
+          <a:ext cx="0" cy="0"/>
+          <a:chOff x="0" y="0"/>
+          <a:chExt cx="0" cy="0"/>
+        </a:xfrm>
+      </p:grpSpPr>
+      <p:sp>
+        <p:nvSpPr>
+          <p:cNvPr id="2" name="Folienbildplatzhalter 1"/>
+          <p:cNvSpPr>
+            <a:spLocks noGrp="1" noRot="1" noChangeAspect="1"/>
+          </p:cNvSpPr>
+          <p:nvPr>
+            <p:ph type="sldImg"/>
+          </p:nvPr>
+        </p:nvSpPr>
+        <p:spPr>
+          <a:xfrm>
+            <a:off x="381000" y="685800"/>
+            <a:ext cx="6096000" cy="3429000"/>
+          </a:xfrm>
+        </p:spPr>
+      </p:sp>
+      <p:sp>
+        <p:nvSpPr>
+          <p:cNvPr id="3" name="Notizenplatzhalter 2"/>
+          <p:cNvSpPr>
+            <a:spLocks noGrp="1"/>
+          </p:cNvSpPr>
+          <p:nvPr>
+            <p:ph type="body" idx="1"/>
+          </p:nvPr>
+        </p:nvSpPr>
+        <p:spPr/>
+        <p:txBody>
+          <a:bodyPr/>
+          <a:lstStyle/>
+          <a:p>
+            <a:pPr marL="158750" indent="0">
+              <a:buNone/>
+            </a:pPr>
+            <a:r>
+              <a:rPr lang="de-DE" dirty="0" err="1" smtClean="0"/>
+              <a:t>Changes</a:t>
+            </a:r>
+            <a:r>
+              <a:rPr lang="de-DE" baseline="0" dirty="0" smtClean="0"/>
+              <a:t> </a:t>
+            </a:r>
+            <a:r>
+              <a:rPr lang="de-DE" baseline="0" dirty="0" smtClean="0"/>
+              <a:t>(5.0 </a:t>
+            </a:r>
+            <a:r>
+              <a:rPr lang="de-DE" baseline="0" dirty="0" smtClean="0">
+                <a:sym typeface="Wingdings" panose="05000000000000000000" pitchFamily="2" charset="2"/>
+              </a:rPr>
+              <a:t> </a:t>
+            </a:r>
+            <a:r>
+              <a:rPr lang="de-DE" baseline="0" dirty="0" smtClean="0">
+                <a:sym typeface="Wingdings" panose="05000000000000000000" pitchFamily="2" charset="2"/>
+              </a:rPr>
+              <a:t>6.0</a:t>
+            </a:r>
+            <a:r>
+              <a:rPr lang="de-DE" baseline="0" dirty="0" smtClean="0">
+                <a:sym typeface="Wingdings" panose="05000000000000000000" pitchFamily="2" charset="2"/>
+              </a:rPr>
+              <a:t>)</a:t>
+            </a:r>
+          </a:p>
+          <a:p>
+            <a:pPr marL="457200" indent="-298450">
+              <a:buFont typeface="Symbol" panose="05050102010706020507" pitchFamily="18" charset="2"/>
+              <a:buChar char="-"/>
+            </a:pPr>
+            <a:r>
+              <a:rPr lang="de-DE" dirty="0" err="1" smtClean="0"/>
+              <a:t>Introduction</a:t>
+            </a:r>
+            <a:r>
+              <a:rPr lang="de-DE" dirty="0" smtClean="0"/>
+              <a:t> </a:t>
+            </a:r>
+            <a:r>
+              <a:rPr lang="de-DE" dirty="0" err="1" smtClean="0"/>
+              <a:t>of</a:t>
+            </a:r>
+            <a:r>
+              <a:rPr lang="de-DE" dirty="0" smtClean="0"/>
+              <a:t> a</a:t>
+            </a:r>
+            <a:r>
+              <a:rPr lang="de-DE" baseline="0" dirty="0" smtClean="0"/>
+              <a:t> </a:t>
+            </a:r>
+            <a:r>
+              <a:rPr lang="de-DE" baseline="0" dirty="0" err="1" smtClean="0"/>
+              <a:t>Netting</a:t>
+            </a:r>
+            <a:r>
+              <a:rPr lang="de-DE" baseline="0" dirty="0" smtClean="0"/>
+              <a:t> </a:t>
+            </a:r>
+            <a:r>
+              <a:rPr lang="de-DE" baseline="0" dirty="0" err="1" smtClean="0"/>
+              <a:t>entity</a:t>
+            </a:r>
+            <a:endParaRPr lang="de-DE" baseline="0" dirty="0" smtClean="0"/>
+          </a:p>
+          <a:p>
+            <a:pPr marL="914400" lvl="1" indent="-298450">
+              <a:buFont typeface="Symbol" panose="05050102010706020507" pitchFamily="18" charset="2"/>
+              <a:buChar char="-"/>
+            </a:pPr>
+            <a:r>
+              <a:rPr lang="de-DE" baseline="0" dirty="0" err="1" smtClean="0"/>
+              <a:t>Including</a:t>
+            </a:r>
+            <a:r>
+              <a:rPr lang="de-DE" baseline="0" dirty="0" smtClean="0"/>
+              <a:t> </a:t>
+            </a:r>
+            <a:r>
+              <a:rPr lang="de-DE" baseline="0" dirty="0" err="1" smtClean="0"/>
+              <a:t>ZoKrates</a:t>
+            </a:r>
+            <a:r>
+              <a:rPr lang="de-DE" baseline="0" dirty="0" smtClean="0"/>
+              <a:t> HLC</a:t>
+            </a:r>
+          </a:p>
+          <a:p>
+            <a:pPr marL="457200" lvl="0" indent="-298450">
+              <a:buFont typeface="Symbol" panose="05050102010706020507" pitchFamily="18" charset="2"/>
+              <a:buChar char="-"/>
+            </a:pPr>
+            <a:r>
+              <a:rPr lang="de-DE" baseline="0" dirty="0" err="1" smtClean="0"/>
+              <a:t>Adjustments</a:t>
+            </a:r>
+            <a:r>
+              <a:rPr lang="de-DE" baseline="0" dirty="0" smtClean="0"/>
+              <a:t> HPU</a:t>
+            </a:r>
+          </a:p>
+          <a:p>
+            <a:pPr marL="457200" lvl="0" indent="-298450">
+              <a:buFont typeface="Symbol" panose="05050102010706020507" pitchFamily="18" charset="2"/>
+              <a:buChar char="-"/>
+            </a:pPr>
+            <a:r>
+              <a:rPr lang="de-DE" baseline="0" dirty="0" smtClean="0"/>
+              <a:t>New </a:t>
+            </a:r>
+            <a:r>
+              <a:rPr lang="de-DE" baseline="0" dirty="0" err="1" smtClean="0"/>
+              <a:t>Verification</a:t>
+            </a:r>
+            <a:r>
+              <a:rPr lang="de-DE" baseline="0" dirty="0" smtClean="0"/>
+              <a:t> </a:t>
+            </a:r>
+            <a:r>
+              <a:rPr lang="de-DE" baseline="0" dirty="0" err="1" smtClean="0"/>
+              <a:t>Contract</a:t>
+            </a:r>
+            <a:r>
+              <a:rPr lang="de-DE" baseline="0" dirty="0" smtClean="0"/>
+              <a:t> (</a:t>
+            </a:r>
+            <a:r>
+              <a:rPr lang="de-DE" baseline="0" dirty="0" smtClean="0">
+                <a:sym typeface="Wingdings" panose="05000000000000000000" pitchFamily="2" charset="2"/>
+              </a:rPr>
+              <a:t> </a:t>
+            </a:r>
+            <a:r>
+              <a:rPr lang="de-DE" baseline="0" dirty="0" err="1" smtClean="0">
+                <a:sym typeface="Wingdings" panose="05000000000000000000" pitchFamily="2" charset="2"/>
+              </a:rPr>
+              <a:t>ZoKrates</a:t>
+            </a:r>
+            <a:r>
+              <a:rPr lang="de-DE" baseline="0" dirty="0" smtClean="0">
+                <a:sym typeface="Wingdings" panose="05000000000000000000" pitchFamily="2" charset="2"/>
+              </a:rPr>
+              <a:t>)</a:t>
+            </a:r>
+          </a:p>
+          <a:p>
+            <a:pPr marL="457200" lvl="0" indent="-298450">
+              <a:buFont typeface="Symbol" panose="05050102010706020507" pitchFamily="18" charset="2"/>
+              <a:buChar char="-"/>
+            </a:pPr>
+            <a:r>
+              <a:rPr lang="de-DE" baseline="0" dirty="0" smtClean="0">
+                <a:sym typeface="Wingdings" panose="05000000000000000000" pitchFamily="2" charset="2"/>
+              </a:rPr>
+              <a:t>User Interface </a:t>
+            </a:r>
+            <a:r>
+              <a:rPr lang="de-DE" baseline="0" dirty="0" err="1" smtClean="0">
+                <a:sym typeface="Wingdings" panose="05000000000000000000" pitchFamily="2" charset="2"/>
+              </a:rPr>
+              <a:t>connected</a:t>
+            </a:r>
+            <a:r>
+              <a:rPr lang="de-DE" baseline="0" dirty="0" smtClean="0">
+                <a:sym typeface="Wingdings" panose="05000000000000000000" pitchFamily="2" charset="2"/>
+              </a:rPr>
+              <a:t> </a:t>
+            </a:r>
+            <a:r>
+              <a:rPr lang="de-DE" baseline="0" dirty="0" err="1" smtClean="0">
+                <a:sym typeface="Wingdings" panose="05000000000000000000" pitchFamily="2" charset="2"/>
+              </a:rPr>
+              <a:t>to</a:t>
+            </a:r>
+            <a:r>
+              <a:rPr lang="de-DE" baseline="0" dirty="0" smtClean="0">
+                <a:sym typeface="Wingdings" panose="05000000000000000000" pitchFamily="2" charset="2"/>
+              </a:rPr>
+              <a:t> NED Server (</a:t>
+            </a:r>
+            <a:r>
+              <a:rPr lang="de-DE" baseline="0" dirty="0" err="1" smtClean="0">
+                <a:sym typeface="Wingdings" panose="05000000000000000000" pitchFamily="2" charset="2"/>
+              </a:rPr>
+              <a:t>and</a:t>
+            </a:r>
+            <a:r>
+              <a:rPr lang="de-DE" baseline="0" dirty="0" smtClean="0">
+                <a:sym typeface="Wingdings" panose="05000000000000000000" pitchFamily="2" charset="2"/>
+              </a:rPr>
+              <a:t> UI </a:t>
+            </a:r>
+            <a:r>
+              <a:rPr lang="de-DE" baseline="0" dirty="0" err="1" smtClean="0">
+                <a:sym typeface="Wingdings" panose="05000000000000000000" pitchFamily="2" charset="2"/>
+              </a:rPr>
+              <a:t>for</a:t>
+            </a:r>
+            <a:r>
+              <a:rPr lang="de-DE" baseline="0" dirty="0" smtClean="0">
+                <a:sym typeface="Wingdings" panose="05000000000000000000" pitchFamily="2" charset="2"/>
+              </a:rPr>
+              <a:t> </a:t>
+            </a:r>
+            <a:r>
+              <a:rPr lang="de-DE" baseline="0" dirty="0" err="1" smtClean="0">
+                <a:sym typeface="Wingdings" panose="05000000000000000000" pitchFamily="2" charset="2"/>
+              </a:rPr>
+              <a:t>display</a:t>
+            </a:r>
+            <a:r>
+              <a:rPr lang="de-DE" baseline="0" dirty="0" smtClean="0">
+                <a:sym typeface="Wingdings" panose="05000000000000000000" pitchFamily="2" charset="2"/>
+              </a:rPr>
+              <a:t>)</a:t>
+            </a:r>
+          </a:p>
+          <a:p>
+            <a:pPr marL="457200" lvl="0" indent="-298450">
+              <a:buFont typeface="Symbol" panose="05050102010706020507" pitchFamily="18" charset="2"/>
+              <a:buChar char="-"/>
+            </a:pPr>
+            <a:endParaRPr lang="de-DE" baseline="0" dirty="0" smtClean="0"/>
+          </a:p>
+          <a:p>
+            <a:pPr marL="457200" indent="-298450">
+              <a:buFont typeface="Symbol" panose="05050102010706020507" pitchFamily="18" charset="2"/>
+              <a:buChar char="-"/>
+            </a:pPr>
+            <a:endParaRPr lang="de-DE" baseline="0" dirty="0" smtClean="0"/>
+          </a:p>
+        </p:txBody>
+      </p:sp>
+    </p:spTree>
+    <p:extLst>
+      <p:ext uri="{BB962C8B-B14F-4D97-AF65-F5344CB8AC3E}">
+        <p14:creationId xmlns:p14="http://schemas.microsoft.com/office/powerpoint/2010/main" val="3725105703"/>
+      </p:ext>
+    </p:extLst>
+  </p:cSld>
+  <p:clrMapOvr>
+    <a:masterClrMapping/>
+  </p:clrMapOvr>
+</p:notes>
+</file>
+
+<file path=ppt/notesSlides/notesSlide11.xml><?xml version="1.0" encoding="utf-8"?>
+<p:notes xmlns:a="http://schemas.openxmlformats.org/drawingml/2006/main" xmlns:r="http://schemas.openxmlformats.org/officeDocument/2006/relationships" xmlns:p="http://schemas.openxmlformats.org/presentationml/2006/main" showMasterSp="0" showMasterPhAnim="0">
+  <p:cSld>
+    <p:spTree>
+      <p:nvGrpSpPr>
+        <p:cNvPr id="1" name="Shape 102"/>
+        <p:cNvGrpSpPr/>
+        <p:nvPr/>
+      </p:nvGrpSpPr>
+      <p:grpSpPr>
+        <a:xfrm>
+          <a:off x="0" y="0"/>
+          <a:ext cx="0" cy="0"/>
+          <a:chOff x="0" y="0"/>
+          <a:chExt cx="0" cy="0"/>
+        </a:xfrm>
+      </p:grpSpPr>
+      <p:sp>
+        <p:nvSpPr>
+          <p:cNvPr id="103" name="Google Shape;103;g56a8908bc3_9_0:notes"/>
+          <p:cNvSpPr>
+            <a:spLocks noGrp="1" noRot="1" noChangeAspect="1"/>
+          </p:cNvSpPr>
+          <p:nvPr>
+            <p:ph type="sldImg" idx="2"/>
+          </p:nvPr>
+        </p:nvSpPr>
+        <p:spPr>
+          <a:xfrm>
+            <a:off x="381300" y="685800"/>
+            <a:ext cx="6096000" cy="3429000"/>
+          </a:xfrm>
+          <a:custGeom>
+            <a:avLst/>
+            <a:gdLst/>
+            <a:ahLst/>
+            <a:cxnLst/>
+            <a:rect l="l" t="t" r="r" b="b"/>
+            <a:pathLst>
+              <a:path w="120000" h="120000" extrusionOk="0">
+                <a:moveTo>
+                  <a:pt x="0" y="0"/>
+                </a:moveTo>
+                <a:lnTo>
+                  <a:pt x="120000" y="0"/>
+                </a:lnTo>
+                <a:lnTo>
+                  <a:pt x="120000" y="120000"/>
+                </a:lnTo>
+                <a:lnTo>
+                  <a:pt x="0" y="120000"/>
+                </a:lnTo>
+                <a:close/>
+              </a:path>
+            </a:pathLst>
+          </a:custGeom>
+        </p:spPr>
+      </p:sp>
+      <p:sp>
+        <p:nvSpPr>
+          <p:cNvPr id="104" name="Google Shape;104;g56a8908bc3_9_0:notes"/>
+          <p:cNvSpPr txBox="1">
+            <a:spLocks noGrp="1"/>
+          </p:cNvSpPr>
+          <p:nvPr>
+            <p:ph type="body" idx="1"/>
+          </p:nvPr>
+        </p:nvSpPr>
+        <p:spPr>
+          <a:xfrm>
+            <a:off x="685800" y="4343400"/>
+            <a:ext cx="5486400" cy="4114800"/>
+          </a:xfrm>
+          <a:prstGeom prst="rect">
+            <a:avLst/>
+          </a:prstGeom>
+        </p:spPr>
+        <p:txBody>
+          <a:bodyPr spcFirstLastPara="1" wrap="square" lIns="91425" tIns="91425" rIns="91425" bIns="91425" anchor="t" anchorCtr="0">
+            <a:noAutofit/>
+          </a:bodyPr>
+          <a:lstStyle/>
+          <a:p>
+            <a:pPr marL="457200" lvl="0" indent="-298450" algn="l" rtl="0">
+              <a:spcBef>
+                <a:spcPts val="0"/>
+              </a:spcBef>
+              <a:spcAft>
+                <a:spcPts val="0"/>
+              </a:spcAft>
+              <a:buSzPts val="1100"/>
+              <a:buChar char="-"/>
+            </a:pPr>
+            <a:r>
+              <a:rPr lang="en"/>
+              <a:t>Where is sensor data stored?</a:t>
+            </a:r>
+            <a:endParaRPr/>
+          </a:p>
+          <a:p>
+            <a:pPr marL="457200" lvl="0" indent="-298450" algn="l" rtl="0">
+              <a:spcBef>
+                <a:spcPts val="0"/>
+              </a:spcBef>
+              <a:spcAft>
+                <a:spcPts val="0"/>
+              </a:spcAft>
+              <a:buSzPts val="1100"/>
+              <a:buChar char="-"/>
+            </a:pPr>
+            <a:r>
+              <a:rPr lang="en"/>
+              <a:t>Why proof of wokr? -&gt; Don't forget to mention</a:t>
+            </a:r>
+            <a:endParaRPr/>
+          </a:p>
+          <a:p>
+            <a:pPr marL="457200" lvl="0" indent="-298450" algn="l" rtl="0">
+              <a:spcBef>
+                <a:spcPts val="0"/>
+              </a:spcBef>
+              <a:spcAft>
+                <a:spcPts val="0"/>
+              </a:spcAft>
+              <a:buSzPts val="1100"/>
+              <a:buChar char="-"/>
+            </a:pPr>
+            <a:r>
+              <a:rPr lang="en"/>
+              <a:t>Simpler stack prefered</a:t>
+            </a:r>
+            <a:endParaRPr/>
+          </a:p>
+          <a:p>
+            <a:pPr marL="457200" lvl="0" indent="-298450" algn="l" rtl="0">
+              <a:spcBef>
+                <a:spcPts val="0"/>
+              </a:spcBef>
+              <a:spcAft>
+                <a:spcPts val="0"/>
+              </a:spcAft>
+              <a:buSzPts val="1100"/>
+              <a:buChar char="-"/>
+            </a:pPr>
+            <a:r>
+              <a:rPr lang="en"/>
+              <a:t>Test workflow ...Before commiting to it </a:t>
+            </a:r>
+            <a:endParaRPr/>
+          </a:p>
+        </p:txBody>
+      </p:sp>
+    </p:spTree>
+    <p:extLst>
+      <p:ext uri="{BB962C8B-B14F-4D97-AF65-F5344CB8AC3E}">
+        <p14:creationId xmlns:p14="http://schemas.microsoft.com/office/powerpoint/2010/main" val="1330241130"/>
+      </p:ext>
+    </p:extLst>
+  </p:cSld>
+  <p:clrMapOvr>
+    <a:masterClrMapping/>
+  </p:clrMapOvr>
+</p:notes>
+</file>
+
 <file path=ppt/notesSlides/notesSlide2.xml><?xml version="1.0" encoding="utf-8"?>
 <p:notes xmlns:a="http://schemas.openxmlformats.org/drawingml/2006/main" xmlns:r="http://schemas.openxmlformats.org/officeDocument/2006/relationships" xmlns:p="http://schemas.openxmlformats.org/presentationml/2006/main" showMasterSp="0" showMasterPhAnim="0">
   <p:cSld>
@@ -3094,29 +3564,13 @@
             </a:r>
             <a:r>
               <a:rPr lang="de-DE" baseline="0" dirty="0" smtClean="0"/>
-              <a:t> </a:t>
-            </a:r>
-            <a:r>
-              <a:rPr lang="de-DE" baseline="0" dirty="0" smtClean="0"/>
-              <a:t>(4.0 </a:t>
+              <a:t> (4.0 </a:t>
             </a:r>
             <a:r>
               <a:rPr lang="de-DE" baseline="0" dirty="0" smtClean="0">
                 <a:sym typeface="Wingdings" panose="05000000000000000000" pitchFamily="2" charset="2"/>
               </a:rPr>
-              <a:t> </a:t>
-            </a:r>
-            <a:r>
-              <a:rPr lang="de-DE" baseline="0" dirty="0" smtClean="0">
-                <a:sym typeface="Wingdings" panose="05000000000000000000" pitchFamily="2" charset="2"/>
-              </a:rPr>
-              <a:t>5.0</a:t>
-            </a:r>
-            <a:r>
-              <a:rPr lang="de-DE" baseline="0" dirty="0" smtClean="0">
-                <a:sym typeface="Wingdings" panose="05000000000000000000" pitchFamily="2" charset="2"/>
-              </a:rPr>
-              <a:t>)</a:t>
+              <a:t> 5.0)</a:t>
             </a:r>
           </a:p>
           <a:p>
@@ -3530,11 +3984,11 @@
 </file>
 
 <file path=ppt/notesSlides/notesSlide9.xml><?xml version="1.0" encoding="utf-8"?>
-<p:notes xmlns:a="http://schemas.openxmlformats.org/drawingml/2006/main" xmlns:r="http://schemas.openxmlformats.org/officeDocument/2006/relationships" xmlns:p="http://schemas.openxmlformats.org/presentationml/2006/main" showMasterSp="0" showMasterPhAnim="0">
+<p:notes xmlns:a="http://schemas.openxmlformats.org/drawingml/2006/main" xmlns:r="http://schemas.openxmlformats.org/officeDocument/2006/relationships" xmlns:p="http://schemas.openxmlformats.org/presentationml/2006/main">
   <p:cSld>
     <p:spTree>
       <p:nvGrpSpPr>
-        <p:cNvPr id="1" name="Shape 102"/>
+        <p:cNvPr id="1" name=""/>
         <p:cNvGrpSpPr/>
         <p:nvPr/>
       </p:nvGrpSpPr>
@@ -3548,143 +4002,79 @@
       </p:grpSpPr>
       <p:sp>
         <p:nvSpPr>
-          <p:cNvPr id="103" name="Google Shape;103;g56a8908bc3_9_0:notes"/>
+          <p:cNvPr id="2" name="Folienbildplatzhalter 1"/>
           <p:cNvSpPr>
             <a:spLocks noGrp="1" noRot="1" noChangeAspect="1"/>
           </p:cNvSpPr>
           <p:nvPr>
-            <p:ph type="sldImg" idx="2"/>
+            <p:ph type="sldImg"/>
           </p:nvPr>
         </p:nvSpPr>
         <p:spPr>
           <a:xfrm>
-            <a:off x="381300" y="685800"/>
+            <a:off x="381000" y="685800"/>
             <a:ext cx="6096000" cy="3429000"/>
           </a:xfrm>
-          <a:custGeom>
-            <a:avLst/>
-            <a:gdLst/>
-            <a:ahLst/>
-            <a:cxnLst/>
-            <a:rect l="l" t="t" r="r" b="b"/>
-            <a:pathLst>
-              <a:path w="120000" h="120000" extrusionOk="0">
-                <a:moveTo>
-                  <a:pt x="0" y="0"/>
-                </a:moveTo>
-                <a:lnTo>
-                  <a:pt x="120000" y="0"/>
-                </a:lnTo>
-                <a:lnTo>
-                  <a:pt x="120000" y="120000"/>
-                </a:lnTo>
-                <a:lnTo>
-                  <a:pt x="0" y="120000"/>
-                </a:lnTo>
-                <a:close/>
-              </a:path>
-            </a:pathLst>
-          </a:custGeom>
         </p:spPr>
       </p:sp>
       <p:sp>
         <p:nvSpPr>
-          <p:cNvPr id="104" name="Google Shape;104;g56a8908bc3_9_0:notes"/>
-          <p:cNvSpPr txBox="1">
+          <p:cNvPr id="3" name="Notizenplatzhalter 2"/>
+          <p:cNvSpPr>
             <a:spLocks noGrp="1"/>
           </p:cNvSpPr>
           <p:nvPr>
             <p:ph type="body" idx="1"/>
           </p:nvPr>
         </p:nvSpPr>
-        <p:spPr>
-          <a:xfrm>
-            <a:off x="685800" y="4343400"/>
-            <a:ext cx="5486400" cy="4114800"/>
-          </a:xfrm>
-          <a:prstGeom prst="rect">
-            <a:avLst/>
-          </a:prstGeom>
-        </p:spPr>
+        <p:spPr/>
         <p:txBody>
-          <a:bodyPr spcFirstLastPara="1" wrap="square" lIns="91425" tIns="91425" rIns="91425" bIns="91425" anchor="t" anchorCtr="0">
-            <a:noAutofit/>
-          </a:bodyPr>
+          <a:bodyPr/>
           <a:lstStyle/>
           <a:p>
-            <a:pPr marL="457200" lvl="0" indent="-298450" algn="l" rtl="0">
-              <a:spcBef>
-                <a:spcPts val="0"/>
-              </a:spcBef>
-              <a:spcAft>
-                <a:spcPts val="0"/>
-              </a:spcAft>
-              <a:buSzPts val="1100"/>
-              <a:buChar char="-"/>
+            <a:pPr marL="158750" indent="0">
+              <a:buNone/>
             </a:pPr>
             <a:r>
-              <a:rPr lang="en"/>
-              <a:t>Where is sensor data stored?</a:t>
-            </a:r>
-            <a:endParaRPr/>
-          </a:p>
-          <a:p>
-            <a:pPr marL="457200" lvl="0" indent="-298450" algn="l" rtl="0">
-              <a:spcBef>
-                <a:spcPts val="0"/>
-              </a:spcBef>
-              <a:spcAft>
-                <a:spcPts val="0"/>
-              </a:spcAft>
-              <a:buSzPts val="1100"/>
-              <a:buChar char="-"/>
-            </a:pPr>
-            <a:r>
-              <a:rPr lang="en"/>
-              <a:t>Why proof of wokr? -&gt; Don't forget to mention</a:t>
-            </a:r>
-            <a:endParaRPr/>
-          </a:p>
-          <a:p>
-            <a:pPr marL="457200" lvl="0" indent="-298450" algn="l" rtl="0">
-              <a:spcBef>
-                <a:spcPts val="0"/>
-              </a:spcBef>
-              <a:spcAft>
-                <a:spcPts val="0"/>
-              </a:spcAft>
-              <a:buSzPts val="1100"/>
-              <a:buChar char="-"/>
-            </a:pPr>
-            <a:r>
-              <a:rPr lang="en"/>
-              <a:t>Simpler stack prefered</a:t>
-            </a:r>
-            <a:endParaRPr/>
-          </a:p>
-          <a:p>
-            <a:pPr marL="457200" lvl="0" indent="-298450" algn="l" rtl="0">
-              <a:spcBef>
-                <a:spcPts val="0"/>
-              </a:spcBef>
-              <a:spcAft>
-                <a:spcPts val="0"/>
-              </a:spcAft>
-              <a:buSzPts val="1100"/>
-              <a:buChar char="-"/>
-            </a:pPr>
-            <a:r>
-              <a:rPr lang="en"/>
-              <a:t>Test workflow ...Before commiting to it </a:t>
-            </a:r>
-            <a:endParaRPr/>
+              <a:rPr lang="de-DE" dirty="0" err="1" smtClean="0"/>
+              <a:t>Draft</a:t>
+            </a:r>
+            <a:r>
+              <a:rPr lang="de-DE" baseline="0" dirty="0" smtClean="0"/>
+              <a:t> </a:t>
+            </a:r>
+            <a:r>
+              <a:rPr lang="de-DE" baseline="0" dirty="0" err="1" smtClean="0"/>
+              <a:t>as</a:t>
+            </a:r>
+            <a:r>
+              <a:rPr lang="de-DE" baseline="0" dirty="0" smtClean="0"/>
+              <a:t> </a:t>
+            </a:r>
+            <a:r>
+              <a:rPr lang="de-DE" baseline="0" dirty="0" err="1" smtClean="0"/>
+              <a:t>discussed</a:t>
+            </a:r>
+            <a:r>
+              <a:rPr lang="de-DE" baseline="0" dirty="0" smtClean="0"/>
+              <a:t> in Team </a:t>
+            </a:r>
+            <a:r>
+              <a:rPr lang="de-DE" baseline="0" dirty="0" err="1" smtClean="0"/>
+              <a:t>meeting</a:t>
+            </a:r>
+            <a:r>
+              <a:rPr lang="de-DE" baseline="0" dirty="0" smtClean="0"/>
+              <a:t> 06/18/19</a:t>
+            </a:r>
+            <a:endParaRPr lang="de-DE" baseline="0" dirty="0" smtClean="0"/>
           </a:p>
         </p:txBody>
       </p:sp>
     </p:spTree>
     <p:extLst>
       <p:ext uri="{BB962C8B-B14F-4D97-AF65-F5344CB8AC3E}">
-        <p14:creationId xmlns:p14="http://schemas.microsoft.com/office/powerpoint/2010/main" val="1330241130"/>
+        <p14:creationId xmlns:p14="http://schemas.microsoft.com/office/powerpoint/2010/main" val="2194486105"/>
       </p:ext>
     </p:extLst>
   </p:cSld>
@@ -8582,6 +8972,322 @@
 </p:sld>
 </file>
 
+<file path=ppt/slides/slide10.xml><?xml version="1.0" encoding="utf-8"?>
+<p:sld xmlns:a="http://schemas.openxmlformats.org/drawingml/2006/main" xmlns:r="http://schemas.openxmlformats.org/officeDocument/2006/relationships" xmlns:p="http://schemas.openxmlformats.org/presentationml/2006/main">
+  <p:cSld>
+    <p:spTree>
+      <p:nvGrpSpPr>
+        <p:cNvPr id="1" name=""/>
+        <p:cNvGrpSpPr/>
+        <p:nvPr/>
+      </p:nvGrpSpPr>
+      <p:grpSpPr>
+        <a:xfrm>
+          <a:off x="0" y="0"/>
+          <a:ext cx="0" cy="0"/>
+          <a:chOff x="0" y="0"/>
+          <a:chExt cx="0" cy="0"/>
+        </a:xfrm>
+      </p:grpSpPr>
+      <p:sp>
+        <p:nvSpPr>
+          <p:cNvPr id="2" name="Titel 1"/>
+          <p:cNvSpPr>
+            <a:spLocks noGrp="1"/>
+          </p:cNvSpPr>
+          <p:nvPr>
+            <p:ph type="title"/>
+          </p:nvPr>
+        </p:nvSpPr>
+        <p:spPr/>
+        <p:txBody>
+          <a:bodyPr/>
+          <a:lstStyle/>
+          <a:p>
+            <a:r>
+              <a:rPr lang="de-DE" dirty="0" err="1" smtClean="0"/>
+              <a:t>Architecture</a:t>
+            </a:r>
+            <a:r>
+              <a:rPr lang="de-DE" dirty="0" smtClean="0"/>
+              <a:t> </a:t>
+            </a:r>
+            <a:r>
+              <a:rPr lang="de-DE" dirty="0" smtClean="0"/>
+              <a:t>6.0</a:t>
+            </a:r>
+            <a:endParaRPr lang="de-DE" dirty="0"/>
+          </a:p>
+        </p:txBody>
+      </p:sp>
+      <p:pic>
+        <p:nvPicPr>
+          <p:cNvPr id="5" name="Grafik 4"/>
+          <p:cNvPicPr>
+            <a:picLocks noChangeAspect="1"/>
+          </p:cNvPicPr>
+          <p:nvPr/>
+        </p:nvPicPr>
+        <p:blipFill rotWithShape="1">
+          <a:blip r:embed="rId3">
+            <a:extLst>
+              <a:ext uri="{28A0092B-C50C-407E-A947-70E740481C1C}">
+                <a14:useLocalDpi xmlns:a14="http://schemas.microsoft.com/office/drawing/2010/main" val="0"/>
+              </a:ext>
+            </a:extLst>
+          </a:blip>
+          <a:srcRect r="811"/>
+          <a:stretch/>
+        </p:blipFill>
+        <p:spPr>
+          <a:xfrm>
+            <a:off x="1158258" y="1017725"/>
+            <a:ext cx="6772084" cy="3915641"/>
+          </a:xfrm>
+          <a:prstGeom prst="rect">
+            <a:avLst/>
+          </a:prstGeom>
+          <a:ln w="28575">
+            <a:solidFill>
+              <a:schemeClr val="tx1"/>
+            </a:solidFill>
+          </a:ln>
+        </p:spPr>
+      </p:pic>
+    </p:spTree>
+    <p:extLst>
+      <p:ext uri="{BB962C8B-B14F-4D97-AF65-F5344CB8AC3E}">
+        <p14:creationId xmlns:p14="http://schemas.microsoft.com/office/powerpoint/2010/main" val="916346846"/>
+      </p:ext>
+    </p:extLst>
+  </p:cSld>
+  <p:clrMapOvr>
+    <a:masterClrMapping/>
+  </p:clrMapOvr>
+  <p:timing>
+    <p:tnLst>
+      <p:par>
+        <p:cTn id="1" dur="indefinite" restart="never" nodeType="tmRoot"/>
+      </p:par>
+    </p:tnLst>
+  </p:timing>
+</p:sld>
+</file>
+
+<file path=ppt/slides/slide11.xml><?xml version="1.0" encoding="utf-8"?>
+<p:sld xmlns:a="http://schemas.openxmlformats.org/drawingml/2006/main" xmlns:r="http://schemas.openxmlformats.org/officeDocument/2006/relationships" xmlns:p="http://schemas.openxmlformats.org/presentationml/2006/main">
+  <p:cSld>
+    <p:spTree>
+      <p:nvGrpSpPr>
+        <p:cNvPr id="1" name="Shape 105"/>
+        <p:cNvGrpSpPr/>
+        <p:nvPr/>
+      </p:nvGrpSpPr>
+      <p:grpSpPr>
+        <a:xfrm>
+          <a:off x="0" y="0"/>
+          <a:ext cx="0" cy="0"/>
+          <a:chOff x="0" y="0"/>
+          <a:chExt cx="0" cy="0"/>
+        </a:xfrm>
+      </p:grpSpPr>
+      <p:sp>
+        <p:nvSpPr>
+          <p:cNvPr id="106" name="Google Shape;106;p17"/>
+          <p:cNvSpPr txBox="1">
+            <a:spLocks noGrp="1"/>
+          </p:cNvSpPr>
+          <p:nvPr>
+            <p:ph type="title"/>
+          </p:nvPr>
+        </p:nvSpPr>
+        <p:spPr>
+          <a:xfrm>
+            <a:off x="311700" y="445025"/>
+            <a:ext cx="8520600" cy="572700"/>
+          </a:xfrm>
+          <a:prstGeom prst="rect">
+            <a:avLst/>
+          </a:prstGeom>
+        </p:spPr>
+        <p:txBody>
+          <a:bodyPr spcFirstLastPara="1" wrap="square" lIns="91425" tIns="91425" rIns="91425" bIns="91425" anchor="t" anchorCtr="0">
+            <a:noAutofit/>
+          </a:bodyPr>
+          <a:lstStyle/>
+          <a:p>
+            <a:pPr marL="0" lvl="0" indent="0" algn="l" rtl="0">
+              <a:spcBef>
+                <a:spcPts val="0"/>
+              </a:spcBef>
+              <a:spcAft>
+                <a:spcPts val="0"/>
+              </a:spcAft>
+              <a:buNone/>
+            </a:pPr>
+            <a:r>
+              <a:rPr lang="en"/>
+              <a:t>Tech Stack</a:t>
+            </a:r>
+            <a:endParaRPr/>
+          </a:p>
+        </p:txBody>
+      </p:sp>
+      <p:sp>
+        <p:nvSpPr>
+          <p:cNvPr id="107" name="Google Shape;107;p17"/>
+          <p:cNvSpPr txBox="1">
+            <a:spLocks noGrp="1"/>
+          </p:cNvSpPr>
+          <p:nvPr>
+            <p:ph type="body" idx="1"/>
+          </p:nvPr>
+        </p:nvSpPr>
+        <p:spPr>
+          <a:xfrm>
+            <a:off x="311700" y="1152475"/>
+            <a:ext cx="8520600" cy="3416400"/>
+          </a:xfrm>
+          <a:prstGeom prst="rect">
+            <a:avLst/>
+          </a:prstGeom>
+        </p:spPr>
+        <p:txBody>
+          <a:bodyPr spcFirstLastPara="1" wrap="square" lIns="91425" tIns="91425" rIns="91425" bIns="91425" anchor="t" anchorCtr="0">
+            <a:noAutofit/>
+          </a:bodyPr>
+          <a:lstStyle/>
+          <a:p>
+            <a:pPr marL="457200" lvl="0" indent="-342900" algn="l" rtl="0">
+              <a:spcBef>
+                <a:spcPts val="0"/>
+              </a:spcBef>
+              <a:spcAft>
+                <a:spcPts val="0"/>
+              </a:spcAft>
+              <a:buSzPts val="1800"/>
+              <a:buAutoNum type="arabicPeriod"/>
+            </a:pPr>
+            <a:r>
+              <a:rPr lang="en"/>
+              <a:t>Mock Sensor - Node.js, REST API (Koa / Express)</a:t>
+            </a:r>
+            <a:endParaRPr/>
+          </a:p>
+          <a:p>
+            <a:pPr marL="457200" lvl="0" indent="-342900" algn="l" rtl="0">
+              <a:spcBef>
+                <a:spcPts val="0"/>
+              </a:spcBef>
+              <a:spcAft>
+                <a:spcPts val="0"/>
+              </a:spcAft>
+              <a:buSzPts val="1800"/>
+              <a:buAutoNum type="arabicPeriod"/>
+            </a:pPr>
+            <a:r>
+              <a:rPr lang="en"/>
+              <a:t>Prosumer - Node.js, web3.js / ethers.js, REST API (Koa / Express)</a:t>
+            </a:r>
+            <a:endParaRPr/>
+          </a:p>
+          <a:p>
+            <a:pPr marL="457200" lvl="0" indent="-342900" algn="l" rtl="0">
+              <a:spcBef>
+                <a:spcPts val="0"/>
+              </a:spcBef>
+              <a:spcAft>
+                <a:spcPts val="0"/>
+              </a:spcAft>
+              <a:buSzPts val="1800"/>
+              <a:buAutoNum type="arabicPeriod"/>
+            </a:pPr>
+            <a:r>
+              <a:rPr lang="en"/>
+              <a:t>Authority Node - Parity</a:t>
+            </a:r>
+            <a:endParaRPr/>
+          </a:p>
+          <a:p>
+            <a:pPr marL="457200" lvl="0" indent="-342900" algn="l" rtl="0">
+              <a:spcBef>
+                <a:spcPts val="0"/>
+              </a:spcBef>
+              <a:spcAft>
+                <a:spcPts val="0"/>
+              </a:spcAft>
+              <a:buSzPts val="1800"/>
+              <a:buAutoNum type="arabicPeriod"/>
+            </a:pPr>
+            <a:r>
+              <a:rPr lang="en"/>
+              <a:t>UI - React</a:t>
+            </a:r>
+            <a:endParaRPr/>
+          </a:p>
+          <a:p>
+            <a:pPr marL="457200" lvl="0" indent="-342900" algn="l" rtl="0">
+              <a:spcBef>
+                <a:spcPts val="0"/>
+              </a:spcBef>
+              <a:spcAft>
+                <a:spcPts val="0"/>
+              </a:spcAft>
+              <a:buSzPts val="1800"/>
+              <a:buAutoNum type="arabicPeriod"/>
+            </a:pPr>
+            <a:r>
+              <a:rPr lang="en"/>
+              <a:t>Contracts - Solidity, truffle</a:t>
+            </a:r>
+            <a:endParaRPr/>
+          </a:p>
+          <a:p>
+            <a:pPr marL="0" lvl="0" indent="0" algn="l" rtl="0">
+              <a:spcBef>
+                <a:spcPts val="1600"/>
+              </a:spcBef>
+              <a:spcAft>
+                <a:spcPts val="0"/>
+              </a:spcAft>
+              <a:buNone/>
+            </a:pPr>
+            <a:endParaRPr/>
+          </a:p>
+          <a:p>
+            <a:pPr marL="457200" lvl="0" indent="-342900" algn="l" rtl="0">
+              <a:spcBef>
+                <a:spcPts val="1600"/>
+              </a:spcBef>
+              <a:spcAft>
+                <a:spcPts val="0"/>
+              </a:spcAft>
+              <a:buSzPts val="1800"/>
+              <a:buChar char="+"/>
+            </a:pPr>
+            <a:r>
+              <a:rPr lang="en"/>
+              <a:t>DOCKERFILE for each component and docker-compose</a:t>
+            </a:r>
+            <a:endParaRPr/>
+          </a:p>
+        </p:txBody>
+      </p:sp>
+    </p:spTree>
+  </p:cSld>
+  <p:clrMapOvr>
+    <a:masterClrMapping/>
+  </p:clrMapOvr>
+  <p:timing>
+    <p:tnLst>
+      <p:par>
+        <p:cTn id="1" dur="indefinite" restart="never" nodeType="tmRoot"/>
+      </p:par>
+    </p:tnLst>
+  </p:timing>
+</p:sld>
+</file>
+
 <file path=ppt/slides/slide2.xml><?xml version="1.0" encoding="utf-8"?>
 <p:sld xmlns:a="http://schemas.openxmlformats.org/drawingml/2006/main" xmlns:r="http://schemas.openxmlformats.org/officeDocument/2006/relationships" xmlns:p="http://schemas.openxmlformats.org/presentationml/2006/main">
   <p:cSld>
@@ -10802,7 +11508,7 @@
   <p:cSld>
     <p:spTree>
       <p:nvGrpSpPr>
-        <p:cNvPr id="1" name="Shape 105"/>
+        <p:cNvPr id="1" name=""/>
         <p:cNvGrpSpPr/>
         <p:nvPr/>
       </p:nvGrpSpPr>
@@ -10816,187 +11522,79 @@
       </p:grpSpPr>
       <p:sp>
         <p:nvSpPr>
-          <p:cNvPr id="106" name="Google Shape;106;p17"/>
-          <p:cNvSpPr txBox="1">
+          <p:cNvPr id="2" name="Titel 1"/>
+          <p:cNvSpPr>
             <a:spLocks noGrp="1"/>
           </p:cNvSpPr>
           <p:nvPr>
             <p:ph type="title"/>
           </p:nvPr>
         </p:nvSpPr>
+        <p:spPr/>
+        <p:txBody>
+          <a:bodyPr/>
+          <a:lstStyle/>
+          <a:p>
+            <a:r>
+              <a:rPr lang="de-DE" dirty="0" err="1" smtClean="0"/>
+              <a:t>Architecture</a:t>
+            </a:r>
+            <a:r>
+              <a:rPr lang="de-DE" dirty="0" smtClean="0"/>
+              <a:t> </a:t>
+            </a:r>
+            <a:r>
+              <a:rPr lang="de-DE" dirty="0" smtClean="0"/>
+              <a:t>6.0 (</a:t>
+            </a:r>
+            <a:r>
+              <a:rPr lang="de-DE" dirty="0" err="1" smtClean="0"/>
+              <a:t>draft</a:t>
+            </a:r>
+            <a:r>
+              <a:rPr lang="de-DE" dirty="0" smtClean="0"/>
+              <a:t>)</a:t>
+            </a:r>
+            <a:endParaRPr lang="de-DE" dirty="0"/>
+          </a:p>
+        </p:txBody>
+      </p:sp>
+      <p:pic>
+        <p:nvPicPr>
+          <p:cNvPr id="4" name="Grafik 3"/>
+          <p:cNvPicPr>
+            <a:picLocks noChangeAspect="1"/>
+          </p:cNvPicPr>
+          <p:nvPr/>
+        </p:nvPicPr>
+        <p:blipFill>
+          <a:blip r:embed="rId3">
+            <a:extLst>
+              <a:ext uri="{28A0092B-C50C-407E-A947-70E740481C1C}">
+                <a14:useLocalDpi xmlns:a14="http://schemas.microsoft.com/office/drawing/2010/main" val="0"/>
+              </a:ext>
+            </a:extLst>
+          </a:blip>
+          <a:stretch>
+            <a:fillRect/>
+          </a:stretch>
+        </p:blipFill>
         <p:spPr>
           <a:xfrm>
-            <a:off x="311700" y="445025"/>
-            <a:ext cx="8520600" cy="572700"/>
+            <a:off x="1700212" y="1017725"/>
+            <a:ext cx="5743575" cy="3790950"/>
           </a:xfrm>
           <a:prstGeom prst="rect">
             <a:avLst/>
           </a:prstGeom>
         </p:spPr>
-        <p:txBody>
-          <a:bodyPr spcFirstLastPara="1" wrap="square" lIns="91425" tIns="91425" rIns="91425" bIns="91425" anchor="t" anchorCtr="0">
-            <a:noAutofit/>
-          </a:bodyPr>
-          <a:lstStyle/>
-          <a:p>
-            <a:pPr marL="0" lvl="0" indent="0" algn="l" rtl="0">
-              <a:spcBef>
-                <a:spcPts val="0"/>
-              </a:spcBef>
-              <a:spcAft>
-                <a:spcPts val="0"/>
-              </a:spcAft>
-              <a:buNone/>
-            </a:pPr>
-            <a:r>
-              <a:rPr lang="en"/>
-              <a:t>Tech Stack</a:t>
-            </a:r>
-            <a:endParaRPr/>
-          </a:p>
-        </p:txBody>
-      </p:sp>
-      <p:sp>
-        <p:nvSpPr>
-          <p:cNvPr id="107" name="Google Shape;107;p17"/>
-          <p:cNvSpPr txBox="1">
-            <a:spLocks noGrp="1"/>
-          </p:cNvSpPr>
-          <p:nvPr>
-            <p:ph type="body" idx="1"/>
-          </p:nvPr>
-        </p:nvSpPr>
-        <p:spPr>
-          <a:xfrm>
-            <a:off x="311700" y="1152475"/>
-            <a:ext cx="8520600" cy="3416400"/>
-          </a:xfrm>
-          <a:prstGeom prst="rect">
-            <a:avLst/>
-          </a:prstGeom>
-        </p:spPr>
-        <p:txBody>
-          <a:bodyPr spcFirstLastPara="1" wrap="square" lIns="91425" tIns="91425" rIns="91425" bIns="91425" anchor="t" anchorCtr="0">
-            <a:noAutofit/>
-          </a:bodyPr>
-          <a:lstStyle/>
-          <a:p>
-            <a:pPr marL="457200" lvl="0" indent="-342900" algn="l" rtl="0">
-              <a:spcBef>
-                <a:spcPts val="0"/>
-              </a:spcBef>
-              <a:spcAft>
-                <a:spcPts val="0"/>
-              </a:spcAft>
-              <a:buSzPts val="1800"/>
-              <a:buAutoNum type="arabicPeriod"/>
-            </a:pPr>
-            <a:r>
-              <a:rPr lang="en"/>
-              <a:t>Mock Sensor - Node.js, REST API (Koa / Express)</a:t>
-            </a:r>
-            <a:endParaRPr/>
-          </a:p>
-          <a:p>
-            <a:pPr marL="457200" lvl="0" indent="-342900" algn="l" rtl="0">
-              <a:spcBef>
-                <a:spcPts val="0"/>
-              </a:spcBef>
-              <a:spcAft>
-                <a:spcPts val="0"/>
-              </a:spcAft>
-              <a:buSzPts val="1800"/>
-              <a:buAutoNum type="arabicPeriod"/>
-            </a:pPr>
-            <a:r>
-              <a:rPr lang="en"/>
-              <a:t>Prosumer - Node.js, web3.js / ethers.js, REST API (Koa / Express)</a:t>
-            </a:r>
-            <a:endParaRPr/>
-          </a:p>
-          <a:p>
-            <a:pPr marL="457200" lvl="0" indent="-342900" algn="l" rtl="0">
-              <a:spcBef>
-                <a:spcPts val="0"/>
-              </a:spcBef>
-              <a:spcAft>
-                <a:spcPts val="0"/>
-              </a:spcAft>
-              <a:buSzPts val="1800"/>
-              <a:buAutoNum type="arabicPeriod"/>
-            </a:pPr>
-            <a:r>
-              <a:rPr lang="en"/>
-              <a:t>Authority Node - Parity</a:t>
-            </a:r>
-            <a:endParaRPr/>
-          </a:p>
-          <a:p>
-            <a:pPr marL="457200" lvl="0" indent="-342900" algn="l" rtl="0">
-              <a:spcBef>
-                <a:spcPts val="0"/>
-              </a:spcBef>
-              <a:spcAft>
-                <a:spcPts val="0"/>
-              </a:spcAft>
-              <a:buSzPts val="1800"/>
-              <a:buAutoNum type="arabicPeriod"/>
-            </a:pPr>
-            <a:r>
-              <a:rPr lang="en"/>
-              <a:t>UI - React</a:t>
-            </a:r>
-            <a:endParaRPr/>
-          </a:p>
-          <a:p>
-            <a:pPr marL="457200" lvl="0" indent="-342900" algn="l" rtl="0">
-              <a:spcBef>
-                <a:spcPts val="0"/>
-              </a:spcBef>
-              <a:spcAft>
-                <a:spcPts val="0"/>
-              </a:spcAft>
-              <a:buSzPts val="1800"/>
-              <a:buAutoNum type="arabicPeriod"/>
-            </a:pPr>
-            <a:r>
-              <a:rPr lang="en"/>
-              <a:t>Contracts - Solidity, truffle</a:t>
-            </a:r>
-            <a:endParaRPr/>
-          </a:p>
-          <a:p>
-            <a:pPr marL="0" lvl="0" indent="0" algn="l" rtl="0">
-              <a:spcBef>
-                <a:spcPts val="1600"/>
-              </a:spcBef>
-              <a:spcAft>
-                <a:spcPts val="0"/>
-              </a:spcAft>
-              <a:buNone/>
-            </a:pPr>
-            <a:endParaRPr/>
-          </a:p>
-          <a:p>
-            <a:pPr marL="457200" lvl="0" indent="-342900" algn="l" rtl="0">
-              <a:spcBef>
-                <a:spcPts val="1600"/>
-              </a:spcBef>
-              <a:spcAft>
-                <a:spcPts val="0"/>
-              </a:spcAft>
-              <a:buSzPts val="1800"/>
-              <a:buChar char="+"/>
-            </a:pPr>
-            <a:r>
-              <a:rPr lang="en"/>
-              <a:t>DOCKERFILE for each component and docker-compose</a:t>
-            </a:r>
-            <a:endParaRPr/>
-          </a:p>
-        </p:txBody>
-      </p:sp>
+      </p:pic>
     </p:spTree>
+    <p:extLst>
+      <p:ext uri="{BB962C8B-B14F-4D97-AF65-F5344CB8AC3E}">
+        <p14:creationId xmlns:p14="http://schemas.microsoft.com/office/powerpoint/2010/main" val="446548610"/>
+      </p:ext>
+    </p:extLst>
   </p:cSld>
   <p:clrMapOvr>
     <a:masterClrMapping/>

--- a/documentation/architecture.pptx
+++ b/documentation/architecture.pptx
@@ -930,29 +930,13 @@
             </a:r>
             <a:r>
               <a:rPr lang="de-DE" baseline="0" dirty="0" smtClean="0"/>
-              <a:t> </a:t>
-            </a:r>
-            <a:r>
-              <a:rPr lang="de-DE" baseline="0" dirty="0" smtClean="0"/>
-              <a:t>(5.0 </a:t>
+              <a:t> (5.0 </a:t>
             </a:r>
             <a:r>
               <a:rPr lang="de-DE" baseline="0" dirty="0" smtClean="0">
                 <a:sym typeface="Wingdings" panose="05000000000000000000" pitchFamily="2" charset="2"/>
               </a:rPr>
-              <a:t> </a:t>
-            </a:r>
-            <a:r>
-              <a:rPr lang="de-DE" baseline="0" dirty="0" smtClean="0">
-                <a:sym typeface="Wingdings" panose="05000000000000000000" pitchFamily="2" charset="2"/>
-              </a:rPr>
-              <a:t>6.0</a:t>
-            </a:r>
-            <a:r>
-              <a:rPr lang="de-DE" baseline="0" dirty="0" smtClean="0">
-                <a:sym typeface="Wingdings" panose="05000000000000000000" pitchFamily="2" charset="2"/>
-              </a:rPr>
-              <a:t>)</a:t>
+              <a:t> 6.0)</a:t>
             </a:r>
           </a:p>
           <a:p>
@@ -4067,7 +4051,6 @@
               <a:rPr lang="de-DE" baseline="0" dirty="0" smtClean="0"/>
               <a:t> 06/18/19</a:t>
             </a:r>
-            <a:endParaRPr lang="de-DE" baseline="0" dirty="0" smtClean="0"/>
           </a:p>
         </p:txBody>
       </p:sp>
@@ -9010,11 +8993,7 @@
             </a:r>
             <a:r>
               <a:rPr lang="de-DE" dirty="0" smtClean="0"/>
-              <a:t> </a:t>
-            </a:r>
-            <a:r>
-              <a:rPr lang="de-DE" dirty="0" smtClean="0"/>
-              <a:t>6.0</a:t>
+              <a:t> 6.0</a:t>
             </a:r>
             <a:endParaRPr lang="de-DE" dirty="0"/>
           </a:p>
@@ -9022,13 +9001,13 @@
       </p:sp>
       <p:pic>
         <p:nvPicPr>
-          <p:cNvPr id="5" name="Grafik 4"/>
+          <p:cNvPr id="3" name="Grafik 2"/>
           <p:cNvPicPr>
             <a:picLocks noChangeAspect="1"/>
           </p:cNvPicPr>
           <p:nvPr/>
         </p:nvPicPr>
-        <p:blipFill rotWithShape="1">
+        <p:blipFill>
           <a:blip r:embed="rId3">
             <a:extLst>
               <a:ext uri="{28A0092B-C50C-407E-A947-70E740481C1C}">
@@ -9036,13 +9015,14 @@
               </a:ext>
             </a:extLst>
           </a:blip>
-          <a:srcRect r="811"/>
-          <a:stretch/>
+          <a:stretch>
+            <a:fillRect/>
+          </a:stretch>
         </p:blipFill>
         <p:spPr>
           <a:xfrm>
-            <a:off x="1158258" y="1017725"/>
-            <a:ext cx="6772084" cy="3915641"/>
+            <a:off x="1155937" y="1017725"/>
+            <a:ext cx="6832125" cy="3918302"/>
           </a:xfrm>
           <a:prstGeom prst="rect">
             <a:avLst/>
@@ -11541,11 +11521,7 @@
             </a:r>
             <a:r>
               <a:rPr lang="de-DE" dirty="0" smtClean="0"/>
-              <a:t> </a:t>
-            </a:r>
-            <a:r>
-              <a:rPr lang="de-DE" dirty="0" smtClean="0"/>
-              <a:t>6.0 (</a:t>
+              <a:t> 6.0 (</a:t>
             </a:r>
             <a:r>
               <a:rPr lang="de-DE" dirty="0" err="1" smtClean="0"/>

--- a/documentation/architecture.pptx
+++ b/documentation/architecture.pptx
@@ -5,7 +5,7 @@
     <p:sldMasterId id="2147483659" r:id="rId1"/>
   </p:sldMasterIdLst>
   <p:notesMasterIdLst>
-    <p:notesMasterId r:id="rId13"/>
+    <p:notesMasterId r:id="rId14"/>
   </p:notesMasterIdLst>
   <p:sldIdLst>
     <p:sldId id="256" r:id="rId2"/>
@@ -18,7 +18,8 @@
     <p:sldId id="264" r:id="rId9"/>
     <p:sldId id="265" r:id="rId10"/>
     <p:sldId id="266" r:id="rId11"/>
-    <p:sldId id="260" r:id="rId12"/>
+    <p:sldId id="267" r:id="rId12"/>
+    <p:sldId id="260" r:id="rId13"/>
   </p:sldIdLst>
   <p:sldSz cx="9144000" cy="5143500" type="screen16x9"/>
   <p:notesSz cx="6858000" cy="9144000"/>
@@ -1160,6 +1161,393 @@
 </file>
 
 <file path=ppt/notesSlides/notesSlide11.xml><?xml version="1.0" encoding="utf-8"?>
+<p:notes xmlns:a="http://schemas.openxmlformats.org/drawingml/2006/main" xmlns:r="http://schemas.openxmlformats.org/officeDocument/2006/relationships" xmlns:p="http://schemas.openxmlformats.org/presentationml/2006/main">
+  <p:cSld>
+    <p:spTree>
+      <p:nvGrpSpPr>
+        <p:cNvPr id="1" name=""/>
+        <p:cNvGrpSpPr/>
+        <p:nvPr/>
+      </p:nvGrpSpPr>
+      <p:grpSpPr>
+        <a:xfrm>
+          <a:off x="0" y="0"/>
+          <a:ext cx="0" cy="0"/>
+          <a:chOff x="0" y="0"/>
+          <a:chExt cx="0" cy="0"/>
+        </a:xfrm>
+      </p:grpSpPr>
+      <p:sp>
+        <p:nvSpPr>
+          <p:cNvPr id="2" name="Folienbildplatzhalter 1"/>
+          <p:cNvSpPr>
+            <a:spLocks noGrp="1" noRot="1" noChangeAspect="1"/>
+          </p:cNvSpPr>
+          <p:nvPr>
+            <p:ph type="sldImg"/>
+          </p:nvPr>
+        </p:nvSpPr>
+        <p:spPr>
+          <a:xfrm>
+            <a:off x="381000" y="685800"/>
+            <a:ext cx="6096000" cy="3429000"/>
+          </a:xfrm>
+        </p:spPr>
+      </p:sp>
+      <p:sp>
+        <p:nvSpPr>
+          <p:cNvPr id="3" name="Notizenplatzhalter 2"/>
+          <p:cNvSpPr>
+            <a:spLocks noGrp="1"/>
+          </p:cNvSpPr>
+          <p:nvPr>
+            <p:ph type="body" idx="1"/>
+          </p:nvPr>
+        </p:nvSpPr>
+        <p:spPr/>
+        <p:txBody>
+          <a:bodyPr/>
+          <a:lstStyle/>
+          <a:p>
+            <a:pPr marL="158750" indent="0">
+              <a:buNone/>
+            </a:pPr>
+            <a:r>
+              <a:rPr lang="de-DE" dirty="0" err="1" smtClean="0"/>
+              <a:t>Changes</a:t>
+            </a:r>
+            <a:r>
+              <a:rPr lang="de-DE" baseline="0" dirty="0" smtClean="0"/>
+              <a:t> </a:t>
+            </a:r>
+            <a:r>
+              <a:rPr lang="de-DE" baseline="0" dirty="0" smtClean="0"/>
+              <a:t>(6.0 </a:t>
+            </a:r>
+            <a:r>
+              <a:rPr lang="de-DE" baseline="0" dirty="0" smtClean="0">
+                <a:sym typeface="Wingdings" panose="05000000000000000000" pitchFamily="2" charset="2"/>
+              </a:rPr>
+              <a:t> </a:t>
+            </a:r>
+            <a:r>
+              <a:rPr lang="de-DE" baseline="0" dirty="0" smtClean="0">
+                <a:sym typeface="Wingdings" panose="05000000000000000000" pitchFamily="2" charset="2"/>
+              </a:rPr>
+              <a:t>7.0)</a:t>
+            </a:r>
+            <a:endParaRPr lang="de-DE" baseline="0" dirty="0" smtClean="0">
+              <a:sym typeface="Wingdings" panose="05000000000000000000" pitchFamily="2" charset="2"/>
+            </a:endParaRPr>
+          </a:p>
+          <a:p>
+            <a:pPr marL="457200" indent="-298450">
+              <a:buFont typeface="Symbol" panose="05050102010706020507" pitchFamily="18" charset="2"/>
+              <a:buChar char="-"/>
+            </a:pPr>
+            <a:r>
+              <a:rPr lang="de-DE" dirty="0" smtClean="0"/>
+              <a:t>UI</a:t>
+            </a:r>
+            <a:r>
+              <a:rPr lang="de-DE" baseline="0" dirty="0" smtClean="0"/>
+              <a:t> </a:t>
+            </a:r>
+            <a:r>
+              <a:rPr lang="de-DE" baseline="0" dirty="0" err="1" smtClean="0"/>
+              <a:t>only</a:t>
+            </a:r>
+            <a:r>
+              <a:rPr lang="de-DE" baseline="0" dirty="0" smtClean="0"/>
+              <a:t> </a:t>
+            </a:r>
+            <a:r>
+              <a:rPr lang="de-DE" baseline="0" dirty="0" err="1" smtClean="0"/>
+              <a:t>connected</a:t>
+            </a:r>
+            <a:r>
+              <a:rPr lang="de-DE" baseline="0" dirty="0" smtClean="0"/>
+              <a:t> </a:t>
+            </a:r>
+            <a:r>
+              <a:rPr lang="de-DE" baseline="0" dirty="0" err="1" smtClean="0"/>
+              <a:t>to</a:t>
+            </a:r>
+            <a:r>
+              <a:rPr lang="de-DE" baseline="0" dirty="0" smtClean="0"/>
+              <a:t> HPU</a:t>
+            </a:r>
+          </a:p>
+          <a:p>
+            <a:pPr marL="457200" indent="-298450">
+              <a:buFont typeface="Symbol" panose="05050102010706020507" pitchFamily="18" charset="2"/>
+              <a:buChar char="-"/>
+            </a:pPr>
+            <a:r>
+              <a:rPr lang="de-DE" baseline="0" dirty="0" smtClean="0">
+                <a:sym typeface="Wingdings" panose="05000000000000000000" pitchFamily="2" charset="2"/>
+              </a:rPr>
+              <a:t>HPU </a:t>
+            </a:r>
+            <a:r>
+              <a:rPr lang="de-DE" baseline="0" dirty="0" err="1" smtClean="0">
+                <a:sym typeface="Wingdings" panose="05000000000000000000" pitchFamily="2" charset="2"/>
+              </a:rPr>
+              <a:t>collects</a:t>
+            </a:r>
+            <a:r>
+              <a:rPr lang="de-DE" baseline="0" dirty="0" smtClean="0">
+                <a:sym typeface="Wingdings" panose="05000000000000000000" pitchFamily="2" charset="2"/>
+              </a:rPr>
+              <a:t> </a:t>
+            </a:r>
+            <a:r>
+              <a:rPr lang="de-DE" baseline="0" dirty="0" err="1" smtClean="0">
+                <a:sym typeface="Wingdings" panose="05000000000000000000" pitchFamily="2" charset="2"/>
+              </a:rPr>
+              <a:t>Deeds</a:t>
+            </a:r>
+            <a:r>
+              <a:rPr lang="de-DE" baseline="0" dirty="0" smtClean="0">
+                <a:sym typeface="Wingdings" panose="05000000000000000000" pitchFamily="2" charset="2"/>
+              </a:rPr>
+              <a:t> </a:t>
+            </a:r>
+            <a:r>
+              <a:rPr lang="de-DE" baseline="0" dirty="0" err="1" smtClean="0">
+                <a:sym typeface="Wingdings" panose="05000000000000000000" pitchFamily="2" charset="2"/>
+              </a:rPr>
+              <a:t>from</a:t>
+            </a:r>
+            <a:r>
+              <a:rPr lang="de-DE" baseline="0" dirty="0" smtClean="0">
+                <a:sym typeface="Wingdings" panose="05000000000000000000" pitchFamily="2" charset="2"/>
+              </a:rPr>
+              <a:t> NED</a:t>
+            </a:r>
+          </a:p>
+          <a:p>
+            <a:pPr marL="457200" indent="-298450">
+              <a:buFont typeface="Symbol" panose="05050102010706020507" pitchFamily="18" charset="2"/>
+              <a:buChar char="-"/>
+            </a:pPr>
+            <a:r>
+              <a:rPr lang="de-DE" baseline="0" dirty="0" err="1" smtClean="0">
+                <a:sym typeface="Wingdings" panose="05000000000000000000" pitchFamily="2" charset="2"/>
+              </a:rPr>
+              <a:t>dUtility</a:t>
+            </a:r>
+            <a:r>
+              <a:rPr lang="de-DE" baseline="0" dirty="0" smtClean="0">
+                <a:sym typeface="Wingdings" panose="05000000000000000000" pitchFamily="2" charset="2"/>
+              </a:rPr>
+              <a:t> </a:t>
+            </a:r>
+            <a:r>
+              <a:rPr lang="de-DE" baseline="0" dirty="0" err="1" smtClean="0">
+                <a:sym typeface="Wingdings" panose="05000000000000000000" pitchFamily="2" charset="2"/>
+              </a:rPr>
+              <a:t>conected</a:t>
+            </a:r>
+            <a:r>
+              <a:rPr lang="de-DE" baseline="0" dirty="0" smtClean="0">
+                <a:sym typeface="Wingdings" panose="05000000000000000000" pitchFamily="2" charset="2"/>
+              </a:rPr>
+              <a:t> </a:t>
+            </a:r>
+            <a:r>
+              <a:rPr lang="de-DE" baseline="0" dirty="0" err="1" smtClean="0">
+                <a:sym typeface="Wingdings" panose="05000000000000000000" pitchFamily="2" charset="2"/>
+              </a:rPr>
+              <a:t>to</a:t>
+            </a:r>
+            <a:r>
+              <a:rPr lang="de-DE" baseline="0" dirty="0" smtClean="0">
+                <a:sym typeface="Wingdings" panose="05000000000000000000" pitchFamily="2" charset="2"/>
+              </a:rPr>
+              <a:t> VS</a:t>
+            </a:r>
+          </a:p>
+          <a:p>
+            <a:pPr marL="457200" indent="-298450">
+              <a:buFont typeface="Symbol" panose="05050102010706020507" pitchFamily="18" charset="2"/>
+              <a:buChar char="-"/>
+            </a:pPr>
+            <a:r>
+              <a:rPr lang="de-DE" baseline="0" dirty="0" smtClean="0">
+                <a:sym typeface="Wingdings" panose="05000000000000000000" pitchFamily="2" charset="2"/>
+              </a:rPr>
+              <a:t>HPU </a:t>
+            </a:r>
+            <a:r>
+              <a:rPr lang="de-DE" baseline="0" dirty="0" err="1" smtClean="0">
+                <a:sym typeface="Wingdings" panose="05000000000000000000" pitchFamily="2" charset="2"/>
+              </a:rPr>
+              <a:t>sends</a:t>
+            </a:r>
+            <a:r>
+              <a:rPr lang="de-DE" baseline="0" dirty="0" smtClean="0">
+                <a:sym typeface="Wingdings" panose="05000000000000000000" pitchFamily="2" charset="2"/>
+              </a:rPr>
+              <a:t> </a:t>
+            </a:r>
+            <a:r>
+              <a:rPr lang="de-DE" baseline="0" dirty="0" err="1" smtClean="0">
+                <a:sym typeface="Wingdings" panose="05000000000000000000" pitchFamily="2" charset="2"/>
+              </a:rPr>
+              <a:t>hashes</a:t>
+            </a:r>
+            <a:r>
+              <a:rPr lang="de-DE" baseline="0" dirty="0" smtClean="0">
+                <a:sym typeface="Wingdings" panose="05000000000000000000" pitchFamily="2" charset="2"/>
+              </a:rPr>
+              <a:t> </a:t>
+            </a:r>
+            <a:r>
+              <a:rPr lang="de-DE" baseline="0" dirty="0" err="1" smtClean="0">
+                <a:sym typeface="Wingdings" panose="05000000000000000000" pitchFamily="2" charset="2"/>
+              </a:rPr>
+              <a:t>meter</a:t>
+            </a:r>
+            <a:r>
+              <a:rPr lang="de-DE" baseline="0" dirty="0" smtClean="0">
+                <a:sym typeface="Wingdings" panose="05000000000000000000" pitchFamily="2" charset="2"/>
+              </a:rPr>
+              <a:t> </a:t>
+            </a:r>
+            <a:r>
+              <a:rPr lang="de-DE" baseline="0" dirty="0" err="1" smtClean="0">
+                <a:sym typeface="Wingdings" panose="05000000000000000000" pitchFamily="2" charset="2"/>
+              </a:rPr>
+              <a:t>values</a:t>
+            </a:r>
+            <a:r>
+              <a:rPr lang="de-DE" baseline="0" dirty="0" smtClean="0">
+                <a:sym typeface="Wingdings" panose="05000000000000000000" pitchFamily="2" charset="2"/>
+              </a:rPr>
+              <a:t> </a:t>
+            </a:r>
+            <a:r>
+              <a:rPr lang="de-DE" baseline="0" dirty="0" err="1" smtClean="0">
+                <a:sym typeface="Wingdings" panose="05000000000000000000" pitchFamily="2" charset="2"/>
+              </a:rPr>
+              <a:t>to</a:t>
+            </a:r>
+            <a:r>
+              <a:rPr lang="de-DE" baseline="0" dirty="0" smtClean="0">
+                <a:sym typeface="Wingdings" panose="05000000000000000000" pitchFamily="2" charset="2"/>
+              </a:rPr>
+              <a:t> </a:t>
+            </a:r>
+            <a:r>
+              <a:rPr lang="de-DE" baseline="0" dirty="0" err="1" smtClean="0">
+                <a:sym typeface="Wingdings" panose="05000000000000000000" pitchFamily="2" charset="2"/>
+              </a:rPr>
+              <a:t>dUtility</a:t>
+            </a:r>
+            <a:endParaRPr lang="de-DE" baseline="0" dirty="0" smtClean="0">
+              <a:sym typeface="Wingdings" panose="05000000000000000000" pitchFamily="2" charset="2"/>
+            </a:endParaRPr>
+          </a:p>
+          <a:p>
+            <a:pPr marL="457200" indent="-298450">
+              <a:buFont typeface="Symbol" panose="05050102010706020507" pitchFamily="18" charset="2"/>
+              <a:buChar char="-"/>
+            </a:pPr>
+            <a:r>
+              <a:rPr lang="de-DE" baseline="0" dirty="0" smtClean="0">
+                <a:sym typeface="Wingdings" panose="05000000000000000000" pitchFamily="2" charset="2"/>
+              </a:rPr>
+              <a:t>HPU </a:t>
+            </a:r>
+            <a:r>
+              <a:rPr lang="de-DE" baseline="0" dirty="0" err="1" smtClean="0">
+                <a:sym typeface="Wingdings" panose="05000000000000000000" pitchFamily="2" charset="2"/>
+              </a:rPr>
+              <a:t>sends</a:t>
+            </a:r>
+            <a:r>
+              <a:rPr lang="de-DE" baseline="0" dirty="0" smtClean="0">
+                <a:sym typeface="Wingdings" panose="05000000000000000000" pitchFamily="2" charset="2"/>
+              </a:rPr>
+              <a:t> </a:t>
+            </a:r>
+            <a:r>
+              <a:rPr lang="de-DE" baseline="0" dirty="0" err="1" smtClean="0">
+                <a:sym typeface="Wingdings" panose="05000000000000000000" pitchFamily="2" charset="2"/>
+              </a:rPr>
+              <a:t>plain</a:t>
+            </a:r>
+            <a:r>
+              <a:rPr lang="de-DE" baseline="0" dirty="0" smtClean="0">
+                <a:sym typeface="Wingdings" panose="05000000000000000000" pitchFamily="2" charset="2"/>
+              </a:rPr>
+              <a:t> </a:t>
+            </a:r>
+            <a:r>
+              <a:rPr lang="de-DE" baseline="0" dirty="0" err="1" smtClean="0">
+                <a:sym typeface="Wingdings" panose="05000000000000000000" pitchFamily="2" charset="2"/>
+              </a:rPr>
+              <a:t>values</a:t>
+            </a:r>
+            <a:r>
+              <a:rPr lang="de-DE" baseline="0" dirty="0" smtClean="0">
+                <a:sym typeface="Wingdings" panose="05000000000000000000" pitchFamily="2" charset="2"/>
+              </a:rPr>
+              <a:t> </a:t>
+            </a:r>
+            <a:r>
+              <a:rPr lang="de-DE" baseline="0" dirty="0" err="1" smtClean="0">
+                <a:sym typeface="Wingdings" panose="05000000000000000000" pitchFamily="2" charset="2"/>
+              </a:rPr>
+              <a:t>to</a:t>
+            </a:r>
+            <a:r>
+              <a:rPr lang="de-DE" baseline="0" smtClean="0">
+                <a:sym typeface="Wingdings" panose="05000000000000000000" pitchFamily="2" charset="2"/>
+              </a:rPr>
+              <a:t> NED </a:t>
+            </a:r>
+          </a:p>
+          <a:p>
+            <a:pPr marL="457200" indent="-298450">
+              <a:buFont typeface="Symbol" panose="05050102010706020507" pitchFamily="18" charset="2"/>
+              <a:buChar char="-"/>
+            </a:pPr>
+            <a:endParaRPr lang="de-DE" baseline="0" dirty="0" smtClean="0">
+              <a:sym typeface="Wingdings" panose="05000000000000000000" pitchFamily="2" charset="2"/>
+            </a:endParaRPr>
+          </a:p>
+          <a:p>
+            <a:pPr marL="457200" lvl="0" indent="-298450">
+              <a:buFont typeface="Symbol" panose="05050102010706020507" pitchFamily="18" charset="2"/>
+              <a:buChar char="-"/>
+            </a:pPr>
+            <a:endParaRPr lang="de-DE" baseline="0" dirty="0" smtClean="0"/>
+          </a:p>
+          <a:p>
+            <a:pPr marL="457200" indent="-298450">
+              <a:buFont typeface="Symbol" panose="05050102010706020507" pitchFamily="18" charset="2"/>
+              <a:buChar char="-"/>
+            </a:pPr>
+            <a:endParaRPr lang="de-DE" baseline="0" dirty="0" smtClean="0"/>
+          </a:p>
+        </p:txBody>
+      </p:sp>
+    </p:spTree>
+    <p:extLst>
+      <p:ext uri="{BB962C8B-B14F-4D97-AF65-F5344CB8AC3E}">
+        <p14:creationId xmlns:p14="http://schemas.microsoft.com/office/powerpoint/2010/main" val="4242965569"/>
+      </p:ext>
+    </p:extLst>
+  </p:cSld>
+  <p:clrMapOvr>
+    <a:masterClrMapping/>
+  </p:clrMapOvr>
+</p:notes>
+</file>
+
+<file path=ppt/notesSlides/notesSlide12.xml><?xml version="1.0" encoding="utf-8"?>
 <p:notes xmlns:a="http://schemas.openxmlformats.org/drawingml/2006/main" xmlns:r="http://schemas.openxmlformats.org/officeDocument/2006/relationships" xmlns:p="http://schemas.openxmlformats.org/presentationml/2006/main" showMasterSp="0" showMasterPhAnim="0">
   <p:cSld>
     <p:spTree>
@@ -9059,6 +9447,109 @@
   <p:cSld>
     <p:spTree>
       <p:nvGrpSpPr>
+        <p:cNvPr id="1" name=""/>
+        <p:cNvGrpSpPr/>
+        <p:nvPr/>
+      </p:nvGrpSpPr>
+      <p:grpSpPr>
+        <a:xfrm>
+          <a:off x="0" y="0"/>
+          <a:ext cx="0" cy="0"/>
+          <a:chOff x="0" y="0"/>
+          <a:chExt cx="0" cy="0"/>
+        </a:xfrm>
+      </p:grpSpPr>
+      <p:sp>
+        <p:nvSpPr>
+          <p:cNvPr id="2" name="Titel 1"/>
+          <p:cNvSpPr>
+            <a:spLocks noGrp="1"/>
+          </p:cNvSpPr>
+          <p:nvPr>
+            <p:ph type="title"/>
+          </p:nvPr>
+        </p:nvSpPr>
+        <p:spPr/>
+        <p:txBody>
+          <a:bodyPr/>
+          <a:lstStyle/>
+          <a:p>
+            <a:r>
+              <a:rPr lang="de-DE" dirty="0" err="1" smtClean="0"/>
+              <a:t>Architecture</a:t>
+            </a:r>
+            <a:r>
+              <a:rPr lang="de-DE" dirty="0" smtClean="0"/>
+              <a:t> </a:t>
+            </a:r>
+            <a:r>
+              <a:rPr lang="de-DE" dirty="0" smtClean="0"/>
+              <a:t>7.0</a:t>
+            </a:r>
+            <a:endParaRPr lang="de-DE" dirty="0"/>
+          </a:p>
+        </p:txBody>
+      </p:sp>
+      <p:pic>
+        <p:nvPicPr>
+          <p:cNvPr id="5" name="Grafik 4"/>
+          <p:cNvPicPr>
+            <a:picLocks noChangeAspect="1"/>
+          </p:cNvPicPr>
+          <p:nvPr/>
+        </p:nvPicPr>
+        <p:blipFill>
+          <a:blip r:embed="rId3">
+            <a:extLst>
+              <a:ext uri="{28A0092B-C50C-407E-A947-70E740481C1C}">
+                <a14:useLocalDpi xmlns:a14="http://schemas.microsoft.com/office/drawing/2010/main" val="0"/>
+              </a:ext>
+            </a:extLst>
+          </a:blip>
+          <a:stretch>
+            <a:fillRect/>
+          </a:stretch>
+        </p:blipFill>
+        <p:spPr>
+          <a:xfrm>
+            <a:off x="1187205" y="1017725"/>
+            <a:ext cx="6769590" cy="3891896"/>
+          </a:xfrm>
+          <a:prstGeom prst="rect">
+            <a:avLst/>
+          </a:prstGeom>
+          <a:ln w="28575">
+            <a:solidFill>
+              <a:schemeClr val="tx1"/>
+            </a:solidFill>
+          </a:ln>
+        </p:spPr>
+      </p:pic>
+    </p:spTree>
+    <p:extLst>
+      <p:ext uri="{BB962C8B-B14F-4D97-AF65-F5344CB8AC3E}">
+        <p14:creationId xmlns:p14="http://schemas.microsoft.com/office/powerpoint/2010/main" val="1857902947"/>
+      </p:ext>
+    </p:extLst>
+  </p:cSld>
+  <p:clrMapOvr>
+    <a:masterClrMapping/>
+  </p:clrMapOvr>
+  <p:timing>
+    <p:tnLst>
+      <p:par>
+        <p:cTn id="1" dur="indefinite" restart="never" nodeType="tmRoot"/>
+      </p:par>
+    </p:tnLst>
+  </p:timing>
+</p:sld>
+</file>
+
+<file path=ppt/slides/slide12.xml><?xml version="1.0" encoding="utf-8"?>
+<p:sld xmlns:a="http://schemas.openxmlformats.org/drawingml/2006/main" xmlns:r="http://schemas.openxmlformats.org/officeDocument/2006/relationships" xmlns:p="http://schemas.openxmlformats.org/presentationml/2006/main">
+  <p:cSld>
+    <p:spTree>
+      <p:nvGrpSpPr>
         <p:cNvPr id="1" name="Shape 105"/>
         <p:cNvGrpSpPr/>
         <p:nvPr/>

--- a/documentation/architecture.pptx
+++ b/documentation/architecture.pptx
@@ -1218,27 +1218,14 @@
             </a:r>
             <a:r>
               <a:rPr lang="de-DE" baseline="0" dirty="0" smtClean="0"/>
-              <a:t> </a:t>
-            </a:r>
-            <a:r>
-              <a:rPr lang="de-DE" baseline="0" dirty="0" smtClean="0"/>
-              <a:t>(6.0 </a:t>
+              <a:t> (6.0 </a:t>
             </a:r>
             <a:r>
               <a:rPr lang="de-DE" baseline="0" dirty="0" smtClean="0">
                 <a:sym typeface="Wingdings" panose="05000000000000000000" pitchFamily="2" charset="2"/>
               </a:rPr>
-              <a:t> </a:t>
-            </a:r>
-            <a:r>
-              <a:rPr lang="de-DE" baseline="0" dirty="0" smtClean="0">
-                <a:sym typeface="Wingdings" panose="05000000000000000000" pitchFamily="2" charset="2"/>
-              </a:rPr>
-              <a:t>7.0)</a:t>
-            </a:r>
-            <a:endParaRPr lang="de-DE" baseline="0" dirty="0" smtClean="0">
-              <a:sym typeface="Wingdings" panose="05000000000000000000" pitchFamily="2" charset="2"/>
-            </a:endParaRPr>
+              <a:t> 7.0)</a:t>
+            </a:r>
           </a:p>
           <a:p>
             <a:pPr marL="457200" indent="-298450">
@@ -9480,11 +9467,7 @@
             </a:r>
             <a:r>
               <a:rPr lang="de-DE" dirty="0" smtClean="0"/>
-              <a:t> </a:t>
-            </a:r>
-            <a:r>
-              <a:rPr lang="de-DE" dirty="0" smtClean="0"/>
-              <a:t>7.0</a:t>
+              <a:t> 7.0</a:t>
             </a:r>
             <a:endParaRPr lang="de-DE" dirty="0"/>
           </a:p>
@@ -9492,7 +9475,7 @@
       </p:sp>
       <p:pic>
         <p:nvPicPr>
-          <p:cNvPr id="5" name="Grafik 4"/>
+          <p:cNvPr id="3" name="Grafik 2"/>
           <p:cNvPicPr>
             <a:picLocks noChangeAspect="1"/>
           </p:cNvPicPr>
@@ -9512,8 +9495,8 @@
         </p:blipFill>
         <p:spPr>
           <a:xfrm>
-            <a:off x="1187205" y="1017725"/>
-            <a:ext cx="6769590" cy="3891896"/>
+            <a:off x="1129015" y="1017725"/>
+            <a:ext cx="6885969" cy="3950416"/>
           </a:xfrm>
           <a:prstGeom prst="rect">
             <a:avLst/>
